--- a/fall11/slidesF11/slides5w.pptx
+++ b/fall11/slidesF11/slides5w.pptx
@@ -5,10 +5,10 @@
     <p:sldMasterId id="2147483650" r:id="rId1"/>
   </p:sldMasterIdLst>
   <p:notesMasterIdLst>
-    <p:notesMasterId r:id="rId49"/>
+    <p:notesMasterId r:id="rId50"/>
   </p:notesMasterIdLst>
   <p:handoutMasterIdLst>
-    <p:handoutMasterId r:id="rId50"/>
+    <p:handoutMasterId r:id="rId51"/>
   </p:handoutMasterIdLst>
   <p:sldIdLst>
     <p:sldId id="728" r:id="rId2"/>
@@ -26,43 +26,44 @@
     <p:sldId id="885" r:id="rId14"/>
     <p:sldId id="883" r:id="rId15"/>
     <p:sldId id="884" r:id="rId16"/>
-    <p:sldId id="886" r:id="rId17"/>
-    <p:sldId id="888" r:id="rId18"/>
-    <p:sldId id="889" r:id="rId19"/>
-    <p:sldId id="810" r:id="rId20"/>
-    <p:sldId id="845" r:id="rId21"/>
-    <p:sldId id="819" r:id="rId22"/>
-    <p:sldId id="874" r:id="rId23"/>
-    <p:sldId id="820" r:id="rId24"/>
-    <p:sldId id="821" r:id="rId25"/>
-    <p:sldId id="854" r:id="rId26"/>
-    <p:sldId id="822" r:id="rId27"/>
-    <p:sldId id="876" r:id="rId28"/>
-    <p:sldId id="877" r:id="rId29"/>
-    <p:sldId id="878" r:id="rId30"/>
-    <p:sldId id="879" r:id="rId31"/>
-    <p:sldId id="880" r:id="rId32"/>
-    <p:sldId id="828" r:id="rId33"/>
-    <p:sldId id="882" r:id="rId34"/>
-    <p:sldId id="829" r:id="rId35"/>
-    <p:sldId id="835" r:id="rId36"/>
-    <p:sldId id="866" r:id="rId37"/>
-    <p:sldId id="861" r:id="rId38"/>
-    <p:sldId id="868" r:id="rId39"/>
-    <p:sldId id="862" r:id="rId40"/>
-    <p:sldId id="863" r:id="rId41"/>
-    <p:sldId id="865" r:id="rId42"/>
-    <p:sldId id="846" r:id="rId43"/>
-    <p:sldId id="852" r:id="rId44"/>
-    <p:sldId id="847" r:id="rId45"/>
-    <p:sldId id="848" r:id="rId46"/>
-    <p:sldId id="849" r:id="rId47"/>
-    <p:sldId id="824" r:id="rId48"/>
+    <p:sldId id="892" r:id="rId17"/>
+    <p:sldId id="886" r:id="rId18"/>
+    <p:sldId id="888" r:id="rId19"/>
+    <p:sldId id="889" r:id="rId20"/>
+    <p:sldId id="810" r:id="rId21"/>
+    <p:sldId id="845" r:id="rId22"/>
+    <p:sldId id="819" r:id="rId23"/>
+    <p:sldId id="874" r:id="rId24"/>
+    <p:sldId id="820" r:id="rId25"/>
+    <p:sldId id="821" r:id="rId26"/>
+    <p:sldId id="854" r:id="rId27"/>
+    <p:sldId id="822" r:id="rId28"/>
+    <p:sldId id="876" r:id="rId29"/>
+    <p:sldId id="877" r:id="rId30"/>
+    <p:sldId id="878" r:id="rId31"/>
+    <p:sldId id="879" r:id="rId32"/>
+    <p:sldId id="880" r:id="rId33"/>
+    <p:sldId id="828" r:id="rId34"/>
+    <p:sldId id="882" r:id="rId35"/>
+    <p:sldId id="829" r:id="rId36"/>
+    <p:sldId id="835" r:id="rId37"/>
+    <p:sldId id="866" r:id="rId38"/>
+    <p:sldId id="861" r:id="rId39"/>
+    <p:sldId id="868" r:id="rId40"/>
+    <p:sldId id="862" r:id="rId41"/>
+    <p:sldId id="863" r:id="rId42"/>
+    <p:sldId id="865" r:id="rId43"/>
+    <p:sldId id="846" r:id="rId44"/>
+    <p:sldId id="852" r:id="rId45"/>
+    <p:sldId id="847" r:id="rId46"/>
+    <p:sldId id="848" r:id="rId47"/>
+    <p:sldId id="849" r:id="rId48"/>
+    <p:sldId id="824" r:id="rId49"/>
   </p:sldIdLst>
   <p:sldSz cx="9144000" cy="6858000" type="screen4x3"/>
   <p:notesSz cx="7315200" cy="9601200"/>
   <p:custDataLst>
-    <p:tags r:id="rId52"/>
+    <p:tags r:id="rId53"/>
   </p:custDataLst>
   <p:defaultTextStyle>
     <a:defPPr>
@@ -1185,6 +1186,100 @@
       </p:grpSpPr>
       <p:sp>
         <p:nvSpPr>
+          <p:cNvPr id="65538" name="Rectangle 7"/>
+          <p:cNvSpPr>
+            <a:spLocks noGrp="1" noChangeArrowheads="1"/>
+          </p:cNvSpPr>
+          <p:nvPr>
+            <p:ph type="sldNum" sz="quarter" idx="5"/>
+          </p:nvPr>
+        </p:nvSpPr>
+        <p:spPr>
+          <a:noFill/>
+        </p:spPr>
+        <p:txBody>
+          <a:bodyPr/>
+          <a:lstStyle/>
+          <a:p>
+            <a:fld id="{EEC78EEE-97B5-4226-9E7C-A9D1AB189F42}" type="slidenum">
+              <a:rPr lang="en-US" smtClean="0">
+                <a:latin typeface="Times New Roman" pitchFamily="8" charset="0"/>
+              </a:rPr>
+              <a:pPr/>
+              <a:t>16</a:t>
+            </a:fld>
+            <a:endParaRPr lang="en-US" smtClean="0">
+              <a:latin typeface="Times New Roman" pitchFamily="8" charset="0"/>
+            </a:endParaRPr>
+          </a:p>
+        </p:txBody>
+      </p:sp>
+      <p:sp>
+        <p:nvSpPr>
+          <p:cNvPr id="65539" name="Rectangle 2"/>
+          <p:cNvSpPr>
+            <a:spLocks noGrp="1" noRot="1" noChangeAspect="1" noChangeArrowheads="1" noTextEdit="1"/>
+          </p:cNvSpPr>
+          <p:nvPr>
+            <p:ph type="sldImg"/>
+          </p:nvPr>
+        </p:nvSpPr>
+        <p:spPr>
+          <a:ln/>
+        </p:spPr>
+      </p:sp>
+      <p:sp>
+        <p:nvSpPr>
+          <p:cNvPr id="65540" name="Rectangle 3"/>
+          <p:cNvSpPr>
+            <a:spLocks noGrp="1" noChangeArrowheads="1"/>
+          </p:cNvSpPr>
+          <p:nvPr>
+            <p:ph type="body" idx="1"/>
+          </p:nvPr>
+        </p:nvSpPr>
+        <p:spPr>
+          <a:noFill/>
+          <a:ln/>
+        </p:spPr>
+        <p:txBody>
+          <a:bodyPr/>
+          <a:lstStyle/>
+          <a:p>
+            <a:pPr eaLnBrk="1" hangingPunct="1"/>
+            <a:endParaRPr lang="en-US" smtClean="0">
+              <a:latin typeface="Times New Roman" pitchFamily="8" charset="0"/>
+            </a:endParaRPr>
+          </a:p>
+        </p:txBody>
+      </p:sp>
+    </p:spTree>
+  </p:cSld>
+  <p:clrMapOvr>
+    <a:masterClrMapping/>
+  </p:clrMapOvr>
+</p:notes>
+</file>
+
+<file path=ppt/notesSlides/notesSlide13.xml><?xml version="1.0" encoding="utf-8"?>
+<p:notes xmlns:a="http://schemas.openxmlformats.org/drawingml/2006/main" xmlns:r="http://schemas.openxmlformats.org/officeDocument/2006/relationships" xmlns:p="http://schemas.openxmlformats.org/presentationml/2006/main">
+  <p:cSld>
+    <p:spTree>
+      <p:nvGrpSpPr>
+        <p:cNvPr id="1" name=""/>
+        <p:cNvGrpSpPr/>
+        <p:nvPr/>
+      </p:nvGrpSpPr>
+      <p:grpSpPr>
+        <a:xfrm>
+          <a:off x="0" y="0"/>
+          <a:ext cx="0" cy="0"/>
+          <a:chOff x="0" y="0"/>
+          <a:chExt cx="0" cy="0"/>
+        </a:xfrm>
+      </p:grpSpPr>
+      <p:sp>
+        <p:nvSpPr>
           <p:cNvPr id="55298" name="Rectangle 7"/>
           <p:cNvSpPr>
             <a:spLocks noGrp="1" noChangeArrowheads="1"/>
@@ -1205,7 +1300,7 @@
                 <a:latin typeface="Times New Roman" pitchFamily="8" charset="0"/>
               </a:rPr>
               <a:pPr/>
-              <a:t>19</a:t>
+              <a:t>20</a:t>
             </a:fld>
             <a:endParaRPr lang="en-US" smtClean="0">
               <a:latin typeface="Times New Roman" pitchFamily="8" charset="0"/>
@@ -1260,7 +1355,7 @@
 </p:notes>
 </file>
 
-<file path=ppt/notesSlides/notesSlide13.xml><?xml version="1.0" encoding="utf-8"?>
+<file path=ppt/notesSlides/notesSlide14.xml><?xml version="1.0" encoding="utf-8"?>
 <p:notes xmlns:a="http://schemas.openxmlformats.org/drawingml/2006/main" xmlns:r="http://schemas.openxmlformats.org/officeDocument/2006/relationships" xmlns:p="http://schemas.openxmlformats.org/presentationml/2006/main">
   <p:cSld>
     <p:spTree>
@@ -1299,7 +1394,7 @@
                 <a:latin typeface="Times New Roman" pitchFamily="8" charset="0"/>
               </a:rPr>
               <a:pPr/>
-              <a:t>20</a:t>
+              <a:t>21</a:t>
             </a:fld>
             <a:endParaRPr lang="en-US" smtClean="0">
               <a:latin typeface="Times New Roman" pitchFamily="8" charset="0"/>
@@ -1324,100 +1419,6 @@
       <p:sp>
         <p:nvSpPr>
           <p:cNvPr id="57348" name="Rectangle 3"/>
-          <p:cNvSpPr>
-            <a:spLocks noGrp="1" noChangeArrowheads="1"/>
-          </p:cNvSpPr>
-          <p:nvPr>
-            <p:ph type="body" idx="1"/>
-          </p:nvPr>
-        </p:nvSpPr>
-        <p:spPr>
-          <a:noFill/>
-          <a:ln/>
-        </p:spPr>
-        <p:txBody>
-          <a:bodyPr/>
-          <a:lstStyle/>
-          <a:p>
-            <a:pPr eaLnBrk="1" hangingPunct="1"/>
-            <a:endParaRPr lang="en-US" smtClean="0">
-              <a:latin typeface="Times New Roman" pitchFamily="8" charset="0"/>
-            </a:endParaRPr>
-          </a:p>
-        </p:txBody>
-      </p:sp>
-    </p:spTree>
-  </p:cSld>
-  <p:clrMapOvr>
-    <a:masterClrMapping/>
-  </p:clrMapOvr>
-</p:notes>
-</file>
-
-<file path=ppt/notesSlides/notesSlide14.xml><?xml version="1.0" encoding="utf-8"?>
-<p:notes xmlns:a="http://schemas.openxmlformats.org/drawingml/2006/main" xmlns:r="http://schemas.openxmlformats.org/officeDocument/2006/relationships" xmlns:p="http://schemas.openxmlformats.org/presentationml/2006/main">
-  <p:cSld>
-    <p:spTree>
-      <p:nvGrpSpPr>
-        <p:cNvPr id="1" name=""/>
-        <p:cNvGrpSpPr/>
-        <p:nvPr/>
-      </p:nvGrpSpPr>
-      <p:grpSpPr>
-        <a:xfrm>
-          <a:off x="0" y="0"/>
-          <a:ext cx="0" cy="0"/>
-          <a:chOff x="0" y="0"/>
-          <a:chExt cx="0" cy="0"/>
-        </a:xfrm>
-      </p:grpSpPr>
-      <p:sp>
-        <p:nvSpPr>
-          <p:cNvPr id="58370" name="Rectangle 7"/>
-          <p:cNvSpPr>
-            <a:spLocks noGrp="1" noChangeArrowheads="1"/>
-          </p:cNvSpPr>
-          <p:nvPr>
-            <p:ph type="sldNum" sz="quarter" idx="5"/>
-          </p:nvPr>
-        </p:nvSpPr>
-        <p:spPr>
-          <a:noFill/>
-        </p:spPr>
-        <p:txBody>
-          <a:bodyPr/>
-          <a:lstStyle/>
-          <a:p>
-            <a:fld id="{EC6E0C1E-AC63-4272-81A8-7644E1FADA8A}" type="slidenum">
-              <a:rPr lang="en-US" smtClean="0">
-                <a:latin typeface="Times New Roman" pitchFamily="8" charset="0"/>
-              </a:rPr>
-              <a:pPr/>
-              <a:t>21</a:t>
-            </a:fld>
-            <a:endParaRPr lang="en-US" smtClean="0">
-              <a:latin typeface="Times New Roman" pitchFamily="8" charset="0"/>
-            </a:endParaRPr>
-          </a:p>
-        </p:txBody>
-      </p:sp>
-      <p:sp>
-        <p:nvSpPr>
-          <p:cNvPr id="58371" name="Rectangle 2"/>
-          <p:cNvSpPr>
-            <a:spLocks noGrp="1" noRot="1" noChangeAspect="1" noChangeArrowheads="1" noTextEdit="1"/>
-          </p:cNvSpPr>
-          <p:nvPr>
-            <p:ph type="sldImg"/>
-          </p:nvPr>
-        </p:nvSpPr>
-        <p:spPr>
-          <a:ln/>
-        </p:spPr>
-      </p:sp>
-      <p:sp>
-        <p:nvSpPr>
-          <p:cNvPr id="58372" name="Rectangle 3"/>
           <p:cNvSpPr>
             <a:spLocks noGrp="1" noChangeArrowheads="1"/>
           </p:cNvSpPr>
@@ -1561,6 +1562,100 @@
       </p:grpSpPr>
       <p:sp>
         <p:nvSpPr>
+          <p:cNvPr id="58370" name="Rectangle 7"/>
+          <p:cNvSpPr>
+            <a:spLocks noGrp="1" noChangeArrowheads="1"/>
+          </p:cNvSpPr>
+          <p:nvPr>
+            <p:ph type="sldNum" sz="quarter" idx="5"/>
+          </p:nvPr>
+        </p:nvSpPr>
+        <p:spPr>
+          <a:noFill/>
+        </p:spPr>
+        <p:txBody>
+          <a:bodyPr/>
+          <a:lstStyle/>
+          <a:p>
+            <a:fld id="{EC6E0C1E-AC63-4272-81A8-7644E1FADA8A}" type="slidenum">
+              <a:rPr lang="en-US" smtClean="0">
+                <a:latin typeface="Times New Roman" pitchFamily="8" charset="0"/>
+              </a:rPr>
+              <a:pPr/>
+              <a:t>23</a:t>
+            </a:fld>
+            <a:endParaRPr lang="en-US" smtClean="0">
+              <a:latin typeface="Times New Roman" pitchFamily="8" charset="0"/>
+            </a:endParaRPr>
+          </a:p>
+        </p:txBody>
+      </p:sp>
+      <p:sp>
+        <p:nvSpPr>
+          <p:cNvPr id="58371" name="Rectangle 2"/>
+          <p:cNvSpPr>
+            <a:spLocks noGrp="1" noRot="1" noChangeAspect="1" noChangeArrowheads="1" noTextEdit="1"/>
+          </p:cNvSpPr>
+          <p:nvPr>
+            <p:ph type="sldImg"/>
+          </p:nvPr>
+        </p:nvSpPr>
+        <p:spPr>
+          <a:ln/>
+        </p:spPr>
+      </p:sp>
+      <p:sp>
+        <p:nvSpPr>
+          <p:cNvPr id="58372" name="Rectangle 3"/>
+          <p:cNvSpPr>
+            <a:spLocks noGrp="1" noChangeArrowheads="1"/>
+          </p:cNvSpPr>
+          <p:nvPr>
+            <p:ph type="body" idx="1"/>
+          </p:nvPr>
+        </p:nvSpPr>
+        <p:spPr>
+          <a:noFill/>
+          <a:ln/>
+        </p:spPr>
+        <p:txBody>
+          <a:bodyPr/>
+          <a:lstStyle/>
+          <a:p>
+            <a:pPr eaLnBrk="1" hangingPunct="1"/>
+            <a:endParaRPr lang="en-US" smtClean="0">
+              <a:latin typeface="Times New Roman" pitchFamily="8" charset="0"/>
+            </a:endParaRPr>
+          </a:p>
+        </p:txBody>
+      </p:sp>
+    </p:spTree>
+  </p:cSld>
+  <p:clrMapOvr>
+    <a:masterClrMapping/>
+  </p:clrMapOvr>
+</p:notes>
+</file>
+
+<file path=ppt/notesSlides/notesSlide17.xml><?xml version="1.0" encoding="utf-8"?>
+<p:notes xmlns:a="http://schemas.openxmlformats.org/drawingml/2006/main" xmlns:r="http://schemas.openxmlformats.org/officeDocument/2006/relationships" xmlns:p="http://schemas.openxmlformats.org/presentationml/2006/main">
+  <p:cSld>
+    <p:spTree>
+      <p:nvGrpSpPr>
+        <p:cNvPr id="1" name=""/>
+        <p:cNvGrpSpPr/>
+        <p:nvPr/>
+      </p:nvGrpSpPr>
+      <p:grpSpPr>
+        <a:xfrm>
+          <a:off x="0" y="0"/>
+          <a:ext cx="0" cy="0"/>
+          <a:chOff x="0" y="0"/>
+          <a:chExt cx="0" cy="0"/>
+        </a:xfrm>
+      </p:grpSpPr>
+      <p:sp>
+        <p:nvSpPr>
           <p:cNvPr id="59394" name="Rectangle 7"/>
           <p:cNvSpPr>
             <a:spLocks noGrp="1" noChangeArrowheads="1"/>
@@ -1581,7 +1676,7 @@
                 <a:latin typeface="Times New Roman" pitchFamily="8" charset="0"/>
               </a:rPr>
               <a:pPr/>
-              <a:t>23</a:t>
+              <a:t>24</a:t>
             </a:fld>
             <a:endParaRPr lang="en-US" smtClean="0">
               <a:latin typeface="Times New Roman" pitchFamily="8" charset="0"/>
@@ -1636,7 +1731,7 @@
 </p:notes>
 </file>
 
-<file path=ppt/notesSlides/notesSlide17.xml><?xml version="1.0" encoding="utf-8"?>
+<file path=ppt/notesSlides/notesSlide18.xml><?xml version="1.0" encoding="utf-8"?>
 <p:notes xmlns:a="http://schemas.openxmlformats.org/drawingml/2006/main" xmlns:r="http://schemas.openxmlformats.org/officeDocument/2006/relationships" xmlns:p="http://schemas.openxmlformats.org/presentationml/2006/main">
   <p:cSld>
     <p:spTree>
@@ -1675,7 +1770,7 @@
                 <a:latin typeface="Times New Roman" pitchFamily="8" charset="0"/>
               </a:rPr>
               <a:pPr/>
-              <a:t>24</a:t>
+              <a:t>25</a:t>
             </a:fld>
             <a:endParaRPr lang="en-US" smtClean="0">
               <a:latin typeface="Times New Roman" pitchFamily="8" charset="0"/>
@@ -1700,100 +1795,6 @@
       <p:sp>
         <p:nvSpPr>
           <p:cNvPr id="60420" name="Rectangle 3"/>
-          <p:cNvSpPr>
-            <a:spLocks noGrp="1" noChangeArrowheads="1"/>
-          </p:cNvSpPr>
-          <p:nvPr>
-            <p:ph type="body" idx="1"/>
-          </p:nvPr>
-        </p:nvSpPr>
-        <p:spPr>
-          <a:noFill/>
-          <a:ln/>
-        </p:spPr>
-        <p:txBody>
-          <a:bodyPr/>
-          <a:lstStyle/>
-          <a:p>
-            <a:pPr eaLnBrk="1" hangingPunct="1"/>
-            <a:endParaRPr lang="en-US" smtClean="0">
-              <a:latin typeface="Times New Roman" pitchFamily="8" charset="0"/>
-            </a:endParaRPr>
-          </a:p>
-        </p:txBody>
-      </p:sp>
-    </p:spTree>
-  </p:cSld>
-  <p:clrMapOvr>
-    <a:masterClrMapping/>
-  </p:clrMapOvr>
-</p:notes>
-</file>
-
-<file path=ppt/notesSlides/notesSlide18.xml><?xml version="1.0" encoding="utf-8"?>
-<p:notes xmlns:a="http://schemas.openxmlformats.org/drawingml/2006/main" xmlns:r="http://schemas.openxmlformats.org/officeDocument/2006/relationships" xmlns:p="http://schemas.openxmlformats.org/presentationml/2006/main">
-  <p:cSld>
-    <p:spTree>
-      <p:nvGrpSpPr>
-        <p:cNvPr id="1" name=""/>
-        <p:cNvGrpSpPr/>
-        <p:nvPr/>
-      </p:nvGrpSpPr>
-      <p:grpSpPr>
-        <a:xfrm>
-          <a:off x="0" y="0"/>
-          <a:ext cx="0" cy="0"/>
-          <a:chOff x="0" y="0"/>
-          <a:chExt cx="0" cy="0"/>
-        </a:xfrm>
-      </p:grpSpPr>
-      <p:sp>
-        <p:nvSpPr>
-          <p:cNvPr id="61442" name="Rectangle 7"/>
-          <p:cNvSpPr>
-            <a:spLocks noGrp="1" noChangeArrowheads="1"/>
-          </p:cNvSpPr>
-          <p:nvPr>
-            <p:ph type="sldNum" sz="quarter" idx="5"/>
-          </p:nvPr>
-        </p:nvSpPr>
-        <p:spPr>
-          <a:noFill/>
-        </p:spPr>
-        <p:txBody>
-          <a:bodyPr/>
-          <a:lstStyle/>
-          <a:p>
-            <a:fld id="{633011C0-825D-44C0-998E-D3D100C2C20D}" type="slidenum">
-              <a:rPr lang="en-US" smtClean="0">
-                <a:latin typeface="Times New Roman" pitchFamily="8" charset="0"/>
-              </a:rPr>
-              <a:pPr/>
-              <a:t>25</a:t>
-            </a:fld>
-            <a:endParaRPr lang="en-US" smtClean="0">
-              <a:latin typeface="Times New Roman" pitchFamily="8" charset="0"/>
-            </a:endParaRPr>
-          </a:p>
-        </p:txBody>
-      </p:sp>
-      <p:sp>
-        <p:nvSpPr>
-          <p:cNvPr id="61443" name="Rectangle 2"/>
-          <p:cNvSpPr>
-            <a:spLocks noGrp="1" noRot="1" noChangeAspect="1" noChangeArrowheads="1" noTextEdit="1"/>
-          </p:cNvSpPr>
-          <p:nvPr>
-            <p:ph type="sldImg"/>
-          </p:nvPr>
-        </p:nvSpPr>
-        <p:spPr>
-          <a:ln/>
-        </p:spPr>
-      </p:sp>
-      <p:sp>
-        <p:nvSpPr>
-          <p:cNvPr id="61444" name="Rectangle 3"/>
           <p:cNvSpPr>
             <a:spLocks noGrp="1" noChangeArrowheads="1"/>
           </p:cNvSpPr>
@@ -2031,7 +2032,7 @@
       </p:grpSpPr>
       <p:sp>
         <p:nvSpPr>
-          <p:cNvPr id="64514" name="Rectangle 7"/>
+          <p:cNvPr id="61442" name="Rectangle 7"/>
           <p:cNvSpPr>
             <a:spLocks noGrp="1" noChangeArrowheads="1"/>
           </p:cNvSpPr>
@@ -2046,7 +2047,7 @@
           <a:bodyPr/>
           <a:lstStyle/>
           <a:p>
-            <a:fld id="{37A8FE84-B9D7-4453-8B92-693D2FC014DC}" type="slidenum">
+            <a:fld id="{633011C0-825D-44C0-998E-D3D100C2C20D}" type="slidenum">
               <a:rPr lang="en-US" smtClean="0">
                 <a:latin typeface="Times New Roman" pitchFamily="8" charset="0"/>
               </a:rPr>
@@ -2061,7 +2062,7 @@
       </p:sp>
       <p:sp>
         <p:nvSpPr>
-          <p:cNvPr id="64515" name="Rectangle 2"/>
+          <p:cNvPr id="61443" name="Rectangle 2"/>
           <p:cNvSpPr>
             <a:spLocks noGrp="1" noRot="1" noChangeAspect="1" noChangeArrowheads="1" noTextEdit="1"/>
           </p:cNvSpPr>
@@ -2075,7 +2076,7 @@
       </p:sp>
       <p:sp>
         <p:nvSpPr>
-          <p:cNvPr id="64516" name="Rectangle 3"/>
+          <p:cNvPr id="61444" name="Rectangle 3"/>
           <p:cNvSpPr>
             <a:spLocks noGrp="1" noChangeArrowheads="1"/>
           </p:cNvSpPr>
@@ -2125,7 +2126,7 @@
       </p:grpSpPr>
       <p:sp>
         <p:nvSpPr>
-          <p:cNvPr id="65538" name="Rectangle 7"/>
+          <p:cNvPr id="64514" name="Rectangle 7"/>
           <p:cNvSpPr>
             <a:spLocks noGrp="1" noChangeArrowheads="1"/>
           </p:cNvSpPr>
@@ -2140,7 +2141,7 @@
           <a:bodyPr/>
           <a:lstStyle/>
           <a:p>
-            <a:fld id="{EEC78EEE-97B5-4226-9E7C-A9D1AB189F42}" type="slidenum">
+            <a:fld id="{37A8FE84-B9D7-4453-8B92-693D2FC014DC}" type="slidenum">
               <a:rPr lang="en-US" smtClean="0">
                 <a:latin typeface="Times New Roman" pitchFamily="8" charset="0"/>
               </a:rPr>
@@ -2155,7 +2156,7 @@
       </p:sp>
       <p:sp>
         <p:nvSpPr>
-          <p:cNvPr id="65539" name="Rectangle 2"/>
+          <p:cNvPr id="64515" name="Rectangle 2"/>
           <p:cNvSpPr>
             <a:spLocks noGrp="1" noRot="1" noChangeAspect="1" noChangeArrowheads="1" noTextEdit="1"/>
           </p:cNvSpPr>
@@ -2169,7 +2170,7 @@
       </p:sp>
       <p:sp>
         <p:nvSpPr>
-          <p:cNvPr id="65540" name="Rectangle 3"/>
+          <p:cNvPr id="64516" name="Rectangle 3"/>
           <p:cNvSpPr>
             <a:spLocks noGrp="1" noChangeArrowheads="1"/>
           </p:cNvSpPr>
@@ -2407,7 +2408,7 @@
       </p:grpSpPr>
       <p:sp>
         <p:nvSpPr>
-          <p:cNvPr id="68610" name="Rectangle 7"/>
+          <p:cNvPr id="65538" name="Rectangle 7"/>
           <p:cNvSpPr>
             <a:spLocks noGrp="1" noChangeArrowheads="1"/>
           </p:cNvSpPr>
@@ -2422,7 +2423,7 @@
           <a:bodyPr/>
           <a:lstStyle/>
           <a:p>
-            <a:fld id="{2C9CF9AA-5D80-4D6C-B41D-D753E8B204F1}" type="slidenum">
+            <a:fld id="{EEC78EEE-97B5-4226-9E7C-A9D1AB189F42}" type="slidenum">
               <a:rPr lang="en-US" smtClean="0">
                 <a:latin typeface="Times New Roman" pitchFamily="8" charset="0"/>
               </a:rPr>
@@ -2437,7 +2438,7 @@
       </p:sp>
       <p:sp>
         <p:nvSpPr>
-          <p:cNvPr id="68611" name="Rectangle 2"/>
+          <p:cNvPr id="65539" name="Rectangle 2"/>
           <p:cNvSpPr>
             <a:spLocks noGrp="1" noRot="1" noChangeAspect="1" noChangeArrowheads="1" noTextEdit="1"/>
           </p:cNvSpPr>
@@ -2451,7 +2452,7 @@
       </p:sp>
       <p:sp>
         <p:nvSpPr>
-          <p:cNvPr id="68612" name="Rectangle 3"/>
+          <p:cNvPr id="65540" name="Rectangle 3"/>
           <p:cNvSpPr>
             <a:spLocks noGrp="1" noChangeArrowheads="1"/>
           </p:cNvSpPr>
@@ -2501,7 +2502,7 @@
       </p:grpSpPr>
       <p:sp>
         <p:nvSpPr>
-          <p:cNvPr id="62466" name="Rectangle 7"/>
+          <p:cNvPr id="68610" name="Rectangle 7"/>
           <p:cNvSpPr>
             <a:spLocks noGrp="1" noChangeArrowheads="1"/>
           </p:cNvSpPr>
@@ -2516,7 +2517,7 @@
           <a:bodyPr/>
           <a:lstStyle/>
           <a:p>
-            <a:fld id="{EEB7D971-AB60-4CE7-89A6-DF5676EB8740}" type="slidenum">
+            <a:fld id="{2C9CF9AA-5D80-4D6C-B41D-D753E8B204F1}" type="slidenum">
               <a:rPr lang="en-US" smtClean="0">
                 <a:latin typeface="Times New Roman" pitchFamily="8" charset="0"/>
               </a:rPr>
@@ -2531,7 +2532,7 @@
       </p:sp>
       <p:sp>
         <p:nvSpPr>
-          <p:cNvPr id="62467" name="Rectangle 2"/>
+          <p:cNvPr id="68611" name="Rectangle 2"/>
           <p:cNvSpPr>
             <a:spLocks noGrp="1" noRot="1" noChangeAspect="1" noChangeArrowheads="1" noTextEdit="1"/>
           </p:cNvSpPr>
@@ -2545,7 +2546,7 @@
       </p:sp>
       <p:sp>
         <p:nvSpPr>
-          <p:cNvPr id="62468" name="Rectangle 3"/>
+          <p:cNvPr id="68612" name="Rectangle 3"/>
           <p:cNvSpPr>
             <a:spLocks noGrp="1" noChangeArrowheads="1"/>
           </p:cNvSpPr>
@@ -2689,6 +2690,100 @@
       </p:grpSpPr>
       <p:sp>
         <p:nvSpPr>
+          <p:cNvPr id="62466" name="Rectangle 7"/>
+          <p:cNvSpPr>
+            <a:spLocks noGrp="1" noChangeArrowheads="1"/>
+          </p:cNvSpPr>
+          <p:nvPr>
+            <p:ph type="sldNum" sz="quarter" idx="5"/>
+          </p:nvPr>
+        </p:nvSpPr>
+        <p:spPr>
+          <a:noFill/>
+        </p:spPr>
+        <p:txBody>
+          <a:bodyPr/>
+          <a:lstStyle/>
+          <a:p>
+            <a:fld id="{EEB7D971-AB60-4CE7-89A6-DF5676EB8740}" type="slidenum">
+              <a:rPr lang="en-US" smtClean="0">
+                <a:latin typeface="Times New Roman" pitchFamily="8" charset="0"/>
+              </a:rPr>
+              <a:pPr/>
+              <a:t>34</a:t>
+            </a:fld>
+            <a:endParaRPr lang="en-US" smtClean="0">
+              <a:latin typeface="Times New Roman" pitchFamily="8" charset="0"/>
+            </a:endParaRPr>
+          </a:p>
+        </p:txBody>
+      </p:sp>
+      <p:sp>
+        <p:nvSpPr>
+          <p:cNvPr id="62467" name="Rectangle 2"/>
+          <p:cNvSpPr>
+            <a:spLocks noGrp="1" noRot="1" noChangeAspect="1" noChangeArrowheads="1" noTextEdit="1"/>
+          </p:cNvSpPr>
+          <p:nvPr>
+            <p:ph type="sldImg"/>
+          </p:nvPr>
+        </p:nvSpPr>
+        <p:spPr>
+          <a:ln/>
+        </p:spPr>
+      </p:sp>
+      <p:sp>
+        <p:nvSpPr>
+          <p:cNvPr id="62468" name="Rectangle 3"/>
+          <p:cNvSpPr>
+            <a:spLocks noGrp="1" noChangeArrowheads="1"/>
+          </p:cNvSpPr>
+          <p:nvPr>
+            <p:ph type="body" idx="1"/>
+          </p:nvPr>
+        </p:nvSpPr>
+        <p:spPr>
+          <a:noFill/>
+          <a:ln/>
+        </p:spPr>
+        <p:txBody>
+          <a:bodyPr/>
+          <a:lstStyle/>
+          <a:p>
+            <a:pPr eaLnBrk="1" hangingPunct="1"/>
+            <a:endParaRPr lang="en-US" smtClean="0">
+              <a:latin typeface="Times New Roman" pitchFamily="8" charset="0"/>
+            </a:endParaRPr>
+          </a:p>
+        </p:txBody>
+      </p:sp>
+    </p:spTree>
+  </p:cSld>
+  <p:clrMapOvr>
+    <a:masterClrMapping/>
+  </p:clrMapOvr>
+</p:notes>
+</file>
+
+<file path=ppt/notesSlides/notesSlide28.xml><?xml version="1.0" encoding="utf-8"?>
+<p:notes xmlns:a="http://schemas.openxmlformats.org/drawingml/2006/main" xmlns:r="http://schemas.openxmlformats.org/officeDocument/2006/relationships" xmlns:p="http://schemas.openxmlformats.org/presentationml/2006/main">
+  <p:cSld>
+    <p:spTree>
+      <p:nvGrpSpPr>
+        <p:cNvPr id="1" name=""/>
+        <p:cNvGrpSpPr/>
+        <p:nvPr/>
+      </p:nvGrpSpPr>
+      <p:grpSpPr>
+        <a:xfrm>
+          <a:off x="0" y="0"/>
+          <a:ext cx="0" cy="0"/>
+          <a:chOff x="0" y="0"/>
+          <a:chExt cx="0" cy="0"/>
+        </a:xfrm>
+      </p:grpSpPr>
+      <p:sp>
+        <p:nvSpPr>
           <p:cNvPr id="63490" name="Rectangle 7"/>
           <p:cNvSpPr>
             <a:spLocks noGrp="1" noChangeArrowheads="1"/>
@@ -2709,7 +2804,7 @@
                 <a:latin typeface="Times New Roman" pitchFamily="8" charset="0"/>
               </a:rPr>
               <a:pPr/>
-              <a:t>34</a:t>
+              <a:t>35</a:t>
             </a:fld>
             <a:endParaRPr lang="en-US" smtClean="0">
               <a:latin typeface="Times New Roman" pitchFamily="8" charset="0"/>
@@ -2764,7 +2859,7 @@
 </p:notes>
 </file>
 
-<file path=ppt/notesSlides/notesSlide28.xml><?xml version="1.0" encoding="utf-8"?>
+<file path=ppt/notesSlides/notesSlide29.xml><?xml version="1.0" encoding="utf-8"?>
 <p:notes xmlns:a="http://schemas.openxmlformats.org/drawingml/2006/main" xmlns:r="http://schemas.openxmlformats.org/officeDocument/2006/relationships" xmlns:p="http://schemas.openxmlformats.org/presentationml/2006/main">
   <p:cSld>
     <p:spTree>
@@ -2803,7 +2898,7 @@
                 <a:latin typeface="Times New Roman" pitchFamily="8" charset="0"/>
               </a:rPr>
               <a:pPr/>
-              <a:t>35</a:t>
+              <a:t>36</a:t>
             </a:fld>
             <a:endParaRPr lang="en-US" smtClean="0">
               <a:latin typeface="Times New Roman" pitchFamily="8" charset="0"/>
@@ -2828,100 +2923,6 @@
       <p:sp>
         <p:nvSpPr>
           <p:cNvPr id="74756" name="Rectangle 3"/>
-          <p:cNvSpPr>
-            <a:spLocks noGrp="1" noChangeArrowheads="1"/>
-          </p:cNvSpPr>
-          <p:nvPr>
-            <p:ph type="body" idx="1"/>
-          </p:nvPr>
-        </p:nvSpPr>
-        <p:spPr>
-          <a:noFill/>
-          <a:ln/>
-        </p:spPr>
-        <p:txBody>
-          <a:bodyPr/>
-          <a:lstStyle/>
-          <a:p>
-            <a:pPr eaLnBrk="1" hangingPunct="1"/>
-            <a:endParaRPr lang="en-US" smtClean="0">
-              <a:latin typeface="Times New Roman" pitchFamily="8" charset="0"/>
-            </a:endParaRPr>
-          </a:p>
-        </p:txBody>
-      </p:sp>
-    </p:spTree>
-  </p:cSld>
-  <p:clrMapOvr>
-    <a:masterClrMapping/>
-  </p:clrMapOvr>
-</p:notes>
-</file>
-
-<file path=ppt/notesSlides/notesSlide29.xml><?xml version="1.0" encoding="utf-8"?>
-<p:notes xmlns:a="http://schemas.openxmlformats.org/drawingml/2006/main" xmlns:r="http://schemas.openxmlformats.org/officeDocument/2006/relationships" xmlns:p="http://schemas.openxmlformats.org/presentationml/2006/main">
-  <p:cSld>
-    <p:spTree>
-      <p:nvGrpSpPr>
-        <p:cNvPr id="1" name=""/>
-        <p:cNvGrpSpPr/>
-        <p:nvPr/>
-      </p:nvGrpSpPr>
-      <p:grpSpPr>
-        <a:xfrm>
-          <a:off x="0" y="0"/>
-          <a:ext cx="0" cy="0"/>
-          <a:chOff x="0" y="0"/>
-          <a:chExt cx="0" cy="0"/>
-        </a:xfrm>
-      </p:grpSpPr>
-      <p:sp>
-        <p:nvSpPr>
-          <p:cNvPr id="75778" name="Rectangle 7"/>
-          <p:cNvSpPr>
-            <a:spLocks noGrp="1" noChangeArrowheads="1"/>
-          </p:cNvSpPr>
-          <p:nvPr>
-            <p:ph type="sldNum" sz="quarter" idx="5"/>
-          </p:nvPr>
-        </p:nvSpPr>
-        <p:spPr>
-          <a:noFill/>
-        </p:spPr>
-        <p:txBody>
-          <a:bodyPr/>
-          <a:lstStyle/>
-          <a:p>
-            <a:fld id="{9C40EC5B-AB36-4405-8AF7-B23D065DB48B}" type="slidenum">
-              <a:rPr lang="en-US" smtClean="0">
-                <a:latin typeface="Times New Roman" pitchFamily="8" charset="0"/>
-              </a:rPr>
-              <a:pPr/>
-              <a:t>36</a:t>
-            </a:fld>
-            <a:endParaRPr lang="en-US" smtClean="0">
-              <a:latin typeface="Times New Roman" pitchFamily="8" charset="0"/>
-            </a:endParaRPr>
-          </a:p>
-        </p:txBody>
-      </p:sp>
-      <p:sp>
-        <p:nvSpPr>
-          <p:cNvPr id="75779" name="Rectangle 2"/>
-          <p:cNvSpPr>
-            <a:spLocks noGrp="1" noRot="1" noChangeAspect="1" noChangeArrowheads="1" noTextEdit="1"/>
-          </p:cNvSpPr>
-          <p:nvPr>
-            <p:ph type="sldImg"/>
-          </p:nvPr>
-        </p:nvSpPr>
-        <p:spPr>
-          <a:ln/>
-        </p:spPr>
-      </p:sp>
-      <p:sp>
-        <p:nvSpPr>
-          <p:cNvPr id="75780" name="Rectangle 3"/>
           <p:cNvSpPr>
             <a:spLocks noGrp="1" noChangeArrowheads="1"/>
           </p:cNvSpPr>
@@ -3065,6 +3066,100 @@
       </p:grpSpPr>
       <p:sp>
         <p:nvSpPr>
+          <p:cNvPr id="75778" name="Rectangle 7"/>
+          <p:cNvSpPr>
+            <a:spLocks noGrp="1" noChangeArrowheads="1"/>
+          </p:cNvSpPr>
+          <p:nvPr>
+            <p:ph type="sldNum" sz="quarter" idx="5"/>
+          </p:nvPr>
+        </p:nvSpPr>
+        <p:spPr>
+          <a:noFill/>
+        </p:spPr>
+        <p:txBody>
+          <a:bodyPr/>
+          <a:lstStyle/>
+          <a:p>
+            <a:fld id="{9C40EC5B-AB36-4405-8AF7-B23D065DB48B}" type="slidenum">
+              <a:rPr lang="en-US" smtClean="0">
+                <a:latin typeface="Times New Roman" pitchFamily="8" charset="0"/>
+              </a:rPr>
+              <a:pPr/>
+              <a:t>37</a:t>
+            </a:fld>
+            <a:endParaRPr lang="en-US" smtClean="0">
+              <a:latin typeface="Times New Roman" pitchFamily="8" charset="0"/>
+            </a:endParaRPr>
+          </a:p>
+        </p:txBody>
+      </p:sp>
+      <p:sp>
+        <p:nvSpPr>
+          <p:cNvPr id="75779" name="Rectangle 2"/>
+          <p:cNvSpPr>
+            <a:spLocks noGrp="1" noRot="1" noChangeAspect="1" noChangeArrowheads="1" noTextEdit="1"/>
+          </p:cNvSpPr>
+          <p:nvPr>
+            <p:ph type="sldImg"/>
+          </p:nvPr>
+        </p:nvSpPr>
+        <p:spPr>
+          <a:ln/>
+        </p:spPr>
+      </p:sp>
+      <p:sp>
+        <p:nvSpPr>
+          <p:cNvPr id="75780" name="Rectangle 3"/>
+          <p:cNvSpPr>
+            <a:spLocks noGrp="1" noChangeArrowheads="1"/>
+          </p:cNvSpPr>
+          <p:nvPr>
+            <p:ph type="body" idx="1"/>
+          </p:nvPr>
+        </p:nvSpPr>
+        <p:spPr>
+          <a:noFill/>
+          <a:ln/>
+        </p:spPr>
+        <p:txBody>
+          <a:bodyPr/>
+          <a:lstStyle/>
+          <a:p>
+            <a:pPr eaLnBrk="1" hangingPunct="1"/>
+            <a:endParaRPr lang="en-US" smtClean="0">
+              <a:latin typeface="Times New Roman" pitchFamily="8" charset="0"/>
+            </a:endParaRPr>
+          </a:p>
+        </p:txBody>
+      </p:sp>
+    </p:spTree>
+  </p:cSld>
+  <p:clrMapOvr>
+    <a:masterClrMapping/>
+  </p:clrMapOvr>
+</p:notes>
+</file>
+
+<file path=ppt/notesSlides/notesSlide31.xml><?xml version="1.0" encoding="utf-8"?>
+<p:notes xmlns:a="http://schemas.openxmlformats.org/drawingml/2006/main" xmlns:r="http://schemas.openxmlformats.org/officeDocument/2006/relationships" xmlns:p="http://schemas.openxmlformats.org/presentationml/2006/main">
+  <p:cSld>
+    <p:spTree>
+      <p:nvGrpSpPr>
+        <p:cNvPr id="1" name=""/>
+        <p:cNvGrpSpPr/>
+        <p:nvPr/>
+      </p:nvGrpSpPr>
+      <p:grpSpPr>
+        <a:xfrm>
+          <a:off x="0" y="0"/>
+          <a:ext cx="0" cy="0"/>
+          <a:chOff x="0" y="0"/>
+          <a:chExt cx="0" cy="0"/>
+        </a:xfrm>
+      </p:grpSpPr>
+      <p:sp>
+        <p:nvSpPr>
           <p:cNvPr id="76802" name="Rectangle 7"/>
           <p:cNvSpPr>
             <a:spLocks noGrp="1" noChangeArrowheads="1"/>
@@ -3085,7 +3180,7 @@
                 <a:latin typeface="Times New Roman" pitchFamily="8" charset="0"/>
               </a:rPr>
               <a:pPr/>
-              <a:t>37</a:t>
+              <a:t>38</a:t>
             </a:fld>
             <a:endParaRPr lang="en-US" smtClean="0">
               <a:latin typeface="Times New Roman" pitchFamily="8" charset="0"/>
@@ -3140,7 +3235,7 @@
 </p:notes>
 </file>
 
-<file path=ppt/notesSlides/notesSlide31.xml><?xml version="1.0" encoding="utf-8"?>
+<file path=ppt/notesSlides/notesSlide32.xml><?xml version="1.0" encoding="utf-8"?>
 <p:notes xmlns:a="http://schemas.openxmlformats.org/drawingml/2006/main" xmlns:r="http://schemas.openxmlformats.org/officeDocument/2006/relationships" xmlns:p="http://schemas.openxmlformats.org/presentationml/2006/main">
   <p:cSld>
     <p:spTree>
@@ -3177,7 +3272,7 @@
             <a:fld id="{BD0B55ED-9ED0-4C64-9D5D-28DC4AA79C35}" type="slidenum">
               <a:rPr lang="en-US"/>
               <a:pPr/>
-              <a:t>38</a:t>
+              <a:t>39</a:t>
             </a:fld>
             <a:endParaRPr lang="en-US"/>
           </a:p>
@@ -3224,7 +3319,7 @@
 </p:notes>
 </file>
 
-<file path=ppt/notesSlides/notesSlide32.xml><?xml version="1.0" encoding="utf-8"?>
+<file path=ppt/notesSlides/notesSlide33.xml><?xml version="1.0" encoding="utf-8"?>
 <p:notes xmlns:a="http://schemas.openxmlformats.org/drawingml/2006/main" xmlns:r="http://schemas.openxmlformats.org/officeDocument/2006/relationships" xmlns:p="http://schemas.openxmlformats.org/presentationml/2006/main">
   <p:cSld>
     <p:spTree>
@@ -3263,7 +3358,7 @@
                 <a:latin typeface="Times New Roman" pitchFamily="8" charset="0"/>
               </a:rPr>
               <a:pPr/>
-              <a:t>39</a:t>
+              <a:t>40</a:t>
             </a:fld>
             <a:endParaRPr lang="en-US" smtClean="0">
               <a:latin typeface="Times New Roman" pitchFamily="8" charset="0"/>
@@ -3318,7 +3413,7 @@
 </p:notes>
 </file>
 
-<file path=ppt/notesSlides/notesSlide33.xml><?xml version="1.0" encoding="utf-8"?>
+<file path=ppt/notesSlides/notesSlide34.xml><?xml version="1.0" encoding="utf-8"?>
 <p:notes xmlns:a="http://schemas.openxmlformats.org/drawingml/2006/main" xmlns:r="http://schemas.openxmlformats.org/officeDocument/2006/relationships" xmlns:p="http://schemas.openxmlformats.org/presentationml/2006/main">
   <p:cSld>
     <p:spTree>
@@ -3369,7 +3464,7 @@
                 <a:latin typeface="Times New Roman" pitchFamily="8" charset="0"/>
               </a:rPr>
               <a:pPr algn="r" defTabSz="966788"/>
-              <a:t>40</a:t>
+              <a:t>41</a:t>
             </a:fld>
             <a:endParaRPr lang="en-US" sz="1300">
               <a:latin typeface="Times New Roman" pitchFamily="8" charset="0"/>
@@ -3455,7 +3550,7 @@
 </p:notes>
 </file>
 
-<file path=ppt/notesSlides/notesSlide34.xml><?xml version="1.0" encoding="utf-8"?>
+<file path=ppt/notesSlides/notesSlide35.xml><?xml version="1.0" encoding="utf-8"?>
 <p:notes xmlns:a="http://schemas.openxmlformats.org/drawingml/2006/main" xmlns:r="http://schemas.openxmlformats.org/officeDocument/2006/relationships" xmlns:p="http://schemas.openxmlformats.org/presentationml/2006/main">
   <p:cSld>
     <p:spTree>
@@ -3494,7 +3589,7 @@
                 <a:latin typeface="Times New Roman" pitchFamily="8" charset="0"/>
               </a:rPr>
               <a:pPr/>
-              <a:t>41</a:t>
+              <a:t>42</a:t>
             </a:fld>
             <a:endParaRPr lang="en-US" smtClean="0">
               <a:latin typeface="Times New Roman" pitchFamily="8" charset="0"/>
@@ -3549,7 +3644,7 @@
 </p:notes>
 </file>
 
-<file path=ppt/notesSlides/notesSlide35.xml><?xml version="1.0" encoding="utf-8"?>
+<file path=ppt/notesSlides/notesSlide36.xml><?xml version="1.0" encoding="utf-8"?>
 <p:notes xmlns:a="http://schemas.openxmlformats.org/drawingml/2006/main" xmlns:r="http://schemas.openxmlformats.org/officeDocument/2006/relationships" xmlns:p="http://schemas.openxmlformats.org/presentationml/2006/main">
   <p:cSld>
     <p:spTree>
@@ -3588,7 +3683,7 @@
                 <a:latin typeface="Times New Roman" pitchFamily="8" charset="0"/>
               </a:rPr>
               <a:pPr/>
-              <a:t>42</a:t>
+              <a:t>43</a:t>
             </a:fld>
             <a:endParaRPr lang="en-US" smtClean="0">
               <a:latin typeface="Times New Roman" pitchFamily="8" charset="0"/>
@@ -3643,7 +3738,7 @@
 </p:notes>
 </file>
 
-<file path=ppt/notesSlides/notesSlide36.xml><?xml version="1.0" encoding="utf-8"?>
+<file path=ppt/notesSlides/notesSlide37.xml><?xml version="1.0" encoding="utf-8"?>
 <p:notes xmlns:a="http://schemas.openxmlformats.org/drawingml/2006/main" xmlns:r="http://schemas.openxmlformats.org/officeDocument/2006/relationships" xmlns:p="http://schemas.openxmlformats.org/presentationml/2006/main">
   <p:cSld>
     <p:spTree>
@@ -3682,7 +3777,7 @@
                 <a:latin typeface="Times New Roman" pitchFamily="8" charset="0"/>
               </a:rPr>
               <a:pPr/>
-              <a:t>43</a:t>
+              <a:t>44</a:t>
             </a:fld>
             <a:endParaRPr lang="en-US" smtClean="0">
               <a:latin typeface="Times New Roman" pitchFamily="8" charset="0"/>
@@ -3737,7 +3832,7 @@
 </p:notes>
 </file>
 
-<file path=ppt/notesSlides/notesSlide37.xml><?xml version="1.0" encoding="utf-8"?>
+<file path=ppt/notesSlides/notesSlide38.xml><?xml version="1.0" encoding="utf-8"?>
 <p:notes xmlns:a="http://schemas.openxmlformats.org/drawingml/2006/main" xmlns:r="http://schemas.openxmlformats.org/officeDocument/2006/relationships" xmlns:p="http://schemas.openxmlformats.org/presentationml/2006/main">
   <p:cSld>
     <p:spTree>
@@ -3776,7 +3871,7 @@
                 <a:latin typeface="Times New Roman" pitchFamily="8" charset="0"/>
               </a:rPr>
               <a:pPr/>
-              <a:t>44</a:t>
+              <a:t>45</a:t>
             </a:fld>
             <a:endParaRPr lang="en-US" smtClean="0">
               <a:latin typeface="Times New Roman" pitchFamily="8" charset="0"/>
@@ -3831,7 +3926,7 @@
 </p:notes>
 </file>
 
-<file path=ppt/notesSlides/notesSlide38.xml><?xml version="1.0" encoding="utf-8"?>
+<file path=ppt/notesSlides/notesSlide39.xml><?xml version="1.0" encoding="utf-8"?>
 <p:notes xmlns:a="http://schemas.openxmlformats.org/drawingml/2006/main" xmlns:r="http://schemas.openxmlformats.org/officeDocument/2006/relationships" xmlns:p="http://schemas.openxmlformats.org/presentationml/2006/main">
   <p:cSld>
     <p:spTree>
@@ -3870,7 +3965,7 @@
                 <a:latin typeface="Times New Roman" pitchFamily="8" charset="0"/>
               </a:rPr>
               <a:pPr/>
-              <a:t>45</a:t>
+              <a:t>46</a:t>
             </a:fld>
             <a:endParaRPr lang="en-US" smtClean="0">
               <a:latin typeface="Times New Roman" pitchFamily="8" charset="0"/>
@@ -3895,100 +3990,6 @@
       <p:sp>
         <p:nvSpPr>
           <p:cNvPr id="72708" name="Rectangle 3"/>
-          <p:cNvSpPr>
-            <a:spLocks noGrp="1" noChangeArrowheads="1"/>
-          </p:cNvSpPr>
-          <p:nvPr>
-            <p:ph type="body" idx="1"/>
-          </p:nvPr>
-        </p:nvSpPr>
-        <p:spPr>
-          <a:noFill/>
-          <a:ln/>
-        </p:spPr>
-        <p:txBody>
-          <a:bodyPr/>
-          <a:lstStyle/>
-          <a:p>
-            <a:pPr eaLnBrk="1" hangingPunct="1"/>
-            <a:endParaRPr lang="en-US" smtClean="0">
-              <a:latin typeface="Times New Roman" pitchFamily="8" charset="0"/>
-            </a:endParaRPr>
-          </a:p>
-        </p:txBody>
-      </p:sp>
-    </p:spTree>
-  </p:cSld>
-  <p:clrMapOvr>
-    <a:masterClrMapping/>
-  </p:clrMapOvr>
-</p:notes>
-</file>
-
-<file path=ppt/notesSlides/notesSlide39.xml><?xml version="1.0" encoding="utf-8"?>
-<p:notes xmlns:a="http://schemas.openxmlformats.org/drawingml/2006/main" xmlns:r="http://schemas.openxmlformats.org/officeDocument/2006/relationships" xmlns:p="http://schemas.openxmlformats.org/presentationml/2006/main">
-  <p:cSld>
-    <p:spTree>
-      <p:nvGrpSpPr>
-        <p:cNvPr id="1" name=""/>
-        <p:cNvGrpSpPr/>
-        <p:nvPr/>
-      </p:nvGrpSpPr>
-      <p:grpSpPr>
-        <a:xfrm>
-          <a:off x="0" y="0"/>
-          <a:ext cx="0" cy="0"/>
-          <a:chOff x="0" y="0"/>
-          <a:chExt cx="0" cy="0"/>
-        </a:xfrm>
-      </p:grpSpPr>
-      <p:sp>
-        <p:nvSpPr>
-          <p:cNvPr id="73730" name="Rectangle 7"/>
-          <p:cNvSpPr>
-            <a:spLocks noGrp="1" noChangeArrowheads="1"/>
-          </p:cNvSpPr>
-          <p:nvPr>
-            <p:ph type="sldNum" sz="quarter" idx="5"/>
-          </p:nvPr>
-        </p:nvSpPr>
-        <p:spPr>
-          <a:noFill/>
-        </p:spPr>
-        <p:txBody>
-          <a:bodyPr/>
-          <a:lstStyle/>
-          <a:p>
-            <a:fld id="{FC0CAEDA-6092-4BBC-95C4-C1A327277B30}" type="slidenum">
-              <a:rPr lang="en-US" smtClean="0">
-                <a:latin typeface="Times New Roman" pitchFamily="8" charset="0"/>
-              </a:rPr>
-              <a:pPr/>
-              <a:t>46</a:t>
-            </a:fld>
-            <a:endParaRPr lang="en-US" smtClean="0">
-              <a:latin typeface="Times New Roman" pitchFamily="8" charset="0"/>
-            </a:endParaRPr>
-          </a:p>
-        </p:txBody>
-      </p:sp>
-      <p:sp>
-        <p:nvSpPr>
-          <p:cNvPr id="73731" name="Rectangle 2"/>
-          <p:cNvSpPr>
-            <a:spLocks noGrp="1" noRot="1" noChangeAspect="1" noChangeArrowheads="1" noTextEdit="1"/>
-          </p:cNvSpPr>
-          <p:nvPr>
-            <p:ph type="sldImg"/>
-          </p:nvPr>
-        </p:nvSpPr>
-        <p:spPr>
-          <a:ln/>
-        </p:spPr>
-      </p:sp>
-      <p:sp>
-        <p:nvSpPr>
-          <p:cNvPr id="73732" name="Rectangle 3"/>
           <p:cNvSpPr>
             <a:spLocks noGrp="1" noChangeArrowheads="1"/>
           </p:cNvSpPr>
@@ -4132,6 +4133,100 @@
       </p:grpSpPr>
       <p:sp>
         <p:nvSpPr>
+          <p:cNvPr id="73730" name="Rectangle 7"/>
+          <p:cNvSpPr>
+            <a:spLocks noGrp="1" noChangeArrowheads="1"/>
+          </p:cNvSpPr>
+          <p:nvPr>
+            <p:ph type="sldNum" sz="quarter" idx="5"/>
+          </p:nvPr>
+        </p:nvSpPr>
+        <p:spPr>
+          <a:noFill/>
+        </p:spPr>
+        <p:txBody>
+          <a:bodyPr/>
+          <a:lstStyle/>
+          <a:p>
+            <a:fld id="{FC0CAEDA-6092-4BBC-95C4-C1A327277B30}" type="slidenum">
+              <a:rPr lang="en-US" smtClean="0">
+                <a:latin typeface="Times New Roman" pitchFamily="8" charset="0"/>
+              </a:rPr>
+              <a:pPr/>
+              <a:t>47</a:t>
+            </a:fld>
+            <a:endParaRPr lang="en-US" smtClean="0">
+              <a:latin typeface="Times New Roman" pitchFamily="8" charset="0"/>
+            </a:endParaRPr>
+          </a:p>
+        </p:txBody>
+      </p:sp>
+      <p:sp>
+        <p:nvSpPr>
+          <p:cNvPr id="73731" name="Rectangle 2"/>
+          <p:cNvSpPr>
+            <a:spLocks noGrp="1" noRot="1" noChangeAspect="1" noChangeArrowheads="1" noTextEdit="1"/>
+          </p:cNvSpPr>
+          <p:nvPr>
+            <p:ph type="sldImg"/>
+          </p:nvPr>
+        </p:nvSpPr>
+        <p:spPr>
+          <a:ln/>
+        </p:spPr>
+      </p:sp>
+      <p:sp>
+        <p:nvSpPr>
+          <p:cNvPr id="73732" name="Rectangle 3"/>
+          <p:cNvSpPr>
+            <a:spLocks noGrp="1" noChangeArrowheads="1"/>
+          </p:cNvSpPr>
+          <p:nvPr>
+            <p:ph type="body" idx="1"/>
+          </p:nvPr>
+        </p:nvSpPr>
+        <p:spPr>
+          <a:noFill/>
+          <a:ln/>
+        </p:spPr>
+        <p:txBody>
+          <a:bodyPr/>
+          <a:lstStyle/>
+          <a:p>
+            <a:pPr eaLnBrk="1" hangingPunct="1"/>
+            <a:endParaRPr lang="en-US" smtClean="0">
+              <a:latin typeface="Times New Roman" pitchFamily="8" charset="0"/>
+            </a:endParaRPr>
+          </a:p>
+        </p:txBody>
+      </p:sp>
+    </p:spTree>
+  </p:cSld>
+  <p:clrMapOvr>
+    <a:masterClrMapping/>
+  </p:clrMapOvr>
+</p:notes>
+</file>
+
+<file path=ppt/notesSlides/notesSlide41.xml><?xml version="1.0" encoding="utf-8"?>
+<p:notes xmlns:a="http://schemas.openxmlformats.org/drawingml/2006/main" xmlns:r="http://schemas.openxmlformats.org/officeDocument/2006/relationships" xmlns:p="http://schemas.openxmlformats.org/presentationml/2006/main">
+  <p:cSld>
+    <p:spTree>
+      <p:nvGrpSpPr>
+        <p:cNvPr id="1" name=""/>
+        <p:cNvGrpSpPr/>
+        <p:nvPr/>
+      </p:nvGrpSpPr>
+      <p:grpSpPr>
+        <a:xfrm>
+          <a:off x="0" y="0"/>
+          <a:ext cx="0" cy="0"/>
+          <a:chOff x="0" y="0"/>
+          <a:chExt cx="0" cy="0"/>
+        </a:xfrm>
+      </p:grpSpPr>
+      <p:sp>
+        <p:nvSpPr>
           <p:cNvPr id="80898" name="Rectangle 7"/>
           <p:cNvSpPr>
             <a:spLocks noGrp="1" noChangeArrowheads="1"/>
@@ -4152,7 +4247,7 @@
                 <a:latin typeface="Times New Roman" pitchFamily="8" charset="0"/>
               </a:rPr>
               <a:pPr/>
-              <a:t>47</a:t>
+              <a:t>48</a:t>
             </a:fld>
             <a:endParaRPr lang="en-US" smtClean="0">
               <a:latin typeface="Times New Roman" pitchFamily="8" charset="0"/>
@@ -4817,11 +4912,7 @@
             </a:r>
             <a:r>
               <a:rPr lang="en-US" dirty="0" smtClean="0"/>
-              <a:t> </a:t>
-            </a:r>
-            <a:r>
-              <a:rPr lang="en-US" dirty="0" smtClean="0"/>
-              <a:t>5W</a:t>
+              <a:t> 5W</a:t>
             </a:r>
             <a:r>
               <a:rPr lang="en-US" sz="1200" dirty="0" smtClean="0"/>
@@ -4989,11 +5080,7 @@
             </a:r>
             <a:r>
               <a:rPr lang="en-US" dirty="0" smtClean="0"/>
-              <a:t> </a:t>
-            </a:r>
-            <a:r>
-              <a:rPr lang="en-US" dirty="0" smtClean="0"/>
-              <a:t>5W</a:t>
+              <a:t> 5W</a:t>
             </a:r>
             <a:r>
               <a:rPr lang="en-US" sz="1200" dirty="0" smtClean="0"/>
@@ -5095,11 +5182,7 @@
             </a:r>
             <a:r>
               <a:rPr lang="en-US" dirty="0" smtClean="0"/>
-              <a:t> </a:t>
-            </a:r>
-            <a:r>
-              <a:rPr lang="en-US" dirty="0" smtClean="0"/>
-              <a:t>5W</a:t>
+              <a:t> 5W</a:t>
             </a:r>
             <a:r>
               <a:rPr lang="en-US" sz="1200" dirty="0" smtClean="0"/>
@@ -5171,11 +5254,7 @@
             </a:r>
             <a:r>
               <a:rPr lang="en-US" dirty="0" smtClean="0"/>
-              <a:t> </a:t>
-            </a:r>
-            <a:r>
-              <a:rPr lang="en-US" dirty="0" smtClean="0"/>
-              <a:t>5W</a:t>
+              <a:t> 5W</a:t>
             </a:r>
             <a:r>
               <a:rPr lang="en-US" sz="1200" dirty="0" smtClean="0"/>
@@ -5392,11 +5471,7 @@
             </a:r>
             <a:r>
               <a:rPr lang="en-US" sz="1200" dirty="0" smtClean="0"/>
-              <a:t> </a:t>
-            </a:r>
-            <a:r>
-              <a:rPr lang="en-US" sz="1200" dirty="0" smtClean="0"/>
-              <a:t>5W.</a:t>
+              <a:t> 5W.</a:t>
             </a:r>
             <a:fld id="{1C5A3C10-33AF-4A87-9059-D1C83461B876}" type="slidenum">
               <a:rPr lang="en-US" sz="1200"/>
@@ -5492,37 +5567,7 @@
                 <a:uFillTx/>
                 <a:latin typeface="Comic Sans MS" pitchFamily="66" charset="0"/>
               </a:rPr>
-              <a:t>Albert R Meyer            </a:t>
-            </a:r>
-            <a:r>
-              <a:rPr kumimoji="0" lang="en-US" sz="1200" b="0" i="0" u="none" strike="noStrike" kern="1200" cap="none" spc="0" normalizeH="0" baseline="0" noProof="0" dirty="0" smtClean="0">
-                <a:ln>
-                  <a:noFill/>
-                </a:ln>
-                <a:solidFill>
-                  <a:schemeClr val="tx1"/>
-                </a:solidFill>
-                <a:effectLst/>
-                <a:uLnTx/>
-                <a:uFillTx/>
-                <a:latin typeface="Comic Sans MS" pitchFamily="66" charset="0"/>
-              </a:rPr>
-              <a:t>October 5, </a:t>
-            </a:r>
-            <a:r>
-              <a:rPr kumimoji="0" lang="en-US" sz="1200" b="0" i="0" u="none" strike="noStrike" kern="1200" cap="none" spc="0" normalizeH="0" baseline="0" noProof="0" dirty="0" smtClean="0">
-                <a:ln>
-                  <a:noFill/>
-                </a:ln>
-                <a:solidFill>
-                  <a:schemeClr val="tx1"/>
-                </a:solidFill>
-                <a:effectLst/>
-                <a:uLnTx/>
-                <a:uFillTx/>
-                <a:latin typeface="Comic Sans MS" pitchFamily="66" charset="0"/>
-              </a:rPr>
-              <a:t>2011</a:t>
+              <a:t>Albert R Meyer            October 5, 2011</a:t>
             </a:r>
             <a:endParaRPr kumimoji="0" lang="en-US" sz="1200" b="0" i="0" u="none" strike="noStrike" kern="1200" cap="none" spc="0" normalizeH="0" baseline="0" noProof="0" dirty="0">
               <a:ln>
@@ -5994,13 +6039,7 @@
               <a:rPr lang="en-US" dirty="0" smtClean="0">
                 <a:latin typeface="Comic Sans MS" pitchFamily="8" charset="0"/>
               </a:rPr>
-              <a:t> </a:t>
-            </a:r>
-            <a:r>
-              <a:rPr lang="en-US" dirty="0" smtClean="0">
-                <a:latin typeface="Comic Sans MS" pitchFamily="8" charset="0"/>
-              </a:rPr>
-              <a:t>5W.</a:t>
+              <a:t> 5W.</a:t>
             </a:r>
             <a:fld id="{E87B1E8C-6732-4812-A197-E0720F3AF026}" type="slidenum">
               <a:rPr lang="en-US" sz="1200" smtClean="0">
@@ -6061,7 +6100,6 @@
               <a:rPr lang="en-US" sz="6000" b="1" dirty="0" smtClean="0"/>
               <a:t> </a:t>
             </a:r>
-            <a:endParaRPr lang="en-US" sz="6000" b="1" dirty="0" smtClean="0"/>
           </a:p>
         </p:txBody>
       </p:sp>
@@ -6446,13 +6484,7 @@
               <a:rPr lang="en-US" dirty="0" smtClean="0">
                 <a:latin typeface="Comic Sans MS" pitchFamily="8" charset="0"/>
               </a:rPr>
-              <a:t> </a:t>
-            </a:r>
-            <a:r>
-              <a:rPr lang="en-US" dirty="0" smtClean="0">
-                <a:latin typeface="Comic Sans MS" pitchFamily="8" charset="0"/>
-              </a:rPr>
-              <a:t>5W.</a:t>
+              <a:t> 5W.</a:t>
             </a:r>
             <a:fld id="{41EDAC2E-DD1F-43A5-B4BD-E63A7B8ED48E}" type="slidenum">
               <a:rPr lang="en-US" sz="1200" smtClean="0">
@@ -7107,13 +7139,7 @@
               <a:rPr lang="en-US" dirty="0" smtClean="0">
                 <a:latin typeface="Comic Sans MS" pitchFamily="8" charset="0"/>
               </a:rPr>
-              <a:t> </a:t>
-            </a:r>
-            <a:r>
-              <a:rPr lang="en-US" dirty="0" smtClean="0">
-                <a:latin typeface="Comic Sans MS" pitchFamily="8" charset="0"/>
-              </a:rPr>
-              <a:t>5W.</a:t>
+              <a:t> 5W.</a:t>
             </a:r>
             <a:fld id="{41EDAC2E-DD1F-43A5-B4BD-E63A7B8ED48E}" type="slidenum">
               <a:rPr lang="en-US" sz="1200" smtClean="0">
@@ -8256,7 +8282,7 @@
 </file>
 
 <file path=ppt/slides/slide13.xml><?xml version="1.0" encoding="utf-8"?>
-<p:sld xmlns:a="http://schemas.openxmlformats.org/drawingml/2006/main" xmlns:r="http://schemas.openxmlformats.org/officeDocument/2006/relationships" xmlns:p="http://schemas.openxmlformats.org/presentationml/2006/main" showMasterPhAnim="0">
+<p:sld xmlns:a="http://schemas.openxmlformats.org/drawingml/2006/main" xmlns:r="http://schemas.openxmlformats.org/officeDocument/2006/relationships" xmlns:p="http://schemas.openxmlformats.org/presentationml/2006/main" showMasterPhAnim="0" show="0">
   <p:cSld>
     <p:spTree>
       <p:nvGrpSpPr>
@@ -8613,7 +8639,7 @@
           <a:graphicData uri="http://schemas.openxmlformats.org/presentationml/2006/ole">
             <mc:AlternateContent xmlns:mc="http://schemas.openxmlformats.org/markup-compatibility/2006">
               <mc:Choice xmlns:v="urn:schemas-microsoft-com:vml" Requires="v">
-                <p:oleObj spid="_x0000_s34823" name="Equation" r:id="rId4" imgW="431800" imgH="165100" progId="Equation.DSMT4">
+                <p:oleObj spid="_x0000_s34828" name="Equation" r:id="rId4" imgW="431800" imgH="165100" progId="Equation.DSMT4">
                   <p:embed/>
                 </p:oleObj>
               </mc:Choice>
@@ -8672,13 +8698,13 @@
   <p:clrMapOvr>
     <a:masterClrMapping/>
   </p:clrMapOvr>
-  <mc:AlternateContent xmlns:mc="http://schemas.openxmlformats.org/markup-compatibility/2006">
-    <mc:Choice xmlns:p14="http://schemas.microsoft.com/office/powerpoint/2010/main" Requires="p14">
+  <mc:AlternateContent xmlns:mc="http://schemas.openxmlformats.org/markup-compatibility/2006" xmlns:p14="http://schemas.microsoft.com/office/powerpoint/2010/main">
+    <mc:Choice Requires="p14">
       <p:transition spd="med" p14:dur="700">
         <p:fade/>
       </p:transition>
     </mc:Choice>
-    <mc:Fallback>
+    <mc:Fallback xmlns="">
       <p:transition xmlns:p14="http://schemas.microsoft.com/office/powerpoint/2010/main" spd="med">
         <p:fade/>
       </p:transition>
@@ -9315,13 +9341,13 @@
   <p:clrMapOvr>
     <a:masterClrMapping/>
   </p:clrMapOvr>
-  <mc:AlternateContent xmlns:mc="http://schemas.openxmlformats.org/markup-compatibility/2006">
-    <mc:Choice xmlns:p14="http://schemas.microsoft.com/office/powerpoint/2010/main" Requires="p14">
+  <mc:AlternateContent xmlns:mc="http://schemas.openxmlformats.org/markup-compatibility/2006" xmlns:p14="http://schemas.microsoft.com/office/powerpoint/2010/main">
+    <mc:Choice Requires="p14">
       <p:transition spd="med" p14:dur="700">
         <p:fade thruBlk="1"/>
       </p:transition>
     </mc:Choice>
-    <mc:Fallback>
+    <mc:Fallback xmlns="">
       <p:transition xmlns:p14="http://schemas.microsoft.com/office/powerpoint/2010/main" spd="med">
         <p:fade thruBlk="1"/>
       </p:transition>
@@ -9609,7 +9635,7 @@
 </file>
 
 <file path=ppt/slides/slide15.xml><?xml version="1.0" encoding="utf-8"?>
-<p:sld xmlns:a="http://schemas.openxmlformats.org/drawingml/2006/main" xmlns:r="http://schemas.openxmlformats.org/officeDocument/2006/relationships" xmlns:p="http://schemas.openxmlformats.org/presentationml/2006/main" showMasterPhAnim="0">
+<p:sld xmlns:a="http://schemas.openxmlformats.org/drawingml/2006/main" xmlns:r="http://schemas.openxmlformats.org/officeDocument/2006/relationships" xmlns:p="http://schemas.openxmlformats.org/presentationml/2006/main" showMasterPhAnim="0" show="0">
   <p:cSld>
     <p:spTree>
       <p:nvGrpSpPr>
@@ -9636,6 +9662,10 @@
           </p:nvPr>
         </p:nvSpPr>
         <p:spPr bwMode="auto">
+          <a:xfrm>
+            <a:off x="2362200" y="152400"/>
+            <a:ext cx="4419600" cy="1143000"/>
+          </a:xfrm>
           <a:noFill/>
           <a:ln>
             <a:miter lim="800000"/>
@@ -9653,9 +9683,14 @@
           <a:p>
             <a:pPr eaLnBrk="1" hangingPunct="1"/>
             <a:r>
-              <a:rPr lang="en-US"/>
-              <a:t>GCD correctness</a:t>
-            </a:r>
+              <a:rPr lang="en-US" sz="4400" dirty="0"/>
+              <a:t>GCD </a:t>
+            </a:r>
+            <a:r>
+              <a:rPr lang="en-US" sz="4400" dirty="0" smtClean="0"/>
+              <a:t>example</a:t>
+            </a:r>
+            <a:endParaRPr lang="en-US" sz="4400" dirty="0"/>
           </a:p>
         </p:txBody>
       </p:sp>
@@ -10252,6 +10287,548 @@
           <a:chExt cx="0" cy="0"/>
         </a:xfrm>
       </p:grpSpPr>
+      <p:sp>
+        <p:nvSpPr>
+          <p:cNvPr id="6" name="Text Box 3"/>
+          <p:cNvSpPr txBox="1">
+            <a:spLocks noChangeArrowheads="1"/>
+          </p:cNvSpPr>
+          <p:nvPr/>
+        </p:nvSpPr>
+        <p:spPr bwMode="auto">
+          <a:xfrm>
+            <a:off x="990600" y="1143000"/>
+            <a:ext cx="7239000" cy="4876800"/>
+          </a:xfrm>
+          <a:prstGeom prst="rect">
+            <a:avLst/>
+          </a:prstGeom>
+          <a:noFill/>
+          <a:ln w="38100">
+            <a:noFill/>
+            <a:miter lim="800000"/>
+            <a:headEnd/>
+            <a:tailEnd type="none" w="lg" len="lg"/>
+          </a:ln>
+        </p:spPr>
+        <p:txBody>
+          <a:bodyPr wrap="square">
+            <a:spAutoFit/>
+          </a:bodyPr>
+          <a:lstStyle/>
+          <a:p>
+            <a:r>
+              <a:rPr lang="en-US" sz="4400" dirty="0"/>
+              <a:t>Example: </a:t>
+            </a:r>
+            <a:r>
+              <a:rPr lang="en-US" sz="4400" dirty="0">
+                <a:solidFill>
+                  <a:srgbClr val="0000CC"/>
+                </a:solidFill>
+              </a:rPr>
+              <a:t>a</a:t>
+            </a:r>
+            <a:r>
+              <a:rPr lang="en-US" sz="4400" dirty="0"/>
+              <a:t> = 899, </a:t>
+            </a:r>
+            <a:r>
+              <a:rPr lang="en-US" sz="4400" dirty="0">
+                <a:solidFill>
+                  <a:srgbClr val="0000CC"/>
+                </a:solidFill>
+              </a:rPr>
+              <a:t>b</a:t>
+            </a:r>
+            <a:r>
+              <a:rPr lang="en-US" sz="4400" dirty="0"/>
+              <a:t>=</a:t>
+            </a:r>
+            <a:r>
+              <a:rPr lang="en-US" sz="4400" dirty="0" smtClean="0"/>
+              <a:t>493</a:t>
+            </a:r>
+            <a:endParaRPr lang="en-US" sz="4400" dirty="0"/>
+          </a:p>
+          <a:p>
+            <a:r>
+              <a:rPr lang="en-US" sz="4400" dirty="0" smtClean="0"/>
+              <a:t>GCD(899, 493) =</a:t>
+            </a:r>
+          </a:p>
+          <a:p>
+            <a:r>
+              <a:rPr lang="en-US" sz="4400" dirty="0" smtClean="0"/>
+              <a:t>GCD(493, 406) =</a:t>
+            </a:r>
+          </a:p>
+          <a:p>
+            <a:r>
+              <a:rPr lang="en-US" sz="4400" dirty="0" smtClean="0"/>
+              <a:t>GCD(406, 87)   =</a:t>
+            </a:r>
+          </a:p>
+          <a:p>
+            <a:r>
+              <a:rPr lang="en-US" sz="4400" dirty="0" smtClean="0"/>
+              <a:t>GCD(87, 58)     =</a:t>
+            </a:r>
+          </a:p>
+          <a:p>
+            <a:r>
+              <a:rPr lang="en-US" sz="4400" dirty="0" smtClean="0"/>
+              <a:t>GCD(58, 29)     =</a:t>
+            </a:r>
+          </a:p>
+          <a:p>
+            <a:r>
+              <a:rPr lang="en-US" sz="4400" dirty="0" smtClean="0"/>
+              <a:t>GCD(29, 0)       =  29</a:t>
+            </a:r>
+            <a:endParaRPr lang="en-US" sz="4400" dirty="0"/>
+          </a:p>
+        </p:txBody>
+      </p:sp>
+      <p:sp>
+        <p:nvSpPr>
+          <p:cNvPr id="30724" name="Slide Number Placeholder 3"/>
+          <p:cNvSpPr>
+            <a:spLocks noGrp="1"/>
+          </p:cNvSpPr>
+          <p:nvPr>
+            <p:ph type="sldNum" sz="quarter" idx="10"/>
+          </p:nvPr>
+        </p:nvSpPr>
+        <p:spPr>
+          <a:noFill/>
+        </p:spPr>
+        <p:txBody>
+          <a:bodyPr/>
+          <a:lstStyle/>
+          <a:p>
+            <a:r>
+              <a:rPr lang="en-US" dirty="0" err="1" smtClean="0">
+                <a:latin typeface="Comic Sans MS" pitchFamily="8" charset="0"/>
+              </a:rPr>
+              <a:t>lec</a:t>
+            </a:r>
+            <a:r>
+              <a:rPr lang="en-US" dirty="0" smtClean="0">
+                <a:latin typeface="Comic Sans MS" pitchFamily="8" charset="0"/>
+              </a:rPr>
+              <a:t> 5W.</a:t>
+            </a:r>
+            <a:fld id="{C0A36D86-A96B-4FB7-B793-96DB8299F076}" type="slidenum">
+              <a:rPr lang="en-US" sz="1200" smtClean="0">
+                <a:latin typeface="Comic Sans MS" pitchFamily="8" charset="0"/>
+              </a:rPr>
+              <a:pPr/>
+              <a:t>16</a:t>
+            </a:fld>
+            <a:endParaRPr lang="en-US" sz="1200" dirty="0" smtClean="0">
+              <a:latin typeface="Comic Sans MS" pitchFamily="8" charset="0"/>
+            </a:endParaRPr>
+          </a:p>
+        </p:txBody>
+      </p:sp>
+      <p:sp>
+        <p:nvSpPr>
+          <p:cNvPr id="7" name="Rectangle 4"/>
+          <p:cNvSpPr>
+            <a:spLocks noGrp="1" noChangeArrowheads="1"/>
+          </p:cNvSpPr>
+          <p:nvPr>
+            <p:ph type="title"/>
+          </p:nvPr>
+        </p:nvSpPr>
+        <p:spPr bwMode="auto">
+          <a:xfrm>
+            <a:off x="2362200" y="152400"/>
+            <a:ext cx="4419600" cy="1143000"/>
+          </a:xfrm>
+          <a:noFill/>
+          <a:ln>
+            <a:miter lim="800000"/>
+            <a:headEnd/>
+            <a:tailEnd/>
+          </a:ln>
+        </p:spPr>
+        <p:txBody>
+          <a:bodyPr wrap="square" lIns="91440" tIns="45720" rIns="91440" bIns="45720" numCol="1" anchor="t" anchorCtr="0" compatLnSpc="1">
+            <a:prstTxWarp prst="textNoShape">
+              <a:avLst/>
+            </a:prstTxWarp>
+          </a:bodyPr>
+          <a:lstStyle/>
+          <a:p>
+            <a:pPr eaLnBrk="1" hangingPunct="1"/>
+            <a:r>
+              <a:rPr lang="en-US" sz="4400" dirty="0"/>
+              <a:t>GCD </a:t>
+            </a:r>
+            <a:r>
+              <a:rPr lang="en-US" sz="4400" dirty="0" smtClean="0"/>
+              <a:t>example</a:t>
+            </a:r>
+            <a:endParaRPr lang="en-US" sz="4400" dirty="0"/>
+          </a:p>
+        </p:txBody>
+      </p:sp>
+    </p:spTree>
+    <p:extLst>
+      <p:ext uri="{BB962C8B-B14F-4D97-AF65-F5344CB8AC3E}">
+        <p14:creationId xmlns:p14="http://schemas.microsoft.com/office/powerpoint/2010/main" val="2391633667"/>
+      </p:ext>
+    </p:extLst>
+  </p:cSld>
+  <p:clrMapOvr>
+    <a:masterClrMapping/>
+  </p:clrMapOvr>
+  <p:timing>
+    <p:tnLst>
+      <p:par>
+        <p:cTn xmlns:p14="http://schemas.microsoft.com/office/powerpoint/2010/main" id="1" dur="indefinite" restart="never" nodeType="tmRoot">
+          <p:childTnLst>
+            <p:seq concurrent="1" nextAc="seek">
+              <p:cTn id="2" dur="indefinite" nodeType="mainSeq">
+                <p:childTnLst>
+                  <p:par>
+                    <p:cTn id="3" fill="hold">
+                      <p:stCondLst>
+                        <p:cond delay="indefinite"/>
+                      </p:stCondLst>
+                      <p:childTnLst>
+                        <p:par>
+                          <p:cTn id="4" fill="hold">
+                            <p:stCondLst>
+                              <p:cond delay="0"/>
+                            </p:stCondLst>
+                            <p:childTnLst>
+                              <p:par>
+                                <p:cTn id="5" presetID="1" presetClass="entr" presetSubtype="0" fill="hold" nodeType="clickEffect">
+                                  <p:stCondLst>
+                                    <p:cond delay="0"/>
+                                  </p:stCondLst>
+                                  <p:childTnLst>
+                                    <p:set>
+                                      <p:cBhvr>
+                                        <p:cTn id="6" dur="1" fill="hold">
+                                          <p:stCondLst>
+                                            <p:cond delay="0"/>
+                                          </p:stCondLst>
+                                        </p:cTn>
+                                        <p:tgtEl>
+                                          <p:spTgt spid="6">
+                                            <p:txEl>
+                                              <p:pRg st="1" end="1"/>
+                                            </p:txEl>
+                                          </p:spTgt>
+                                        </p:tgtEl>
+                                        <p:attrNameLst>
+                                          <p:attrName>style.visibility</p:attrName>
+                                        </p:attrNameLst>
+                                      </p:cBhvr>
+                                      <p:to>
+                                        <p:strVal val="visible"/>
+                                      </p:to>
+                                    </p:set>
+                                  </p:childTnLst>
+                                </p:cTn>
+                              </p:par>
+                            </p:childTnLst>
+                          </p:cTn>
+                        </p:par>
+                      </p:childTnLst>
+                    </p:cTn>
+                  </p:par>
+                  <p:par>
+                    <p:cTn id="7" fill="hold">
+                      <p:stCondLst>
+                        <p:cond delay="indefinite"/>
+                      </p:stCondLst>
+                      <p:childTnLst>
+                        <p:par>
+                          <p:cTn id="8" fill="hold">
+                            <p:stCondLst>
+                              <p:cond delay="0"/>
+                            </p:stCondLst>
+                            <p:childTnLst>
+                              <p:par>
+                                <p:cTn id="9" presetID="1" presetClass="entr" presetSubtype="0" fill="hold" nodeType="clickEffect">
+                                  <p:stCondLst>
+                                    <p:cond delay="0"/>
+                                  </p:stCondLst>
+                                  <p:childTnLst>
+                                    <p:set>
+                                      <p:cBhvr>
+                                        <p:cTn id="10" dur="1" fill="hold">
+                                          <p:stCondLst>
+                                            <p:cond delay="0"/>
+                                          </p:stCondLst>
+                                        </p:cTn>
+                                        <p:tgtEl>
+                                          <p:spTgt spid="6">
+                                            <p:txEl>
+                                              <p:pRg st="2" end="2"/>
+                                            </p:txEl>
+                                          </p:spTgt>
+                                        </p:tgtEl>
+                                        <p:attrNameLst>
+                                          <p:attrName>style.visibility</p:attrName>
+                                        </p:attrNameLst>
+                                      </p:cBhvr>
+                                      <p:to>
+                                        <p:strVal val="visible"/>
+                                      </p:to>
+                                    </p:set>
+                                  </p:childTnLst>
+                                </p:cTn>
+                              </p:par>
+                            </p:childTnLst>
+                          </p:cTn>
+                        </p:par>
+                      </p:childTnLst>
+                    </p:cTn>
+                  </p:par>
+                  <p:par>
+                    <p:cTn id="11" fill="hold">
+                      <p:stCondLst>
+                        <p:cond delay="indefinite"/>
+                      </p:stCondLst>
+                      <p:childTnLst>
+                        <p:par>
+                          <p:cTn id="12" fill="hold">
+                            <p:stCondLst>
+                              <p:cond delay="0"/>
+                            </p:stCondLst>
+                            <p:childTnLst>
+                              <p:par>
+                                <p:cTn id="13" presetID="1" presetClass="entr" presetSubtype="0" fill="hold" nodeType="clickEffect">
+                                  <p:stCondLst>
+                                    <p:cond delay="0"/>
+                                  </p:stCondLst>
+                                  <p:childTnLst>
+                                    <p:set>
+                                      <p:cBhvr>
+                                        <p:cTn id="14" dur="1" fill="hold">
+                                          <p:stCondLst>
+                                            <p:cond delay="0"/>
+                                          </p:stCondLst>
+                                        </p:cTn>
+                                        <p:tgtEl>
+                                          <p:spTgt spid="6">
+                                            <p:txEl>
+                                              <p:pRg st="3" end="3"/>
+                                            </p:txEl>
+                                          </p:spTgt>
+                                        </p:tgtEl>
+                                        <p:attrNameLst>
+                                          <p:attrName>style.visibility</p:attrName>
+                                        </p:attrNameLst>
+                                      </p:cBhvr>
+                                      <p:to>
+                                        <p:strVal val="visible"/>
+                                      </p:to>
+                                    </p:set>
+                                  </p:childTnLst>
+                                </p:cTn>
+                              </p:par>
+                            </p:childTnLst>
+                          </p:cTn>
+                        </p:par>
+                      </p:childTnLst>
+                    </p:cTn>
+                  </p:par>
+                  <p:par>
+                    <p:cTn id="15" fill="hold">
+                      <p:stCondLst>
+                        <p:cond delay="indefinite"/>
+                      </p:stCondLst>
+                      <p:childTnLst>
+                        <p:par>
+                          <p:cTn id="16" fill="hold">
+                            <p:stCondLst>
+                              <p:cond delay="0"/>
+                            </p:stCondLst>
+                            <p:childTnLst>
+                              <p:par>
+                                <p:cTn id="17" presetID="1" presetClass="entr" presetSubtype="0" fill="hold" nodeType="clickEffect">
+                                  <p:stCondLst>
+                                    <p:cond delay="0"/>
+                                  </p:stCondLst>
+                                  <p:childTnLst>
+                                    <p:set>
+                                      <p:cBhvr>
+                                        <p:cTn id="18" dur="1" fill="hold">
+                                          <p:stCondLst>
+                                            <p:cond delay="0"/>
+                                          </p:stCondLst>
+                                        </p:cTn>
+                                        <p:tgtEl>
+                                          <p:spTgt spid="6">
+                                            <p:txEl>
+                                              <p:pRg st="4" end="4"/>
+                                            </p:txEl>
+                                          </p:spTgt>
+                                        </p:tgtEl>
+                                        <p:attrNameLst>
+                                          <p:attrName>style.visibility</p:attrName>
+                                        </p:attrNameLst>
+                                      </p:cBhvr>
+                                      <p:to>
+                                        <p:strVal val="visible"/>
+                                      </p:to>
+                                    </p:set>
+                                  </p:childTnLst>
+                                </p:cTn>
+                              </p:par>
+                            </p:childTnLst>
+                          </p:cTn>
+                        </p:par>
+                      </p:childTnLst>
+                    </p:cTn>
+                  </p:par>
+                  <p:par>
+                    <p:cTn id="19" fill="hold">
+                      <p:stCondLst>
+                        <p:cond delay="indefinite"/>
+                      </p:stCondLst>
+                      <p:childTnLst>
+                        <p:par>
+                          <p:cTn id="20" fill="hold">
+                            <p:stCondLst>
+                              <p:cond delay="0"/>
+                            </p:stCondLst>
+                            <p:childTnLst>
+                              <p:par>
+                                <p:cTn id="21" presetID="1" presetClass="entr" presetSubtype="0" fill="hold" nodeType="clickEffect">
+                                  <p:stCondLst>
+                                    <p:cond delay="0"/>
+                                  </p:stCondLst>
+                                  <p:childTnLst>
+                                    <p:set>
+                                      <p:cBhvr>
+                                        <p:cTn id="22" dur="1" fill="hold">
+                                          <p:stCondLst>
+                                            <p:cond delay="0"/>
+                                          </p:stCondLst>
+                                        </p:cTn>
+                                        <p:tgtEl>
+                                          <p:spTgt spid="6">
+                                            <p:txEl>
+                                              <p:pRg st="5" end="5"/>
+                                            </p:txEl>
+                                          </p:spTgt>
+                                        </p:tgtEl>
+                                        <p:attrNameLst>
+                                          <p:attrName>style.visibility</p:attrName>
+                                        </p:attrNameLst>
+                                      </p:cBhvr>
+                                      <p:to>
+                                        <p:strVal val="visible"/>
+                                      </p:to>
+                                    </p:set>
+                                  </p:childTnLst>
+                                </p:cTn>
+                              </p:par>
+                            </p:childTnLst>
+                          </p:cTn>
+                        </p:par>
+                      </p:childTnLst>
+                    </p:cTn>
+                  </p:par>
+                  <p:par>
+                    <p:cTn id="23" fill="hold">
+                      <p:stCondLst>
+                        <p:cond delay="indefinite"/>
+                      </p:stCondLst>
+                      <p:childTnLst>
+                        <p:par>
+                          <p:cTn id="24" fill="hold">
+                            <p:stCondLst>
+                              <p:cond delay="0"/>
+                            </p:stCondLst>
+                            <p:childTnLst>
+                              <p:par>
+                                <p:cTn id="25" presetID="1" presetClass="entr" presetSubtype="0" fill="hold" nodeType="clickEffect">
+                                  <p:stCondLst>
+                                    <p:cond delay="0"/>
+                                  </p:stCondLst>
+                                  <p:childTnLst>
+                                    <p:set>
+                                      <p:cBhvr>
+                                        <p:cTn id="26" dur="1" fill="hold">
+                                          <p:stCondLst>
+                                            <p:cond delay="0"/>
+                                          </p:stCondLst>
+                                        </p:cTn>
+                                        <p:tgtEl>
+                                          <p:spTgt spid="6">
+                                            <p:txEl>
+                                              <p:pRg st="6" end="6"/>
+                                            </p:txEl>
+                                          </p:spTgt>
+                                        </p:tgtEl>
+                                        <p:attrNameLst>
+                                          <p:attrName>style.visibility</p:attrName>
+                                        </p:attrNameLst>
+                                      </p:cBhvr>
+                                      <p:to>
+                                        <p:strVal val="visible"/>
+                                      </p:to>
+                                    </p:set>
+                                  </p:childTnLst>
+                                </p:cTn>
+                              </p:par>
+                            </p:childTnLst>
+                          </p:cTn>
+                        </p:par>
+                      </p:childTnLst>
+                    </p:cTn>
+                  </p:par>
+                </p:childTnLst>
+              </p:cTn>
+              <p:prevCondLst>
+                <p:cond evt="onPrev" delay="0">
+                  <p:tgtEl>
+                    <p:sldTgt/>
+                  </p:tgtEl>
+                </p:cond>
+              </p:prevCondLst>
+              <p:nextCondLst>
+                <p:cond evt="onNext" delay="0">
+                  <p:tgtEl>
+                    <p:sldTgt/>
+                  </p:tgtEl>
+                </p:cond>
+              </p:nextCondLst>
+            </p:seq>
+          </p:childTnLst>
+        </p:cTn>
+      </p:par>
+    </p:tnLst>
+  </p:timing>
+</p:sld>
+</file>
+
+<file path=ppt/slides/slide17.xml><?xml version="1.0" encoding="utf-8"?>
+<p:sld xmlns:a="http://schemas.openxmlformats.org/drawingml/2006/main" xmlns:r="http://schemas.openxmlformats.org/officeDocument/2006/relationships" xmlns:p="http://schemas.openxmlformats.org/presentationml/2006/main" show="0">
+  <p:cSld>
+    <p:spTree>
+      <p:nvGrpSpPr>
+        <p:cNvPr id="1" name=""/>
+        <p:cNvGrpSpPr/>
+        <p:nvPr/>
+      </p:nvGrpSpPr>
+      <p:grpSpPr>
+        <a:xfrm>
+          <a:off x="0" y="0"/>
+          <a:ext cx="0" cy="0"/>
+          <a:chOff x="0" y="0"/>
+          <a:chExt cx="0" cy="0"/>
+        </a:xfrm>
+      </p:grpSpPr>
       <p:pic>
         <p:nvPicPr>
           <p:cNvPr id="47106" name="Picture 1"/>
@@ -10809,7 +11386,7 @@
                 <a:sym typeface="Comic Sans MS" pitchFamily="-107" charset="0"/>
               </a:rPr>
               <a:pPr/>
-              <a:t>16</a:t>
+              <a:t>17</a:t>
             </a:fld>
             <a:endParaRPr lang="en-US">
               <a:latin typeface="Comic Sans MS" pitchFamily="-107" charset="0"/>
@@ -10836,8 +11413,8 @@
 </p:sld>
 </file>
 
-<file path=ppt/slides/slide17.xml><?xml version="1.0" encoding="utf-8"?>
-<p:sld xmlns:a="http://schemas.openxmlformats.org/drawingml/2006/main" xmlns:r="http://schemas.openxmlformats.org/officeDocument/2006/relationships" xmlns:p="http://schemas.openxmlformats.org/presentationml/2006/main">
+<file path=ppt/slides/slide18.xml><?xml version="1.0" encoding="utf-8"?>
+<p:sld xmlns:a="http://schemas.openxmlformats.org/drawingml/2006/main" xmlns:r="http://schemas.openxmlformats.org/officeDocument/2006/relationships" xmlns:p="http://schemas.openxmlformats.org/presentationml/2006/main" show="0">
   <p:cSld>
     <p:spTree>
       <p:nvGrpSpPr>
@@ -11596,7 +12173,7 @@
                 <a:sym typeface="Comic Sans MS" pitchFamily="-107" charset="0"/>
               </a:rPr>
               <a:pPr/>
-              <a:t>17</a:t>
+              <a:t>18</a:t>
             </a:fld>
             <a:endParaRPr lang="en-US">
               <a:latin typeface="Comic Sans MS" pitchFamily="-107" charset="0"/>
@@ -11856,8 +12433,8 @@
 </p:sld>
 </file>
 
-<file path=ppt/slides/slide18.xml><?xml version="1.0" encoding="utf-8"?>
-<p:sld xmlns:a="http://schemas.openxmlformats.org/drawingml/2006/main" xmlns:r="http://schemas.openxmlformats.org/officeDocument/2006/relationships" xmlns:p="http://schemas.openxmlformats.org/presentationml/2006/main" showMasterPhAnim="0">
+<file path=ppt/slides/slide19.xml><?xml version="1.0" encoding="utf-8"?>
+<p:sld xmlns:a="http://schemas.openxmlformats.org/drawingml/2006/main" xmlns:r="http://schemas.openxmlformats.org/officeDocument/2006/relationships" xmlns:p="http://schemas.openxmlformats.org/presentationml/2006/main" showMasterPhAnim="0" show="0">
   <p:cSld>
     <p:spTree>
       <p:nvGrpSpPr>
@@ -11990,11 +12567,6 @@
               </a:rPr>
               <a:t> </a:t>
             </a:r>
-            <a:endParaRPr lang="en-US" sz="5400" dirty="0" smtClean="0">
-              <a:solidFill>
-                <a:srgbClr val="000000"/>
-              </a:solidFill>
-            </a:endParaRPr>
           </a:p>
           <a:p>
             <a:pPr marL="304800" indent="-304800" eaLnBrk="1" hangingPunct="1">
@@ -12008,29 +12580,8 @@
                   <a:srgbClr val="000000"/>
                 </a:solidFill>
               </a:rPr>
-              <a:t>every </a:t>
-            </a:r>
-            <a:r>
-              <a:rPr lang="en-US" sz="5400" dirty="0" smtClean="0">
-                <a:solidFill>
-                  <a:srgbClr val="000000"/>
-                </a:solidFill>
-              </a:rPr>
-              <a:t>other </a:t>
-            </a:r>
-            <a:r>
-              <a:rPr lang="en-US" sz="5400" dirty="0" smtClean="0">
-                <a:solidFill>
-                  <a:srgbClr val="000000"/>
-                </a:solidFill>
-              </a:rPr>
-              <a:t>step, so</a:t>
-            </a:r>
-            <a:endParaRPr lang="en-US" sz="5400" dirty="0" smtClean="0">
-              <a:solidFill>
-                <a:srgbClr val="000000"/>
-              </a:solidFill>
-            </a:endParaRPr>
+              <a:t>every other step, so</a:t>
+            </a:r>
           </a:p>
           <a:p>
             <a:pPr marL="304800" indent="-304800" eaLnBrk="1" hangingPunct="1">
@@ -12220,7 +12771,7 @@
                 <a:sym typeface="Comic Sans MS" pitchFamily="-107" charset="0"/>
               </a:rPr>
               <a:pPr/>
-              <a:t>18</a:t>
+              <a:t>19</a:t>
             </a:fld>
             <a:endParaRPr lang="en-US">
               <a:latin typeface="Comic Sans MS" pitchFamily="-107" charset="0"/>
@@ -12523,7 +13074,550 @@
 </p:sld>
 </file>
 
-<file path=ppt/slides/slide19.xml><?xml version="1.0" encoding="utf-8"?>
+<file path=ppt/slides/slide2.xml><?xml version="1.0" encoding="utf-8"?>
+<p:sld xmlns:a="http://schemas.openxmlformats.org/drawingml/2006/main" xmlns:r="http://schemas.openxmlformats.org/officeDocument/2006/relationships" xmlns:p="http://schemas.openxmlformats.org/presentationml/2006/main">
+  <p:cSld>
+    <p:spTree>
+      <p:nvGrpSpPr>
+        <p:cNvPr id="1" name=""/>
+        <p:cNvGrpSpPr/>
+        <p:nvPr/>
+      </p:nvGrpSpPr>
+      <p:grpSpPr>
+        <a:xfrm>
+          <a:off x="0" y="0"/>
+          <a:ext cx="0" cy="0"/>
+          <a:chOff x="0" y="0"/>
+          <a:chExt cx="0" cy="0"/>
+        </a:xfrm>
+      </p:grpSpPr>
+      <p:sp>
+        <p:nvSpPr>
+          <p:cNvPr id="15362" name="Rectangle 2"/>
+          <p:cNvSpPr>
+            <a:spLocks noGrp="1" noChangeArrowheads="1"/>
+          </p:cNvSpPr>
+          <p:nvPr>
+            <p:ph type="title"/>
+          </p:nvPr>
+        </p:nvSpPr>
+        <p:spPr/>
+        <p:txBody>
+          <a:bodyPr/>
+          <a:lstStyle/>
+          <a:p>
+            <a:pPr eaLnBrk="1" hangingPunct="1"/>
+            <a:r>
+              <a:rPr lang="en-US" dirty="0" smtClean="0"/>
+              <a:t>Arithmetic Assumptions</a:t>
+            </a:r>
+          </a:p>
+        </p:txBody>
+      </p:sp>
+      <p:sp>
+        <p:nvSpPr>
+          <p:cNvPr id="729091" name="Rectangle 3"/>
+          <p:cNvSpPr>
+            <a:spLocks noGrp="1" noChangeArrowheads="1"/>
+          </p:cNvSpPr>
+          <p:nvPr>
+            <p:ph type="body" idx="4294967295"/>
+          </p:nvPr>
+        </p:nvSpPr>
+        <p:spPr>
+          <a:xfrm>
+            <a:off x="304800" y="1371600"/>
+            <a:ext cx="8534400" cy="4038600"/>
+          </a:xfrm>
+        </p:spPr>
+        <p:txBody>
+          <a:bodyPr/>
+          <a:lstStyle/>
+          <a:p>
+            <a:pPr marL="0" indent="0" eaLnBrk="1" hangingPunct="1"/>
+            <a:r>
+              <a:rPr lang="en-US" sz="4800" dirty="0" smtClean="0"/>
+              <a:t>assume usual rules for </a:t>
+            </a:r>
+            <a:r>
+              <a:rPr lang="en-US" sz="4800" dirty="0" smtClean="0">
+                <a:solidFill>
+                  <a:srgbClr val="0000CC"/>
+                </a:solidFill>
+              </a:rPr>
+              <a:t>+</a:t>
+            </a:r>
+            <a:r>
+              <a:rPr lang="en-US" sz="4800" dirty="0" smtClean="0"/>
+              <a:t>,</a:t>
+            </a:r>
+            <a:r>
+              <a:rPr lang="en-US" sz="4800" b="1" dirty="0" smtClean="0">
+                <a:solidFill>
+                  <a:schemeClr val="accent1">
+                    <a:lumMod val="50000"/>
+                  </a:schemeClr>
+                </a:solidFill>
+                <a:cs typeface="Times New Roman" pitchFamily="8" charset="0"/>
+                <a:sym typeface="Euclid Symbol" pitchFamily="18" charset="2"/>
+              </a:rPr>
+              <a:t>⋅</a:t>
+            </a:r>
+            <a:r>
+              <a:rPr lang="en-US" sz="4800" dirty="0" smtClean="0">
+                <a:cs typeface="Times New Roman" pitchFamily="8" charset="0"/>
+                <a:sym typeface="Euclid Symbol" pitchFamily="18" charset="2"/>
+              </a:rPr>
+              <a:t>, </a:t>
+            </a:r>
+            <a:r>
+              <a:rPr lang="en-US" sz="4800" dirty="0" smtClean="0">
+                <a:solidFill>
+                  <a:srgbClr val="0000CC"/>
+                </a:solidFill>
+              </a:rPr>
+              <a:t>- </a:t>
+            </a:r>
+            <a:r>
+              <a:rPr lang="en-US" sz="4800" dirty="0" smtClean="0">
+                <a:sym typeface="Euclid Symbol" pitchFamily="18" charset="2"/>
+              </a:rPr>
+              <a:t>:</a:t>
+            </a:r>
+          </a:p>
+          <a:p>
+            <a:pPr marL="0" indent="0" eaLnBrk="1" hangingPunct="1">
+              <a:buFontTx/>
+              <a:buNone/>
+            </a:pPr>
+            <a:r>
+              <a:rPr lang="en-US" sz="5400" dirty="0" smtClean="0">
+                <a:solidFill>
+                  <a:srgbClr val="0000CC"/>
+                </a:solidFill>
+                <a:sym typeface="Euclid Symbol" pitchFamily="18" charset="2"/>
+              </a:rPr>
+              <a:t>a (</a:t>
+            </a:r>
+            <a:r>
+              <a:rPr lang="en-US" sz="5400" dirty="0" err="1" smtClean="0">
+                <a:solidFill>
+                  <a:srgbClr val="0000CC"/>
+                </a:solidFill>
+                <a:sym typeface="Euclid Symbol" pitchFamily="18" charset="2"/>
+              </a:rPr>
+              <a:t>b+c</a:t>
+            </a:r>
+            <a:r>
+              <a:rPr lang="en-US" sz="5400" dirty="0" smtClean="0">
+                <a:solidFill>
+                  <a:srgbClr val="0000CC"/>
+                </a:solidFill>
+                <a:sym typeface="Euclid Symbol" pitchFamily="18" charset="2"/>
+              </a:rPr>
+              <a:t>) = </a:t>
+            </a:r>
+            <a:r>
+              <a:rPr lang="en-US" sz="5400" dirty="0" err="1" smtClean="0">
+                <a:solidFill>
+                  <a:srgbClr val="0000CC"/>
+                </a:solidFill>
+                <a:sym typeface="Euclid Symbol" pitchFamily="18" charset="2"/>
+              </a:rPr>
+              <a:t>ab</a:t>
+            </a:r>
+            <a:r>
+              <a:rPr lang="en-US" sz="5400" dirty="0" smtClean="0">
+                <a:solidFill>
+                  <a:srgbClr val="0000CC"/>
+                </a:solidFill>
+                <a:sym typeface="Euclid Symbol" pitchFamily="18" charset="2"/>
+              </a:rPr>
+              <a:t> + ac,  </a:t>
+            </a:r>
+            <a:r>
+              <a:rPr lang="en-US" sz="5400" dirty="0" err="1" smtClean="0">
+                <a:solidFill>
+                  <a:srgbClr val="0000CC"/>
+                </a:solidFill>
+                <a:sym typeface="Euclid Symbol" pitchFamily="18" charset="2"/>
+              </a:rPr>
+              <a:t>ab</a:t>
+            </a:r>
+            <a:r>
+              <a:rPr lang="en-US" sz="5400" dirty="0" smtClean="0">
+                <a:solidFill>
+                  <a:srgbClr val="0000CC"/>
+                </a:solidFill>
+                <a:sym typeface="Euclid Symbol" pitchFamily="18" charset="2"/>
+              </a:rPr>
+              <a:t> = </a:t>
+            </a:r>
+            <a:r>
+              <a:rPr lang="en-US" sz="5400" dirty="0" err="1" smtClean="0">
+                <a:solidFill>
+                  <a:srgbClr val="0000CC"/>
+                </a:solidFill>
+                <a:sym typeface="Euclid Symbol" pitchFamily="18" charset="2"/>
+              </a:rPr>
+              <a:t>ba</a:t>
+            </a:r>
+            <a:r>
+              <a:rPr lang="en-US" sz="5400" dirty="0" smtClean="0">
+                <a:solidFill>
+                  <a:srgbClr val="0000CC"/>
+                </a:solidFill>
+                <a:sym typeface="Euclid Symbol" pitchFamily="18" charset="2"/>
+              </a:rPr>
+              <a:t>,</a:t>
+            </a:r>
+          </a:p>
+          <a:p>
+            <a:pPr marL="0" indent="0" eaLnBrk="1" hangingPunct="1">
+              <a:buFontTx/>
+              <a:buNone/>
+            </a:pPr>
+            <a:r>
+              <a:rPr lang="en-US" sz="5400" dirty="0" smtClean="0">
+                <a:solidFill>
+                  <a:srgbClr val="0000CC"/>
+                </a:solidFill>
+                <a:sym typeface="Euclid Symbol" pitchFamily="18" charset="2"/>
+              </a:rPr>
+              <a:t>(</a:t>
+            </a:r>
+            <a:r>
+              <a:rPr lang="en-US" sz="5400" dirty="0" err="1" smtClean="0">
+                <a:solidFill>
+                  <a:srgbClr val="0000CC"/>
+                </a:solidFill>
+                <a:sym typeface="Euclid Symbol" pitchFamily="18" charset="2"/>
+              </a:rPr>
+              <a:t>ab)c</a:t>
+            </a:r>
+            <a:r>
+              <a:rPr lang="en-US" sz="5400" dirty="0" smtClean="0">
+                <a:solidFill>
+                  <a:srgbClr val="0000CC"/>
+                </a:solidFill>
+                <a:sym typeface="Euclid Symbol" pitchFamily="18" charset="2"/>
+              </a:rPr>
+              <a:t> = a (</a:t>
+            </a:r>
+            <a:r>
+              <a:rPr lang="en-US" sz="5400" dirty="0" err="1" smtClean="0">
+                <a:solidFill>
+                  <a:srgbClr val="0000CC"/>
+                </a:solidFill>
+                <a:sym typeface="Euclid Symbol" pitchFamily="18" charset="2"/>
+              </a:rPr>
+              <a:t>bc</a:t>
+            </a:r>
+            <a:r>
+              <a:rPr lang="en-US" sz="5400" dirty="0" smtClean="0">
+                <a:solidFill>
+                  <a:srgbClr val="0000CC"/>
+                </a:solidFill>
+                <a:sym typeface="Euclid Symbol" pitchFamily="18" charset="2"/>
+              </a:rPr>
+              <a:t>),  a – a =0,</a:t>
+            </a:r>
+          </a:p>
+          <a:p>
+            <a:pPr marL="0" indent="0" eaLnBrk="1" hangingPunct="1">
+              <a:buFontTx/>
+              <a:buNone/>
+            </a:pPr>
+            <a:r>
+              <a:rPr lang="en-US" sz="5400" dirty="0" smtClean="0">
+                <a:solidFill>
+                  <a:srgbClr val="0000CC"/>
+                </a:solidFill>
+                <a:sym typeface="Euclid Symbol" pitchFamily="18" charset="2"/>
+              </a:rPr>
+              <a:t>a + 0 = a,  a+1 </a:t>
+            </a:r>
+            <a:r>
+              <a:rPr lang="en-US" sz="5400" b="1" dirty="0" smtClean="0">
+                <a:solidFill>
+                  <a:srgbClr val="0000CC"/>
+                </a:solidFill>
+                <a:latin typeface="Euclid Symbol" charset="2"/>
+                <a:cs typeface="Euclid Symbol" charset="2"/>
+                <a:sym typeface="Euclid Symbol" pitchFamily="18" charset="2"/>
+              </a:rPr>
+              <a:t>&gt;</a:t>
+            </a:r>
+            <a:r>
+              <a:rPr lang="en-US" sz="5400" dirty="0" smtClean="0">
+                <a:solidFill>
+                  <a:srgbClr val="0000CC"/>
+                </a:solidFill>
+                <a:sym typeface="Euclid Symbol" pitchFamily="18" charset="2"/>
+              </a:rPr>
+              <a:t> a, ….</a:t>
+            </a:r>
+            <a:endParaRPr lang="en-US" sz="5400" dirty="0" smtClean="0">
+              <a:sym typeface="Euclid Symbol" pitchFamily="18" charset="2"/>
+            </a:endParaRPr>
+          </a:p>
+        </p:txBody>
+      </p:sp>
+      <p:sp>
+        <p:nvSpPr>
+          <p:cNvPr id="15364" name="Slide Number Placeholder 3"/>
+          <p:cNvSpPr>
+            <a:spLocks noGrp="1"/>
+          </p:cNvSpPr>
+          <p:nvPr>
+            <p:ph type="sldNum" sz="quarter" idx="10"/>
+          </p:nvPr>
+        </p:nvSpPr>
+        <p:spPr>
+          <a:noFill/>
+        </p:spPr>
+        <p:txBody>
+          <a:bodyPr/>
+          <a:lstStyle/>
+          <a:p>
+            <a:r>
+              <a:rPr lang="en-US" dirty="0" err="1" smtClean="0">
+                <a:latin typeface="Comic Sans MS" pitchFamily="8" charset="0"/>
+              </a:rPr>
+              <a:t>lec</a:t>
+            </a:r>
+            <a:r>
+              <a:rPr lang="en-US" dirty="0" smtClean="0">
+                <a:latin typeface="Comic Sans MS" pitchFamily="8" charset="0"/>
+              </a:rPr>
+              <a:t> 5W.</a:t>
+            </a:r>
+            <a:fld id="{FE49EF4A-0141-43E8-AEBF-E2641D87AC29}" type="slidenum">
+              <a:rPr lang="en-US" sz="1200" smtClean="0">
+                <a:latin typeface="Comic Sans MS" pitchFamily="8" charset="0"/>
+              </a:rPr>
+              <a:pPr/>
+              <a:t>2</a:t>
+            </a:fld>
+            <a:endParaRPr lang="en-US" sz="1200" dirty="0" smtClean="0">
+              <a:latin typeface="Comic Sans MS" pitchFamily="8" charset="0"/>
+            </a:endParaRPr>
+          </a:p>
+        </p:txBody>
+      </p:sp>
+    </p:spTree>
+  </p:cSld>
+  <p:clrMapOvr>
+    <a:masterClrMapping/>
+  </p:clrMapOvr>
+  <p:timing>
+    <p:tnLst>
+      <p:par>
+        <p:cTn xmlns:p14="http://schemas.microsoft.com/office/powerpoint/2010/main" id="1" dur="indefinite" restart="never" nodeType="tmRoot">
+          <p:childTnLst>
+            <p:seq concurrent="1" nextAc="seek">
+              <p:cTn id="2" dur="indefinite" nodeType="mainSeq">
+                <p:childTnLst>
+                  <p:par>
+                    <p:cTn id="3" fill="hold">
+                      <p:stCondLst>
+                        <p:cond delay="indefinite"/>
+                      </p:stCondLst>
+                      <p:childTnLst>
+                        <p:par>
+                          <p:cTn id="4" fill="hold">
+                            <p:stCondLst>
+                              <p:cond delay="0"/>
+                            </p:stCondLst>
+                            <p:childTnLst>
+                              <p:par>
+                                <p:cTn id="5" presetID="22" presetClass="entr" presetSubtype="8" fill="hold" nodeType="clickEffect">
+                                  <p:stCondLst>
+                                    <p:cond delay="0"/>
+                                  </p:stCondLst>
+                                  <p:childTnLst>
+                                    <p:set>
+                                      <p:cBhvr>
+                                        <p:cTn id="6" dur="1" fill="hold">
+                                          <p:stCondLst>
+                                            <p:cond delay="0"/>
+                                          </p:stCondLst>
+                                        </p:cTn>
+                                        <p:tgtEl>
+                                          <p:spTgt spid="729091">
+                                            <p:txEl>
+                                              <p:pRg st="1" end="1"/>
+                                            </p:txEl>
+                                          </p:spTgt>
+                                        </p:tgtEl>
+                                        <p:attrNameLst>
+                                          <p:attrName>style.visibility</p:attrName>
+                                        </p:attrNameLst>
+                                      </p:cBhvr>
+                                      <p:to>
+                                        <p:strVal val="visible"/>
+                                      </p:to>
+                                    </p:set>
+                                    <p:animEffect transition="in" filter="wipe(left)">
+                                      <p:cBhvr>
+                                        <p:cTn id="7" dur="500"/>
+                                        <p:tgtEl>
+                                          <p:spTgt spid="729091">
+                                            <p:txEl>
+                                              <p:pRg st="1" end="1"/>
+                                            </p:txEl>
+                                          </p:spTgt>
+                                        </p:tgtEl>
+                                      </p:cBhvr>
+                                    </p:animEffect>
+                                  </p:childTnLst>
+                                </p:cTn>
+                              </p:par>
+                            </p:childTnLst>
+                          </p:cTn>
+                        </p:par>
+                      </p:childTnLst>
+                    </p:cTn>
+                  </p:par>
+                  <p:par>
+                    <p:cTn id="8" fill="hold">
+                      <p:stCondLst>
+                        <p:cond delay="indefinite"/>
+                      </p:stCondLst>
+                      <p:childTnLst>
+                        <p:par>
+                          <p:cTn id="9" fill="hold">
+                            <p:stCondLst>
+                              <p:cond delay="0"/>
+                            </p:stCondLst>
+                            <p:childTnLst>
+                              <p:par>
+                                <p:cTn id="10" presetID="22" presetClass="entr" presetSubtype="1" fill="hold" nodeType="clickEffect">
+                                  <p:stCondLst>
+                                    <p:cond delay="0"/>
+                                  </p:stCondLst>
+                                  <p:childTnLst>
+                                    <p:set>
+                                      <p:cBhvr>
+                                        <p:cTn id="11" dur="1" fill="hold">
+                                          <p:stCondLst>
+                                            <p:cond delay="0"/>
+                                          </p:stCondLst>
+                                        </p:cTn>
+                                        <p:tgtEl>
+                                          <p:spTgt spid="729091">
+                                            <p:txEl>
+                                              <p:pRg st="2" end="2"/>
+                                            </p:txEl>
+                                          </p:spTgt>
+                                        </p:tgtEl>
+                                        <p:attrNameLst>
+                                          <p:attrName>style.visibility</p:attrName>
+                                        </p:attrNameLst>
+                                      </p:cBhvr>
+                                      <p:to>
+                                        <p:strVal val="visible"/>
+                                      </p:to>
+                                    </p:set>
+                                    <p:animEffect transition="in" filter="wipe(up)">
+                                      <p:cBhvr>
+                                        <p:cTn id="12" dur="500"/>
+                                        <p:tgtEl>
+                                          <p:spTgt spid="729091">
+                                            <p:txEl>
+                                              <p:pRg st="2" end="2"/>
+                                            </p:txEl>
+                                          </p:spTgt>
+                                        </p:tgtEl>
+                                      </p:cBhvr>
+                                    </p:animEffect>
+                                  </p:childTnLst>
+                                </p:cTn>
+                              </p:par>
+                            </p:childTnLst>
+                          </p:cTn>
+                        </p:par>
+                        <p:par>
+                          <p:cTn id="13" fill="hold">
+                            <p:stCondLst>
+                              <p:cond delay="500"/>
+                            </p:stCondLst>
+                            <p:childTnLst>
+                              <p:par>
+                                <p:cTn id="14" presetID="22" presetClass="entr" presetSubtype="1" fill="hold" nodeType="afterEffect">
+                                  <p:stCondLst>
+                                    <p:cond delay="0"/>
+                                  </p:stCondLst>
+                                  <p:childTnLst>
+                                    <p:set>
+                                      <p:cBhvr>
+                                        <p:cTn id="15" dur="1" fill="hold">
+                                          <p:stCondLst>
+                                            <p:cond delay="0"/>
+                                          </p:stCondLst>
+                                        </p:cTn>
+                                        <p:tgtEl>
+                                          <p:spTgt spid="729091">
+                                            <p:txEl>
+                                              <p:pRg st="3" end="3"/>
+                                            </p:txEl>
+                                          </p:spTgt>
+                                        </p:tgtEl>
+                                        <p:attrNameLst>
+                                          <p:attrName>style.visibility</p:attrName>
+                                        </p:attrNameLst>
+                                      </p:cBhvr>
+                                      <p:to>
+                                        <p:strVal val="visible"/>
+                                      </p:to>
+                                    </p:set>
+                                    <p:animEffect transition="in" filter="wipe(up)">
+                                      <p:cBhvr>
+                                        <p:cTn id="16" dur="500"/>
+                                        <p:tgtEl>
+                                          <p:spTgt spid="729091">
+                                            <p:txEl>
+                                              <p:pRg st="3" end="3"/>
+                                            </p:txEl>
+                                          </p:spTgt>
+                                        </p:tgtEl>
+                                      </p:cBhvr>
+                                    </p:animEffect>
+                                  </p:childTnLst>
+                                </p:cTn>
+                              </p:par>
+                            </p:childTnLst>
+                          </p:cTn>
+                        </p:par>
+                      </p:childTnLst>
+                    </p:cTn>
+                  </p:par>
+                </p:childTnLst>
+              </p:cTn>
+              <p:prevCondLst>
+                <p:cond evt="onPrev" delay="0">
+                  <p:tgtEl>
+                    <p:sldTgt/>
+                  </p:tgtEl>
+                </p:cond>
+              </p:prevCondLst>
+              <p:nextCondLst>
+                <p:cond evt="onNext" delay="0">
+                  <p:tgtEl>
+                    <p:sldTgt/>
+                  </p:tgtEl>
+                </p:cond>
+              </p:nextCondLst>
+            </p:seq>
+          </p:childTnLst>
+        </p:cTn>
+      </p:par>
+    </p:tnLst>
+  </p:timing>
+</p:sld>
+</file>
+
+<file path=ppt/slides/slide20.xml><?xml version="1.0" encoding="utf-8"?>
 <p:sld xmlns:a="http://schemas.openxmlformats.org/drawingml/2006/main" xmlns:r="http://schemas.openxmlformats.org/officeDocument/2006/relationships" xmlns:p="http://schemas.openxmlformats.org/presentationml/2006/main" show="0">
   <p:cSld>
     <p:spTree>
@@ -12735,20 +13829,14 @@
               <a:rPr lang="en-US" dirty="0" smtClean="0">
                 <a:latin typeface="Comic Sans MS" pitchFamily="8" charset="0"/>
               </a:rPr>
-              <a:t> </a:t>
-            </a:r>
-            <a:r>
-              <a:rPr lang="en-US" dirty="0" smtClean="0">
-                <a:latin typeface="Comic Sans MS" pitchFamily="8" charset="0"/>
-              </a:rPr>
-              <a:t>5W.</a:t>
+              <a:t> 5W.</a:t>
             </a:r>
             <a:fld id="{610C25DE-71AD-46DD-8B4C-AFCAA74B9C10}" type="slidenum">
               <a:rPr lang="en-US" sz="1200" smtClean="0">
                 <a:latin typeface="Comic Sans MS" pitchFamily="8" charset="0"/>
               </a:rPr>
               <a:pPr/>
-              <a:t>19</a:t>
+              <a:t>20</a:t>
             </a:fld>
             <a:endParaRPr lang="en-US" sz="1200" dirty="0" smtClean="0">
               <a:latin typeface="Comic Sans MS" pitchFamily="8" charset="0"/>
@@ -13004,556 +14092,7 @@
 </p:sld>
 </file>
 
-<file path=ppt/slides/slide2.xml><?xml version="1.0" encoding="utf-8"?>
-<p:sld xmlns:a="http://schemas.openxmlformats.org/drawingml/2006/main" xmlns:r="http://schemas.openxmlformats.org/officeDocument/2006/relationships" xmlns:p="http://schemas.openxmlformats.org/presentationml/2006/main">
-  <p:cSld>
-    <p:spTree>
-      <p:nvGrpSpPr>
-        <p:cNvPr id="1" name=""/>
-        <p:cNvGrpSpPr/>
-        <p:nvPr/>
-      </p:nvGrpSpPr>
-      <p:grpSpPr>
-        <a:xfrm>
-          <a:off x="0" y="0"/>
-          <a:ext cx="0" cy="0"/>
-          <a:chOff x="0" y="0"/>
-          <a:chExt cx="0" cy="0"/>
-        </a:xfrm>
-      </p:grpSpPr>
-      <p:sp>
-        <p:nvSpPr>
-          <p:cNvPr id="15362" name="Rectangle 2"/>
-          <p:cNvSpPr>
-            <a:spLocks noGrp="1" noChangeArrowheads="1"/>
-          </p:cNvSpPr>
-          <p:nvPr>
-            <p:ph type="title"/>
-          </p:nvPr>
-        </p:nvSpPr>
-        <p:spPr/>
-        <p:txBody>
-          <a:bodyPr/>
-          <a:lstStyle/>
-          <a:p>
-            <a:pPr eaLnBrk="1" hangingPunct="1"/>
-            <a:r>
-              <a:rPr lang="en-US" dirty="0" smtClean="0"/>
-              <a:t>Arithmetic Assumptions</a:t>
-            </a:r>
-          </a:p>
-        </p:txBody>
-      </p:sp>
-      <p:sp>
-        <p:nvSpPr>
-          <p:cNvPr id="729091" name="Rectangle 3"/>
-          <p:cNvSpPr>
-            <a:spLocks noGrp="1" noChangeArrowheads="1"/>
-          </p:cNvSpPr>
-          <p:nvPr>
-            <p:ph type="body" idx="4294967295"/>
-          </p:nvPr>
-        </p:nvSpPr>
-        <p:spPr>
-          <a:xfrm>
-            <a:off x="304800" y="1371600"/>
-            <a:ext cx="8534400" cy="4038600"/>
-          </a:xfrm>
-        </p:spPr>
-        <p:txBody>
-          <a:bodyPr/>
-          <a:lstStyle/>
-          <a:p>
-            <a:pPr marL="0" indent="0" eaLnBrk="1" hangingPunct="1"/>
-            <a:r>
-              <a:rPr lang="en-US" sz="4800" dirty="0" smtClean="0"/>
-              <a:t>assume usual rules for </a:t>
-            </a:r>
-            <a:r>
-              <a:rPr lang="en-US" sz="4800" dirty="0" smtClean="0">
-                <a:solidFill>
-                  <a:srgbClr val="0000CC"/>
-                </a:solidFill>
-              </a:rPr>
-              <a:t>+</a:t>
-            </a:r>
-            <a:r>
-              <a:rPr lang="en-US" sz="4800" dirty="0" smtClean="0"/>
-              <a:t>,</a:t>
-            </a:r>
-            <a:r>
-              <a:rPr lang="en-US" sz="4800" b="1" dirty="0" smtClean="0">
-                <a:solidFill>
-                  <a:schemeClr val="accent1">
-                    <a:lumMod val="50000"/>
-                  </a:schemeClr>
-                </a:solidFill>
-                <a:cs typeface="Times New Roman" pitchFamily="8" charset="0"/>
-                <a:sym typeface="Euclid Symbol" pitchFamily="18" charset="2"/>
-              </a:rPr>
-              <a:t>⋅</a:t>
-            </a:r>
-            <a:r>
-              <a:rPr lang="en-US" sz="4800" dirty="0" smtClean="0">
-                <a:cs typeface="Times New Roman" pitchFamily="8" charset="0"/>
-                <a:sym typeface="Euclid Symbol" pitchFamily="18" charset="2"/>
-              </a:rPr>
-              <a:t>, </a:t>
-            </a:r>
-            <a:r>
-              <a:rPr lang="en-US" sz="4800" dirty="0" smtClean="0">
-                <a:solidFill>
-                  <a:srgbClr val="0000CC"/>
-                </a:solidFill>
-              </a:rPr>
-              <a:t>- </a:t>
-            </a:r>
-            <a:r>
-              <a:rPr lang="en-US" sz="4800" dirty="0" smtClean="0">
-                <a:sym typeface="Euclid Symbol" pitchFamily="18" charset="2"/>
-              </a:rPr>
-              <a:t>:</a:t>
-            </a:r>
-          </a:p>
-          <a:p>
-            <a:pPr marL="0" indent="0" eaLnBrk="1" hangingPunct="1">
-              <a:buFontTx/>
-              <a:buNone/>
-            </a:pPr>
-            <a:r>
-              <a:rPr lang="en-US" sz="5400" dirty="0" smtClean="0">
-                <a:solidFill>
-                  <a:srgbClr val="0000CC"/>
-                </a:solidFill>
-                <a:sym typeface="Euclid Symbol" pitchFamily="18" charset="2"/>
-              </a:rPr>
-              <a:t>a (</a:t>
-            </a:r>
-            <a:r>
-              <a:rPr lang="en-US" sz="5400" dirty="0" err="1" smtClean="0">
-                <a:solidFill>
-                  <a:srgbClr val="0000CC"/>
-                </a:solidFill>
-                <a:sym typeface="Euclid Symbol" pitchFamily="18" charset="2"/>
-              </a:rPr>
-              <a:t>b+c</a:t>
-            </a:r>
-            <a:r>
-              <a:rPr lang="en-US" sz="5400" dirty="0" smtClean="0">
-                <a:solidFill>
-                  <a:srgbClr val="0000CC"/>
-                </a:solidFill>
-                <a:sym typeface="Euclid Symbol" pitchFamily="18" charset="2"/>
-              </a:rPr>
-              <a:t>) = </a:t>
-            </a:r>
-            <a:r>
-              <a:rPr lang="en-US" sz="5400" dirty="0" err="1" smtClean="0">
-                <a:solidFill>
-                  <a:srgbClr val="0000CC"/>
-                </a:solidFill>
-                <a:sym typeface="Euclid Symbol" pitchFamily="18" charset="2"/>
-              </a:rPr>
-              <a:t>ab</a:t>
-            </a:r>
-            <a:r>
-              <a:rPr lang="en-US" sz="5400" dirty="0" smtClean="0">
-                <a:solidFill>
-                  <a:srgbClr val="0000CC"/>
-                </a:solidFill>
-                <a:sym typeface="Euclid Symbol" pitchFamily="18" charset="2"/>
-              </a:rPr>
-              <a:t> + ac,  </a:t>
-            </a:r>
-            <a:r>
-              <a:rPr lang="en-US" sz="5400" dirty="0" err="1" smtClean="0">
-                <a:solidFill>
-                  <a:srgbClr val="0000CC"/>
-                </a:solidFill>
-                <a:sym typeface="Euclid Symbol" pitchFamily="18" charset="2"/>
-              </a:rPr>
-              <a:t>ab</a:t>
-            </a:r>
-            <a:r>
-              <a:rPr lang="en-US" sz="5400" dirty="0" smtClean="0">
-                <a:solidFill>
-                  <a:srgbClr val="0000CC"/>
-                </a:solidFill>
-                <a:sym typeface="Euclid Symbol" pitchFamily="18" charset="2"/>
-              </a:rPr>
-              <a:t> = </a:t>
-            </a:r>
-            <a:r>
-              <a:rPr lang="en-US" sz="5400" dirty="0" err="1" smtClean="0">
-                <a:solidFill>
-                  <a:srgbClr val="0000CC"/>
-                </a:solidFill>
-                <a:sym typeface="Euclid Symbol" pitchFamily="18" charset="2"/>
-              </a:rPr>
-              <a:t>ba</a:t>
-            </a:r>
-            <a:r>
-              <a:rPr lang="en-US" sz="5400" dirty="0" smtClean="0">
-                <a:solidFill>
-                  <a:srgbClr val="0000CC"/>
-                </a:solidFill>
-                <a:sym typeface="Euclid Symbol" pitchFamily="18" charset="2"/>
-              </a:rPr>
-              <a:t>,</a:t>
-            </a:r>
-          </a:p>
-          <a:p>
-            <a:pPr marL="0" indent="0" eaLnBrk="1" hangingPunct="1">
-              <a:buFontTx/>
-              <a:buNone/>
-            </a:pPr>
-            <a:r>
-              <a:rPr lang="en-US" sz="5400" dirty="0" smtClean="0">
-                <a:solidFill>
-                  <a:srgbClr val="0000CC"/>
-                </a:solidFill>
-                <a:sym typeface="Euclid Symbol" pitchFamily="18" charset="2"/>
-              </a:rPr>
-              <a:t>(</a:t>
-            </a:r>
-            <a:r>
-              <a:rPr lang="en-US" sz="5400" dirty="0" err="1" smtClean="0">
-                <a:solidFill>
-                  <a:srgbClr val="0000CC"/>
-                </a:solidFill>
-                <a:sym typeface="Euclid Symbol" pitchFamily="18" charset="2"/>
-              </a:rPr>
-              <a:t>ab)c</a:t>
-            </a:r>
-            <a:r>
-              <a:rPr lang="en-US" sz="5400" dirty="0" smtClean="0">
-                <a:solidFill>
-                  <a:srgbClr val="0000CC"/>
-                </a:solidFill>
-                <a:sym typeface="Euclid Symbol" pitchFamily="18" charset="2"/>
-              </a:rPr>
-              <a:t> = a (</a:t>
-            </a:r>
-            <a:r>
-              <a:rPr lang="en-US" sz="5400" dirty="0" err="1" smtClean="0">
-                <a:solidFill>
-                  <a:srgbClr val="0000CC"/>
-                </a:solidFill>
-                <a:sym typeface="Euclid Symbol" pitchFamily="18" charset="2"/>
-              </a:rPr>
-              <a:t>bc</a:t>
-            </a:r>
-            <a:r>
-              <a:rPr lang="en-US" sz="5400" dirty="0" smtClean="0">
-                <a:solidFill>
-                  <a:srgbClr val="0000CC"/>
-                </a:solidFill>
-                <a:sym typeface="Euclid Symbol" pitchFamily="18" charset="2"/>
-              </a:rPr>
-              <a:t>),  a – a =0,</a:t>
-            </a:r>
-          </a:p>
-          <a:p>
-            <a:pPr marL="0" indent="0" eaLnBrk="1" hangingPunct="1">
-              <a:buFontTx/>
-              <a:buNone/>
-            </a:pPr>
-            <a:r>
-              <a:rPr lang="en-US" sz="5400" dirty="0" smtClean="0">
-                <a:solidFill>
-                  <a:srgbClr val="0000CC"/>
-                </a:solidFill>
-                <a:sym typeface="Euclid Symbol" pitchFamily="18" charset="2"/>
-              </a:rPr>
-              <a:t>a + 0 = a,  a+1 </a:t>
-            </a:r>
-            <a:r>
-              <a:rPr lang="en-US" sz="5400" b="1" dirty="0" smtClean="0">
-                <a:solidFill>
-                  <a:srgbClr val="0000CC"/>
-                </a:solidFill>
-                <a:latin typeface="Euclid Symbol" charset="2"/>
-                <a:cs typeface="Euclid Symbol" charset="2"/>
-                <a:sym typeface="Euclid Symbol" pitchFamily="18" charset="2"/>
-              </a:rPr>
-              <a:t>&gt;</a:t>
-            </a:r>
-            <a:r>
-              <a:rPr lang="en-US" sz="5400" dirty="0" smtClean="0">
-                <a:solidFill>
-                  <a:srgbClr val="0000CC"/>
-                </a:solidFill>
-                <a:sym typeface="Euclid Symbol" pitchFamily="18" charset="2"/>
-              </a:rPr>
-              <a:t> a, ….</a:t>
-            </a:r>
-            <a:endParaRPr lang="en-US" sz="5400" dirty="0" smtClean="0">
-              <a:sym typeface="Euclid Symbol" pitchFamily="18" charset="2"/>
-            </a:endParaRPr>
-          </a:p>
-        </p:txBody>
-      </p:sp>
-      <p:sp>
-        <p:nvSpPr>
-          <p:cNvPr id="15364" name="Slide Number Placeholder 3"/>
-          <p:cNvSpPr>
-            <a:spLocks noGrp="1"/>
-          </p:cNvSpPr>
-          <p:nvPr>
-            <p:ph type="sldNum" sz="quarter" idx="10"/>
-          </p:nvPr>
-        </p:nvSpPr>
-        <p:spPr>
-          <a:noFill/>
-        </p:spPr>
-        <p:txBody>
-          <a:bodyPr/>
-          <a:lstStyle/>
-          <a:p>
-            <a:r>
-              <a:rPr lang="en-US" dirty="0" err="1" smtClean="0">
-                <a:latin typeface="Comic Sans MS" pitchFamily="8" charset="0"/>
-              </a:rPr>
-              <a:t>lec</a:t>
-            </a:r>
-            <a:r>
-              <a:rPr lang="en-US" dirty="0" smtClean="0">
-                <a:latin typeface="Comic Sans MS" pitchFamily="8" charset="0"/>
-              </a:rPr>
-              <a:t> </a:t>
-            </a:r>
-            <a:r>
-              <a:rPr lang="en-US" dirty="0" smtClean="0">
-                <a:latin typeface="Comic Sans MS" pitchFamily="8" charset="0"/>
-              </a:rPr>
-              <a:t>5W.</a:t>
-            </a:r>
-            <a:fld id="{FE49EF4A-0141-43E8-AEBF-E2641D87AC29}" type="slidenum">
-              <a:rPr lang="en-US" sz="1200" smtClean="0">
-                <a:latin typeface="Comic Sans MS" pitchFamily="8" charset="0"/>
-              </a:rPr>
-              <a:pPr/>
-              <a:t>2</a:t>
-            </a:fld>
-            <a:endParaRPr lang="en-US" sz="1200" dirty="0" smtClean="0">
-              <a:latin typeface="Comic Sans MS" pitchFamily="8" charset="0"/>
-            </a:endParaRPr>
-          </a:p>
-        </p:txBody>
-      </p:sp>
-    </p:spTree>
-  </p:cSld>
-  <p:clrMapOvr>
-    <a:masterClrMapping/>
-  </p:clrMapOvr>
-  <p:timing>
-    <p:tnLst>
-      <p:par>
-        <p:cTn xmlns:p14="http://schemas.microsoft.com/office/powerpoint/2010/main" id="1" dur="indefinite" restart="never" nodeType="tmRoot">
-          <p:childTnLst>
-            <p:seq concurrent="1" nextAc="seek">
-              <p:cTn id="2" dur="indefinite" nodeType="mainSeq">
-                <p:childTnLst>
-                  <p:par>
-                    <p:cTn id="3" fill="hold">
-                      <p:stCondLst>
-                        <p:cond delay="indefinite"/>
-                      </p:stCondLst>
-                      <p:childTnLst>
-                        <p:par>
-                          <p:cTn id="4" fill="hold">
-                            <p:stCondLst>
-                              <p:cond delay="0"/>
-                            </p:stCondLst>
-                            <p:childTnLst>
-                              <p:par>
-                                <p:cTn id="5" presetID="22" presetClass="entr" presetSubtype="8" fill="hold" nodeType="clickEffect">
-                                  <p:stCondLst>
-                                    <p:cond delay="0"/>
-                                  </p:stCondLst>
-                                  <p:childTnLst>
-                                    <p:set>
-                                      <p:cBhvr>
-                                        <p:cTn id="6" dur="1" fill="hold">
-                                          <p:stCondLst>
-                                            <p:cond delay="0"/>
-                                          </p:stCondLst>
-                                        </p:cTn>
-                                        <p:tgtEl>
-                                          <p:spTgt spid="729091">
-                                            <p:txEl>
-                                              <p:pRg st="1" end="1"/>
-                                            </p:txEl>
-                                          </p:spTgt>
-                                        </p:tgtEl>
-                                        <p:attrNameLst>
-                                          <p:attrName>style.visibility</p:attrName>
-                                        </p:attrNameLst>
-                                      </p:cBhvr>
-                                      <p:to>
-                                        <p:strVal val="visible"/>
-                                      </p:to>
-                                    </p:set>
-                                    <p:animEffect transition="in" filter="wipe(left)">
-                                      <p:cBhvr>
-                                        <p:cTn id="7" dur="500"/>
-                                        <p:tgtEl>
-                                          <p:spTgt spid="729091">
-                                            <p:txEl>
-                                              <p:pRg st="1" end="1"/>
-                                            </p:txEl>
-                                          </p:spTgt>
-                                        </p:tgtEl>
-                                      </p:cBhvr>
-                                    </p:animEffect>
-                                  </p:childTnLst>
-                                </p:cTn>
-                              </p:par>
-                            </p:childTnLst>
-                          </p:cTn>
-                        </p:par>
-                      </p:childTnLst>
-                    </p:cTn>
-                  </p:par>
-                  <p:par>
-                    <p:cTn id="8" fill="hold">
-                      <p:stCondLst>
-                        <p:cond delay="indefinite"/>
-                      </p:stCondLst>
-                      <p:childTnLst>
-                        <p:par>
-                          <p:cTn id="9" fill="hold">
-                            <p:stCondLst>
-                              <p:cond delay="0"/>
-                            </p:stCondLst>
-                            <p:childTnLst>
-                              <p:par>
-                                <p:cTn id="10" presetID="22" presetClass="entr" presetSubtype="1" fill="hold" nodeType="clickEffect">
-                                  <p:stCondLst>
-                                    <p:cond delay="0"/>
-                                  </p:stCondLst>
-                                  <p:childTnLst>
-                                    <p:set>
-                                      <p:cBhvr>
-                                        <p:cTn id="11" dur="1" fill="hold">
-                                          <p:stCondLst>
-                                            <p:cond delay="0"/>
-                                          </p:stCondLst>
-                                        </p:cTn>
-                                        <p:tgtEl>
-                                          <p:spTgt spid="729091">
-                                            <p:txEl>
-                                              <p:pRg st="2" end="2"/>
-                                            </p:txEl>
-                                          </p:spTgt>
-                                        </p:tgtEl>
-                                        <p:attrNameLst>
-                                          <p:attrName>style.visibility</p:attrName>
-                                        </p:attrNameLst>
-                                      </p:cBhvr>
-                                      <p:to>
-                                        <p:strVal val="visible"/>
-                                      </p:to>
-                                    </p:set>
-                                    <p:animEffect transition="in" filter="wipe(up)">
-                                      <p:cBhvr>
-                                        <p:cTn id="12" dur="500"/>
-                                        <p:tgtEl>
-                                          <p:spTgt spid="729091">
-                                            <p:txEl>
-                                              <p:pRg st="2" end="2"/>
-                                            </p:txEl>
-                                          </p:spTgt>
-                                        </p:tgtEl>
-                                      </p:cBhvr>
-                                    </p:animEffect>
-                                  </p:childTnLst>
-                                </p:cTn>
-                              </p:par>
-                            </p:childTnLst>
-                          </p:cTn>
-                        </p:par>
-                        <p:par>
-                          <p:cTn id="13" fill="hold">
-                            <p:stCondLst>
-                              <p:cond delay="500"/>
-                            </p:stCondLst>
-                            <p:childTnLst>
-                              <p:par>
-                                <p:cTn id="14" presetID="22" presetClass="entr" presetSubtype="1" fill="hold" nodeType="afterEffect">
-                                  <p:stCondLst>
-                                    <p:cond delay="0"/>
-                                  </p:stCondLst>
-                                  <p:childTnLst>
-                                    <p:set>
-                                      <p:cBhvr>
-                                        <p:cTn id="15" dur="1" fill="hold">
-                                          <p:stCondLst>
-                                            <p:cond delay="0"/>
-                                          </p:stCondLst>
-                                        </p:cTn>
-                                        <p:tgtEl>
-                                          <p:spTgt spid="729091">
-                                            <p:txEl>
-                                              <p:pRg st="3" end="3"/>
-                                            </p:txEl>
-                                          </p:spTgt>
-                                        </p:tgtEl>
-                                        <p:attrNameLst>
-                                          <p:attrName>style.visibility</p:attrName>
-                                        </p:attrNameLst>
-                                      </p:cBhvr>
-                                      <p:to>
-                                        <p:strVal val="visible"/>
-                                      </p:to>
-                                    </p:set>
-                                    <p:animEffect transition="in" filter="wipe(up)">
-                                      <p:cBhvr>
-                                        <p:cTn id="16" dur="500"/>
-                                        <p:tgtEl>
-                                          <p:spTgt spid="729091">
-                                            <p:txEl>
-                                              <p:pRg st="3" end="3"/>
-                                            </p:txEl>
-                                          </p:spTgt>
-                                        </p:tgtEl>
-                                      </p:cBhvr>
-                                    </p:animEffect>
-                                  </p:childTnLst>
-                                </p:cTn>
-                              </p:par>
-                            </p:childTnLst>
-                          </p:cTn>
-                        </p:par>
-                      </p:childTnLst>
-                    </p:cTn>
-                  </p:par>
-                </p:childTnLst>
-              </p:cTn>
-              <p:prevCondLst>
-                <p:cond evt="onPrev" delay="0">
-                  <p:tgtEl>
-                    <p:sldTgt/>
-                  </p:tgtEl>
-                </p:cond>
-              </p:prevCondLst>
-              <p:nextCondLst>
-                <p:cond evt="onNext" delay="0">
-                  <p:tgtEl>
-                    <p:sldTgt/>
-                  </p:tgtEl>
-                </p:cond>
-              </p:nextCondLst>
-            </p:seq>
-          </p:childTnLst>
-        </p:cTn>
-      </p:par>
-    </p:tnLst>
-  </p:timing>
-</p:sld>
-</file>
-
-<file path=ppt/slides/slide20.xml><?xml version="1.0" encoding="utf-8"?>
+<file path=ppt/slides/slide21.xml><?xml version="1.0" encoding="utf-8"?>
 <p:sld xmlns:a="http://schemas.openxmlformats.org/drawingml/2006/main" xmlns:r="http://schemas.openxmlformats.org/officeDocument/2006/relationships" xmlns:p="http://schemas.openxmlformats.org/presentationml/2006/main" show="0">
   <p:cSld>
     <p:spTree>
@@ -13865,20 +14404,14 @@
               <a:rPr lang="en-US" dirty="0" smtClean="0">
                 <a:latin typeface="Comic Sans MS" pitchFamily="8" charset="0"/>
               </a:rPr>
-              <a:t> </a:t>
-            </a:r>
-            <a:r>
-              <a:rPr lang="en-US" dirty="0" smtClean="0">
-                <a:latin typeface="Comic Sans MS" pitchFamily="8" charset="0"/>
-              </a:rPr>
-              <a:t>5W.</a:t>
+              <a:t> 5W.</a:t>
             </a:r>
             <a:fld id="{FFDE0FFB-1482-4548-AF7B-3C634CB03670}" type="slidenum">
               <a:rPr lang="en-US" sz="1200" smtClean="0">
                 <a:latin typeface="Comic Sans MS" pitchFamily="8" charset="0"/>
               </a:rPr>
               <a:pPr/>
-              <a:t>20</a:t>
+              <a:t>21</a:t>
             </a:fld>
             <a:endParaRPr lang="en-US" sz="1200" dirty="0" smtClean="0">
               <a:latin typeface="Comic Sans MS" pitchFamily="8" charset="0"/>
@@ -14037,7 +14570,7 @@
 </p:sld>
 </file>
 
-<file path=ppt/slides/slide21.xml><?xml version="1.0" encoding="utf-8"?>
+<file path=ppt/slides/slide22.xml><?xml version="1.0" encoding="utf-8"?>
 <p:sld xmlns:a="http://schemas.openxmlformats.org/drawingml/2006/main" xmlns:r="http://schemas.openxmlformats.org/officeDocument/2006/relationships" xmlns:p="http://schemas.openxmlformats.org/presentationml/2006/main">
   <p:cSld>
     <p:spTree>
@@ -14252,20 +14785,14 @@
               <a:rPr lang="en-US" dirty="0" smtClean="0">
                 <a:latin typeface="Comic Sans MS" pitchFamily="8" charset="0"/>
               </a:rPr>
-              <a:t> </a:t>
-            </a:r>
-            <a:r>
-              <a:rPr lang="en-US" dirty="0" smtClean="0">
-                <a:latin typeface="Comic Sans MS" pitchFamily="8" charset="0"/>
-              </a:rPr>
-              <a:t>5W.</a:t>
+              <a:t> 5W.</a:t>
             </a:r>
             <a:fld id="{CCB45DB7-2069-4CDB-95A9-C4EF498CA91E}" type="slidenum">
               <a:rPr lang="en-US" sz="1200" smtClean="0">
                 <a:latin typeface="Comic Sans MS" pitchFamily="8" charset="0"/>
               </a:rPr>
               <a:pPr/>
-              <a:t>21</a:t>
+              <a:t>22</a:t>
             </a:fld>
             <a:endParaRPr lang="en-US" sz="1200" dirty="0" smtClean="0">
               <a:latin typeface="Comic Sans MS" pitchFamily="8" charset="0"/>
@@ -14341,9 +14868,18 @@
   <p:clrMapOvr>
     <a:masterClrMapping/>
   </p:clrMapOvr>
-  <p:transition xmlns:p14="http://schemas.microsoft.com/office/powerpoint/2010/main">
-    <p:fade thruBlk="1"/>
-  </p:transition>
+  <mc:AlternateContent xmlns:mc="http://schemas.openxmlformats.org/markup-compatibility/2006" xmlns:p14="http://schemas.microsoft.com/office/powerpoint/2010/main">
+    <mc:Choice Requires="p14">
+      <p:transition spd="slow" p14:dur="1200">
+        <p:fade thruBlk="1"/>
+      </p:transition>
+    </mc:Choice>
+    <mc:Fallback xmlns="">
+      <p:transition xmlns:p14="http://schemas.microsoft.com/office/powerpoint/2010/main" spd="slow">
+        <p:fade thruBlk="1"/>
+      </p:transition>
+    </mc:Fallback>
+  </mc:AlternateContent>
   <p:timing>
     <p:tnLst>
       <p:par>
@@ -14502,7 +15038,7 @@
 </p:sld>
 </file>
 
-<file path=ppt/slides/slide22.xml><?xml version="1.0" encoding="utf-8"?>
+<file path=ppt/slides/slide23.xml><?xml version="1.0" encoding="utf-8"?>
 <p:sld xmlns:a="http://schemas.openxmlformats.org/drawingml/2006/main" xmlns:r="http://schemas.openxmlformats.org/officeDocument/2006/relationships" xmlns:p="http://schemas.openxmlformats.org/presentationml/2006/main" show="0">
   <p:cSld>
     <p:spTree>
@@ -14760,20 +15296,14 @@
               <a:rPr lang="en-US" dirty="0" smtClean="0">
                 <a:latin typeface="Comic Sans MS" pitchFamily="8" charset="0"/>
               </a:rPr>
-              <a:t> </a:t>
-            </a:r>
-            <a:r>
-              <a:rPr lang="en-US" dirty="0" smtClean="0">
-                <a:latin typeface="Comic Sans MS" pitchFamily="8" charset="0"/>
-              </a:rPr>
-              <a:t>5W.</a:t>
+              <a:t> 5W.</a:t>
             </a:r>
             <a:fld id="{CCB45DB7-2069-4CDB-95A9-C4EF498CA91E}" type="slidenum">
               <a:rPr lang="en-US" sz="1200" smtClean="0">
                 <a:latin typeface="Comic Sans MS" pitchFamily="8" charset="0"/>
               </a:rPr>
               <a:pPr/>
-              <a:t>22</a:t>
+              <a:t>23</a:t>
             </a:fld>
             <a:endParaRPr lang="en-US" sz="1200" dirty="0" smtClean="0">
               <a:latin typeface="Comic Sans MS" pitchFamily="8" charset="0"/>
@@ -14898,7 +15428,7 @@
 </p:sld>
 </file>
 
-<file path=ppt/slides/slide23.xml><?xml version="1.0" encoding="utf-8"?>
+<file path=ppt/slides/slide24.xml><?xml version="1.0" encoding="utf-8"?>
 <p:sld xmlns:a="http://schemas.openxmlformats.org/drawingml/2006/main" xmlns:r="http://schemas.openxmlformats.org/officeDocument/2006/relationships" xmlns:p="http://schemas.openxmlformats.org/presentationml/2006/main" show="0">
   <p:cSld>
     <p:spTree>
@@ -15267,20 +15797,14 @@
               <a:rPr lang="en-US" dirty="0" smtClean="0">
                 <a:latin typeface="Comic Sans MS" pitchFamily="8" charset="0"/>
               </a:rPr>
-              <a:t> </a:t>
-            </a:r>
-            <a:r>
-              <a:rPr lang="en-US" dirty="0" smtClean="0">
-                <a:latin typeface="Comic Sans MS" pitchFamily="8" charset="0"/>
-              </a:rPr>
-              <a:t>5W.</a:t>
+              <a:t> 5W.</a:t>
             </a:r>
             <a:fld id="{747A9357-8041-408C-AA30-B9E91B776969}" type="slidenum">
               <a:rPr lang="en-US" sz="1200" smtClean="0">
                 <a:latin typeface="Comic Sans MS" pitchFamily="8" charset="0"/>
               </a:rPr>
               <a:pPr/>
-              <a:t>23</a:t>
+              <a:t>24</a:t>
             </a:fld>
             <a:endParaRPr lang="en-US" sz="1200" dirty="0" smtClean="0">
               <a:latin typeface="Comic Sans MS" pitchFamily="8" charset="0"/>
@@ -15505,7 +16029,7 @@
 </p:sld>
 </file>
 
-<file path=ppt/slides/slide24.xml><?xml version="1.0" encoding="utf-8"?>
+<file path=ppt/slides/slide25.xml><?xml version="1.0" encoding="utf-8"?>
 <p:sld xmlns:a="http://schemas.openxmlformats.org/drawingml/2006/main" xmlns:r="http://schemas.openxmlformats.org/officeDocument/2006/relationships" xmlns:p="http://schemas.openxmlformats.org/presentationml/2006/main" show="0">
   <p:cSld>
     <p:spTree>
@@ -15743,20 +16267,14 @@
               <a:rPr lang="en-US" dirty="0" smtClean="0">
                 <a:latin typeface="Comic Sans MS" pitchFamily="8" charset="0"/>
               </a:rPr>
-              <a:t> </a:t>
-            </a:r>
-            <a:r>
-              <a:rPr lang="en-US" dirty="0" smtClean="0">
-                <a:latin typeface="Comic Sans MS" pitchFamily="8" charset="0"/>
-              </a:rPr>
-              <a:t>5W.</a:t>
+              <a:t> 5W.</a:t>
             </a:r>
             <a:fld id="{51C7A18E-EE52-411A-95D8-CFBE2265EDF3}" type="slidenum">
               <a:rPr lang="en-US" sz="1200" smtClean="0">
                 <a:latin typeface="Comic Sans MS" pitchFamily="8" charset="0"/>
               </a:rPr>
               <a:pPr/>
-              <a:t>24</a:t>
+              <a:t>25</a:t>
             </a:fld>
             <a:endParaRPr lang="en-US" sz="1200" dirty="0" smtClean="0">
               <a:latin typeface="Comic Sans MS" pitchFamily="8" charset="0"/>
@@ -16011,7 +16529,7 @@
 </p:sld>
 </file>
 
-<file path=ppt/slides/slide25.xml><?xml version="1.0" encoding="utf-8"?>
+<file path=ppt/slides/slide26.xml><?xml version="1.0" encoding="utf-8"?>
 <p:sld xmlns:a="http://schemas.openxmlformats.org/drawingml/2006/main" xmlns:r="http://schemas.openxmlformats.org/officeDocument/2006/relationships" xmlns:p="http://schemas.openxmlformats.org/presentationml/2006/main" show="0">
   <p:cSld>
     <p:spTree>
@@ -16264,20 +16782,14 @@
               <a:rPr lang="en-US" dirty="0" smtClean="0">
                 <a:latin typeface="Comic Sans MS" pitchFamily="8" charset="0"/>
               </a:rPr>
-              <a:t> </a:t>
-            </a:r>
-            <a:r>
-              <a:rPr lang="en-US" dirty="0" smtClean="0">
-                <a:latin typeface="Comic Sans MS" pitchFamily="8" charset="0"/>
-              </a:rPr>
-              <a:t>5W.</a:t>
+              <a:t> 5W.</a:t>
             </a:r>
             <a:fld id="{1A8F527B-ED42-49E8-BD15-2DCE6D46779E}" type="slidenum">
               <a:rPr lang="en-US" sz="1200" smtClean="0">
                 <a:latin typeface="Comic Sans MS" pitchFamily="8" charset="0"/>
               </a:rPr>
               <a:pPr/>
-              <a:t>25</a:t>
+              <a:t>26</a:t>
             </a:fld>
             <a:endParaRPr lang="en-US" sz="1200" dirty="0" smtClean="0">
               <a:latin typeface="Comic Sans MS" pitchFamily="8" charset="0"/>
@@ -16749,7 +17261,7 @@
 </p:sld>
 </file>
 
-<file path=ppt/slides/slide26.xml><?xml version="1.0" encoding="utf-8"?>
+<file path=ppt/slides/slide27.xml><?xml version="1.0" encoding="utf-8"?>
 <p:sld xmlns:a="http://schemas.openxmlformats.org/drawingml/2006/main" xmlns:r="http://schemas.openxmlformats.org/officeDocument/2006/relationships" xmlns:p="http://schemas.openxmlformats.org/presentationml/2006/main" show="0">
   <p:cSld>
     <p:spTree>
@@ -17118,20 +17630,14 @@
               <a:rPr lang="en-US" dirty="0" smtClean="0">
                 <a:latin typeface="Comic Sans MS" pitchFamily="8" charset="0"/>
               </a:rPr>
-              <a:t> </a:t>
-            </a:r>
-            <a:r>
-              <a:rPr lang="en-US" dirty="0" smtClean="0">
-                <a:latin typeface="Comic Sans MS" pitchFamily="8" charset="0"/>
-              </a:rPr>
-              <a:t>5W.</a:t>
+              <a:t> 5W.</a:t>
             </a:r>
             <a:fld id="{1A8F527B-ED42-49E8-BD15-2DCE6D46779E}" type="slidenum">
               <a:rPr lang="en-US" sz="1200" smtClean="0">
                 <a:latin typeface="Comic Sans MS" pitchFamily="8" charset="0"/>
               </a:rPr>
               <a:pPr/>
-              <a:t>26</a:t>
+              <a:t>27</a:t>
             </a:fld>
             <a:endParaRPr lang="en-US" sz="1200" dirty="0" smtClean="0">
               <a:latin typeface="Comic Sans MS" pitchFamily="8" charset="0"/>
@@ -17398,7 +17904,7 @@
 </p:sld>
 </file>
 
-<file path=ppt/slides/slide27.xml><?xml version="1.0" encoding="utf-8"?>
+<file path=ppt/slides/slide28.xml><?xml version="1.0" encoding="utf-8"?>
 <p:sld xmlns:a="http://schemas.openxmlformats.org/drawingml/2006/main" xmlns:r="http://schemas.openxmlformats.org/officeDocument/2006/relationships" xmlns:p="http://schemas.openxmlformats.org/presentationml/2006/main">
   <p:cSld>
     <p:spTree>
@@ -17666,20 +18172,14 @@
               <a:rPr lang="en-US" dirty="0" smtClean="0">
                 <a:latin typeface="Comic Sans MS" pitchFamily="8" charset="0"/>
               </a:rPr>
-              <a:t> </a:t>
-            </a:r>
-            <a:r>
-              <a:rPr lang="en-US" dirty="0" smtClean="0">
-                <a:latin typeface="Comic Sans MS" pitchFamily="8" charset="0"/>
-              </a:rPr>
-              <a:t>5W.</a:t>
+              <a:t> 5W.</a:t>
             </a:r>
             <a:fld id="{3B96DCEE-1EFD-4F3F-AB3D-22B5C60B61F8}" type="slidenum">
               <a:rPr lang="en-US" sz="1200" smtClean="0">
                 <a:latin typeface="Comic Sans MS" pitchFamily="8" charset="0"/>
               </a:rPr>
               <a:pPr/>
-              <a:t>27</a:t>
+              <a:t>28</a:t>
             </a:fld>
             <a:endParaRPr lang="en-US" sz="1200" dirty="0" smtClean="0">
               <a:latin typeface="Comic Sans MS" pitchFamily="8" charset="0"/>
@@ -17839,7 +18339,7 @@
 </p:sld>
 </file>
 
-<file path=ppt/slides/slide28.xml><?xml version="1.0" encoding="utf-8"?>
+<file path=ppt/slides/slide29.xml><?xml version="1.0" encoding="utf-8"?>
 <p:sld xmlns:a="http://schemas.openxmlformats.org/drawingml/2006/main" xmlns:r="http://schemas.openxmlformats.org/officeDocument/2006/relationships" xmlns:p="http://schemas.openxmlformats.org/presentationml/2006/main">
   <p:cSld>
     <p:spTree>
@@ -18177,20 +18677,14 @@
               <a:rPr lang="en-US" dirty="0" smtClean="0">
                 <a:latin typeface="Comic Sans MS" pitchFamily="8" charset="0"/>
               </a:rPr>
-              <a:t> </a:t>
-            </a:r>
-            <a:r>
-              <a:rPr lang="en-US" dirty="0" smtClean="0">
-                <a:latin typeface="Comic Sans MS" pitchFamily="8" charset="0"/>
-              </a:rPr>
-              <a:t>5W.</a:t>
+              <a:t> 5W.</a:t>
             </a:r>
             <a:fld id="{C0A36D86-A96B-4FB7-B793-96DB8299F076}" type="slidenum">
               <a:rPr lang="en-US" sz="1200" smtClean="0">
                 <a:latin typeface="Comic Sans MS" pitchFamily="8" charset="0"/>
               </a:rPr>
               <a:pPr/>
-              <a:t>28</a:t>
+              <a:t>29</a:t>
             </a:fld>
             <a:endParaRPr lang="en-US" sz="1200" dirty="0" smtClean="0">
               <a:latin typeface="Comic Sans MS" pitchFamily="8" charset="0"/>
@@ -18906,754 +19400,6 @@
 </p:sld>
 </file>
 
-<file path=ppt/slides/slide29.xml><?xml version="1.0" encoding="utf-8"?>
-<p:sld xmlns:a="http://schemas.openxmlformats.org/drawingml/2006/main" xmlns:r="http://schemas.openxmlformats.org/officeDocument/2006/relationships" xmlns:p="http://schemas.openxmlformats.org/presentationml/2006/main">
-  <p:cSld>
-    <p:spTree>
-      <p:nvGrpSpPr>
-        <p:cNvPr id="1" name=""/>
-        <p:cNvGrpSpPr/>
-        <p:nvPr/>
-      </p:nvGrpSpPr>
-      <p:grpSpPr>
-        <a:xfrm>
-          <a:off x="0" y="0"/>
-          <a:ext cx="0" cy="0"/>
-          <a:chOff x="0" y="0"/>
-          <a:chExt cx="0" cy="0"/>
-        </a:xfrm>
-      </p:grpSpPr>
-      <p:sp>
-        <p:nvSpPr>
-          <p:cNvPr id="782342" name="Text Box 6"/>
-          <p:cNvSpPr txBox="1">
-            <a:spLocks noChangeArrowheads="1"/>
-          </p:cNvSpPr>
-          <p:nvPr/>
-        </p:nvSpPr>
-        <p:spPr bwMode="auto">
-          <a:xfrm>
-            <a:off x="76200" y="1160463"/>
-            <a:ext cx="8915400" cy="4478337"/>
-          </a:xfrm>
-          <a:prstGeom prst="rect">
-            <a:avLst/>
-          </a:prstGeom>
-          <a:noFill/>
-          <a:ln w="38100">
-            <a:noFill/>
-            <a:miter lim="800000"/>
-            <a:headEnd/>
-            <a:tailEnd type="none" w="lg" len="lg"/>
-          </a:ln>
-        </p:spPr>
-        <p:txBody>
-          <a:bodyPr>
-            <a:spAutoFit/>
-          </a:bodyPr>
-          <a:lstStyle/>
-          <a:p>
-            <a:r>
-              <a:rPr lang="en-US" sz="3200" dirty="0"/>
-              <a:t>Example: </a:t>
-            </a:r>
-            <a:r>
-              <a:rPr lang="en-US" sz="3200" dirty="0">
-                <a:solidFill>
-                  <a:srgbClr val="0000CC"/>
-                </a:solidFill>
-              </a:rPr>
-              <a:t>a</a:t>
-            </a:r>
-            <a:r>
-              <a:rPr lang="en-US" sz="3200" dirty="0"/>
-              <a:t> = 899, </a:t>
-            </a:r>
-            <a:r>
-              <a:rPr lang="en-US" sz="3200" dirty="0">
-                <a:solidFill>
-                  <a:srgbClr val="0000CC"/>
-                </a:solidFill>
-              </a:rPr>
-              <a:t>b</a:t>
-            </a:r>
-            <a:r>
-              <a:rPr lang="en-US" sz="3200" dirty="0"/>
-              <a:t>=493</a:t>
-            </a:r>
-          </a:p>
-          <a:p>
-            <a:r>
-              <a:rPr lang="en-US" sz="3200" dirty="0"/>
-              <a:t>899 = 1·493 + 406   </a:t>
-            </a:r>
-          </a:p>
-          <a:p>
-            <a:r>
-              <a:rPr lang="en-US" sz="3200" dirty="0"/>
-              <a:t>493 = 1·406 + 87        </a:t>
-            </a:r>
-          </a:p>
-          <a:p>
-            <a:r>
-              <a:rPr lang="en-US" sz="3200" dirty="0"/>
-              <a:t>                                         </a:t>
-            </a:r>
-          </a:p>
-          <a:p>
-            <a:r>
-              <a:rPr lang="en-US" sz="3200" dirty="0"/>
-              <a:t>406 = 4·87 + 58        </a:t>
-            </a:r>
-          </a:p>
-          <a:p>
-            <a:r>
-              <a:rPr lang="en-US" sz="3200" dirty="0"/>
-              <a:t>                                        </a:t>
-            </a:r>
-          </a:p>
-          <a:p>
-            <a:r>
-              <a:rPr lang="en-US" sz="3200" dirty="0"/>
-              <a:t>87   = 1·58 + 29          </a:t>
-            </a:r>
-          </a:p>
-          <a:p>
-            <a:r>
-              <a:rPr lang="en-US" sz="3200" dirty="0"/>
-              <a:t>                                           </a:t>
-            </a:r>
-          </a:p>
-          <a:p>
-            <a:r>
-              <a:rPr lang="en-US" sz="3200" dirty="0"/>
-              <a:t>58   = 2·29 + 0               done, </a:t>
-            </a:r>
-            <a:r>
-              <a:rPr lang="en-US" sz="3200" dirty="0" err="1"/>
-              <a:t>gcd</a:t>
-            </a:r>
-            <a:r>
-              <a:rPr lang="en-US" sz="3200" dirty="0"/>
-              <a:t> = 29</a:t>
-            </a:r>
-          </a:p>
-        </p:txBody>
-      </p:sp>
-      <p:sp>
-        <p:nvSpPr>
-          <p:cNvPr id="6" name="Text Box 3"/>
-          <p:cNvSpPr txBox="1">
-            <a:spLocks noChangeArrowheads="1"/>
-          </p:cNvSpPr>
-          <p:nvPr/>
-        </p:nvSpPr>
-        <p:spPr bwMode="auto">
-          <a:xfrm>
-            <a:off x="76200" y="1143000"/>
-            <a:ext cx="8915400" cy="4524315"/>
-          </a:xfrm>
-          <a:prstGeom prst="rect">
-            <a:avLst/>
-          </a:prstGeom>
-          <a:noFill/>
-          <a:ln w="38100">
-            <a:noFill/>
-            <a:miter lim="800000"/>
-            <a:headEnd/>
-            <a:tailEnd type="none" w="lg" len="lg"/>
-          </a:ln>
-        </p:spPr>
-        <p:txBody>
-          <a:bodyPr>
-            <a:spAutoFit/>
-          </a:bodyPr>
-          <a:lstStyle/>
-          <a:p>
-            <a:r>
-              <a:rPr lang="en-US" sz="3200" dirty="0"/>
-              <a:t>Example: </a:t>
-            </a:r>
-            <a:r>
-              <a:rPr lang="en-US" sz="3200" dirty="0">
-                <a:solidFill>
-                  <a:srgbClr val="0000CC"/>
-                </a:solidFill>
-              </a:rPr>
-              <a:t>a</a:t>
-            </a:r>
-            <a:r>
-              <a:rPr lang="en-US" sz="3200" dirty="0"/>
-              <a:t> = 899, </a:t>
-            </a:r>
-            <a:r>
-              <a:rPr lang="en-US" sz="3200" dirty="0">
-                <a:solidFill>
-                  <a:srgbClr val="0000CC"/>
-                </a:solidFill>
-              </a:rPr>
-              <a:t>b</a:t>
-            </a:r>
-            <a:r>
-              <a:rPr lang="en-US" sz="3200" dirty="0"/>
-              <a:t>=493</a:t>
-            </a:r>
-          </a:p>
-          <a:p>
-            <a:r>
-              <a:rPr lang="en-US" sz="3200" dirty="0"/>
-              <a:t>899 = 1·493 + 406    so 406 = 1·899 + -1·493</a:t>
-            </a:r>
-          </a:p>
-          <a:p>
-            <a:r>
-              <a:rPr lang="en-US" sz="3200" dirty="0"/>
-              <a:t>493 = 1·406 + 87        so 87 = 493 –</a:t>
-            </a:r>
-            <a:r>
-              <a:rPr lang="en-US" sz="2400" dirty="0"/>
-              <a:t> </a:t>
-            </a:r>
-            <a:r>
-              <a:rPr lang="en-US" sz="3200" dirty="0"/>
-              <a:t>1·406</a:t>
-            </a:r>
-            <a:endParaRPr lang="en-US" sz="2400" dirty="0"/>
-          </a:p>
-          <a:p>
-            <a:r>
-              <a:rPr lang="en-US" sz="3200" dirty="0"/>
-              <a:t>                                           = -1·899 + 2∙493</a:t>
-            </a:r>
-          </a:p>
-          <a:p>
-            <a:r>
-              <a:rPr lang="en-US" sz="3200" dirty="0"/>
-              <a:t>406 = 4·87 + 58         so 58 = 406 - 4·87</a:t>
-            </a:r>
-          </a:p>
-          <a:p>
-            <a:r>
-              <a:rPr lang="en-US" sz="3200" dirty="0"/>
-              <a:t>                                           = 5·899 + -9·493</a:t>
-            </a:r>
-          </a:p>
-          <a:p>
-            <a:r>
-              <a:rPr lang="en-US" sz="3200" dirty="0"/>
-              <a:t>87   = 1·58 + 29          so 29 = 87 – 1·58</a:t>
-            </a:r>
-          </a:p>
-          <a:p>
-            <a:r>
-              <a:rPr lang="en-US" sz="3200" dirty="0"/>
-              <a:t>                                           =</a:t>
-            </a:r>
-            <a:r>
-              <a:rPr lang="en-US" sz="3200" dirty="0">
-                <a:solidFill>
-                  <a:srgbClr val="FF00FF"/>
-                </a:solidFill>
-              </a:rPr>
-              <a:t> -6</a:t>
-            </a:r>
-            <a:r>
-              <a:rPr lang="en-US" sz="3200" dirty="0"/>
-              <a:t>·899 + </a:t>
-            </a:r>
-            <a:r>
-              <a:rPr lang="en-US" sz="3200" dirty="0">
-                <a:solidFill>
-                  <a:srgbClr val="FF00FF"/>
-                </a:solidFill>
-              </a:rPr>
-              <a:t>11</a:t>
-            </a:r>
-            <a:r>
-              <a:rPr lang="en-US" sz="3200" dirty="0"/>
-              <a:t>∙493</a:t>
-            </a:r>
-          </a:p>
-          <a:p>
-            <a:r>
-              <a:rPr lang="en-US" sz="3200" dirty="0"/>
-              <a:t>58   = 2·29 + 0           </a:t>
-            </a:r>
-            <a:r>
-              <a:rPr lang="en-US" sz="3200" dirty="0" smtClean="0"/>
-              <a:t>    done</a:t>
-            </a:r>
-            <a:r>
-              <a:rPr lang="en-US" sz="3200" dirty="0"/>
-              <a:t>, </a:t>
-            </a:r>
-            <a:r>
-              <a:rPr lang="en-US" sz="3200" dirty="0" err="1"/>
-              <a:t>gcd</a:t>
-            </a:r>
-            <a:r>
-              <a:rPr lang="en-US" sz="3200" dirty="0"/>
-              <a:t> = 29</a:t>
-            </a:r>
-          </a:p>
-        </p:txBody>
-      </p:sp>
-      <p:sp>
-        <p:nvSpPr>
-          <p:cNvPr id="30722" name="Rectangle 2"/>
-          <p:cNvSpPr>
-            <a:spLocks noGrp="1" noChangeArrowheads="1"/>
-          </p:cNvSpPr>
-          <p:nvPr>
-            <p:ph type="title"/>
-          </p:nvPr>
-        </p:nvSpPr>
-        <p:spPr/>
-        <p:txBody>
-          <a:bodyPr/>
-          <a:lstStyle/>
-          <a:p>
-            <a:pPr eaLnBrk="1" hangingPunct="1"/>
-            <a:r>
-              <a:rPr lang="en-US" dirty="0" smtClean="0"/>
-              <a:t>Finding </a:t>
-            </a:r>
-            <a:r>
-              <a:rPr lang="en-US" dirty="0" smtClean="0">
-                <a:solidFill>
-                  <a:srgbClr val="0000CC"/>
-                </a:solidFill>
-              </a:rPr>
-              <a:t>s</a:t>
-            </a:r>
-            <a:r>
-              <a:rPr lang="en-US" dirty="0" smtClean="0"/>
-              <a:t> and </a:t>
-            </a:r>
-            <a:r>
-              <a:rPr lang="en-US" dirty="0" smtClean="0">
-                <a:solidFill>
-                  <a:srgbClr val="0000CC"/>
-                </a:solidFill>
-              </a:rPr>
-              <a:t>t</a:t>
-            </a:r>
-          </a:p>
-        </p:txBody>
-      </p:sp>
-      <p:sp>
-        <p:nvSpPr>
-          <p:cNvPr id="30724" name="Slide Number Placeholder 3"/>
-          <p:cNvSpPr>
-            <a:spLocks noGrp="1"/>
-          </p:cNvSpPr>
-          <p:nvPr>
-            <p:ph type="sldNum" sz="quarter" idx="10"/>
-          </p:nvPr>
-        </p:nvSpPr>
-        <p:spPr>
-          <a:noFill/>
-        </p:spPr>
-        <p:txBody>
-          <a:bodyPr/>
-          <a:lstStyle/>
-          <a:p>
-            <a:r>
-              <a:rPr lang="en-US" dirty="0" err="1" smtClean="0">
-                <a:latin typeface="Comic Sans MS" pitchFamily="8" charset="0"/>
-              </a:rPr>
-              <a:t>lec</a:t>
-            </a:r>
-            <a:r>
-              <a:rPr lang="en-US" dirty="0" smtClean="0">
-                <a:latin typeface="Comic Sans MS" pitchFamily="8" charset="0"/>
-              </a:rPr>
-              <a:t> </a:t>
-            </a:r>
-            <a:r>
-              <a:rPr lang="en-US" dirty="0" smtClean="0">
-                <a:latin typeface="Comic Sans MS" pitchFamily="8" charset="0"/>
-              </a:rPr>
-              <a:t>5W.</a:t>
-            </a:r>
-            <a:fld id="{C0A36D86-A96B-4FB7-B793-96DB8299F076}" type="slidenum">
-              <a:rPr lang="en-US" sz="1200" smtClean="0">
-                <a:latin typeface="Comic Sans MS" pitchFamily="8" charset="0"/>
-              </a:rPr>
-              <a:pPr/>
-              <a:t>29</a:t>
-            </a:fld>
-            <a:endParaRPr lang="en-US" sz="1200" dirty="0" smtClean="0">
-              <a:latin typeface="Comic Sans MS" pitchFamily="8" charset="0"/>
-            </a:endParaRPr>
-          </a:p>
-        </p:txBody>
-      </p:sp>
-      <p:sp>
-        <p:nvSpPr>
-          <p:cNvPr id="7" name="Text Box 4"/>
-          <p:cNvSpPr txBox="1">
-            <a:spLocks noChangeArrowheads="1"/>
-          </p:cNvSpPr>
-          <p:nvPr/>
-        </p:nvSpPr>
-        <p:spPr bwMode="auto">
-          <a:xfrm>
-            <a:off x="92625" y="5410200"/>
-            <a:ext cx="4860375" cy="923330"/>
-          </a:xfrm>
-          <a:prstGeom prst="rect">
-            <a:avLst/>
-          </a:prstGeom>
-          <a:noFill/>
-          <a:ln w="38100">
-            <a:noFill/>
-            <a:miter lim="800000"/>
-            <a:headEnd/>
-            <a:tailEnd type="none" w="lg" len="lg"/>
-          </a:ln>
-        </p:spPr>
-        <p:txBody>
-          <a:bodyPr wrap="none">
-            <a:spAutoFit/>
-          </a:bodyPr>
-          <a:lstStyle/>
-          <a:p>
-            <a:r>
-              <a:rPr lang="en-US" sz="5400" b="1" dirty="0">
-                <a:solidFill>
-                  <a:srgbClr val="008000"/>
-                </a:solidFill>
-              </a:rPr>
-              <a:t>the </a:t>
-            </a:r>
-            <a:r>
-              <a:rPr lang="en-US" sz="5400" b="1" dirty="0" err="1">
-                <a:solidFill>
-                  <a:srgbClr val="008000"/>
-                </a:solidFill>
-              </a:rPr>
-              <a:t>Pulverizer</a:t>
-            </a:r>
-            <a:endParaRPr lang="en-US" sz="5400" b="1" dirty="0">
-              <a:solidFill>
-                <a:srgbClr val="008000"/>
-              </a:solidFill>
-            </a:endParaRPr>
-          </a:p>
-        </p:txBody>
-      </p:sp>
-      <p:sp>
-        <p:nvSpPr>
-          <p:cNvPr id="8" name="TextBox 7"/>
-          <p:cNvSpPr txBox="1"/>
-          <p:nvPr/>
-        </p:nvSpPr>
-        <p:spPr>
-          <a:xfrm>
-            <a:off x="5029200" y="5638800"/>
-            <a:ext cx="3385863" cy="769441"/>
-          </a:xfrm>
-          <a:prstGeom prst="rect">
-            <a:avLst/>
-          </a:prstGeom>
-          <a:noFill/>
-        </p:spPr>
-        <p:txBody>
-          <a:bodyPr wrap="none" rtlCol="0">
-            <a:spAutoFit/>
-          </a:bodyPr>
-          <a:lstStyle/>
-          <a:p>
-            <a:r>
-              <a:rPr lang="en-US" sz="4400" dirty="0" smtClean="0">
-                <a:solidFill>
-                  <a:schemeClr val="accent1">
-                    <a:lumMod val="50000"/>
-                  </a:schemeClr>
-                </a:solidFill>
-              </a:rPr>
-              <a:t>s</a:t>
-            </a:r>
-            <a:r>
-              <a:rPr lang="en-US" sz="4400" dirty="0" smtClean="0"/>
-              <a:t> = </a:t>
-            </a:r>
-            <a:r>
-              <a:rPr lang="en-US" sz="4400" dirty="0" smtClean="0">
-                <a:solidFill>
-                  <a:srgbClr val="FF00FF"/>
-                </a:solidFill>
-              </a:rPr>
-              <a:t>-6</a:t>
-            </a:r>
-            <a:r>
-              <a:rPr lang="en-US" sz="4400" dirty="0" smtClean="0"/>
-              <a:t>, </a:t>
-            </a:r>
-            <a:r>
-              <a:rPr lang="en-US" sz="4400" dirty="0" smtClean="0">
-                <a:solidFill>
-                  <a:schemeClr val="accent1">
-                    <a:lumMod val="50000"/>
-                  </a:schemeClr>
-                </a:solidFill>
-              </a:rPr>
-              <a:t>t</a:t>
-            </a:r>
-            <a:r>
-              <a:rPr lang="en-US" sz="4400" dirty="0" smtClean="0"/>
-              <a:t> = </a:t>
-            </a:r>
-            <a:r>
-              <a:rPr lang="en-US" sz="4400" dirty="0" smtClean="0">
-                <a:solidFill>
-                  <a:srgbClr val="FF00FF"/>
-                </a:solidFill>
-              </a:rPr>
-              <a:t>11</a:t>
-            </a:r>
-          </a:p>
-        </p:txBody>
-      </p:sp>
-    </p:spTree>
-  </p:cSld>
-  <p:clrMapOvr>
-    <a:masterClrMapping/>
-  </p:clrMapOvr>
-  <p:transition xmlns:p14="http://schemas.microsoft.com/office/powerpoint/2010/main">
-    <p:fade/>
-  </p:transition>
-  <p:timing>
-    <p:tnLst>
-      <p:par>
-        <p:cTn xmlns:p14="http://schemas.microsoft.com/office/powerpoint/2010/main" id="1" dur="indefinite" restart="never" nodeType="tmRoot">
-          <p:childTnLst>
-            <p:seq concurrent="1" nextAc="seek">
-              <p:cTn id="2" dur="indefinite" nodeType="mainSeq">
-                <p:childTnLst>
-                  <p:par>
-                    <p:cTn id="3" fill="hold">
-                      <p:stCondLst>
-                        <p:cond delay="indefinite"/>
-                        <p:cond evt="onBegin" delay="0">
-                          <p:tn val="2"/>
-                        </p:cond>
-                      </p:stCondLst>
-                      <p:childTnLst>
-                        <p:par>
-                          <p:cTn id="4" fill="hold">
-                            <p:stCondLst>
-                              <p:cond delay="0"/>
-                            </p:stCondLst>
-                            <p:childTnLst>
-                              <p:par>
-                                <p:cTn id="5" presetID="9" presetClass="entr" presetSubtype="0" fill="hold" grpId="0" nodeType="afterEffect">
-                                  <p:stCondLst>
-                                    <p:cond delay="0"/>
-                                  </p:stCondLst>
-                                  <p:childTnLst>
-                                    <p:set>
-                                      <p:cBhvr>
-                                        <p:cTn id="6" dur="1" fill="hold">
-                                          <p:stCondLst>
-                                            <p:cond delay="0"/>
-                                          </p:stCondLst>
-                                        </p:cTn>
-                                        <p:tgtEl>
-                                          <p:spTgt spid="8"/>
-                                        </p:tgtEl>
-                                        <p:attrNameLst>
-                                          <p:attrName>style.visibility</p:attrName>
-                                        </p:attrNameLst>
-                                      </p:cBhvr>
-                                      <p:to>
-                                        <p:strVal val="visible"/>
-                                      </p:to>
-                                    </p:set>
-                                    <p:animEffect transition="in" filter="dissolve">
-                                      <p:cBhvr>
-                                        <p:cTn id="7" dur="1000"/>
-                                        <p:tgtEl>
-                                          <p:spTgt spid="8"/>
-                                        </p:tgtEl>
-                                      </p:cBhvr>
-                                    </p:animEffect>
-                                  </p:childTnLst>
-                                </p:cTn>
-                              </p:par>
-                            </p:childTnLst>
-                          </p:cTn>
-                        </p:par>
-                      </p:childTnLst>
-                    </p:cTn>
-                  </p:par>
-                  <p:par>
-                    <p:cTn id="8" fill="hold">
-                      <p:stCondLst>
-                        <p:cond delay="indefinite"/>
-                      </p:stCondLst>
-                      <p:childTnLst>
-                        <p:par>
-                          <p:cTn id="9" fill="hold">
-                            <p:stCondLst>
-                              <p:cond delay="0"/>
-                            </p:stCondLst>
-                            <p:childTnLst>
-                              <p:par>
-                                <p:cTn id="10" presetID="15" presetClass="entr" presetSubtype="0" fill="hold" grpId="0" nodeType="clickEffect">
-                                  <p:stCondLst>
-                                    <p:cond delay="0"/>
-                                  </p:stCondLst>
-                                  <p:childTnLst>
-                                    <p:set>
-                                      <p:cBhvr>
-                                        <p:cTn id="11" dur="1" fill="hold">
-                                          <p:stCondLst>
-                                            <p:cond delay="0"/>
-                                          </p:stCondLst>
-                                        </p:cTn>
-                                        <p:tgtEl>
-                                          <p:spTgt spid="7"/>
-                                        </p:tgtEl>
-                                        <p:attrNameLst>
-                                          <p:attrName>style.visibility</p:attrName>
-                                        </p:attrNameLst>
-                                      </p:cBhvr>
-                                      <p:to>
-                                        <p:strVal val="visible"/>
-                                      </p:to>
-                                    </p:set>
-                                    <p:anim calcmode="lin" valueType="num">
-                                      <p:cBhvr>
-                                        <p:cTn id="12" dur="1000" fill="hold"/>
-                                        <p:tgtEl>
-                                          <p:spTgt spid="7"/>
-                                        </p:tgtEl>
-                                        <p:attrNameLst>
-                                          <p:attrName>ppt_w</p:attrName>
-                                        </p:attrNameLst>
-                                      </p:cBhvr>
-                                      <p:tavLst>
-                                        <p:tav tm="0">
-                                          <p:val>
-                                            <p:fltVal val="0"/>
-                                          </p:val>
-                                        </p:tav>
-                                        <p:tav tm="100000">
-                                          <p:val>
-                                            <p:strVal val="#ppt_w"/>
-                                          </p:val>
-                                        </p:tav>
-                                      </p:tavLst>
-                                    </p:anim>
-                                    <p:anim calcmode="lin" valueType="num">
-                                      <p:cBhvr>
-                                        <p:cTn id="13" dur="1000" fill="hold"/>
-                                        <p:tgtEl>
-                                          <p:spTgt spid="7"/>
-                                        </p:tgtEl>
-                                        <p:attrNameLst>
-                                          <p:attrName>ppt_h</p:attrName>
-                                        </p:attrNameLst>
-                                      </p:cBhvr>
-                                      <p:tavLst>
-                                        <p:tav tm="0">
-                                          <p:val>
-                                            <p:fltVal val="0"/>
-                                          </p:val>
-                                        </p:tav>
-                                        <p:tav tm="100000">
-                                          <p:val>
-                                            <p:strVal val="#ppt_h"/>
-                                          </p:val>
-                                        </p:tav>
-                                      </p:tavLst>
-                                    </p:anim>
-                                    <p:anim calcmode="lin" valueType="num">
-                                      <p:cBhvr>
-                                        <p:cTn id="14" dur="1000" fill="hold"/>
-                                        <p:tgtEl>
-                                          <p:spTgt spid="7"/>
-                                        </p:tgtEl>
-                                        <p:attrNameLst>
-                                          <p:attrName>ppt_x</p:attrName>
-                                        </p:attrNameLst>
-                                      </p:cBhvr>
-                                      <p:tavLst>
-                                        <p:tav tm="0" fmla="#ppt_x+(cos(-2*pi*(1-$))*-#ppt_x-sin(-2*pi*(1-$))*(1-#ppt_y))*(1-$)">
-                                          <p:val>
-                                            <p:fltVal val="0"/>
-                                          </p:val>
-                                        </p:tav>
-                                        <p:tav tm="100000">
-                                          <p:val>
-                                            <p:fltVal val="1"/>
-                                          </p:val>
-                                        </p:tav>
-                                      </p:tavLst>
-                                    </p:anim>
-                                    <p:anim calcmode="lin" valueType="num">
-                                      <p:cBhvr>
-                                        <p:cTn id="15" dur="1000" fill="hold"/>
-                                        <p:tgtEl>
-                                          <p:spTgt spid="7"/>
-                                        </p:tgtEl>
-                                        <p:attrNameLst>
-                                          <p:attrName>ppt_y</p:attrName>
-                                        </p:attrNameLst>
-                                      </p:cBhvr>
-                                      <p:tavLst>
-                                        <p:tav tm="0" fmla="#ppt_y+(sin(-2*pi*(1-$))*-#ppt_x+cos(-2*pi*(1-$))*(1-#ppt_y))*(1-$)">
-                                          <p:val>
-                                            <p:fltVal val="0"/>
-                                          </p:val>
-                                        </p:tav>
-                                        <p:tav tm="100000">
-                                          <p:val>
-                                            <p:fltVal val="1"/>
-                                          </p:val>
-                                        </p:tav>
-                                      </p:tavLst>
-                                    </p:anim>
-                                  </p:childTnLst>
-                                </p:cTn>
-                              </p:par>
-                            </p:childTnLst>
-                          </p:cTn>
-                        </p:par>
-                      </p:childTnLst>
-                    </p:cTn>
-                  </p:par>
-                </p:childTnLst>
-              </p:cTn>
-              <p:prevCondLst>
-                <p:cond evt="onPrev" delay="0">
-                  <p:tgtEl>
-                    <p:sldTgt/>
-                  </p:tgtEl>
-                </p:cond>
-              </p:prevCondLst>
-              <p:nextCondLst>
-                <p:cond evt="onNext" delay="0">
-                  <p:tgtEl>
-                    <p:sldTgt/>
-                  </p:tgtEl>
-                </p:cond>
-              </p:nextCondLst>
-            </p:seq>
-          </p:childTnLst>
-        </p:cTn>
-      </p:par>
-    </p:tnLst>
-    <p:bldLst>
-      <p:bldP spid="7" grpId="0"/>
-      <p:bldP spid="8" grpId="0"/>
-    </p:bldLst>
-  </p:timing>
-</p:sld>
-</file>
-
 <file path=ppt/slides/slide3.xml><?xml version="1.0" encoding="utf-8"?>
 <p:sld xmlns:a="http://schemas.openxmlformats.org/drawingml/2006/main" xmlns:r="http://schemas.openxmlformats.org/officeDocument/2006/relationships" xmlns:p="http://schemas.openxmlformats.org/presentationml/2006/main">
   <p:cSld>
@@ -20109,13 +19855,7 @@
               <a:rPr lang="en-US" dirty="0" smtClean="0">
                 <a:latin typeface="Comic Sans MS" pitchFamily="8" charset="0"/>
               </a:rPr>
-              <a:t> </a:t>
-            </a:r>
-            <a:r>
-              <a:rPr lang="en-US" dirty="0" smtClean="0">
-                <a:latin typeface="Comic Sans MS" pitchFamily="8" charset="0"/>
-              </a:rPr>
-              <a:t>5W.</a:t>
+              <a:t> 5W.</a:t>
             </a:r>
             <a:fld id="{77F314C4-F408-4600-BE33-C23BCB2C0942}" type="slidenum">
               <a:rPr lang="en-US" sz="1200" smtClean="0">
@@ -20532,6 +20272,748 @@
 </file>
 
 <file path=ppt/slides/slide30.xml><?xml version="1.0" encoding="utf-8"?>
+<p:sld xmlns:a="http://schemas.openxmlformats.org/drawingml/2006/main" xmlns:r="http://schemas.openxmlformats.org/officeDocument/2006/relationships" xmlns:p="http://schemas.openxmlformats.org/presentationml/2006/main">
+  <p:cSld>
+    <p:spTree>
+      <p:nvGrpSpPr>
+        <p:cNvPr id="1" name=""/>
+        <p:cNvGrpSpPr/>
+        <p:nvPr/>
+      </p:nvGrpSpPr>
+      <p:grpSpPr>
+        <a:xfrm>
+          <a:off x="0" y="0"/>
+          <a:ext cx="0" cy="0"/>
+          <a:chOff x="0" y="0"/>
+          <a:chExt cx="0" cy="0"/>
+        </a:xfrm>
+      </p:grpSpPr>
+      <p:sp>
+        <p:nvSpPr>
+          <p:cNvPr id="782342" name="Text Box 6"/>
+          <p:cNvSpPr txBox="1">
+            <a:spLocks noChangeArrowheads="1"/>
+          </p:cNvSpPr>
+          <p:nvPr/>
+        </p:nvSpPr>
+        <p:spPr bwMode="auto">
+          <a:xfrm>
+            <a:off x="76200" y="1160463"/>
+            <a:ext cx="8915400" cy="4478337"/>
+          </a:xfrm>
+          <a:prstGeom prst="rect">
+            <a:avLst/>
+          </a:prstGeom>
+          <a:noFill/>
+          <a:ln w="38100">
+            <a:noFill/>
+            <a:miter lim="800000"/>
+            <a:headEnd/>
+            <a:tailEnd type="none" w="lg" len="lg"/>
+          </a:ln>
+        </p:spPr>
+        <p:txBody>
+          <a:bodyPr>
+            <a:spAutoFit/>
+          </a:bodyPr>
+          <a:lstStyle/>
+          <a:p>
+            <a:r>
+              <a:rPr lang="en-US" sz="3200" dirty="0"/>
+              <a:t>Example: </a:t>
+            </a:r>
+            <a:r>
+              <a:rPr lang="en-US" sz="3200" dirty="0">
+                <a:solidFill>
+                  <a:srgbClr val="0000CC"/>
+                </a:solidFill>
+              </a:rPr>
+              <a:t>a</a:t>
+            </a:r>
+            <a:r>
+              <a:rPr lang="en-US" sz="3200" dirty="0"/>
+              <a:t> = 899, </a:t>
+            </a:r>
+            <a:r>
+              <a:rPr lang="en-US" sz="3200" dirty="0">
+                <a:solidFill>
+                  <a:srgbClr val="0000CC"/>
+                </a:solidFill>
+              </a:rPr>
+              <a:t>b</a:t>
+            </a:r>
+            <a:r>
+              <a:rPr lang="en-US" sz="3200" dirty="0"/>
+              <a:t>=493</a:t>
+            </a:r>
+          </a:p>
+          <a:p>
+            <a:r>
+              <a:rPr lang="en-US" sz="3200" dirty="0"/>
+              <a:t>899 = 1·493 + 406   </a:t>
+            </a:r>
+          </a:p>
+          <a:p>
+            <a:r>
+              <a:rPr lang="en-US" sz="3200" dirty="0"/>
+              <a:t>493 = 1·406 + 87        </a:t>
+            </a:r>
+          </a:p>
+          <a:p>
+            <a:r>
+              <a:rPr lang="en-US" sz="3200" dirty="0"/>
+              <a:t>                                         </a:t>
+            </a:r>
+          </a:p>
+          <a:p>
+            <a:r>
+              <a:rPr lang="en-US" sz="3200" dirty="0"/>
+              <a:t>406 = 4·87 + 58        </a:t>
+            </a:r>
+          </a:p>
+          <a:p>
+            <a:r>
+              <a:rPr lang="en-US" sz="3200" dirty="0"/>
+              <a:t>                                        </a:t>
+            </a:r>
+          </a:p>
+          <a:p>
+            <a:r>
+              <a:rPr lang="en-US" sz="3200" dirty="0"/>
+              <a:t>87   = 1·58 + 29          </a:t>
+            </a:r>
+          </a:p>
+          <a:p>
+            <a:r>
+              <a:rPr lang="en-US" sz="3200" dirty="0"/>
+              <a:t>                                           </a:t>
+            </a:r>
+          </a:p>
+          <a:p>
+            <a:r>
+              <a:rPr lang="en-US" sz="3200" dirty="0"/>
+              <a:t>58   = 2·29 + 0               done, </a:t>
+            </a:r>
+            <a:r>
+              <a:rPr lang="en-US" sz="3200" dirty="0" err="1"/>
+              <a:t>gcd</a:t>
+            </a:r>
+            <a:r>
+              <a:rPr lang="en-US" sz="3200" dirty="0"/>
+              <a:t> = 29</a:t>
+            </a:r>
+          </a:p>
+        </p:txBody>
+      </p:sp>
+      <p:sp>
+        <p:nvSpPr>
+          <p:cNvPr id="6" name="Text Box 3"/>
+          <p:cNvSpPr txBox="1">
+            <a:spLocks noChangeArrowheads="1"/>
+          </p:cNvSpPr>
+          <p:nvPr/>
+        </p:nvSpPr>
+        <p:spPr bwMode="auto">
+          <a:xfrm>
+            <a:off x="76200" y="1143000"/>
+            <a:ext cx="8915400" cy="4524315"/>
+          </a:xfrm>
+          <a:prstGeom prst="rect">
+            <a:avLst/>
+          </a:prstGeom>
+          <a:noFill/>
+          <a:ln w="38100">
+            <a:noFill/>
+            <a:miter lim="800000"/>
+            <a:headEnd/>
+            <a:tailEnd type="none" w="lg" len="lg"/>
+          </a:ln>
+        </p:spPr>
+        <p:txBody>
+          <a:bodyPr>
+            <a:spAutoFit/>
+          </a:bodyPr>
+          <a:lstStyle/>
+          <a:p>
+            <a:r>
+              <a:rPr lang="en-US" sz="3200" dirty="0"/>
+              <a:t>Example: </a:t>
+            </a:r>
+            <a:r>
+              <a:rPr lang="en-US" sz="3200" dirty="0">
+                <a:solidFill>
+                  <a:srgbClr val="0000CC"/>
+                </a:solidFill>
+              </a:rPr>
+              <a:t>a</a:t>
+            </a:r>
+            <a:r>
+              <a:rPr lang="en-US" sz="3200" dirty="0"/>
+              <a:t> = 899, </a:t>
+            </a:r>
+            <a:r>
+              <a:rPr lang="en-US" sz="3200" dirty="0">
+                <a:solidFill>
+                  <a:srgbClr val="0000CC"/>
+                </a:solidFill>
+              </a:rPr>
+              <a:t>b</a:t>
+            </a:r>
+            <a:r>
+              <a:rPr lang="en-US" sz="3200" dirty="0"/>
+              <a:t>=493</a:t>
+            </a:r>
+          </a:p>
+          <a:p>
+            <a:r>
+              <a:rPr lang="en-US" sz="3200" dirty="0"/>
+              <a:t>899 = 1·493 + 406    so 406 = 1·899 + -1·493</a:t>
+            </a:r>
+          </a:p>
+          <a:p>
+            <a:r>
+              <a:rPr lang="en-US" sz="3200" dirty="0"/>
+              <a:t>493 = 1·406 + 87        so 87 = 493 –</a:t>
+            </a:r>
+            <a:r>
+              <a:rPr lang="en-US" sz="2400" dirty="0"/>
+              <a:t> </a:t>
+            </a:r>
+            <a:r>
+              <a:rPr lang="en-US" sz="3200" dirty="0"/>
+              <a:t>1·406</a:t>
+            </a:r>
+            <a:endParaRPr lang="en-US" sz="2400" dirty="0"/>
+          </a:p>
+          <a:p>
+            <a:r>
+              <a:rPr lang="en-US" sz="3200" dirty="0"/>
+              <a:t>                                           = -1·899 + 2∙493</a:t>
+            </a:r>
+          </a:p>
+          <a:p>
+            <a:r>
+              <a:rPr lang="en-US" sz="3200" dirty="0"/>
+              <a:t>406 = 4·87 + 58         so 58 = 406 - 4·87</a:t>
+            </a:r>
+          </a:p>
+          <a:p>
+            <a:r>
+              <a:rPr lang="en-US" sz="3200" dirty="0"/>
+              <a:t>                                           = 5·899 + -9·493</a:t>
+            </a:r>
+          </a:p>
+          <a:p>
+            <a:r>
+              <a:rPr lang="en-US" sz="3200" dirty="0"/>
+              <a:t>87   = 1·58 + 29          so 29 = 87 – 1·58</a:t>
+            </a:r>
+          </a:p>
+          <a:p>
+            <a:r>
+              <a:rPr lang="en-US" sz="3200" dirty="0"/>
+              <a:t>                                           =</a:t>
+            </a:r>
+            <a:r>
+              <a:rPr lang="en-US" sz="3200" dirty="0">
+                <a:solidFill>
+                  <a:srgbClr val="FF00FF"/>
+                </a:solidFill>
+              </a:rPr>
+              <a:t> -6</a:t>
+            </a:r>
+            <a:r>
+              <a:rPr lang="en-US" sz="3200" dirty="0"/>
+              <a:t>·899 + </a:t>
+            </a:r>
+            <a:r>
+              <a:rPr lang="en-US" sz="3200" dirty="0">
+                <a:solidFill>
+                  <a:srgbClr val="FF00FF"/>
+                </a:solidFill>
+              </a:rPr>
+              <a:t>11</a:t>
+            </a:r>
+            <a:r>
+              <a:rPr lang="en-US" sz="3200" dirty="0"/>
+              <a:t>∙493</a:t>
+            </a:r>
+          </a:p>
+          <a:p>
+            <a:r>
+              <a:rPr lang="en-US" sz="3200" dirty="0"/>
+              <a:t>58   = 2·29 + 0           </a:t>
+            </a:r>
+            <a:r>
+              <a:rPr lang="en-US" sz="3200" dirty="0" smtClean="0"/>
+              <a:t>    done</a:t>
+            </a:r>
+            <a:r>
+              <a:rPr lang="en-US" sz="3200" dirty="0"/>
+              <a:t>, </a:t>
+            </a:r>
+            <a:r>
+              <a:rPr lang="en-US" sz="3200" dirty="0" err="1"/>
+              <a:t>gcd</a:t>
+            </a:r>
+            <a:r>
+              <a:rPr lang="en-US" sz="3200" dirty="0"/>
+              <a:t> = 29</a:t>
+            </a:r>
+          </a:p>
+        </p:txBody>
+      </p:sp>
+      <p:sp>
+        <p:nvSpPr>
+          <p:cNvPr id="30722" name="Rectangle 2"/>
+          <p:cNvSpPr>
+            <a:spLocks noGrp="1" noChangeArrowheads="1"/>
+          </p:cNvSpPr>
+          <p:nvPr>
+            <p:ph type="title"/>
+          </p:nvPr>
+        </p:nvSpPr>
+        <p:spPr/>
+        <p:txBody>
+          <a:bodyPr/>
+          <a:lstStyle/>
+          <a:p>
+            <a:pPr eaLnBrk="1" hangingPunct="1"/>
+            <a:r>
+              <a:rPr lang="en-US" dirty="0" smtClean="0"/>
+              <a:t>Finding </a:t>
+            </a:r>
+            <a:r>
+              <a:rPr lang="en-US" dirty="0" smtClean="0">
+                <a:solidFill>
+                  <a:srgbClr val="0000CC"/>
+                </a:solidFill>
+              </a:rPr>
+              <a:t>s</a:t>
+            </a:r>
+            <a:r>
+              <a:rPr lang="en-US" dirty="0" smtClean="0"/>
+              <a:t> and </a:t>
+            </a:r>
+            <a:r>
+              <a:rPr lang="en-US" dirty="0" smtClean="0">
+                <a:solidFill>
+                  <a:srgbClr val="0000CC"/>
+                </a:solidFill>
+              </a:rPr>
+              <a:t>t</a:t>
+            </a:r>
+          </a:p>
+        </p:txBody>
+      </p:sp>
+      <p:sp>
+        <p:nvSpPr>
+          <p:cNvPr id="30724" name="Slide Number Placeholder 3"/>
+          <p:cNvSpPr>
+            <a:spLocks noGrp="1"/>
+          </p:cNvSpPr>
+          <p:nvPr>
+            <p:ph type="sldNum" sz="quarter" idx="10"/>
+          </p:nvPr>
+        </p:nvSpPr>
+        <p:spPr>
+          <a:noFill/>
+        </p:spPr>
+        <p:txBody>
+          <a:bodyPr/>
+          <a:lstStyle/>
+          <a:p>
+            <a:r>
+              <a:rPr lang="en-US" dirty="0" err="1" smtClean="0">
+                <a:latin typeface="Comic Sans MS" pitchFamily="8" charset="0"/>
+              </a:rPr>
+              <a:t>lec</a:t>
+            </a:r>
+            <a:r>
+              <a:rPr lang="en-US" dirty="0" smtClean="0">
+                <a:latin typeface="Comic Sans MS" pitchFamily="8" charset="0"/>
+              </a:rPr>
+              <a:t> 5W.</a:t>
+            </a:r>
+            <a:fld id="{C0A36D86-A96B-4FB7-B793-96DB8299F076}" type="slidenum">
+              <a:rPr lang="en-US" sz="1200" smtClean="0">
+                <a:latin typeface="Comic Sans MS" pitchFamily="8" charset="0"/>
+              </a:rPr>
+              <a:pPr/>
+              <a:t>30</a:t>
+            </a:fld>
+            <a:endParaRPr lang="en-US" sz="1200" dirty="0" smtClean="0">
+              <a:latin typeface="Comic Sans MS" pitchFamily="8" charset="0"/>
+            </a:endParaRPr>
+          </a:p>
+        </p:txBody>
+      </p:sp>
+      <p:sp>
+        <p:nvSpPr>
+          <p:cNvPr id="7" name="Text Box 4"/>
+          <p:cNvSpPr txBox="1">
+            <a:spLocks noChangeArrowheads="1"/>
+          </p:cNvSpPr>
+          <p:nvPr/>
+        </p:nvSpPr>
+        <p:spPr bwMode="auto">
+          <a:xfrm>
+            <a:off x="92625" y="5410200"/>
+            <a:ext cx="4860375" cy="923330"/>
+          </a:xfrm>
+          <a:prstGeom prst="rect">
+            <a:avLst/>
+          </a:prstGeom>
+          <a:noFill/>
+          <a:ln w="38100">
+            <a:noFill/>
+            <a:miter lim="800000"/>
+            <a:headEnd/>
+            <a:tailEnd type="none" w="lg" len="lg"/>
+          </a:ln>
+        </p:spPr>
+        <p:txBody>
+          <a:bodyPr wrap="none">
+            <a:spAutoFit/>
+          </a:bodyPr>
+          <a:lstStyle/>
+          <a:p>
+            <a:r>
+              <a:rPr lang="en-US" sz="5400" b="1" dirty="0">
+                <a:solidFill>
+                  <a:srgbClr val="008000"/>
+                </a:solidFill>
+              </a:rPr>
+              <a:t>the </a:t>
+            </a:r>
+            <a:r>
+              <a:rPr lang="en-US" sz="5400" b="1" dirty="0" err="1">
+                <a:solidFill>
+                  <a:srgbClr val="008000"/>
+                </a:solidFill>
+              </a:rPr>
+              <a:t>Pulverizer</a:t>
+            </a:r>
+            <a:endParaRPr lang="en-US" sz="5400" b="1" dirty="0">
+              <a:solidFill>
+                <a:srgbClr val="008000"/>
+              </a:solidFill>
+            </a:endParaRPr>
+          </a:p>
+        </p:txBody>
+      </p:sp>
+      <p:sp>
+        <p:nvSpPr>
+          <p:cNvPr id="8" name="TextBox 7"/>
+          <p:cNvSpPr txBox="1"/>
+          <p:nvPr/>
+        </p:nvSpPr>
+        <p:spPr>
+          <a:xfrm>
+            <a:off x="5029200" y="5638800"/>
+            <a:ext cx="3385863" cy="769441"/>
+          </a:xfrm>
+          <a:prstGeom prst="rect">
+            <a:avLst/>
+          </a:prstGeom>
+          <a:noFill/>
+        </p:spPr>
+        <p:txBody>
+          <a:bodyPr wrap="none" rtlCol="0">
+            <a:spAutoFit/>
+          </a:bodyPr>
+          <a:lstStyle/>
+          <a:p>
+            <a:r>
+              <a:rPr lang="en-US" sz="4400" dirty="0" smtClean="0">
+                <a:solidFill>
+                  <a:schemeClr val="accent1">
+                    <a:lumMod val="50000"/>
+                  </a:schemeClr>
+                </a:solidFill>
+              </a:rPr>
+              <a:t>s</a:t>
+            </a:r>
+            <a:r>
+              <a:rPr lang="en-US" sz="4400" dirty="0" smtClean="0"/>
+              <a:t> = </a:t>
+            </a:r>
+            <a:r>
+              <a:rPr lang="en-US" sz="4400" dirty="0" smtClean="0">
+                <a:solidFill>
+                  <a:srgbClr val="FF00FF"/>
+                </a:solidFill>
+              </a:rPr>
+              <a:t>-6</a:t>
+            </a:r>
+            <a:r>
+              <a:rPr lang="en-US" sz="4400" dirty="0" smtClean="0"/>
+              <a:t>, </a:t>
+            </a:r>
+            <a:r>
+              <a:rPr lang="en-US" sz="4400" dirty="0" smtClean="0">
+                <a:solidFill>
+                  <a:schemeClr val="accent1">
+                    <a:lumMod val="50000"/>
+                  </a:schemeClr>
+                </a:solidFill>
+              </a:rPr>
+              <a:t>t</a:t>
+            </a:r>
+            <a:r>
+              <a:rPr lang="en-US" sz="4400" dirty="0" smtClean="0"/>
+              <a:t> = </a:t>
+            </a:r>
+            <a:r>
+              <a:rPr lang="en-US" sz="4400" dirty="0" smtClean="0">
+                <a:solidFill>
+                  <a:srgbClr val="FF00FF"/>
+                </a:solidFill>
+              </a:rPr>
+              <a:t>11</a:t>
+            </a:r>
+          </a:p>
+        </p:txBody>
+      </p:sp>
+    </p:spTree>
+  </p:cSld>
+  <p:clrMapOvr>
+    <a:masterClrMapping/>
+  </p:clrMapOvr>
+  <p:transition xmlns:p14="http://schemas.microsoft.com/office/powerpoint/2010/main">
+    <p:fade/>
+  </p:transition>
+  <p:timing>
+    <p:tnLst>
+      <p:par>
+        <p:cTn xmlns:p14="http://schemas.microsoft.com/office/powerpoint/2010/main" id="1" dur="indefinite" restart="never" nodeType="tmRoot">
+          <p:childTnLst>
+            <p:seq concurrent="1" nextAc="seek">
+              <p:cTn id="2" dur="indefinite" nodeType="mainSeq">
+                <p:childTnLst>
+                  <p:par>
+                    <p:cTn id="3" fill="hold">
+                      <p:stCondLst>
+                        <p:cond delay="indefinite"/>
+                        <p:cond evt="onBegin" delay="0">
+                          <p:tn val="2"/>
+                        </p:cond>
+                      </p:stCondLst>
+                      <p:childTnLst>
+                        <p:par>
+                          <p:cTn id="4" fill="hold">
+                            <p:stCondLst>
+                              <p:cond delay="0"/>
+                            </p:stCondLst>
+                            <p:childTnLst>
+                              <p:par>
+                                <p:cTn id="5" presetID="9" presetClass="entr" presetSubtype="0" fill="hold" grpId="0" nodeType="afterEffect">
+                                  <p:stCondLst>
+                                    <p:cond delay="0"/>
+                                  </p:stCondLst>
+                                  <p:childTnLst>
+                                    <p:set>
+                                      <p:cBhvr>
+                                        <p:cTn id="6" dur="1" fill="hold">
+                                          <p:stCondLst>
+                                            <p:cond delay="0"/>
+                                          </p:stCondLst>
+                                        </p:cTn>
+                                        <p:tgtEl>
+                                          <p:spTgt spid="8"/>
+                                        </p:tgtEl>
+                                        <p:attrNameLst>
+                                          <p:attrName>style.visibility</p:attrName>
+                                        </p:attrNameLst>
+                                      </p:cBhvr>
+                                      <p:to>
+                                        <p:strVal val="visible"/>
+                                      </p:to>
+                                    </p:set>
+                                    <p:animEffect transition="in" filter="dissolve">
+                                      <p:cBhvr>
+                                        <p:cTn id="7" dur="1000"/>
+                                        <p:tgtEl>
+                                          <p:spTgt spid="8"/>
+                                        </p:tgtEl>
+                                      </p:cBhvr>
+                                    </p:animEffect>
+                                  </p:childTnLst>
+                                </p:cTn>
+                              </p:par>
+                            </p:childTnLst>
+                          </p:cTn>
+                        </p:par>
+                      </p:childTnLst>
+                    </p:cTn>
+                  </p:par>
+                  <p:par>
+                    <p:cTn id="8" fill="hold">
+                      <p:stCondLst>
+                        <p:cond delay="indefinite"/>
+                      </p:stCondLst>
+                      <p:childTnLst>
+                        <p:par>
+                          <p:cTn id="9" fill="hold">
+                            <p:stCondLst>
+                              <p:cond delay="0"/>
+                            </p:stCondLst>
+                            <p:childTnLst>
+                              <p:par>
+                                <p:cTn id="10" presetID="15" presetClass="entr" presetSubtype="0" fill="hold" grpId="0" nodeType="clickEffect">
+                                  <p:stCondLst>
+                                    <p:cond delay="0"/>
+                                  </p:stCondLst>
+                                  <p:childTnLst>
+                                    <p:set>
+                                      <p:cBhvr>
+                                        <p:cTn id="11" dur="1" fill="hold">
+                                          <p:stCondLst>
+                                            <p:cond delay="0"/>
+                                          </p:stCondLst>
+                                        </p:cTn>
+                                        <p:tgtEl>
+                                          <p:spTgt spid="7"/>
+                                        </p:tgtEl>
+                                        <p:attrNameLst>
+                                          <p:attrName>style.visibility</p:attrName>
+                                        </p:attrNameLst>
+                                      </p:cBhvr>
+                                      <p:to>
+                                        <p:strVal val="visible"/>
+                                      </p:to>
+                                    </p:set>
+                                    <p:anim calcmode="lin" valueType="num">
+                                      <p:cBhvr>
+                                        <p:cTn id="12" dur="1000" fill="hold"/>
+                                        <p:tgtEl>
+                                          <p:spTgt spid="7"/>
+                                        </p:tgtEl>
+                                        <p:attrNameLst>
+                                          <p:attrName>ppt_w</p:attrName>
+                                        </p:attrNameLst>
+                                      </p:cBhvr>
+                                      <p:tavLst>
+                                        <p:tav tm="0">
+                                          <p:val>
+                                            <p:fltVal val="0"/>
+                                          </p:val>
+                                        </p:tav>
+                                        <p:tav tm="100000">
+                                          <p:val>
+                                            <p:strVal val="#ppt_w"/>
+                                          </p:val>
+                                        </p:tav>
+                                      </p:tavLst>
+                                    </p:anim>
+                                    <p:anim calcmode="lin" valueType="num">
+                                      <p:cBhvr>
+                                        <p:cTn id="13" dur="1000" fill="hold"/>
+                                        <p:tgtEl>
+                                          <p:spTgt spid="7"/>
+                                        </p:tgtEl>
+                                        <p:attrNameLst>
+                                          <p:attrName>ppt_h</p:attrName>
+                                        </p:attrNameLst>
+                                      </p:cBhvr>
+                                      <p:tavLst>
+                                        <p:tav tm="0">
+                                          <p:val>
+                                            <p:fltVal val="0"/>
+                                          </p:val>
+                                        </p:tav>
+                                        <p:tav tm="100000">
+                                          <p:val>
+                                            <p:strVal val="#ppt_h"/>
+                                          </p:val>
+                                        </p:tav>
+                                      </p:tavLst>
+                                    </p:anim>
+                                    <p:anim calcmode="lin" valueType="num">
+                                      <p:cBhvr>
+                                        <p:cTn id="14" dur="1000" fill="hold"/>
+                                        <p:tgtEl>
+                                          <p:spTgt spid="7"/>
+                                        </p:tgtEl>
+                                        <p:attrNameLst>
+                                          <p:attrName>ppt_x</p:attrName>
+                                        </p:attrNameLst>
+                                      </p:cBhvr>
+                                      <p:tavLst>
+                                        <p:tav tm="0" fmla="#ppt_x+(cos(-2*pi*(1-$))*-#ppt_x-sin(-2*pi*(1-$))*(1-#ppt_y))*(1-$)">
+                                          <p:val>
+                                            <p:fltVal val="0"/>
+                                          </p:val>
+                                        </p:tav>
+                                        <p:tav tm="100000">
+                                          <p:val>
+                                            <p:fltVal val="1"/>
+                                          </p:val>
+                                        </p:tav>
+                                      </p:tavLst>
+                                    </p:anim>
+                                    <p:anim calcmode="lin" valueType="num">
+                                      <p:cBhvr>
+                                        <p:cTn id="15" dur="1000" fill="hold"/>
+                                        <p:tgtEl>
+                                          <p:spTgt spid="7"/>
+                                        </p:tgtEl>
+                                        <p:attrNameLst>
+                                          <p:attrName>ppt_y</p:attrName>
+                                        </p:attrNameLst>
+                                      </p:cBhvr>
+                                      <p:tavLst>
+                                        <p:tav tm="0" fmla="#ppt_y+(sin(-2*pi*(1-$))*-#ppt_x+cos(-2*pi*(1-$))*(1-#ppt_y))*(1-$)">
+                                          <p:val>
+                                            <p:fltVal val="0"/>
+                                          </p:val>
+                                        </p:tav>
+                                        <p:tav tm="100000">
+                                          <p:val>
+                                            <p:fltVal val="1"/>
+                                          </p:val>
+                                        </p:tav>
+                                      </p:tavLst>
+                                    </p:anim>
+                                  </p:childTnLst>
+                                </p:cTn>
+                              </p:par>
+                            </p:childTnLst>
+                          </p:cTn>
+                        </p:par>
+                      </p:childTnLst>
+                    </p:cTn>
+                  </p:par>
+                </p:childTnLst>
+              </p:cTn>
+              <p:prevCondLst>
+                <p:cond evt="onPrev" delay="0">
+                  <p:tgtEl>
+                    <p:sldTgt/>
+                  </p:tgtEl>
+                </p:cond>
+              </p:prevCondLst>
+              <p:nextCondLst>
+                <p:cond evt="onNext" delay="0">
+                  <p:tgtEl>
+                    <p:sldTgt/>
+                  </p:tgtEl>
+                </p:cond>
+              </p:nextCondLst>
+            </p:seq>
+          </p:childTnLst>
+        </p:cTn>
+      </p:par>
+    </p:tnLst>
+    <p:bldLst>
+      <p:bldP spid="7" grpId="0"/>
+      <p:bldP spid="8" grpId="0"/>
+    </p:bldLst>
+  </p:timing>
+</p:sld>
+</file>
+
+<file path=ppt/slides/slide31.xml><?xml version="1.0" encoding="utf-8"?>
 <p:sld xmlns:a="http://schemas.openxmlformats.org/drawingml/2006/main" xmlns:r="http://schemas.openxmlformats.org/officeDocument/2006/relationships" xmlns:p="http://schemas.openxmlformats.org/presentationml/2006/main" show="0">
   <p:cSld>
     <p:spTree>
@@ -20727,20 +21209,14 @@
               <a:rPr lang="en-US" dirty="0" smtClean="0">
                 <a:latin typeface="Comic Sans MS" pitchFamily="8" charset="0"/>
               </a:rPr>
-              <a:t> </a:t>
-            </a:r>
-            <a:r>
-              <a:rPr lang="en-US" dirty="0" smtClean="0">
-                <a:latin typeface="Comic Sans MS" pitchFamily="8" charset="0"/>
-              </a:rPr>
-              <a:t>5W.</a:t>
+              <a:t> 5W.</a:t>
             </a:r>
             <a:fld id="{C0A36D86-A96B-4FB7-B793-96DB8299F076}" type="slidenum">
               <a:rPr lang="en-US" sz="1200" smtClean="0">
                 <a:latin typeface="Comic Sans MS" pitchFamily="8" charset="0"/>
               </a:rPr>
               <a:pPr/>
-              <a:t>30</a:t>
+              <a:t>31</a:t>
             </a:fld>
             <a:endParaRPr lang="en-US" sz="1200" dirty="0" smtClean="0">
               <a:latin typeface="Comic Sans MS" pitchFamily="8" charset="0"/>
@@ -21125,8 +21601,8 @@
 </p:sld>
 </file>
 
-<file path=ppt/slides/slide31.xml><?xml version="1.0" encoding="utf-8"?>
-<p:sld xmlns:a="http://schemas.openxmlformats.org/drawingml/2006/main" xmlns:r="http://schemas.openxmlformats.org/officeDocument/2006/relationships" xmlns:p="http://schemas.openxmlformats.org/presentationml/2006/main">
+<file path=ppt/slides/slide32.xml><?xml version="1.0" encoding="utf-8"?>
+<p:sld xmlns:a="http://schemas.openxmlformats.org/drawingml/2006/main" xmlns:r="http://schemas.openxmlformats.org/officeDocument/2006/relationships" xmlns:p="http://schemas.openxmlformats.org/presentationml/2006/main" show="0">
   <p:cSld>
     <p:spTree>
       <p:nvGrpSpPr>
@@ -21467,20 +21943,14 @@
               <a:rPr lang="en-US" dirty="0" smtClean="0">
                 <a:latin typeface="Comic Sans MS" pitchFamily="8" charset="0"/>
               </a:rPr>
-              <a:t> </a:t>
-            </a:r>
-            <a:r>
-              <a:rPr lang="en-US" dirty="0" smtClean="0">
-                <a:latin typeface="Comic Sans MS" pitchFamily="8" charset="0"/>
-              </a:rPr>
-              <a:t>5W.</a:t>
+              <a:t> 5W.</a:t>
             </a:r>
             <a:fld id="{0B31A3FA-1C63-4F3C-BCF4-B7AE1EB41B06}" type="slidenum">
               <a:rPr lang="en-US" sz="1200" smtClean="0">
                 <a:latin typeface="Comic Sans MS" pitchFamily="8" charset="0"/>
               </a:rPr>
               <a:pPr/>
-              <a:t>31</a:t>
+              <a:t>32</a:t>
             </a:fld>
             <a:endParaRPr lang="en-US" sz="1200" dirty="0" smtClean="0">
               <a:latin typeface="Comic Sans MS" pitchFamily="8" charset="0"/>
@@ -21738,7 +22208,7 @@
 </p:sld>
 </file>
 
-<file path=ppt/slides/slide32.xml><?xml version="1.0" encoding="utf-8"?>
+<file path=ppt/slides/slide33.xml><?xml version="1.0" encoding="utf-8"?>
 <p:sld xmlns:a="http://schemas.openxmlformats.org/drawingml/2006/main" xmlns:r="http://schemas.openxmlformats.org/officeDocument/2006/relationships" xmlns:p="http://schemas.openxmlformats.org/presentationml/2006/main" show="0">
   <p:cSld>
     <p:spTree>
@@ -22101,7 +22571,7 @@
           <a:graphicData uri="http://schemas.openxmlformats.org/presentationml/2006/ole">
             <mc:AlternateContent xmlns:mc="http://schemas.openxmlformats.org/markup-compatibility/2006">
               <mc:Choice xmlns:v="urn:schemas-microsoft-com:vml" Requires="v">
-                <p:oleObj spid="_x0000_s3095" name="Equation" r:id="rId4" imgW="164880" imgH="419040" progId="Equation.DSMT4">
+                <p:oleObj spid="_x0000_s3106" name="Equation" r:id="rId4" imgW="164880" imgH="419040" progId="Equation.DSMT4">
                   <p:embed/>
                 </p:oleObj>
               </mc:Choice>
@@ -22222,7 +22692,7 @@
             <a:graphicData uri="http://schemas.openxmlformats.org/presentationml/2006/ole">
               <mc:AlternateContent xmlns:mc="http://schemas.openxmlformats.org/markup-compatibility/2006">
                 <mc:Choice xmlns:v="urn:schemas-microsoft-com:vml" Requires="v">
-                  <p:oleObj spid="_x0000_s3096" name="Equation" r:id="rId6" imgW="152400" imgH="482600" progId="Equation.DSMT4">
+                  <p:oleObj spid="_x0000_s3107" name="Equation" r:id="rId6" imgW="152400" imgH="482600" progId="Equation.DSMT4">
                     <p:embed/>
                   </p:oleObj>
                 </mc:Choice>
@@ -22379,20 +22849,14 @@
               <a:rPr lang="en-US" dirty="0" smtClean="0">
                 <a:latin typeface="Comic Sans MS" pitchFamily="8" charset="0"/>
               </a:rPr>
-              <a:t> </a:t>
-            </a:r>
-            <a:r>
-              <a:rPr lang="en-US" dirty="0" smtClean="0">
-                <a:latin typeface="Comic Sans MS" pitchFamily="8" charset="0"/>
-              </a:rPr>
-              <a:t>5W.</a:t>
+              <a:t> 5W.</a:t>
             </a:r>
             <a:fld id="{2DB9C430-3F2F-43A5-BD8A-0C6CA31B929D}" type="slidenum">
               <a:rPr lang="en-US" sz="1200" smtClean="0">
                 <a:latin typeface="Comic Sans MS" pitchFamily="8" charset="0"/>
               </a:rPr>
               <a:pPr/>
-              <a:t>32</a:t>
+              <a:t>33</a:t>
             </a:fld>
             <a:endParaRPr lang="en-US" sz="1200" dirty="0" smtClean="0">
               <a:latin typeface="Comic Sans MS" pitchFamily="8" charset="0"/>
@@ -22416,7 +22880,7 @@
           <a:graphicData uri="http://schemas.openxmlformats.org/presentationml/2006/ole">
             <mc:AlternateContent xmlns:mc="http://schemas.openxmlformats.org/markup-compatibility/2006">
               <mc:Choice xmlns:v="urn:schemas-microsoft-com:vml" Requires="v">
-                <p:oleObj spid="_x0000_s3097" name="Equation" r:id="rId8" imgW="164880" imgH="419040" progId="Equation.DSMT4">
+                <p:oleObj spid="_x0000_s3108" name="Equation" r:id="rId8" imgW="164880" imgH="419040" progId="Equation.DSMT4">
                   <p:embed/>
                 </p:oleObj>
               </mc:Choice>
@@ -22848,7 +23312,7 @@
 </p:sld>
 </file>
 
-<file path=ppt/slides/slide33.xml><?xml version="1.0" encoding="utf-8"?>
+<file path=ppt/slides/slide34.xml><?xml version="1.0" encoding="utf-8"?>
 <p:sld xmlns:a="http://schemas.openxmlformats.org/drawingml/2006/main" xmlns:r="http://schemas.openxmlformats.org/officeDocument/2006/relationships" xmlns:p="http://schemas.openxmlformats.org/presentationml/2006/main">
   <p:cSld>
     <p:spTree>
@@ -23094,20 +23558,14 @@
               <a:rPr lang="en-US" dirty="0" smtClean="0">
                 <a:latin typeface="Comic Sans MS" pitchFamily="8" charset="0"/>
               </a:rPr>
-              <a:t> </a:t>
-            </a:r>
-            <a:r>
-              <a:rPr lang="en-US" dirty="0" smtClean="0">
-                <a:latin typeface="Comic Sans MS" pitchFamily="8" charset="0"/>
-              </a:rPr>
-              <a:t>5W.</a:t>
+              <a:t> 5W.</a:t>
             </a:r>
             <a:fld id="{2DB9C430-3F2F-43A5-BD8A-0C6CA31B929D}" type="slidenum">
               <a:rPr lang="en-US" sz="1200" smtClean="0">
                 <a:latin typeface="Comic Sans MS" pitchFamily="8" charset="0"/>
               </a:rPr>
               <a:pPr/>
-              <a:t>33</a:t>
+              <a:t>34</a:t>
             </a:fld>
             <a:endParaRPr lang="en-US" sz="1200" dirty="0" smtClean="0">
               <a:latin typeface="Comic Sans MS" pitchFamily="8" charset="0"/>
@@ -23120,9 +23578,18 @@
   <p:clrMapOvr>
     <a:masterClrMapping/>
   </p:clrMapOvr>
-  <p:transition xmlns:p14="http://schemas.microsoft.com/office/powerpoint/2010/main" spd="slow">
-    <p:fade thruBlk="1"/>
-  </p:transition>
+  <mc:AlternateContent xmlns:mc="http://schemas.openxmlformats.org/markup-compatibility/2006" xmlns:p14="http://schemas.microsoft.com/office/powerpoint/2010/main">
+    <mc:Choice Requires="p14">
+      <p:transition spd="slow" p14:dur="1200">
+        <p:fade thruBlk="1"/>
+      </p:transition>
+    </mc:Choice>
+    <mc:Fallback xmlns="">
+      <p:transition xmlns:p14="http://schemas.microsoft.com/office/powerpoint/2010/main" spd="slow">
+        <p:fade thruBlk="1"/>
+      </p:transition>
+    </mc:Fallback>
+  </mc:AlternateContent>
   <p:timing>
     <p:tnLst>
       <p:par>
@@ -23205,7 +23672,7 @@
 </p:sld>
 </file>
 
-<file path=ppt/slides/slide34.xml><?xml version="1.0" encoding="utf-8"?>
+<file path=ppt/slides/slide35.xml><?xml version="1.0" encoding="utf-8"?>
 <p:sld xmlns:a="http://schemas.openxmlformats.org/drawingml/2006/main" xmlns:r="http://schemas.openxmlformats.org/officeDocument/2006/relationships" xmlns:p="http://schemas.openxmlformats.org/presentationml/2006/main">
   <p:cSld>
     <p:spTree>
@@ -23497,20 +23964,14 @@
               <a:rPr lang="en-US" dirty="0" smtClean="0">
                 <a:latin typeface="Comic Sans MS" pitchFamily="8" charset="0"/>
               </a:rPr>
-              <a:t> </a:t>
-            </a:r>
-            <a:r>
-              <a:rPr lang="en-US" dirty="0" smtClean="0">
-                <a:latin typeface="Comic Sans MS" pitchFamily="8" charset="0"/>
-              </a:rPr>
-              <a:t>5W.</a:t>
+              <a:t> 5W.</a:t>
             </a:r>
             <a:fld id="{E79D9AAE-A808-4685-9C0F-E5A5F353A41A}" type="slidenum">
               <a:rPr lang="en-US" sz="1200" smtClean="0">
                 <a:latin typeface="Comic Sans MS" pitchFamily="8" charset="0"/>
               </a:rPr>
               <a:pPr/>
-              <a:t>34</a:t>
+              <a:t>35</a:t>
             </a:fld>
             <a:endParaRPr lang="en-US" sz="1200" dirty="0" smtClean="0">
               <a:latin typeface="Comic Sans MS" pitchFamily="8" charset="0"/>
@@ -23523,6 +23984,18 @@
   <p:clrMapOvr>
     <a:masterClrMapping/>
   </p:clrMapOvr>
+  <mc:AlternateContent xmlns:mc="http://schemas.openxmlformats.org/markup-compatibility/2006" xmlns:p14="http://schemas.microsoft.com/office/powerpoint/2010/main">
+    <mc:Choice Requires="p14">
+      <p:transition spd="med" p14:dur="700">
+        <p:fade/>
+      </p:transition>
+    </mc:Choice>
+    <mc:Fallback xmlns="">
+      <p:transition xmlns:p14="http://schemas.microsoft.com/office/powerpoint/2010/main" spd="med">
+        <p:fade/>
+      </p:transition>
+    </mc:Fallback>
+  </mc:AlternateContent>
   <p:timing>
     <p:tnLst>
       <p:par>
@@ -23605,7 +24078,7 @@
 </p:sld>
 </file>
 
-<file path=ppt/slides/slide35.xml><?xml version="1.0" encoding="utf-8"?>
+<file path=ppt/slides/slide36.xml><?xml version="1.0" encoding="utf-8"?>
 <p:sld xmlns:a="http://schemas.openxmlformats.org/drawingml/2006/main" xmlns:r="http://schemas.openxmlformats.org/officeDocument/2006/relationships" xmlns:p="http://schemas.openxmlformats.org/presentationml/2006/main" show="0">
   <p:cSld>
     <p:spTree>
@@ -23691,20 +24164,14 @@
               <a:rPr lang="en-US" dirty="0" smtClean="0">
                 <a:latin typeface="Comic Sans MS" pitchFamily="8" charset="0"/>
               </a:rPr>
-              <a:t> </a:t>
-            </a:r>
-            <a:r>
-              <a:rPr lang="en-US" dirty="0" smtClean="0">
-                <a:latin typeface="Comic Sans MS" pitchFamily="8" charset="0"/>
-              </a:rPr>
-              <a:t>5W.</a:t>
+              <a:t> 5W.</a:t>
             </a:r>
             <a:fld id="{168D7955-BF0F-4CD5-928E-4D4BF92A10C1}" type="slidenum">
               <a:rPr lang="en-US" sz="1200" smtClean="0">
                 <a:latin typeface="Comic Sans MS" pitchFamily="8" charset="0"/>
               </a:rPr>
               <a:pPr/>
-              <a:t>35</a:t>
+              <a:t>36</a:t>
             </a:fld>
             <a:endParaRPr lang="en-US" sz="1200" dirty="0" smtClean="0">
               <a:latin typeface="Comic Sans MS" pitchFamily="8" charset="0"/>
@@ -23728,7 +24195,7 @@
 </p:sld>
 </file>
 
-<file path=ppt/slides/slide36.xml><?xml version="1.0" encoding="utf-8"?>
+<file path=ppt/slides/slide37.xml><?xml version="1.0" encoding="utf-8"?>
 <p:sld xmlns:a="http://schemas.openxmlformats.org/drawingml/2006/main" xmlns:r="http://schemas.openxmlformats.org/officeDocument/2006/relationships" xmlns:p="http://schemas.openxmlformats.org/presentationml/2006/main">
   <p:cSld>
     <p:spTree>
@@ -23892,20 +24359,14 @@
               <a:rPr lang="en-US" dirty="0" smtClean="0">
                 <a:latin typeface="Comic Sans MS" pitchFamily="8" charset="0"/>
               </a:rPr>
-              <a:t> </a:t>
-            </a:r>
-            <a:r>
-              <a:rPr lang="en-US" dirty="0" smtClean="0">
-                <a:latin typeface="Comic Sans MS" pitchFamily="8" charset="0"/>
-              </a:rPr>
-              <a:t>5W.</a:t>
+              <a:t> 5W.</a:t>
             </a:r>
             <a:fld id="{ED062411-6F17-41FB-A2D2-BA09849AA3A4}" type="slidenum">
               <a:rPr lang="en-US" sz="1200" smtClean="0">
                 <a:latin typeface="Comic Sans MS" pitchFamily="8" charset="0"/>
               </a:rPr>
               <a:pPr/>
-              <a:t>36</a:t>
+              <a:t>37</a:t>
             </a:fld>
             <a:endParaRPr lang="en-US" sz="1200" dirty="0" smtClean="0">
               <a:latin typeface="Comic Sans MS" pitchFamily="8" charset="0"/>
@@ -23918,9 +24379,18 @@
   <p:clrMapOvr>
     <a:masterClrMapping/>
   </p:clrMapOvr>
-  <p:transition xmlns:p14="http://schemas.microsoft.com/office/powerpoint/2010/main">
-    <p:fade thruBlk="1"/>
-  </p:transition>
+  <mc:AlternateContent xmlns:mc="http://schemas.openxmlformats.org/markup-compatibility/2006" xmlns:p14="http://schemas.microsoft.com/office/powerpoint/2010/main">
+    <mc:Choice Requires="p14">
+      <p:transition spd="slow" p14:dur="800">
+        <p:fade thruBlk="1"/>
+      </p:transition>
+    </mc:Choice>
+    <mc:Fallback xmlns="">
+      <p:transition xmlns:p14="http://schemas.microsoft.com/office/powerpoint/2010/main" spd="slow">
+        <p:fade thruBlk="1"/>
+      </p:transition>
+    </mc:Fallback>
+  </mc:AlternateContent>
   <p:timing>
     <p:tnLst>
       <p:par>
@@ -24057,7 +24527,7 @@
 </p:sld>
 </file>
 
-<file path=ppt/slides/slide37.xml><?xml version="1.0" encoding="utf-8"?>
+<file path=ppt/slides/slide38.xml><?xml version="1.0" encoding="utf-8"?>
 <p:sld xmlns:a="http://schemas.openxmlformats.org/drawingml/2006/main" xmlns:r="http://schemas.openxmlformats.org/officeDocument/2006/relationships" xmlns:p="http://schemas.openxmlformats.org/presentationml/2006/main">
   <p:cSld>
     <p:spTree>
@@ -24394,20 +24864,14 @@
               <a:rPr lang="en-US" dirty="0" smtClean="0">
                 <a:latin typeface="Comic Sans MS" pitchFamily="8" charset="0"/>
               </a:rPr>
-              <a:t> </a:t>
-            </a:r>
-            <a:r>
-              <a:rPr lang="en-US" dirty="0" smtClean="0">
-                <a:latin typeface="Comic Sans MS" pitchFamily="8" charset="0"/>
-              </a:rPr>
-              <a:t>5W.</a:t>
+              <a:t> 5W.</a:t>
             </a:r>
             <a:fld id="{9049879D-65FD-478A-BB9D-5DDF81B450BA}" type="slidenum">
               <a:rPr lang="en-US" sz="1200" smtClean="0">
                 <a:latin typeface="Comic Sans MS" pitchFamily="8" charset="0"/>
               </a:rPr>
               <a:pPr/>
-              <a:t>37</a:t>
+              <a:t>38</a:t>
             </a:fld>
             <a:endParaRPr lang="en-US" sz="1200" dirty="0" smtClean="0">
               <a:latin typeface="Comic Sans MS" pitchFamily="8" charset="0"/>
@@ -24448,9 +24912,18 @@
   <p:clrMapOvr>
     <a:masterClrMapping/>
   </p:clrMapOvr>
-  <p:transition xmlns:p14="http://schemas.microsoft.com/office/powerpoint/2010/main">
-    <p:fade thruBlk="1"/>
-  </p:transition>
+  <mc:AlternateContent xmlns:mc="http://schemas.openxmlformats.org/markup-compatibility/2006" xmlns:p14="http://schemas.microsoft.com/office/powerpoint/2010/main">
+    <mc:Choice Requires="p14">
+      <p:transition spd="med" p14:dur="700">
+        <p:fade/>
+      </p:transition>
+    </mc:Choice>
+    <mc:Fallback xmlns="">
+      <p:transition xmlns:p14="http://schemas.microsoft.com/office/powerpoint/2010/main" spd="med">
+        <p:fade/>
+      </p:transition>
+    </mc:Fallback>
+  </mc:AlternateContent>
   <p:timing>
     <p:tnLst>
       <p:par>
@@ -24461,7 +24934,7 @@
 </p:sld>
 </file>
 
-<file path=ppt/slides/slide38.xml><?xml version="1.0" encoding="utf-8"?>
+<file path=ppt/slides/slide39.xml><?xml version="1.0" encoding="utf-8"?>
 <p:sld xmlns:a="http://schemas.openxmlformats.org/drawingml/2006/main" xmlns:r="http://schemas.openxmlformats.org/officeDocument/2006/relationships" xmlns:p="http://schemas.openxmlformats.org/presentationml/2006/main">
   <p:cSld>
     <p:spTree>
@@ -24499,16 +24972,12 @@
             </a:r>
             <a:r>
               <a:rPr lang="en-US" dirty="0" smtClean="0"/>
-              <a:t> </a:t>
-            </a:r>
-            <a:r>
-              <a:rPr lang="en-US" dirty="0" smtClean="0"/>
-              <a:t>5W.</a:t>
+              <a:t> 5W.</a:t>
             </a:r>
             <a:fld id="{D3851385-812A-493F-95C9-342353735912}" type="slidenum">
               <a:rPr lang="en-US" sz="1200" smtClean="0"/>
               <a:pPr/>
-              <a:t>38</a:t>
+              <a:t>39</a:t>
             </a:fld>
             <a:endParaRPr lang="en-US" sz="1200" dirty="0"/>
           </a:p>
@@ -24913,7 +25382,429 @@
 </p:sld>
 </file>
 
-<file path=ppt/slides/slide39.xml><?xml version="1.0" encoding="utf-8"?>
+<file path=ppt/slides/slide4.xml><?xml version="1.0" encoding="utf-8"?>
+<p:sld xmlns:a="http://schemas.openxmlformats.org/drawingml/2006/main" xmlns:r="http://schemas.openxmlformats.org/officeDocument/2006/relationships" xmlns:p="http://schemas.openxmlformats.org/presentationml/2006/main">
+  <p:cSld>
+    <p:spTree>
+      <p:nvGrpSpPr>
+        <p:cNvPr id="1" name=""/>
+        <p:cNvGrpSpPr/>
+        <p:nvPr/>
+      </p:nvGrpSpPr>
+      <p:grpSpPr>
+        <a:xfrm>
+          <a:off x="0" y="0"/>
+          <a:ext cx="0" cy="0"/>
+          <a:chOff x="0" y="0"/>
+          <a:chExt cx="0" cy="0"/>
+        </a:xfrm>
+      </p:grpSpPr>
+      <p:sp>
+        <p:nvSpPr>
+          <p:cNvPr id="16386" name="Rectangle 2"/>
+          <p:cNvSpPr>
+            <a:spLocks noGrp="1" noChangeArrowheads="1"/>
+          </p:cNvSpPr>
+          <p:nvPr>
+            <p:ph type="title"/>
+          </p:nvPr>
+        </p:nvSpPr>
+        <p:spPr/>
+        <p:txBody>
+          <a:bodyPr/>
+          <a:lstStyle/>
+          <a:p>
+            <a:pPr eaLnBrk="1" hangingPunct="1"/>
+            <a:r>
+              <a:rPr lang="en-US" sz="4400" dirty="0" smtClean="0"/>
+              <a:t>Divisibility</a:t>
+            </a:r>
+          </a:p>
+        </p:txBody>
+      </p:sp>
+      <p:sp>
+        <p:nvSpPr>
+          <p:cNvPr id="722947" name="Rectangle 3"/>
+          <p:cNvSpPr>
+            <a:spLocks noGrp="1" noChangeArrowheads="1"/>
+          </p:cNvSpPr>
+          <p:nvPr>
+            <p:ph type="body" idx="1"/>
+          </p:nvPr>
+        </p:nvSpPr>
+        <p:spPr>
+          <a:xfrm>
+            <a:off x="838200" y="1295400"/>
+            <a:ext cx="7543800" cy="4267200"/>
+          </a:xfrm>
+        </p:spPr>
+        <p:txBody>
+          <a:bodyPr/>
+          <a:lstStyle/>
+          <a:p>
+            <a:pPr marL="609600" indent="-609600" eaLnBrk="1" hangingPunct="1">
+              <a:buFontTx/>
+              <a:buNone/>
+            </a:pPr>
+            <a:r>
+              <a:rPr lang="en-US" sz="5400" dirty="0" smtClean="0">
+                <a:solidFill>
+                  <a:srgbClr val="3333CC"/>
+                </a:solidFill>
+              </a:rPr>
+              <a:t>c </a:t>
+            </a:r>
+            <a:r>
+              <a:rPr lang="en-US" sz="5400" dirty="0" smtClean="0">
+                <a:solidFill>
+                  <a:srgbClr val="00B050"/>
+                </a:solidFill>
+              </a:rPr>
+              <a:t>divides</a:t>
+            </a:r>
+            <a:r>
+              <a:rPr lang="en-US" sz="5400" dirty="0" smtClean="0">
+                <a:solidFill>
+                  <a:srgbClr val="3333CC"/>
+                </a:solidFill>
+              </a:rPr>
+              <a:t> a  </a:t>
+            </a:r>
+            <a:r>
+              <a:rPr lang="en-US" sz="5400" dirty="0" smtClean="0">
+                <a:solidFill>
+                  <a:schemeClr val="tx2"/>
+                </a:solidFill>
+              </a:rPr>
+              <a:t>(</a:t>
+            </a:r>
+            <a:r>
+              <a:rPr lang="en-US" sz="5400" dirty="0" err="1" smtClean="0">
+                <a:solidFill>
+                  <a:srgbClr val="3333CC"/>
+                </a:solidFill>
+              </a:rPr>
+              <a:t>c|a</a:t>
+            </a:r>
+            <a:r>
+              <a:rPr lang="en-US" sz="5400" dirty="0" smtClean="0">
+                <a:solidFill>
+                  <a:schemeClr val="tx2"/>
+                </a:solidFill>
+              </a:rPr>
+              <a:t>) </a:t>
+            </a:r>
+            <a:r>
+              <a:rPr lang="en-US" sz="5400" dirty="0" err="1" smtClean="0">
+                <a:solidFill>
+                  <a:schemeClr val="tx2"/>
+                </a:solidFill>
+              </a:rPr>
+              <a:t>iff</a:t>
+            </a:r>
+            <a:r>
+              <a:rPr lang="en-US" sz="5400" dirty="0" smtClean="0">
+                <a:solidFill>
+                  <a:schemeClr val="tx2"/>
+                </a:solidFill>
+              </a:rPr>
+              <a:t> </a:t>
+            </a:r>
+            <a:r>
+              <a:rPr lang="en-US" sz="5400" dirty="0" smtClean="0">
+                <a:solidFill>
+                  <a:srgbClr val="3333CC"/>
+                </a:solidFill>
+              </a:rPr>
+              <a:t>        </a:t>
+            </a:r>
+          </a:p>
+          <a:p>
+            <a:pPr marL="609600" indent="-609600" algn="ctr" eaLnBrk="1" hangingPunct="1"/>
+            <a:r>
+              <a:rPr lang="en-US" sz="6000" dirty="0" smtClean="0">
+                <a:solidFill>
+                  <a:srgbClr val="0000CC"/>
+                </a:solidFill>
+              </a:rPr>
+              <a:t>a = </a:t>
+            </a:r>
+            <a:r>
+              <a:rPr lang="en-US" sz="6000" dirty="0" err="1" smtClean="0">
+                <a:solidFill>
+                  <a:srgbClr val="0000CC"/>
+                </a:solidFill>
+              </a:rPr>
+              <a:t>k</a:t>
+            </a:r>
+            <a:r>
+              <a:rPr lang="en-US" sz="6000" dirty="0" err="1" smtClean="0">
+                <a:solidFill>
+                  <a:srgbClr val="0000CC"/>
+                </a:solidFill>
+                <a:cs typeface="Times New Roman" pitchFamily="8" charset="0"/>
+                <a:sym typeface="Euclid Symbol" pitchFamily="18" charset="2"/>
+              </a:rPr>
+              <a:t>⋅</a:t>
+            </a:r>
+            <a:r>
+              <a:rPr lang="en-US" sz="6000" dirty="0" err="1" smtClean="0">
+                <a:solidFill>
+                  <a:srgbClr val="0000CC"/>
+                </a:solidFill>
+              </a:rPr>
+              <a:t>c</a:t>
+            </a:r>
+            <a:r>
+              <a:rPr lang="en-US" sz="6000" dirty="0" smtClean="0"/>
+              <a:t>  for some </a:t>
+            </a:r>
+            <a:r>
+              <a:rPr lang="en-US" sz="6000" dirty="0" smtClean="0">
+                <a:solidFill>
+                  <a:srgbClr val="0000CC"/>
+                </a:solidFill>
+              </a:rPr>
+              <a:t>k</a:t>
+            </a:r>
+            <a:endParaRPr lang="en-US" sz="6000" dirty="0" smtClean="0">
+              <a:solidFill>
+                <a:srgbClr val="0000CC"/>
+              </a:solidFill>
+              <a:latin typeface="Arial Unicode MS" pitchFamily="34" charset="-128"/>
+            </a:endParaRPr>
+          </a:p>
+          <a:p>
+            <a:pPr marL="609600" indent="-609600" eaLnBrk="1" hangingPunct="1"/>
+            <a:r>
+              <a:rPr lang="en-US" sz="5400" dirty="0" smtClean="0">
+                <a:cs typeface="Times New Roman" pitchFamily="8" charset="0"/>
+              </a:rPr>
+              <a:t>5|15 because 15 = 3</a:t>
+            </a:r>
+            <a:r>
+              <a:rPr lang="en-US" sz="5400" dirty="0" smtClean="0">
+                <a:cs typeface="Times New Roman" pitchFamily="8" charset="0"/>
+                <a:sym typeface="Euclid Symbol" pitchFamily="18" charset="2"/>
+              </a:rPr>
+              <a:t>⋅</a:t>
+            </a:r>
+            <a:r>
+              <a:rPr lang="en-US" sz="5400" dirty="0" smtClean="0">
+                <a:cs typeface="Times New Roman" pitchFamily="8" charset="0"/>
+              </a:rPr>
+              <a:t>5</a:t>
+            </a:r>
+          </a:p>
+          <a:p>
+            <a:pPr marL="609600" indent="-609600" eaLnBrk="1" hangingPunct="1"/>
+            <a:r>
+              <a:rPr lang="en-US" sz="5400" dirty="0" smtClean="0">
+                <a:cs typeface="Times New Roman" pitchFamily="8" charset="0"/>
+              </a:rPr>
+              <a:t>n|0   because  0 = 0</a:t>
+            </a:r>
+            <a:r>
+              <a:rPr lang="en-US" sz="5400" dirty="0" smtClean="0">
+                <a:solidFill>
+                  <a:srgbClr val="000000"/>
+                </a:solidFill>
+                <a:cs typeface="Times New Roman" pitchFamily="8" charset="0"/>
+                <a:sym typeface="Euclid Symbol" pitchFamily="18" charset="2"/>
+              </a:rPr>
+              <a:t>⋅</a:t>
+            </a:r>
+            <a:r>
+              <a:rPr lang="en-US" sz="5400" dirty="0" smtClean="0">
+                <a:cs typeface="Times New Roman" pitchFamily="8" charset="0"/>
+              </a:rPr>
+              <a:t>n</a:t>
+            </a:r>
+          </a:p>
+        </p:txBody>
+      </p:sp>
+      <p:sp>
+        <p:nvSpPr>
+          <p:cNvPr id="16388" name="Slide Number Placeholder 3"/>
+          <p:cNvSpPr>
+            <a:spLocks noGrp="1"/>
+          </p:cNvSpPr>
+          <p:nvPr>
+            <p:ph type="sldNum" sz="quarter" idx="10"/>
+          </p:nvPr>
+        </p:nvSpPr>
+        <p:spPr>
+          <a:noFill/>
+        </p:spPr>
+        <p:txBody>
+          <a:bodyPr/>
+          <a:lstStyle/>
+          <a:p>
+            <a:r>
+              <a:rPr lang="en-US" dirty="0" err="1" smtClean="0">
+                <a:latin typeface="Comic Sans MS" pitchFamily="8" charset="0"/>
+              </a:rPr>
+              <a:t>lec</a:t>
+            </a:r>
+            <a:r>
+              <a:rPr lang="en-US" dirty="0" smtClean="0">
+                <a:latin typeface="Comic Sans MS" pitchFamily="8" charset="0"/>
+              </a:rPr>
+              <a:t> 5W.</a:t>
+            </a:r>
+            <a:fld id="{F7DD1098-2BC7-4561-8625-7458D71B36A2}" type="slidenum">
+              <a:rPr lang="en-US" sz="1200" smtClean="0">
+                <a:latin typeface="Comic Sans MS" pitchFamily="8" charset="0"/>
+              </a:rPr>
+              <a:pPr/>
+              <a:t>4</a:t>
+            </a:fld>
+            <a:endParaRPr lang="en-US" sz="1200" dirty="0" smtClean="0">
+              <a:latin typeface="Comic Sans MS" pitchFamily="8" charset="0"/>
+            </a:endParaRPr>
+          </a:p>
+        </p:txBody>
+      </p:sp>
+    </p:spTree>
+  </p:cSld>
+  <p:clrMapOvr>
+    <a:masterClrMapping/>
+  </p:clrMapOvr>
+  <p:transition xmlns:p14="http://schemas.microsoft.com/office/powerpoint/2010/main">
+    <p:fade/>
+  </p:transition>
+  <p:timing>
+    <p:tnLst>
+      <p:par>
+        <p:cTn xmlns:p14="http://schemas.microsoft.com/office/powerpoint/2010/main" id="1" dur="indefinite" restart="never" nodeType="tmRoot">
+          <p:childTnLst>
+            <p:seq concurrent="1" nextAc="seek">
+              <p:cTn id="2" dur="indefinite" nodeType="mainSeq">
+                <p:childTnLst>
+                  <p:par>
+                    <p:cTn id="3" fill="hold">
+                      <p:stCondLst>
+                        <p:cond delay="indefinite"/>
+                      </p:stCondLst>
+                      <p:childTnLst>
+                        <p:par>
+                          <p:cTn id="4" fill="hold">
+                            <p:stCondLst>
+                              <p:cond delay="0"/>
+                            </p:stCondLst>
+                            <p:childTnLst>
+                              <p:par>
+                                <p:cTn id="5" presetID="1" presetClass="entr" presetSubtype="0" fill="hold" nodeType="clickEffect">
+                                  <p:stCondLst>
+                                    <p:cond delay="0"/>
+                                  </p:stCondLst>
+                                  <p:childTnLst>
+                                    <p:set>
+                                      <p:cBhvr>
+                                        <p:cTn id="6" dur="1" fill="hold">
+                                          <p:stCondLst>
+                                            <p:cond delay="0"/>
+                                          </p:stCondLst>
+                                        </p:cTn>
+                                        <p:tgtEl>
+                                          <p:spTgt spid="722947">
+                                            <p:txEl>
+                                              <p:pRg st="2" end="2"/>
+                                            </p:txEl>
+                                          </p:spTgt>
+                                        </p:tgtEl>
+                                        <p:attrNameLst>
+                                          <p:attrName>style.visibility</p:attrName>
+                                        </p:attrNameLst>
+                                      </p:cBhvr>
+                                      <p:to>
+                                        <p:strVal val="visible"/>
+                                      </p:to>
+                                    </p:set>
+                                  </p:childTnLst>
+                                </p:cTn>
+                              </p:par>
+                            </p:childTnLst>
+                          </p:cTn>
+                        </p:par>
+                      </p:childTnLst>
+                    </p:cTn>
+                  </p:par>
+                  <p:par>
+                    <p:cTn id="7" fill="hold">
+                      <p:stCondLst>
+                        <p:cond delay="indefinite"/>
+                      </p:stCondLst>
+                      <p:childTnLst>
+                        <p:par>
+                          <p:cTn id="8" fill="hold">
+                            <p:stCondLst>
+                              <p:cond delay="0"/>
+                            </p:stCondLst>
+                            <p:childTnLst>
+                              <p:par>
+                                <p:cTn id="9" presetID="1" presetClass="entr" presetSubtype="0" fill="hold" nodeType="clickEffect">
+                                  <p:stCondLst>
+                                    <p:cond delay="0"/>
+                                  </p:stCondLst>
+                                  <p:childTnLst>
+                                    <p:set>
+                                      <p:cBhvr>
+                                        <p:cTn id="10" dur="1" fill="hold">
+                                          <p:stCondLst>
+                                            <p:cond delay="0"/>
+                                          </p:stCondLst>
+                                        </p:cTn>
+                                        <p:tgtEl>
+                                          <p:spTgt spid="722947">
+                                            <p:txEl>
+                                              <p:pRg st="3" end="3"/>
+                                            </p:txEl>
+                                          </p:spTgt>
+                                        </p:tgtEl>
+                                        <p:attrNameLst>
+                                          <p:attrName>style.visibility</p:attrName>
+                                        </p:attrNameLst>
+                                      </p:cBhvr>
+                                      <p:to>
+                                        <p:strVal val="visible"/>
+                                      </p:to>
+                                    </p:set>
+                                  </p:childTnLst>
+                                </p:cTn>
+                              </p:par>
+                            </p:childTnLst>
+                          </p:cTn>
+                        </p:par>
+                      </p:childTnLst>
+                    </p:cTn>
+                  </p:par>
+                </p:childTnLst>
+              </p:cTn>
+              <p:prevCondLst>
+                <p:cond evt="onPrev" delay="0">
+                  <p:tgtEl>
+                    <p:sldTgt/>
+                  </p:tgtEl>
+                </p:cond>
+              </p:prevCondLst>
+              <p:nextCondLst>
+                <p:cond evt="onNext" delay="0">
+                  <p:tgtEl>
+                    <p:sldTgt/>
+                  </p:tgtEl>
+                </p:cond>
+              </p:nextCondLst>
+            </p:seq>
+          </p:childTnLst>
+        </p:cTn>
+      </p:par>
+    </p:tnLst>
+  </p:timing>
+</p:sld>
+</file>
+
+<file path=ppt/slides/slide40.xml><?xml version="1.0" encoding="utf-8"?>
 <p:sld xmlns:a="http://schemas.openxmlformats.org/drawingml/2006/main" xmlns:r="http://schemas.openxmlformats.org/officeDocument/2006/relationships" xmlns:p="http://schemas.openxmlformats.org/presentationml/2006/main">
   <p:cSld>
     <p:spTree>
@@ -25516,20 +26407,14 @@
               <a:rPr lang="en-US" dirty="0" smtClean="0">
                 <a:latin typeface="Comic Sans MS" pitchFamily="8" charset="0"/>
               </a:rPr>
-              <a:t> </a:t>
-            </a:r>
-            <a:r>
-              <a:rPr lang="en-US" dirty="0" smtClean="0">
-                <a:latin typeface="Comic Sans MS" pitchFamily="8" charset="0"/>
-              </a:rPr>
-              <a:t>5W.</a:t>
+              <a:t> 5W.</a:t>
             </a:r>
             <a:fld id="{C77994A2-4CBA-4465-B07E-B33D11EAAB7C}" type="slidenum">
               <a:rPr lang="en-US" sz="1200" smtClean="0">
                 <a:latin typeface="Comic Sans MS" pitchFamily="8" charset="0"/>
               </a:rPr>
               <a:pPr/>
-              <a:t>39</a:t>
+              <a:t>40</a:t>
             </a:fld>
             <a:endParaRPr lang="en-US" sz="1200" dirty="0" smtClean="0">
               <a:latin typeface="Comic Sans MS" pitchFamily="8" charset="0"/>
@@ -25787,435 +26672,7 @@
 </p:sld>
 </file>
 
-<file path=ppt/slides/slide4.xml><?xml version="1.0" encoding="utf-8"?>
-<p:sld xmlns:a="http://schemas.openxmlformats.org/drawingml/2006/main" xmlns:r="http://schemas.openxmlformats.org/officeDocument/2006/relationships" xmlns:p="http://schemas.openxmlformats.org/presentationml/2006/main">
-  <p:cSld>
-    <p:spTree>
-      <p:nvGrpSpPr>
-        <p:cNvPr id="1" name=""/>
-        <p:cNvGrpSpPr/>
-        <p:nvPr/>
-      </p:nvGrpSpPr>
-      <p:grpSpPr>
-        <a:xfrm>
-          <a:off x="0" y="0"/>
-          <a:ext cx="0" cy="0"/>
-          <a:chOff x="0" y="0"/>
-          <a:chExt cx="0" cy="0"/>
-        </a:xfrm>
-      </p:grpSpPr>
-      <p:sp>
-        <p:nvSpPr>
-          <p:cNvPr id="16386" name="Rectangle 2"/>
-          <p:cNvSpPr>
-            <a:spLocks noGrp="1" noChangeArrowheads="1"/>
-          </p:cNvSpPr>
-          <p:nvPr>
-            <p:ph type="title"/>
-          </p:nvPr>
-        </p:nvSpPr>
-        <p:spPr/>
-        <p:txBody>
-          <a:bodyPr/>
-          <a:lstStyle/>
-          <a:p>
-            <a:pPr eaLnBrk="1" hangingPunct="1"/>
-            <a:r>
-              <a:rPr lang="en-US" sz="4400" dirty="0" smtClean="0"/>
-              <a:t>Divisibility</a:t>
-            </a:r>
-          </a:p>
-        </p:txBody>
-      </p:sp>
-      <p:sp>
-        <p:nvSpPr>
-          <p:cNvPr id="722947" name="Rectangle 3"/>
-          <p:cNvSpPr>
-            <a:spLocks noGrp="1" noChangeArrowheads="1"/>
-          </p:cNvSpPr>
-          <p:nvPr>
-            <p:ph type="body" idx="1"/>
-          </p:nvPr>
-        </p:nvSpPr>
-        <p:spPr>
-          <a:xfrm>
-            <a:off x="838200" y="1295400"/>
-            <a:ext cx="7543800" cy="4267200"/>
-          </a:xfrm>
-        </p:spPr>
-        <p:txBody>
-          <a:bodyPr/>
-          <a:lstStyle/>
-          <a:p>
-            <a:pPr marL="609600" indent="-609600" eaLnBrk="1" hangingPunct="1">
-              <a:buFontTx/>
-              <a:buNone/>
-            </a:pPr>
-            <a:r>
-              <a:rPr lang="en-US" sz="5400" dirty="0" smtClean="0">
-                <a:solidFill>
-                  <a:srgbClr val="3333CC"/>
-                </a:solidFill>
-              </a:rPr>
-              <a:t>c </a:t>
-            </a:r>
-            <a:r>
-              <a:rPr lang="en-US" sz="5400" dirty="0" smtClean="0">
-                <a:solidFill>
-                  <a:srgbClr val="00B050"/>
-                </a:solidFill>
-              </a:rPr>
-              <a:t>divides</a:t>
-            </a:r>
-            <a:r>
-              <a:rPr lang="en-US" sz="5400" dirty="0" smtClean="0">
-                <a:solidFill>
-                  <a:srgbClr val="3333CC"/>
-                </a:solidFill>
-              </a:rPr>
-              <a:t> a  </a:t>
-            </a:r>
-            <a:r>
-              <a:rPr lang="en-US" sz="5400" dirty="0" smtClean="0">
-                <a:solidFill>
-                  <a:schemeClr val="tx2"/>
-                </a:solidFill>
-              </a:rPr>
-              <a:t>(</a:t>
-            </a:r>
-            <a:r>
-              <a:rPr lang="en-US" sz="5400" dirty="0" err="1" smtClean="0">
-                <a:solidFill>
-                  <a:srgbClr val="3333CC"/>
-                </a:solidFill>
-              </a:rPr>
-              <a:t>c|a</a:t>
-            </a:r>
-            <a:r>
-              <a:rPr lang="en-US" sz="5400" dirty="0" smtClean="0">
-                <a:solidFill>
-                  <a:schemeClr val="tx2"/>
-                </a:solidFill>
-              </a:rPr>
-              <a:t>) </a:t>
-            </a:r>
-            <a:r>
-              <a:rPr lang="en-US" sz="5400" dirty="0" err="1" smtClean="0">
-                <a:solidFill>
-                  <a:schemeClr val="tx2"/>
-                </a:solidFill>
-              </a:rPr>
-              <a:t>iff</a:t>
-            </a:r>
-            <a:r>
-              <a:rPr lang="en-US" sz="5400" dirty="0" smtClean="0">
-                <a:solidFill>
-                  <a:schemeClr val="tx2"/>
-                </a:solidFill>
-              </a:rPr>
-              <a:t> </a:t>
-            </a:r>
-            <a:r>
-              <a:rPr lang="en-US" sz="5400" dirty="0" smtClean="0">
-                <a:solidFill>
-                  <a:srgbClr val="3333CC"/>
-                </a:solidFill>
-              </a:rPr>
-              <a:t>        </a:t>
-            </a:r>
-          </a:p>
-          <a:p>
-            <a:pPr marL="609600" indent="-609600" algn="ctr" eaLnBrk="1" hangingPunct="1"/>
-            <a:r>
-              <a:rPr lang="en-US" sz="6000" dirty="0" smtClean="0">
-                <a:solidFill>
-                  <a:srgbClr val="0000CC"/>
-                </a:solidFill>
-              </a:rPr>
-              <a:t>a = </a:t>
-            </a:r>
-            <a:r>
-              <a:rPr lang="en-US" sz="6000" dirty="0" err="1" smtClean="0">
-                <a:solidFill>
-                  <a:srgbClr val="0000CC"/>
-                </a:solidFill>
-              </a:rPr>
-              <a:t>k</a:t>
-            </a:r>
-            <a:r>
-              <a:rPr lang="en-US" sz="6000" dirty="0" err="1" smtClean="0">
-                <a:solidFill>
-                  <a:srgbClr val="0000CC"/>
-                </a:solidFill>
-                <a:cs typeface="Times New Roman" pitchFamily="8" charset="0"/>
-                <a:sym typeface="Euclid Symbol" pitchFamily="18" charset="2"/>
-              </a:rPr>
-              <a:t>⋅</a:t>
-            </a:r>
-            <a:r>
-              <a:rPr lang="en-US" sz="6000" dirty="0" err="1" smtClean="0">
-                <a:solidFill>
-                  <a:srgbClr val="0000CC"/>
-                </a:solidFill>
-              </a:rPr>
-              <a:t>c</a:t>
-            </a:r>
-            <a:r>
-              <a:rPr lang="en-US" sz="6000" dirty="0" smtClean="0"/>
-              <a:t>  for some </a:t>
-            </a:r>
-            <a:r>
-              <a:rPr lang="en-US" sz="6000" dirty="0" smtClean="0">
-                <a:solidFill>
-                  <a:srgbClr val="0000CC"/>
-                </a:solidFill>
-              </a:rPr>
-              <a:t>k</a:t>
-            </a:r>
-            <a:endParaRPr lang="en-US" sz="6000" dirty="0" smtClean="0">
-              <a:solidFill>
-                <a:srgbClr val="0000CC"/>
-              </a:solidFill>
-              <a:latin typeface="Arial Unicode MS" pitchFamily="34" charset="-128"/>
-            </a:endParaRPr>
-          </a:p>
-          <a:p>
-            <a:pPr marL="609600" indent="-609600" eaLnBrk="1" hangingPunct="1"/>
-            <a:r>
-              <a:rPr lang="en-US" sz="5400" dirty="0" smtClean="0">
-                <a:cs typeface="Times New Roman" pitchFamily="8" charset="0"/>
-              </a:rPr>
-              <a:t>5|15 because 15 = 3</a:t>
-            </a:r>
-            <a:r>
-              <a:rPr lang="en-US" sz="5400" dirty="0" smtClean="0">
-                <a:cs typeface="Times New Roman" pitchFamily="8" charset="0"/>
-                <a:sym typeface="Euclid Symbol" pitchFamily="18" charset="2"/>
-              </a:rPr>
-              <a:t>⋅</a:t>
-            </a:r>
-            <a:r>
-              <a:rPr lang="en-US" sz="5400" dirty="0" smtClean="0">
-                <a:cs typeface="Times New Roman" pitchFamily="8" charset="0"/>
-              </a:rPr>
-              <a:t>5</a:t>
-            </a:r>
-          </a:p>
-          <a:p>
-            <a:pPr marL="609600" indent="-609600" eaLnBrk="1" hangingPunct="1"/>
-            <a:r>
-              <a:rPr lang="en-US" sz="5400" dirty="0" smtClean="0">
-                <a:cs typeface="Times New Roman" pitchFamily="8" charset="0"/>
-              </a:rPr>
-              <a:t>n|0   because  0 = 0</a:t>
-            </a:r>
-            <a:r>
-              <a:rPr lang="en-US" sz="5400" dirty="0" smtClean="0">
-                <a:solidFill>
-                  <a:srgbClr val="000000"/>
-                </a:solidFill>
-                <a:cs typeface="Times New Roman" pitchFamily="8" charset="0"/>
-                <a:sym typeface="Euclid Symbol" pitchFamily="18" charset="2"/>
-              </a:rPr>
-              <a:t>⋅</a:t>
-            </a:r>
-            <a:r>
-              <a:rPr lang="en-US" sz="5400" dirty="0" smtClean="0">
-                <a:cs typeface="Times New Roman" pitchFamily="8" charset="0"/>
-              </a:rPr>
-              <a:t>n</a:t>
-            </a:r>
-          </a:p>
-        </p:txBody>
-      </p:sp>
-      <p:sp>
-        <p:nvSpPr>
-          <p:cNvPr id="16388" name="Slide Number Placeholder 3"/>
-          <p:cNvSpPr>
-            <a:spLocks noGrp="1"/>
-          </p:cNvSpPr>
-          <p:nvPr>
-            <p:ph type="sldNum" sz="quarter" idx="10"/>
-          </p:nvPr>
-        </p:nvSpPr>
-        <p:spPr>
-          <a:noFill/>
-        </p:spPr>
-        <p:txBody>
-          <a:bodyPr/>
-          <a:lstStyle/>
-          <a:p>
-            <a:r>
-              <a:rPr lang="en-US" dirty="0" err="1" smtClean="0">
-                <a:latin typeface="Comic Sans MS" pitchFamily="8" charset="0"/>
-              </a:rPr>
-              <a:t>lec</a:t>
-            </a:r>
-            <a:r>
-              <a:rPr lang="en-US" dirty="0" smtClean="0">
-                <a:latin typeface="Comic Sans MS" pitchFamily="8" charset="0"/>
-              </a:rPr>
-              <a:t> </a:t>
-            </a:r>
-            <a:r>
-              <a:rPr lang="en-US" dirty="0" smtClean="0">
-                <a:latin typeface="Comic Sans MS" pitchFamily="8" charset="0"/>
-              </a:rPr>
-              <a:t>5W.</a:t>
-            </a:r>
-            <a:fld id="{F7DD1098-2BC7-4561-8625-7458D71B36A2}" type="slidenum">
-              <a:rPr lang="en-US" sz="1200" smtClean="0">
-                <a:latin typeface="Comic Sans MS" pitchFamily="8" charset="0"/>
-              </a:rPr>
-              <a:pPr/>
-              <a:t>4</a:t>
-            </a:fld>
-            <a:endParaRPr lang="en-US" sz="1200" dirty="0" smtClean="0">
-              <a:latin typeface="Comic Sans MS" pitchFamily="8" charset="0"/>
-            </a:endParaRPr>
-          </a:p>
-        </p:txBody>
-      </p:sp>
-    </p:spTree>
-  </p:cSld>
-  <p:clrMapOvr>
-    <a:masterClrMapping/>
-  </p:clrMapOvr>
-  <p:transition xmlns:p14="http://schemas.microsoft.com/office/powerpoint/2010/main">
-    <p:fade/>
-  </p:transition>
-  <p:timing>
-    <p:tnLst>
-      <p:par>
-        <p:cTn xmlns:p14="http://schemas.microsoft.com/office/powerpoint/2010/main" id="1" dur="indefinite" restart="never" nodeType="tmRoot">
-          <p:childTnLst>
-            <p:seq concurrent="1" nextAc="seek">
-              <p:cTn id="2" dur="indefinite" nodeType="mainSeq">
-                <p:childTnLst>
-                  <p:par>
-                    <p:cTn id="3" fill="hold">
-                      <p:stCondLst>
-                        <p:cond delay="indefinite"/>
-                      </p:stCondLst>
-                      <p:childTnLst>
-                        <p:par>
-                          <p:cTn id="4" fill="hold">
-                            <p:stCondLst>
-                              <p:cond delay="0"/>
-                            </p:stCondLst>
-                            <p:childTnLst>
-                              <p:par>
-                                <p:cTn id="5" presetID="1" presetClass="entr" presetSubtype="0" fill="hold" nodeType="clickEffect">
-                                  <p:stCondLst>
-                                    <p:cond delay="0"/>
-                                  </p:stCondLst>
-                                  <p:childTnLst>
-                                    <p:set>
-                                      <p:cBhvr>
-                                        <p:cTn id="6" dur="1" fill="hold">
-                                          <p:stCondLst>
-                                            <p:cond delay="0"/>
-                                          </p:stCondLst>
-                                        </p:cTn>
-                                        <p:tgtEl>
-                                          <p:spTgt spid="722947">
-                                            <p:txEl>
-                                              <p:pRg st="2" end="2"/>
-                                            </p:txEl>
-                                          </p:spTgt>
-                                        </p:tgtEl>
-                                        <p:attrNameLst>
-                                          <p:attrName>style.visibility</p:attrName>
-                                        </p:attrNameLst>
-                                      </p:cBhvr>
-                                      <p:to>
-                                        <p:strVal val="visible"/>
-                                      </p:to>
-                                    </p:set>
-                                  </p:childTnLst>
-                                </p:cTn>
-                              </p:par>
-                            </p:childTnLst>
-                          </p:cTn>
-                        </p:par>
-                      </p:childTnLst>
-                    </p:cTn>
-                  </p:par>
-                  <p:par>
-                    <p:cTn id="7" fill="hold">
-                      <p:stCondLst>
-                        <p:cond delay="indefinite"/>
-                      </p:stCondLst>
-                      <p:childTnLst>
-                        <p:par>
-                          <p:cTn id="8" fill="hold">
-                            <p:stCondLst>
-                              <p:cond delay="0"/>
-                            </p:stCondLst>
-                            <p:childTnLst>
-                              <p:par>
-                                <p:cTn id="9" presetID="1" presetClass="entr" presetSubtype="0" fill="hold" nodeType="clickEffect">
-                                  <p:stCondLst>
-                                    <p:cond delay="0"/>
-                                  </p:stCondLst>
-                                  <p:childTnLst>
-                                    <p:set>
-                                      <p:cBhvr>
-                                        <p:cTn id="10" dur="1" fill="hold">
-                                          <p:stCondLst>
-                                            <p:cond delay="0"/>
-                                          </p:stCondLst>
-                                        </p:cTn>
-                                        <p:tgtEl>
-                                          <p:spTgt spid="722947">
-                                            <p:txEl>
-                                              <p:pRg st="3" end="3"/>
-                                            </p:txEl>
-                                          </p:spTgt>
-                                        </p:tgtEl>
-                                        <p:attrNameLst>
-                                          <p:attrName>style.visibility</p:attrName>
-                                        </p:attrNameLst>
-                                      </p:cBhvr>
-                                      <p:to>
-                                        <p:strVal val="visible"/>
-                                      </p:to>
-                                    </p:set>
-                                  </p:childTnLst>
-                                </p:cTn>
-                              </p:par>
-                            </p:childTnLst>
-                          </p:cTn>
-                        </p:par>
-                      </p:childTnLst>
-                    </p:cTn>
-                  </p:par>
-                </p:childTnLst>
-              </p:cTn>
-              <p:prevCondLst>
-                <p:cond evt="onPrev" delay="0">
-                  <p:tgtEl>
-                    <p:sldTgt/>
-                  </p:tgtEl>
-                </p:cond>
-              </p:prevCondLst>
-              <p:nextCondLst>
-                <p:cond evt="onNext" delay="0">
-                  <p:tgtEl>
-                    <p:sldTgt/>
-                  </p:tgtEl>
-                </p:cond>
-              </p:nextCondLst>
-            </p:seq>
-          </p:childTnLst>
-        </p:cTn>
-      </p:par>
-    </p:tnLst>
-  </p:timing>
-</p:sld>
-</file>
-
-<file path=ppt/slides/slide40.xml><?xml version="1.0" encoding="utf-8"?>
+<file path=ppt/slides/slide41.xml><?xml version="1.0" encoding="utf-8"?>
 <p:sld xmlns:a="http://schemas.openxmlformats.org/drawingml/2006/main" xmlns:r="http://schemas.openxmlformats.org/officeDocument/2006/relationships" xmlns:p="http://schemas.openxmlformats.org/presentationml/2006/main">
   <p:cSld>
     <p:spTree>
@@ -26534,16 +26991,12 @@
             </a:r>
             <a:r>
               <a:rPr lang="en-US" sz="1400" dirty="0" smtClean="0"/>
-              <a:t> </a:t>
-            </a:r>
-            <a:r>
-              <a:rPr lang="en-US" sz="1400" dirty="0" smtClean="0"/>
-              <a:t>5W.</a:t>
+              <a:t> 5W.</a:t>
             </a:r>
             <a:fld id="{1E83CE83-D8E2-4A50-959E-C2B83E2300DA}" type="slidenum">
               <a:rPr lang="en-US" sz="1200" smtClean="0"/>
               <a:pPr algn="r"/>
-              <a:t>40</a:t>
+              <a:t>41</a:t>
             </a:fld>
             <a:endParaRPr lang="en-US" sz="1200" dirty="0"/>
           </a:p>
@@ -26859,7 +27312,7 @@
 </p:sld>
 </file>
 
-<file path=ppt/slides/slide41.xml><?xml version="1.0" encoding="utf-8"?>
+<file path=ppt/slides/slide42.xml><?xml version="1.0" encoding="utf-8"?>
 <p:sld xmlns:a="http://schemas.openxmlformats.org/drawingml/2006/main" xmlns:r="http://schemas.openxmlformats.org/officeDocument/2006/relationships" xmlns:p="http://schemas.openxmlformats.org/presentationml/2006/main" show="0">
   <p:cSld>
     <p:spTree>
@@ -27057,7 +27510,7 @@
           <a:graphicData uri="http://schemas.openxmlformats.org/presentationml/2006/ole">
             <mc:AlternateContent xmlns:mc="http://schemas.openxmlformats.org/markup-compatibility/2006">
               <mc:Choice xmlns:v="urn:schemas-microsoft-com:vml" Requires="v">
-                <p:oleObj spid="_x0000_s105479" name="Equation" r:id="rId4" imgW="927000" imgH="291960" progId="Equation.DSMT4">
+                <p:oleObj spid="_x0000_s105484" name="Equation" r:id="rId4" imgW="927000" imgH="291960" progId="Equation.DSMT4">
                   <p:embed/>
                 </p:oleObj>
               </mc:Choice>
@@ -27138,20 +27591,14 @@
               <a:rPr lang="en-US" dirty="0" smtClean="0">
                 <a:latin typeface="Comic Sans MS" pitchFamily="8" charset="0"/>
               </a:rPr>
-              <a:t> </a:t>
-            </a:r>
-            <a:r>
-              <a:rPr lang="en-US" dirty="0" smtClean="0">
-                <a:latin typeface="Comic Sans MS" pitchFamily="8" charset="0"/>
-              </a:rPr>
-              <a:t>5W.</a:t>
+              <a:t> 5W.</a:t>
             </a:r>
             <a:fld id="{95057273-9505-4353-AC2A-8AAF7E48A8DB}" type="slidenum">
               <a:rPr lang="en-US" sz="1200" smtClean="0">
                 <a:latin typeface="Comic Sans MS" pitchFamily="8" charset="0"/>
               </a:rPr>
               <a:pPr/>
-              <a:t>41</a:t>
+              <a:t>42</a:t>
             </a:fld>
             <a:endParaRPr lang="en-US" sz="1200" dirty="0" smtClean="0">
               <a:latin typeface="Comic Sans MS" pitchFamily="8" charset="0"/>
@@ -27206,7 +27653,7 @@
 </p:sld>
 </file>
 
-<file path=ppt/slides/slide42.xml><?xml version="1.0" encoding="utf-8"?>
+<file path=ppt/slides/slide43.xml><?xml version="1.0" encoding="utf-8"?>
 <p:sld xmlns:a="http://schemas.openxmlformats.org/drawingml/2006/main" xmlns:r="http://schemas.openxmlformats.org/officeDocument/2006/relationships" xmlns:p="http://schemas.openxmlformats.org/presentationml/2006/main" show="0">
   <p:cSld>
     <p:spTree>
@@ -27358,20 +27805,14 @@
               <a:rPr lang="en-US" dirty="0" smtClean="0">
                 <a:latin typeface="Comic Sans MS" pitchFamily="8" charset="0"/>
               </a:rPr>
-              <a:t> </a:t>
-            </a:r>
-            <a:r>
-              <a:rPr lang="en-US" dirty="0" smtClean="0">
-                <a:latin typeface="Comic Sans MS" pitchFamily="8" charset="0"/>
-              </a:rPr>
-              <a:t>5W.</a:t>
+              <a:t> 5W.</a:t>
             </a:r>
             <a:fld id="{E9385E58-0B25-477C-A4F8-9A84A8BDD8DA}" type="slidenum">
               <a:rPr lang="en-US" sz="1200" smtClean="0">
                 <a:latin typeface="Comic Sans MS" pitchFamily="8" charset="0"/>
               </a:rPr>
               <a:pPr/>
-              <a:t>42</a:t>
+              <a:t>43</a:t>
             </a:fld>
             <a:endParaRPr lang="en-US" sz="1200" dirty="0" smtClean="0">
               <a:latin typeface="Comic Sans MS" pitchFamily="8" charset="0"/>
@@ -27467,7 +27908,7 @@
 </p:sld>
 </file>
 
-<file path=ppt/slides/slide43.xml><?xml version="1.0" encoding="utf-8"?>
+<file path=ppt/slides/slide44.xml><?xml version="1.0" encoding="utf-8"?>
 <p:sld xmlns:a="http://schemas.openxmlformats.org/drawingml/2006/main" xmlns:r="http://schemas.openxmlformats.org/officeDocument/2006/relationships" xmlns:p="http://schemas.openxmlformats.org/presentationml/2006/main" show="0">
   <p:cSld>
     <p:spTree>
@@ -27664,20 +28105,14 @@
               <a:rPr lang="en-US" dirty="0" smtClean="0">
                 <a:latin typeface="Comic Sans MS" pitchFamily="8" charset="0"/>
               </a:rPr>
-              <a:t> </a:t>
-            </a:r>
-            <a:r>
-              <a:rPr lang="en-US" dirty="0" smtClean="0">
-                <a:latin typeface="Comic Sans MS" pitchFamily="8" charset="0"/>
-              </a:rPr>
-              <a:t>5W.</a:t>
+              <a:t> 5W.</a:t>
             </a:r>
             <a:fld id="{7DD4A805-C295-4F53-8D96-6B5594CCA0A4}" type="slidenum">
               <a:rPr lang="en-US" sz="1200" smtClean="0">
                 <a:latin typeface="Comic Sans MS" pitchFamily="8" charset="0"/>
               </a:rPr>
               <a:pPr/>
-              <a:t>43</a:t>
+              <a:t>44</a:t>
             </a:fld>
             <a:endParaRPr lang="en-US" sz="1200" dirty="0" smtClean="0">
               <a:latin typeface="Comic Sans MS" pitchFamily="8" charset="0"/>
@@ -27920,7 +28355,7 @@
 </p:sld>
 </file>
 
-<file path=ppt/slides/slide44.xml><?xml version="1.0" encoding="utf-8"?>
+<file path=ppt/slides/slide45.xml><?xml version="1.0" encoding="utf-8"?>
 <p:sld xmlns:a="http://schemas.openxmlformats.org/drawingml/2006/main" xmlns:r="http://schemas.openxmlformats.org/officeDocument/2006/relationships" xmlns:p="http://schemas.openxmlformats.org/presentationml/2006/main" show="0">
   <p:cSld>
     <p:spTree>
@@ -28252,20 +28687,14 @@
               <a:rPr lang="en-US" dirty="0" smtClean="0">
                 <a:latin typeface="Comic Sans MS" pitchFamily="8" charset="0"/>
               </a:rPr>
-              <a:t> </a:t>
-            </a:r>
-            <a:r>
-              <a:rPr lang="en-US" dirty="0" smtClean="0">
-                <a:latin typeface="Comic Sans MS" pitchFamily="8" charset="0"/>
-              </a:rPr>
-              <a:t>5W.</a:t>
+              <a:t> 5W.</a:t>
             </a:r>
             <a:fld id="{C4B01F29-C1CE-4BC8-935F-1AD570B35676}" type="slidenum">
               <a:rPr lang="en-US" sz="1200" smtClean="0">
                 <a:latin typeface="Comic Sans MS" pitchFamily="8" charset="0"/>
               </a:rPr>
               <a:pPr/>
-              <a:t>44</a:t>
+              <a:t>45</a:t>
             </a:fld>
             <a:endParaRPr lang="en-US" sz="1200" dirty="0" smtClean="0">
               <a:latin typeface="Comic Sans MS" pitchFamily="8" charset="0"/>
@@ -28441,7 +28870,7 @@
 </p:sld>
 </file>
 
-<file path=ppt/slides/slide45.xml><?xml version="1.0" encoding="utf-8"?>
+<file path=ppt/slides/slide46.xml><?xml version="1.0" encoding="utf-8"?>
 <p:sld xmlns:a="http://schemas.openxmlformats.org/drawingml/2006/main" xmlns:r="http://schemas.openxmlformats.org/officeDocument/2006/relationships" xmlns:p="http://schemas.openxmlformats.org/presentationml/2006/main" show="0">
   <p:cSld>
     <p:spTree>
@@ -28783,20 +29212,14 @@
               <a:rPr lang="en-US" dirty="0" smtClean="0">
                 <a:latin typeface="Comic Sans MS" pitchFamily="8" charset="0"/>
               </a:rPr>
-              <a:t> </a:t>
-            </a:r>
-            <a:r>
-              <a:rPr lang="en-US" dirty="0" smtClean="0">
-                <a:latin typeface="Comic Sans MS" pitchFamily="8" charset="0"/>
-              </a:rPr>
-              <a:t>5W.</a:t>
+              <a:t> 5W.</a:t>
             </a:r>
             <a:fld id="{3C15F690-8892-4DD3-8BA4-6A9D741BE269}" type="slidenum">
               <a:rPr lang="en-US" sz="1200" smtClean="0">
                 <a:latin typeface="Comic Sans MS" pitchFamily="8" charset="0"/>
               </a:rPr>
               <a:pPr/>
-              <a:t>45</a:t>
+              <a:t>46</a:t>
             </a:fld>
             <a:endParaRPr lang="en-US" sz="1200" dirty="0" smtClean="0">
               <a:latin typeface="Comic Sans MS" pitchFamily="8" charset="0"/>
@@ -29070,7 +29493,7 @@
 </p:sld>
 </file>
 
-<file path=ppt/slides/slide46.xml><?xml version="1.0" encoding="utf-8"?>
+<file path=ppt/slides/slide47.xml><?xml version="1.0" encoding="utf-8"?>
 <p:sld xmlns:a="http://schemas.openxmlformats.org/drawingml/2006/main" xmlns:r="http://schemas.openxmlformats.org/officeDocument/2006/relationships" xmlns:p="http://schemas.openxmlformats.org/presentationml/2006/main" show="0">
   <p:cSld>
     <p:spTree>
@@ -29289,20 +29712,14 @@
               <a:rPr lang="en-US" dirty="0" smtClean="0">
                 <a:latin typeface="Comic Sans MS" pitchFamily="8" charset="0"/>
               </a:rPr>
-              <a:t> </a:t>
-            </a:r>
-            <a:r>
-              <a:rPr lang="en-US" dirty="0" smtClean="0">
-                <a:latin typeface="Comic Sans MS" pitchFamily="8" charset="0"/>
-              </a:rPr>
-              <a:t>5W.</a:t>
+              <a:t> 5W.</a:t>
             </a:r>
             <a:fld id="{9E680C0B-B278-462E-930F-2DEA2B77CE81}" type="slidenum">
               <a:rPr lang="en-US" sz="1200" smtClean="0">
                 <a:latin typeface="Comic Sans MS" pitchFamily="8" charset="0"/>
               </a:rPr>
               <a:pPr/>
-              <a:t>46</a:t>
+              <a:t>47</a:t>
             </a:fld>
             <a:endParaRPr lang="en-US" sz="1200" dirty="0" smtClean="0">
               <a:latin typeface="Comic Sans MS" pitchFamily="8" charset="0"/>
@@ -29478,7 +29895,7 @@
 </p:sld>
 </file>
 
-<file path=ppt/slides/slide47.xml><?xml version="1.0" encoding="utf-8"?>
+<file path=ppt/slides/slide48.xml><?xml version="1.0" encoding="utf-8"?>
 <p:sld xmlns:a="http://schemas.openxmlformats.org/drawingml/2006/main" xmlns:r="http://schemas.openxmlformats.org/officeDocument/2006/relationships" xmlns:p="http://schemas.openxmlformats.org/presentationml/2006/main">
   <p:cSld>
     <p:spTree>
@@ -29554,7 +29971,7 @@
             </a:pPr>
             <a:r>
               <a:rPr lang="en-US" sz="10600" dirty="0" smtClean="0"/>
-              <a:t>1</a:t>
+              <a:t>0</a:t>
             </a:r>
             <a:r>
               <a:rPr lang="en-US" sz="10600" b="1" dirty="0" smtClean="0">
@@ -29598,20 +30015,14 @@
               <a:rPr lang="en-US" dirty="0" smtClean="0">
                 <a:latin typeface="Comic Sans MS" pitchFamily="8" charset="0"/>
               </a:rPr>
-              <a:t> </a:t>
-            </a:r>
-            <a:r>
-              <a:rPr lang="en-US" dirty="0" smtClean="0">
-                <a:latin typeface="Comic Sans MS" pitchFamily="8" charset="0"/>
-              </a:rPr>
-              <a:t>5W.</a:t>
+              <a:t> 5W.</a:t>
             </a:r>
             <a:fld id="{07FBCCFB-3D10-4E22-81B9-FE6F7869D823}" type="slidenum">
               <a:rPr lang="en-US" sz="1200" smtClean="0">
                 <a:latin typeface="Comic Sans MS" pitchFamily="8" charset="0"/>
               </a:rPr>
               <a:pPr/>
-              <a:t>47</a:t>
+              <a:t>48</a:t>
             </a:fld>
             <a:endParaRPr lang="en-US" sz="1200" dirty="0" smtClean="0">
               <a:latin typeface="Comic Sans MS" pitchFamily="8" charset="0"/>
@@ -29904,13 +30315,7 @@
               <a:rPr lang="en-US" dirty="0" smtClean="0">
                 <a:latin typeface="Comic Sans MS" pitchFamily="8" charset="0"/>
               </a:rPr>
-              <a:t> </a:t>
-            </a:r>
-            <a:r>
-              <a:rPr lang="en-US" dirty="0" smtClean="0">
-                <a:latin typeface="Comic Sans MS" pitchFamily="8" charset="0"/>
-              </a:rPr>
-              <a:t>5W.</a:t>
+              <a:t> 5W.</a:t>
             </a:r>
             <a:fld id="{6C6AF3CB-8CE8-4055-B165-1AE3BC7039EC}" type="slidenum">
               <a:rPr lang="en-US" sz="1200" smtClean="0">
@@ -30607,13 +31012,7 @@
               <a:rPr lang="en-US" dirty="0" smtClean="0">
                 <a:latin typeface="Comic Sans MS" pitchFamily="8" charset="0"/>
               </a:rPr>
-              <a:t> </a:t>
-            </a:r>
-            <a:r>
-              <a:rPr lang="en-US" dirty="0" smtClean="0">
-                <a:latin typeface="Comic Sans MS" pitchFamily="8" charset="0"/>
-              </a:rPr>
-              <a:t>5W.</a:t>
+              <a:t> 5W.</a:t>
             </a:r>
             <a:fld id="{6C6AF3CB-8CE8-4055-B165-1AE3BC7039EC}" type="slidenum">
               <a:rPr lang="en-US" sz="1200" smtClean="0">
@@ -31281,13 +31680,7 @@
               <a:rPr lang="en-US" dirty="0" smtClean="0">
                 <a:latin typeface="Comic Sans MS" pitchFamily="8" charset="0"/>
               </a:rPr>
-              <a:t> </a:t>
-            </a:r>
-            <a:r>
-              <a:rPr lang="en-US" dirty="0" smtClean="0">
-                <a:latin typeface="Comic Sans MS" pitchFamily="8" charset="0"/>
-              </a:rPr>
-              <a:t>5W.</a:t>
+              <a:t> 5W.</a:t>
             </a:r>
             <a:fld id="{6C6AF3CB-8CE8-4055-B165-1AE3BC7039EC}" type="slidenum">
               <a:rPr lang="en-US" sz="1200" smtClean="0">
@@ -32210,13 +32603,7 @@
               <a:rPr lang="en-US" dirty="0" smtClean="0">
                 <a:latin typeface="Comic Sans MS" pitchFamily="8" charset="0"/>
               </a:rPr>
-              <a:t> </a:t>
-            </a:r>
-            <a:r>
-              <a:rPr lang="en-US" dirty="0" smtClean="0">
-                <a:latin typeface="Comic Sans MS" pitchFamily="8" charset="0"/>
-              </a:rPr>
-              <a:t>5W.</a:t>
+              <a:t> 5W.</a:t>
             </a:r>
             <a:fld id="{6C6AF3CB-8CE8-4055-B165-1AE3BC7039EC}" type="slidenum">
               <a:rPr lang="en-US" sz="1200" smtClean="0">
@@ -32510,13 +32897,7 @@
               <a:rPr lang="en-US" dirty="0" smtClean="0">
                 <a:latin typeface="Comic Sans MS" pitchFamily="8" charset="0"/>
               </a:rPr>
-              <a:t> </a:t>
-            </a:r>
-            <a:r>
-              <a:rPr lang="en-US" dirty="0" smtClean="0">
-                <a:latin typeface="Comic Sans MS" pitchFamily="8" charset="0"/>
-              </a:rPr>
-              <a:t>5W.</a:t>
+              <a:t> 5W.</a:t>
             </a:r>
             <a:fld id="{41EDAC2E-DD1F-43A5-B4BD-E63A7B8ED48E}" type="slidenum">
               <a:rPr lang="en-US" sz="1200" smtClean="0">

--- a/fall11/slidesF11/slides5w.pptx
+++ b/fall11/slidesF11/slides5w.pptx
@@ -5,10 +5,10 @@
     <p:sldMasterId id="2147483650" r:id="rId1"/>
   </p:sldMasterIdLst>
   <p:notesMasterIdLst>
-    <p:notesMasterId r:id="rId50"/>
+    <p:notesMasterId r:id="rId51"/>
   </p:notesMasterIdLst>
   <p:handoutMasterIdLst>
-    <p:handoutMasterId r:id="rId51"/>
+    <p:handoutMasterId r:id="rId52"/>
   </p:handoutMasterIdLst>
   <p:sldIdLst>
     <p:sldId id="728" r:id="rId2"/>
@@ -59,11 +59,12 @@
     <p:sldId id="848" r:id="rId47"/>
     <p:sldId id="849" r:id="rId48"/>
     <p:sldId id="824" r:id="rId49"/>
+    <p:sldId id="893" r:id="rId50"/>
   </p:sldIdLst>
   <p:sldSz cx="9144000" cy="6858000" type="screen4x3"/>
   <p:notesSz cx="7315200" cy="9601200"/>
   <p:custDataLst>
-    <p:tags r:id="rId53"/>
+    <p:tags r:id="rId54"/>
   </p:custDataLst>
   <p:defaultTextStyle>
     <a:defPPr>
@@ -4248,6 +4249,100 @@
               </a:rPr>
               <a:pPr/>
               <a:t>48</a:t>
+            </a:fld>
+            <a:endParaRPr lang="en-US" smtClean="0">
+              <a:latin typeface="Times New Roman" pitchFamily="8" charset="0"/>
+            </a:endParaRPr>
+          </a:p>
+        </p:txBody>
+      </p:sp>
+      <p:sp>
+        <p:nvSpPr>
+          <p:cNvPr id="80899" name="Rectangle 2"/>
+          <p:cNvSpPr>
+            <a:spLocks noGrp="1" noRot="1" noChangeAspect="1" noChangeArrowheads="1" noTextEdit="1"/>
+          </p:cNvSpPr>
+          <p:nvPr>
+            <p:ph type="sldImg"/>
+          </p:nvPr>
+        </p:nvSpPr>
+        <p:spPr>
+          <a:ln/>
+        </p:spPr>
+      </p:sp>
+      <p:sp>
+        <p:nvSpPr>
+          <p:cNvPr id="80900" name="Rectangle 3"/>
+          <p:cNvSpPr>
+            <a:spLocks noGrp="1" noChangeArrowheads="1"/>
+          </p:cNvSpPr>
+          <p:nvPr>
+            <p:ph type="body" idx="1"/>
+          </p:nvPr>
+        </p:nvSpPr>
+        <p:spPr>
+          <a:noFill/>
+          <a:ln/>
+        </p:spPr>
+        <p:txBody>
+          <a:bodyPr/>
+          <a:lstStyle/>
+          <a:p>
+            <a:pPr eaLnBrk="1" hangingPunct="1"/>
+            <a:endParaRPr lang="en-US" smtClean="0">
+              <a:latin typeface="Times New Roman" pitchFamily="8" charset="0"/>
+            </a:endParaRPr>
+          </a:p>
+        </p:txBody>
+      </p:sp>
+    </p:spTree>
+  </p:cSld>
+  <p:clrMapOvr>
+    <a:masterClrMapping/>
+  </p:clrMapOvr>
+</p:notes>
+</file>
+
+<file path=ppt/notesSlides/notesSlide42.xml><?xml version="1.0" encoding="utf-8"?>
+<p:notes xmlns:a="http://schemas.openxmlformats.org/drawingml/2006/main" xmlns:r="http://schemas.openxmlformats.org/officeDocument/2006/relationships" xmlns:p="http://schemas.openxmlformats.org/presentationml/2006/main">
+  <p:cSld>
+    <p:spTree>
+      <p:nvGrpSpPr>
+        <p:cNvPr id="1" name=""/>
+        <p:cNvGrpSpPr/>
+        <p:nvPr/>
+      </p:nvGrpSpPr>
+      <p:grpSpPr>
+        <a:xfrm>
+          <a:off x="0" y="0"/>
+          <a:ext cx="0" cy="0"/>
+          <a:chOff x="0" y="0"/>
+          <a:chExt cx="0" cy="0"/>
+        </a:xfrm>
+      </p:grpSpPr>
+      <p:sp>
+        <p:nvSpPr>
+          <p:cNvPr id="80898" name="Rectangle 7"/>
+          <p:cNvSpPr>
+            <a:spLocks noGrp="1" noChangeArrowheads="1"/>
+          </p:cNvSpPr>
+          <p:nvPr>
+            <p:ph type="sldNum" sz="quarter" idx="5"/>
+          </p:nvPr>
+        </p:nvSpPr>
+        <p:spPr>
+          <a:noFill/>
+        </p:spPr>
+        <p:txBody>
+          <a:bodyPr/>
+          <a:lstStyle/>
+          <a:p>
+            <a:fld id="{FF141645-C8E8-4E44-963B-11F3B4121D5E}" type="slidenum">
+              <a:rPr lang="en-US" smtClean="0">
+                <a:latin typeface="Times New Roman" pitchFamily="8" charset="0"/>
+              </a:rPr>
+              <a:pPr/>
+              <a:t>49</a:t>
             </a:fld>
             <a:endParaRPr lang="en-US" smtClean="0">
               <a:latin typeface="Times New Roman" pitchFamily="8" charset="0"/>
@@ -8639,7 +8734,7 @@
           <a:graphicData uri="http://schemas.openxmlformats.org/presentationml/2006/ole">
             <mc:AlternateContent xmlns:mc="http://schemas.openxmlformats.org/markup-compatibility/2006">
               <mc:Choice xmlns:v="urn:schemas-microsoft-com:vml" Requires="v">
-                <p:oleObj spid="_x0000_s34828" name="Equation" r:id="rId4" imgW="431800" imgH="165100" progId="Equation.DSMT4">
+                <p:oleObj spid="_x0000_s34833" name="Equation" r:id="rId4" imgW="431800" imgH="165100" progId="Equation.DSMT4">
                   <p:embed/>
                 </p:oleObj>
               </mc:Choice>
@@ -22571,7 +22666,7 @@
           <a:graphicData uri="http://schemas.openxmlformats.org/presentationml/2006/ole">
             <mc:AlternateContent xmlns:mc="http://schemas.openxmlformats.org/markup-compatibility/2006">
               <mc:Choice xmlns:v="urn:schemas-microsoft-com:vml" Requires="v">
-                <p:oleObj spid="_x0000_s3106" name="Equation" r:id="rId4" imgW="164880" imgH="419040" progId="Equation.DSMT4">
+                <p:oleObj spid="_x0000_s3117" name="Equation" r:id="rId4" imgW="164880" imgH="419040" progId="Equation.DSMT4">
                   <p:embed/>
                 </p:oleObj>
               </mc:Choice>
@@ -22692,7 +22787,7 @@
             <a:graphicData uri="http://schemas.openxmlformats.org/presentationml/2006/ole">
               <mc:AlternateContent xmlns:mc="http://schemas.openxmlformats.org/markup-compatibility/2006">
                 <mc:Choice xmlns:v="urn:schemas-microsoft-com:vml" Requires="v">
-                  <p:oleObj spid="_x0000_s3107" name="Equation" r:id="rId6" imgW="152400" imgH="482600" progId="Equation.DSMT4">
+                  <p:oleObj spid="_x0000_s3118" name="Equation" r:id="rId6" imgW="152400" imgH="482600" progId="Equation.DSMT4">
                     <p:embed/>
                   </p:oleObj>
                 </mc:Choice>
@@ -22880,7 +22975,7 @@
           <a:graphicData uri="http://schemas.openxmlformats.org/presentationml/2006/ole">
             <mc:AlternateContent xmlns:mc="http://schemas.openxmlformats.org/markup-compatibility/2006">
               <mc:Choice xmlns:v="urn:schemas-microsoft-com:vml" Requires="v">
-                <p:oleObj spid="_x0000_s3108" name="Equation" r:id="rId8" imgW="164880" imgH="419040" progId="Equation.DSMT4">
+                <p:oleObj spid="_x0000_s3119" name="Equation" r:id="rId8" imgW="164880" imgH="419040" progId="Equation.DSMT4">
                   <p:embed/>
                 </p:oleObj>
               </mc:Choice>
@@ -27510,7 +27605,7 @@
           <a:graphicData uri="http://schemas.openxmlformats.org/presentationml/2006/ole">
             <mc:AlternateContent xmlns:mc="http://schemas.openxmlformats.org/markup-compatibility/2006">
               <mc:Choice xmlns:v="urn:schemas-microsoft-com:vml" Requires="v">
-                <p:oleObj spid="_x0000_s105484" name="Equation" r:id="rId4" imgW="927000" imgH="291960" progId="Equation.DSMT4">
+                <p:oleObj spid="_x0000_s105489" name="Equation" r:id="rId4" imgW="927000" imgH="291960" progId="Equation.DSMT4">
                   <p:embed/>
                 </p:oleObj>
               </mc:Choice>
@@ -30031,6 +30126,212 @@
         </p:txBody>
       </p:sp>
     </p:spTree>
+  </p:cSld>
+  <p:clrMapOvr>
+    <a:masterClrMapping/>
+  </p:clrMapOvr>
+  <p:transition xmlns:p14="http://schemas.microsoft.com/office/powerpoint/2010/main"/>
+  <p:timing>
+    <p:tnLst>
+      <p:par>
+        <p:cTn xmlns:p14="http://schemas.microsoft.com/office/powerpoint/2010/main" id="1" dur="indefinite" restart="never" nodeType="tmRoot"/>
+      </p:par>
+    </p:tnLst>
+  </p:timing>
+</p:sld>
+</file>
+
+<file path=ppt/slides/slide49.xml><?xml version="1.0" encoding="utf-8"?>
+<p:sld xmlns:a="http://schemas.openxmlformats.org/drawingml/2006/main" xmlns:r="http://schemas.openxmlformats.org/officeDocument/2006/relationships" xmlns:p="http://schemas.openxmlformats.org/presentationml/2006/main">
+  <p:cSld>
+    <p:spTree>
+      <p:nvGrpSpPr>
+        <p:cNvPr id="1" name=""/>
+        <p:cNvGrpSpPr/>
+        <p:nvPr/>
+      </p:nvGrpSpPr>
+      <p:grpSpPr>
+        <a:xfrm>
+          <a:off x="0" y="0"/>
+          <a:ext cx="0" cy="0"/>
+          <a:chOff x="0" y="0"/>
+          <a:chExt cx="0" cy="0"/>
+        </a:xfrm>
+      </p:grpSpPr>
+      <p:sp>
+        <p:nvSpPr>
+          <p:cNvPr id="44034" name="Rectangle 2"/>
+          <p:cNvSpPr>
+            <a:spLocks noGrp="1" noChangeArrowheads="1"/>
+          </p:cNvSpPr>
+          <p:nvPr>
+            <p:ph type="title"/>
+          </p:nvPr>
+        </p:nvSpPr>
+        <p:spPr/>
+        <p:txBody>
+          <a:bodyPr/>
+          <a:lstStyle/>
+          <a:p>
+            <a:pPr eaLnBrk="1" hangingPunct="1"/>
+            <a:r>
+              <a:rPr lang="en-US" sz="4800" dirty="0" smtClean="0"/>
+              <a:t>Problem 0.</a:t>
+            </a:r>
+          </a:p>
+        </p:txBody>
+      </p:sp>
+      <p:sp>
+        <p:nvSpPr>
+          <p:cNvPr id="44035" name="Rectangle 3"/>
+          <p:cNvSpPr>
+            <a:spLocks noGrp="1" noChangeArrowheads="1"/>
+          </p:cNvSpPr>
+          <p:nvPr>
+            <p:ph type="body" idx="1"/>
+          </p:nvPr>
+        </p:nvSpPr>
+        <p:spPr>
+          <a:xfrm>
+            <a:off x="266700" y="1295400"/>
+            <a:ext cx="8610600" cy="4343400"/>
+          </a:xfrm>
+        </p:spPr>
+        <p:txBody>
+          <a:bodyPr/>
+          <a:lstStyle/>
+          <a:p>
+            <a:pPr eaLnBrk="1" hangingPunct="1">
+              <a:buFontTx/>
+              <a:buNone/>
+            </a:pPr>
+            <a:r>
+              <a:rPr lang="en-US" sz="6000" dirty="0" smtClean="0"/>
+              <a:t>Use the </a:t>
+            </a:r>
+            <a:r>
+              <a:rPr lang="en-US" sz="6000" dirty="0" err="1" smtClean="0"/>
+              <a:t>Pulverizer</a:t>
+            </a:r>
+            <a:r>
+              <a:rPr lang="en-US" sz="6000" dirty="0" smtClean="0"/>
+              <a:t> to </a:t>
+            </a:r>
+            <a:r>
+              <a:rPr lang="en-US" sz="6000" dirty="0" smtClean="0"/>
+              <a:t>express </a:t>
+            </a:r>
+            <a:r>
+              <a:rPr lang="en-US" sz="6000" dirty="0" smtClean="0"/>
+              <a:t>GCD(</a:t>
+            </a:r>
+            <a:r>
+              <a:rPr lang="en-US" sz="6000" dirty="0" smtClean="0">
+                <a:solidFill>
+                  <a:srgbClr val="0000CC"/>
+                </a:solidFill>
+              </a:rPr>
+              <a:t>50</a:t>
+            </a:r>
+            <a:r>
+              <a:rPr lang="en-US" sz="6000" dirty="0" smtClean="0"/>
+              <a:t>, </a:t>
+            </a:r>
+            <a:r>
+              <a:rPr lang="en-US" sz="6000" dirty="0" smtClean="0">
+                <a:solidFill>
+                  <a:srgbClr val="0000CC"/>
+                </a:solidFill>
+              </a:rPr>
+              <a:t>21</a:t>
+            </a:r>
+            <a:r>
+              <a:rPr lang="en-US" sz="6000" smtClean="0"/>
+              <a:t>) </a:t>
+            </a:r>
+            <a:r>
+              <a:rPr lang="en-US" sz="6000" smtClean="0"/>
+              <a:t>as a </a:t>
+            </a:r>
+            <a:r>
+              <a:rPr lang="en-US" sz="6000" dirty="0" smtClean="0"/>
+              <a:t>linear combination of </a:t>
+            </a:r>
+            <a:r>
+              <a:rPr lang="en-US" sz="6000" dirty="0" smtClean="0">
+                <a:solidFill>
+                  <a:srgbClr val="0000CC"/>
+                </a:solidFill>
+              </a:rPr>
+              <a:t>50</a:t>
+            </a:r>
+            <a:r>
+              <a:rPr lang="en-US" sz="6000" dirty="0" smtClean="0"/>
+              <a:t> </a:t>
+            </a:r>
+            <a:r>
+              <a:rPr lang="en-US" sz="6000" dirty="0" smtClean="0"/>
+              <a:t>and </a:t>
+            </a:r>
+            <a:r>
+              <a:rPr lang="en-US" sz="6000" dirty="0" smtClean="0">
+                <a:solidFill>
+                  <a:srgbClr val="0000CC"/>
+                </a:solidFill>
+              </a:rPr>
+              <a:t>21</a:t>
+            </a:r>
+          </a:p>
+        </p:txBody>
+      </p:sp>
+      <p:sp>
+        <p:nvSpPr>
+          <p:cNvPr id="44036" name="Slide Number Placeholder 3"/>
+          <p:cNvSpPr>
+            <a:spLocks noGrp="1"/>
+          </p:cNvSpPr>
+          <p:nvPr>
+            <p:ph type="sldNum" sz="quarter" idx="10"/>
+          </p:nvPr>
+        </p:nvSpPr>
+        <p:spPr>
+          <a:noFill/>
+        </p:spPr>
+        <p:txBody>
+          <a:bodyPr/>
+          <a:lstStyle/>
+          <a:p>
+            <a:r>
+              <a:rPr lang="en-US" dirty="0" err="1" smtClean="0">
+                <a:latin typeface="Comic Sans MS" pitchFamily="8" charset="0"/>
+              </a:rPr>
+              <a:t>lec</a:t>
+            </a:r>
+            <a:r>
+              <a:rPr lang="en-US" dirty="0" smtClean="0">
+                <a:latin typeface="Comic Sans MS" pitchFamily="8" charset="0"/>
+              </a:rPr>
+              <a:t> 5W.</a:t>
+            </a:r>
+            <a:fld id="{07FBCCFB-3D10-4E22-81B9-FE6F7869D823}" type="slidenum">
+              <a:rPr lang="en-US" sz="1200" smtClean="0">
+                <a:latin typeface="Comic Sans MS" pitchFamily="8" charset="0"/>
+              </a:rPr>
+              <a:pPr/>
+              <a:t>49</a:t>
+            </a:fld>
+            <a:endParaRPr lang="en-US" sz="1200" dirty="0" smtClean="0">
+              <a:latin typeface="Comic Sans MS" pitchFamily="8" charset="0"/>
+            </a:endParaRPr>
+          </a:p>
+        </p:txBody>
+      </p:sp>
+    </p:spTree>
+    <p:extLst>
+      <p:ext uri="{BB962C8B-B14F-4D97-AF65-F5344CB8AC3E}">
+        <p14:creationId xmlns:p14="http://schemas.microsoft.com/office/powerpoint/2010/main" val="1530283392"/>
+      </p:ext>
+    </p:extLst>
   </p:cSld>
   <p:clrMapOvr>
     <a:masterClrMapping/>

--- a/fall11/slidesF11/slides5w.pptx
+++ b/fall11/slidesF11/slides5w.pptx
@@ -5,10 +5,10 @@
     <p:sldMasterId id="2147483650" r:id="rId1"/>
   </p:sldMasterIdLst>
   <p:notesMasterIdLst>
-    <p:notesMasterId r:id="rId51"/>
+    <p:notesMasterId r:id="rId53"/>
   </p:notesMasterIdLst>
   <p:handoutMasterIdLst>
-    <p:handoutMasterId r:id="rId52"/>
+    <p:handoutMasterId r:id="rId54"/>
   </p:handoutMasterIdLst>
   <p:sldIdLst>
     <p:sldId id="728" r:id="rId2"/>
@@ -40,31 +40,33 @@
     <p:sldId id="822" r:id="rId28"/>
     <p:sldId id="876" r:id="rId29"/>
     <p:sldId id="877" r:id="rId30"/>
-    <p:sldId id="878" r:id="rId31"/>
-    <p:sldId id="879" r:id="rId32"/>
-    <p:sldId id="880" r:id="rId33"/>
-    <p:sldId id="828" r:id="rId34"/>
-    <p:sldId id="882" r:id="rId35"/>
-    <p:sldId id="829" r:id="rId36"/>
-    <p:sldId id="835" r:id="rId37"/>
-    <p:sldId id="866" r:id="rId38"/>
-    <p:sldId id="861" r:id="rId39"/>
-    <p:sldId id="868" r:id="rId40"/>
-    <p:sldId id="862" r:id="rId41"/>
-    <p:sldId id="863" r:id="rId42"/>
-    <p:sldId id="865" r:id="rId43"/>
-    <p:sldId id="846" r:id="rId44"/>
-    <p:sldId id="852" r:id="rId45"/>
-    <p:sldId id="847" r:id="rId46"/>
-    <p:sldId id="848" r:id="rId47"/>
-    <p:sldId id="849" r:id="rId48"/>
-    <p:sldId id="824" r:id="rId49"/>
-    <p:sldId id="893" r:id="rId50"/>
+    <p:sldId id="894" r:id="rId31"/>
+    <p:sldId id="878" r:id="rId32"/>
+    <p:sldId id="895" r:id="rId33"/>
+    <p:sldId id="879" r:id="rId34"/>
+    <p:sldId id="880" r:id="rId35"/>
+    <p:sldId id="828" r:id="rId36"/>
+    <p:sldId id="882" r:id="rId37"/>
+    <p:sldId id="829" r:id="rId38"/>
+    <p:sldId id="835" r:id="rId39"/>
+    <p:sldId id="866" r:id="rId40"/>
+    <p:sldId id="861" r:id="rId41"/>
+    <p:sldId id="868" r:id="rId42"/>
+    <p:sldId id="862" r:id="rId43"/>
+    <p:sldId id="863" r:id="rId44"/>
+    <p:sldId id="865" r:id="rId45"/>
+    <p:sldId id="846" r:id="rId46"/>
+    <p:sldId id="852" r:id="rId47"/>
+    <p:sldId id="847" r:id="rId48"/>
+    <p:sldId id="848" r:id="rId49"/>
+    <p:sldId id="849" r:id="rId50"/>
+    <p:sldId id="824" r:id="rId51"/>
+    <p:sldId id="893" r:id="rId52"/>
   </p:sldIdLst>
   <p:sldSz cx="9144000" cy="6858000" type="screen4x3"/>
   <p:notesSz cx="7315200" cy="9601200"/>
   <p:custDataLst>
-    <p:tags r:id="rId54"/>
+    <p:tags r:id="rId56"/>
   </p:custDataLst>
   <p:defaultTextStyle>
     <a:defPPr>
@@ -2503,6 +2505,194 @@
       </p:grpSpPr>
       <p:sp>
         <p:nvSpPr>
+          <p:cNvPr id="65538" name="Rectangle 7"/>
+          <p:cNvSpPr>
+            <a:spLocks noGrp="1" noChangeArrowheads="1"/>
+          </p:cNvSpPr>
+          <p:nvPr>
+            <p:ph type="sldNum" sz="quarter" idx="5"/>
+          </p:nvPr>
+        </p:nvSpPr>
+        <p:spPr>
+          <a:noFill/>
+        </p:spPr>
+        <p:txBody>
+          <a:bodyPr/>
+          <a:lstStyle/>
+          <a:p>
+            <a:fld id="{EEC78EEE-97B5-4226-9E7C-A9D1AB189F42}" type="slidenum">
+              <a:rPr lang="en-US" smtClean="0">
+                <a:latin typeface="Times New Roman" pitchFamily="8" charset="0"/>
+              </a:rPr>
+              <a:pPr/>
+              <a:t>32</a:t>
+            </a:fld>
+            <a:endParaRPr lang="en-US" smtClean="0">
+              <a:latin typeface="Times New Roman" pitchFamily="8" charset="0"/>
+            </a:endParaRPr>
+          </a:p>
+        </p:txBody>
+      </p:sp>
+      <p:sp>
+        <p:nvSpPr>
+          <p:cNvPr id="65539" name="Rectangle 2"/>
+          <p:cNvSpPr>
+            <a:spLocks noGrp="1" noRot="1" noChangeAspect="1" noChangeArrowheads="1" noTextEdit="1"/>
+          </p:cNvSpPr>
+          <p:nvPr>
+            <p:ph type="sldImg"/>
+          </p:nvPr>
+        </p:nvSpPr>
+        <p:spPr>
+          <a:ln/>
+        </p:spPr>
+      </p:sp>
+      <p:sp>
+        <p:nvSpPr>
+          <p:cNvPr id="65540" name="Rectangle 3"/>
+          <p:cNvSpPr>
+            <a:spLocks noGrp="1" noChangeArrowheads="1"/>
+          </p:cNvSpPr>
+          <p:nvPr>
+            <p:ph type="body" idx="1"/>
+          </p:nvPr>
+        </p:nvSpPr>
+        <p:spPr>
+          <a:noFill/>
+          <a:ln/>
+        </p:spPr>
+        <p:txBody>
+          <a:bodyPr/>
+          <a:lstStyle/>
+          <a:p>
+            <a:pPr eaLnBrk="1" hangingPunct="1"/>
+            <a:endParaRPr lang="en-US" smtClean="0">
+              <a:latin typeface="Times New Roman" pitchFamily="8" charset="0"/>
+            </a:endParaRPr>
+          </a:p>
+        </p:txBody>
+      </p:sp>
+    </p:spTree>
+  </p:cSld>
+  <p:clrMapOvr>
+    <a:masterClrMapping/>
+  </p:clrMapOvr>
+</p:notes>
+</file>
+
+<file path=ppt/notesSlides/notesSlide26.xml><?xml version="1.0" encoding="utf-8"?>
+<p:notes xmlns:a="http://schemas.openxmlformats.org/drawingml/2006/main" xmlns:r="http://schemas.openxmlformats.org/officeDocument/2006/relationships" xmlns:p="http://schemas.openxmlformats.org/presentationml/2006/main">
+  <p:cSld>
+    <p:spTree>
+      <p:nvGrpSpPr>
+        <p:cNvPr id="1" name=""/>
+        <p:cNvGrpSpPr/>
+        <p:nvPr/>
+      </p:nvGrpSpPr>
+      <p:grpSpPr>
+        <a:xfrm>
+          <a:off x="0" y="0"/>
+          <a:ext cx="0" cy="0"/>
+          <a:chOff x="0" y="0"/>
+          <a:chExt cx="0" cy="0"/>
+        </a:xfrm>
+      </p:grpSpPr>
+      <p:sp>
+        <p:nvSpPr>
+          <p:cNvPr id="65538" name="Rectangle 7"/>
+          <p:cNvSpPr>
+            <a:spLocks noGrp="1" noChangeArrowheads="1"/>
+          </p:cNvSpPr>
+          <p:nvPr>
+            <p:ph type="sldNum" sz="quarter" idx="5"/>
+          </p:nvPr>
+        </p:nvSpPr>
+        <p:spPr>
+          <a:noFill/>
+        </p:spPr>
+        <p:txBody>
+          <a:bodyPr/>
+          <a:lstStyle/>
+          <a:p>
+            <a:fld id="{EEC78EEE-97B5-4226-9E7C-A9D1AB189F42}" type="slidenum">
+              <a:rPr lang="en-US" smtClean="0">
+                <a:latin typeface="Times New Roman" pitchFamily="8" charset="0"/>
+              </a:rPr>
+              <a:pPr/>
+              <a:t>33</a:t>
+            </a:fld>
+            <a:endParaRPr lang="en-US" smtClean="0">
+              <a:latin typeface="Times New Roman" pitchFamily="8" charset="0"/>
+            </a:endParaRPr>
+          </a:p>
+        </p:txBody>
+      </p:sp>
+      <p:sp>
+        <p:nvSpPr>
+          <p:cNvPr id="65539" name="Rectangle 2"/>
+          <p:cNvSpPr>
+            <a:spLocks noGrp="1" noRot="1" noChangeAspect="1" noChangeArrowheads="1" noTextEdit="1"/>
+          </p:cNvSpPr>
+          <p:nvPr>
+            <p:ph type="sldImg"/>
+          </p:nvPr>
+        </p:nvSpPr>
+        <p:spPr>
+          <a:ln/>
+        </p:spPr>
+      </p:sp>
+      <p:sp>
+        <p:nvSpPr>
+          <p:cNvPr id="65540" name="Rectangle 3"/>
+          <p:cNvSpPr>
+            <a:spLocks noGrp="1" noChangeArrowheads="1"/>
+          </p:cNvSpPr>
+          <p:nvPr>
+            <p:ph type="body" idx="1"/>
+          </p:nvPr>
+        </p:nvSpPr>
+        <p:spPr>
+          <a:noFill/>
+          <a:ln/>
+        </p:spPr>
+        <p:txBody>
+          <a:bodyPr/>
+          <a:lstStyle/>
+          <a:p>
+            <a:pPr eaLnBrk="1" hangingPunct="1"/>
+            <a:endParaRPr lang="en-US" smtClean="0">
+              <a:latin typeface="Times New Roman" pitchFamily="8" charset="0"/>
+            </a:endParaRPr>
+          </a:p>
+        </p:txBody>
+      </p:sp>
+    </p:spTree>
+  </p:cSld>
+  <p:clrMapOvr>
+    <a:masterClrMapping/>
+  </p:clrMapOvr>
+</p:notes>
+</file>
+
+<file path=ppt/notesSlides/notesSlide27.xml><?xml version="1.0" encoding="utf-8"?>
+<p:notes xmlns:a="http://schemas.openxmlformats.org/drawingml/2006/main" xmlns:r="http://schemas.openxmlformats.org/officeDocument/2006/relationships" xmlns:p="http://schemas.openxmlformats.org/presentationml/2006/main">
+  <p:cSld>
+    <p:spTree>
+      <p:nvGrpSpPr>
+        <p:cNvPr id="1" name=""/>
+        <p:cNvGrpSpPr/>
+        <p:nvPr/>
+      </p:nvGrpSpPr>
+      <p:grpSpPr>
+        <a:xfrm>
+          <a:off x="0" y="0"/>
+          <a:ext cx="0" cy="0"/>
+          <a:chOff x="0" y="0"/>
+          <a:chExt cx="0" cy="0"/>
+        </a:xfrm>
+      </p:grpSpPr>
+      <p:sp>
+        <p:nvSpPr>
           <p:cNvPr id="68610" name="Rectangle 7"/>
           <p:cNvSpPr>
             <a:spLocks noGrp="1" noChangeArrowheads="1"/>
@@ -2523,7 +2713,7 @@
                 <a:latin typeface="Times New Roman" pitchFamily="8" charset="0"/>
               </a:rPr>
               <a:pPr/>
-              <a:t>32</a:t>
+              <a:t>34</a:t>
             </a:fld>
             <a:endParaRPr lang="en-US" smtClean="0">
               <a:latin typeface="Times New Roman" pitchFamily="8" charset="0"/>
@@ -2578,7 +2768,7 @@
 </p:notes>
 </file>
 
-<file path=ppt/notesSlides/notesSlide26.xml><?xml version="1.0" encoding="utf-8"?>
+<file path=ppt/notesSlides/notesSlide28.xml><?xml version="1.0" encoding="utf-8"?>
 <p:notes xmlns:a="http://schemas.openxmlformats.org/drawingml/2006/main" xmlns:r="http://schemas.openxmlformats.org/officeDocument/2006/relationships" xmlns:p="http://schemas.openxmlformats.org/presentationml/2006/main">
   <p:cSld>
     <p:spTree>
@@ -2617,7 +2807,7 @@
                 <a:latin typeface="Times New Roman" pitchFamily="8" charset="0"/>
               </a:rPr>
               <a:pPr/>
-              <a:t>33</a:t>
+              <a:t>35</a:t>
             </a:fld>
             <a:endParaRPr lang="en-US" smtClean="0">
               <a:latin typeface="Times New Roman" pitchFamily="8" charset="0"/>
@@ -2672,7 +2862,7 @@
 </p:notes>
 </file>
 
-<file path=ppt/notesSlides/notesSlide27.xml><?xml version="1.0" encoding="utf-8"?>
+<file path=ppt/notesSlides/notesSlide29.xml><?xml version="1.0" encoding="utf-8"?>
 <p:notes xmlns:a="http://schemas.openxmlformats.org/drawingml/2006/main" xmlns:r="http://schemas.openxmlformats.org/officeDocument/2006/relationships" xmlns:p="http://schemas.openxmlformats.org/presentationml/2006/main">
   <p:cSld>
     <p:spTree>
@@ -2711,7 +2901,7 @@
                 <a:latin typeface="Times New Roman" pitchFamily="8" charset="0"/>
               </a:rPr>
               <a:pPr/>
-              <a:t>34</a:t>
+              <a:t>36</a:t>
             </a:fld>
             <a:endParaRPr lang="en-US" smtClean="0">
               <a:latin typeface="Times New Roman" pitchFamily="8" charset="0"/>
@@ -2736,194 +2926,6 @@
       <p:sp>
         <p:nvSpPr>
           <p:cNvPr id="62468" name="Rectangle 3"/>
-          <p:cNvSpPr>
-            <a:spLocks noGrp="1" noChangeArrowheads="1"/>
-          </p:cNvSpPr>
-          <p:nvPr>
-            <p:ph type="body" idx="1"/>
-          </p:nvPr>
-        </p:nvSpPr>
-        <p:spPr>
-          <a:noFill/>
-          <a:ln/>
-        </p:spPr>
-        <p:txBody>
-          <a:bodyPr/>
-          <a:lstStyle/>
-          <a:p>
-            <a:pPr eaLnBrk="1" hangingPunct="1"/>
-            <a:endParaRPr lang="en-US" smtClean="0">
-              <a:latin typeface="Times New Roman" pitchFamily="8" charset="0"/>
-            </a:endParaRPr>
-          </a:p>
-        </p:txBody>
-      </p:sp>
-    </p:spTree>
-  </p:cSld>
-  <p:clrMapOvr>
-    <a:masterClrMapping/>
-  </p:clrMapOvr>
-</p:notes>
-</file>
-
-<file path=ppt/notesSlides/notesSlide28.xml><?xml version="1.0" encoding="utf-8"?>
-<p:notes xmlns:a="http://schemas.openxmlformats.org/drawingml/2006/main" xmlns:r="http://schemas.openxmlformats.org/officeDocument/2006/relationships" xmlns:p="http://schemas.openxmlformats.org/presentationml/2006/main">
-  <p:cSld>
-    <p:spTree>
-      <p:nvGrpSpPr>
-        <p:cNvPr id="1" name=""/>
-        <p:cNvGrpSpPr/>
-        <p:nvPr/>
-      </p:nvGrpSpPr>
-      <p:grpSpPr>
-        <a:xfrm>
-          <a:off x="0" y="0"/>
-          <a:ext cx="0" cy="0"/>
-          <a:chOff x="0" y="0"/>
-          <a:chExt cx="0" cy="0"/>
-        </a:xfrm>
-      </p:grpSpPr>
-      <p:sp>
-        <p:nvSpPr>
-          <p:cNvPr id="63490" name="Rectangle 7"/>
-          <p:cNvSpPr>
-            <a:spLocks noGrp="1" noChangeArrowheads="1"/>
-          </p:cNvSpPr>
-          <p:nvPr>
-            <p:ph type="sldNum" sz="quarter" idx="5"/>
-          </p:nvPr>
-        </p:nvSpPr>
-        <p:spPr>
-          <a:noFill/>
-        </p:spPr>
-        <p:txBody>
-          <a:bodyPr/>
-          <a:lstStyle/>
-          <a:p>
-            <a:fld id="{AF068BF8-C93A-41A1-BF8E-DF03B3588B40}" type="slidenum">
-              <a:rPr lang="en-US" smtClean="0">
-                <a:latin typeface="Times New Roman" pitchFamily="8" charset="0"/>
-              </a:rPr>
-              <a:pPr/>
-              <a:t>35</a:t>
-            </a:fld>
-            <a:endParaRPr lang="en-US" smtClean="0">
-              <a:latin typeface="Times New Roman" pitchFamily="8" charset="0"/>
-            </a:endParaRPr>
-          </a:p>
-        </p:txBody>
-      </p:sp>
-      <p:sp>
-        <p:nvSpPr>
-          <p:cNvPr id="63491" name="Rectangle 2"/>
-          <p:cNvSpPr>
-            <a:spLocks noGrp="1" noRot="1" noChangeAspect="1" noChangeArrowheads="1" noTextEdit="1"/>
-          </p:cNvSpPr>
-          <p:nvPr>
-            <p:ph type="sldImg"/>
-          </p:nvPr>
-        </p:nvSpPr>
-        <p:spPr>
-          <a:ln/>
-        </p:spPr>
-      </p:sp>
-      <p:sp>
-        <p:nvSpPr>
-          <p:cNvPr id="63492" name="Rectangle 3"/>
-          <p:cNvSpPr>
-            <a:spLocks noGrp="1" noChangeArrowheads="1"/>
-          </p:cNvSpPr>
-          <p:nvPr>
-            <p:ph type="body" idx="1"/>
-          </p:nvPr>
-        </p:nvSpPr>
-        <p:spPr>
-          <a:noFill/>
-          <a:ln/>
-        </p:spPr>
-        <p:txBody>
-          <a:bodyPr/>
-          <a:lstStyle/>
-          <a:p>
-            <a:pPr eaLnBrk="1" hangingPunct="1"/>
-            <a:endParaRPr lang="en-US" smtClean="0">
-              <a:latin typeface="Times New Roman" pitchFamily="8" charset="0"/>
-            </a:endParaRPr>
-          </a:p>
-        </p:txBody>
-      </p:sp>
-    </p:spTree>
-  </p:cSld>
-  <p:clrMapOvr>
-    <a:masterClrMapping/>
-  </p:clrMapOvr>
-</p:notes>
-</file>
-
-<file path=ppt/notesSlides/notesSlide29.xml><?xml version="1.0" encoding="utf-8"?>
-<p:notes xmlns:a="http://schemas.openxmlformats.org/drawingml/2006/main" xmlns:r="http://schemas.openxmlformats.org/officeDocument/2006/relationships" xmlns:p="http://schemas.openxmlformats.org/presentationml/2006/main">
-  <p:cSld>
-    <p:spTree>
-      <p:nvGrpSpPr>
-        <p:cNvPr id="1" name=""/>
-        <p:cNvGrpSpPr/>
-        <p:nvPr/>
-      </p:nvGrpSpPr>
-      <p:grpSpPr>
-        <a:xfrm>
-          <a:off x="0" y="0"/>
-          <a:ext cx="0" cy="0"/>
-          <a:chOff x="0" y="0"/>
-          <a:chExt cx="0" cy="0"/>
-        </a:xfrm>
-      </p:grpSpPr>
-      <p:sp>
-        <p:nvSpPr>
-          <p:cNvPr id="74754" name="Rectangle 7"/>
-          <p:cNvSpPr>
-            <a:spLocks noGrp="1" noChangeArrowheads="1"/>
-          </p:cNvSpPr>
-          <p:nvPr>
-            <p:ph type="sldNum" sz="quarter" idx="5"/>
-          </p:nvPr>
-        </p:nvSpPr>
-        <p:spPr>
-          <a:noFill/>
-        </p:spPr>
-        <p:txBody>
-          <a:bodyPr/>
-          <a:lstStyle/>
-          <a:p>
-            <a:fld id="{25CC570A-E1BC-4CB4-B4D2-AB1F3D2A8546}" type="slidenum">
-              <a:rPr lang="en-US" smtClean="0">
-                <a:latin typeface="Times New Roman" pitchFamily="8" charset="0"/>
-              </a:rPr>
-              <a:pPr/>
-              <a:t>36</a:t>
-            </a:fld>
-            <a:endParaRPr lang="en-US" smtClean="0">
-              <a:latin typeface="Times New Roman" pitchFamily="8" charset="0"/>
-            </a:endParaRPr>
-          </a:p>
-        </p:txBody>
-      </p:sp>
-      <p:sp>
-        <p:nvSpPr>
-          <p:cNvPr id="74755" name="Rectangle 2"/>
-          <p:cNvSpPr>
-            <a:spLocks noGrp="1" noRot="1" noChangeAspect="1" noChangeArrowheads="1" noTextEdit="1"/>
-          </p:cNvSpPr>
-          <p:nvPr>
-            <p:ph type="sldImg"/>
-          </p:nvPr>
-        </p:nvSpPr>
-        <p:spPr>
-          <a:ln/>
-        </p:spPr>
-      </p:sp>
-      <p:sp>
-        <p:nvSpPr>
-          <p:cNvPr id="74756" name="Rectangle 3"/>
           <p:cNvSpPr>
             <a:spLocks noGrp="1" noChangeArrowheads="1"/>
           </p:cNvSpPr>
@@ -3067,6 +3069,194 @@
       </p:grpSpPr>
       <p:sp>
         <p:nvSpPr>
+          <p:cNvPr id="63490" name="Rectangle 7"/>
+          <p:cNvSpPr>
+            <a:spLocks noGrp="1" noChangeArrowheads="1"/>
+          </p:cNvSpPr>
+          <p:nvPr>
+            <p:ph type="sldNum" sz="quarter" idx="5"/>
+          </p:nvPr>
+        </p:nvSpPr>
+        <p:spPr>
+          <a:noFill/>
+        </p:spPr>
+        <p:txBody>
+          <a:bodyPr/>
+          <a:lstStyle/>
+          <a:p>
+            <a:fld id="{AF068BF8-C93A-41A1-BF8E-DF03B3588B40}" type="slidenum">
+              <a:rPr lang="en-US" smtClean="0">
+                <a:latin typeface="Times New Roman" pitchFamily="8" charset="0"/>
+              </a:rPr>
+              <a:pPr/>
+              <a:t>37</a:t>
+            </a:fld>
+            <a:endParaRPr lang="en-US" smtClean="0">
+              <a:latin typeface="Times New Roman" pitchFamily="8" charset="0"/>
+            </a:endParaRPr>
+          </a:p>
+        </p:txBody>
+      </p:sp>
+      <p:sp>
+        <p:nvSpPr>
+          <p:cNvPr id="63491" name="Rectangle 2"/>
+          <p:cNvSpPr>
+            <a:spLocks noGrp="1" noRot="1" noChangeAspect="1" noChangeArrowheads="1" noTextEdit="1"/>
+          </p:cNvSpPr>
+          <p:nvPr>
+            <p:ph type="sldImg"/>
+          </p:nvPr>
+        </p:nvSpPr>
+        <p:spPr>
+          <a:ln/>
+        </p:spPr>
+      </p:sp>
+      <p:sp>
+        <p:nvSpPr>
+          <p:cNvPr id="63492" name="Rectangle 3"/>
+          <p:cNvSpPr>
+            <a:spLocks noGrp="1" noChangeArrowheads="1"/>
+          </p:cNvSpPr>
+          <p:nvPr>
+            <p:ph type="body" idx="1"/>
+          </p:nvPr>
+        </p:nvSpPr>
+        <p:spPr>
+          <a:noFill/>
+          <a:ln/>
+        </p:spPr>
+        <p:txBody>
+          <a:bodyPr/>
+          <a:lstStyle/>
+          <a:p>
+            <a:pPr eaLnBrk="1" hangingPunct="1"/>
+            <a:endParaRPr lang="en-US" smtClean="0">
+              <a:latin typeface="Times New Roman" pitchFamily="8" charset="0"/>
+            </a:endParaRPr>
+          </a:p>
+        </p:txBody>
+      </p:sp>
+    </p:spTree>
+  </p:cSld>
+  <p:clrMapOvr>
+    <a:masterClrMapping/>
+  </p:clrMapOvr>
+</p:notes>
+</file>
+
+<file path=ppt/notesSlides/notesSlide31.xml><?xml version="1.0" encoding="utf-8"?>
+<p:notes xmlns:a="http://schemas.openxmlformats.org/drawingml/2006/main" xmlns:r="http://schemas.openxmlformats.org/officeDocument/2006/relationships" xmlns:p="http://schemas.openxmlformats.org/presentationml/2006/main">
+  <p:cSld>
+    <p:spTree>
+      <p:nvGrpSpPr>
+        <p:cNvPr id="1" name=""/>
+        <p:cNvGrpSpPr/>
+        <p:nvPr/>
+      </p:nvGrpSpPr>
+      <p:grpSpPr>
+        <a:xfrm>
+          <a:off x="0" y="0"/>
+          <a:ext cx="0" cy="0"/>
+          <a:chOff x="0" y="0"/>
+          <a:chExt cx="0" cy="0"/>
+        </a:xfrm>
+      </p:grpSpPr>
+      <p:sp>
+        <p:nvSpPr>
+          <p:cNvPr id="74754" name="Rectangle 7"/>
+          <p:cNvSpPr>
+            <a:spLocks noGrp="1" noChangeArrowheads="1"/>
+          </p:cNvSpPr>
+          <p:nvPr>
+            <p:ph type="sldNum" sz="quarter" idx="5"/>
+          </p:nvPr>
+        </p:nvSpPr>
+        <p:spPr>
+          <a:noFill/>
+        </p:spPr>
+        <p:txBody>
+          <a:bodyPr/>
+          <a:lstStyle/>
+          <a:p>
+            <a:fld id="{25CC570A-E1BC-4CB4-B4D2-AB1F3D2A8546}" type="slidenum">
+              <a:rPr lang="en-US" smtClean="0">
+                <a:latin typeface="Times New Roman" pitchFamily="8" charset="0"/>
+              </a:rPr>
+              <a:pPr/>
+              <a:t>38</a:t>
+            </a:fld>
+            <a:endParaRPr lang="en-US" smtClean="0">
+              <a:latin typeface="Times New Roman" pitchFamily="8" charset="0"/>
+            </a:endParaRPr>
+          </a:p>
+        </p:txBody>
+      </p:sp>
+      <p:sp>
+        <p:nvSpPr>
+          <p:cNvPr id="74755" name="Rectangle 2"/>
+          <p:cNvSpPr>
+            <a:spLocks noGrp="1" noRot="1" noChangeAspect="1" noChangeArrowheads="1" noTextEdit="1"/>
+          </p:cNvSpPr>
+          <p:nvPr>
+            <p:ph type="sldImg"/>
+          </p:nvPr>
+        </p:nvSpPr>
+        <p:spPr>
+          <a:ln/>
+        </p:spPr>
+      </p:sp>
+      <p:sp>
+        <p:nvSpPr>
+          <p:cNvPr id="74756" name="Rectangle 3"/>
+          <p:cNvSpPr>
+            <a:spLocks noGrp="1" noChangeArrowheads="1"/>
+          </p:cNvSpPr>
+          <p:nvPr>
+            <p:ph type="body" idx="1"/>
+          </p:nvPr>
+        </p:nvSpPr>
+        <p:spPr>
+          <a:noFill/>
+          <a:ln/>
+        </p:spPr>
+        <p:txBody>
+          <a:bodyPr/>
+          <a:lstStyle/>
+          <a:p>
+            <a:pPr eaLnBrk="1" hangingPunct="1"/>
+            <a:endParaRPr lang="en-US" smtClean="0">
+              <a:latin typeface="Times New Roman" pitchFamily="8" charset="0"/>
+            </a:endParaRPr>
+          </a:p>
+        </p:txBody>
+      </p:sp>
+    </p:spTree>
+  </p:cSld>
+  <p:clrMapOvr>
+    <a:masterClrMapping/>
+  </p:clrMapOvr>
+</p:notes>
+</file>
+
+<file path=ppt/notesSlides/notesSlide32.xml><?xml version="1.0" encoding="utf-8"?>
+<p:notes xmlns:a="http://schemas.openxmlformats.org/drawingml/2006/main" xmlns:r="http://schemas.openxmlformats.org/officeDocument/2006/relationships" xmlns:p="http://schemas.openxmlformats.org/presentationml/2006/main">
+  <p:cSld>
+    <p:spTree>
+      <p:nvGrpSpPr>
+        <p:cNvPr id="1" name=""/>
+        <p:cNvGrpSpPr/>
+        <p:nvPr/>
+      </p:nvGrpSpPr>
+      <p:grpSpPr>
+        <a:xfrm>
+          <a:off x="0" y="0"/>
+          <a:ext cx="0" cy="0"/>
+          <a:chOff x="0" y="0"/>
+          <a:chExt cx="0" cy="0"/>
+        </a:xfrm>
+      </p:grpSpPr>
+      <p:sp>
+        <p:nvSpPr>
           <p:cNvPr id="75778" name="Rectangle 7"/>
           <p:cNvSpPr>
             <a:spLocks noGrp="1" noChangeArrowheads="1"/>
@@ -3087,7 +3277,7 @@
                 <a:latin typeface="Times New Roman" pitchFamily="8" charset="0"/>
               </a:rPr>
               <a:pPr/>
-              <a:t>37</a:t>
+              <a:t>39</a:t>
             </a:fld>
             <a:endParaRPr lang="en-US" smtClean="0">
               <a:latin typeface="Times New Roman" pitchFamily="8" charset="0"/>
@@ -3142,7 +3332,7 @@
 </p:notes>
 </file>
 
-<file path=ppt/notesSlides/notesSlide31.xml><?xml version="1.0" encoding="utf-8"?>
+<file path=ppt/notesSlides/notesSlide33.xml><?xml version="1.0" encoding="utf-8"?>
 <p:notes xmlns:a="http://schemas.openxmlformats.org/drawingml/2006/main" xmlns:r="http://schemas.openxmlformats.org/officeDocument/2006/relationships" xmlns:p="http://schemas.openxmlformats.org/presentationml/2006/main">
   <p:cSld>
     <p:spTree>
@@ -3181,7 +3371,7 @@
                 <a:latin typeface="Times New Roman" pitchFamily="8" charset="0"/>
               </a:rPr>
               <a:pPr/>
-              <a:t>38</a:t>
+              <a:t>40</a:t>
             </a:fld>
             <a:endParaRPr lang="en-US" smtClean="0">
               <a:latin typeface="Times New Roman" pitchFamily="8" charset="0"/>
@@ -3236,7 +3426,7 @@
 </p:notes>
 </file>
 
-<file path=ppt/notesSlides/notesSlide32.xml><?xml version="1.0" encoding="utf-8"?>
+<file path=ppt/notesSlides/notesSlide34.xml><?xml version="1.0" encoding="utf-8"?>
 <p:notes xmlns:a="http://schemas.openxmlformats.org/drawingml/2006/main" xmlns:r="http://schemas.openxmlformats.org/officeDocument/2006/relationships" xmlns:p="http://schemas.openxmlformats.org/presentationml/2006/main">
   <p:cSld>
     <p:spTree>
@@ -3273,7 +3463,7 @@
             <a:fld id="{BD0B55ED-9ED0-4C64-9D5D-28DC4AA79C35}" type="slidenum">
               <a:rPr lang="en-US"/>
               <a:pPr/>
-              <a:t>39</a:t>
+              <a:t>41</a:t>
             </a:fld>
             <a:endParaRPr lang="en-US"/>
           </a:p>
@@ -3320,7 +3510,7 @@
 </p:notes>
 </file>
 
-<file path=ppt/notesSlides/notesSlide33.xml><?xml version="1.0" encoding="utf-8"?>
+<file path=ppt/notesSlides/notesSlide35.xml><?xml version="1.0" encoding="utf-8"?>
 <p:notes xmlns:a="http://schemas.openxmlformats.org/drawingml/2006/main" xmlns:r="http://schemas.openxmlformats.org/officeDocument/2006/relationships" xmlns:p="http://schemas.openxmlformats.org/presentationml/2006/main">
   <p:cSld>
     <p:spTree>
@@ -3359,7 +3549,7 @@
                 <a:latin typeface="Times New Roman" pitchFamily="8" charset="0"/>
               </a:rPr>
               <a:pPr/>
-              <a:t>40</a:t>
+              <a:t>42</a:t>
             </a:fld>
             <a:endParaRPr lang="en-US" smtClean="0">
               <a:latin typeface="Times New Roman" pitchFamily="8" charset="0"/>
@@ -3414,7 +3604,7 @@
 </p:notes>
 </file>
 
-<file path=ppt/notesSlides/notesSlide34.xml><?xml version="1.0" encoding="utf-8"?>
+<file path=ppt/notesSlides/notesSlide36.xml><?xml version="1.0" encoding="utf-8"?>
 <p:notes xmlns:a="http://schemas.openxmlformats.org/drawingml/2006/main" xmlns:r="http://schemas.openxmlformats.org/officeDocument/2006/relationships" xmlns:p="http://schemas.openxmlformats.org/presentationml/2006/main">
   <p:cSld>
     <p:spTree>
@@ -3465,7 +3655,7 @@
                 <a:latin typeface="Times New Roman" pitchFamily="8" charset="0"/>
               </a:rPr>
               <a:pPr algn="r" defTabSz="966788"/>
-              <a:t>41</a:t>
+              <a:t>43</a:t>
             </a:fld>
             <a:endParaRPr lang="en-US" sz="1300">
               <a:latin typeface="Times New Roman" pitchFamily="8" charset="0"/>
@@ -3551,7 +3741,7 @@
 </p:notes>
 </file>
 
-<file path=ppt/notesSlides/notesSlide35.xml><?xml version="1.0" encoding="utf-8"?>
+<file path=ppt/notesSlides/notesSlide37.xml><?xml version="1.0" encoding="utf-8"?>
 <p:notes xmlns:a="http://schemas.openxmlformats.org/drawingml/2006/main" xmlns:r="http://schemas.openxmlformats.org/officeDocument/2006/relationships" xmlns:p="http://schemas.openxmlformats.org/presentationml/2006/main">
   <p:cSld>
     <p:spTree>
@@ -3590,7 +3780,7 @@
                 <a:latin typeface="Times New Roman" pitchFamily="8" charset="0"/>
               </a:rPr>
               <a:pPr/>
-              <a:t>42</a:t>
+              <a:t>44</a:t>
             </a:fld>
             <a:endParaRPr lang="en-US" smtClean="0">
               <a:latin typeface="Times New Roman" pitchFamily="8" charset="0"/>
@@ -3645,7 +3835,7 @@
 </p:notes>
 </file>
 
-<file path=ppt/notesSlides/notesSlide36.xml><?xml version="1.0" encoding="utf-8"?>
+<file path=ppt/notesSlides/notesSlide38.xml><?xml version="1.0" encoding="utf-8"?>
 <p:notes xmlns:a="http://schemas.openxmlformats.org/drawingml/2006/main" xmlns:r="http://schemas.openxmlformats.org/officeDocument/2006/relationships" xmlns:p="http://schemas.openxmlformats.org/presentationml/2006/main">
   <p:cSld>
     <p:spTree>
@@ -3684,7 +3874,7 @@
                 <a:latin typeface="Times New Roman" pitchFamily="8" charset="0"/>
               </a:rPr>
               <a:pPr/>
-              <a:t>43</a:t>
+              <a:t>45</a:t>
             </a:fld>
             <a:endParaRPr lang="en-US" smtClean="0">
               <a:latin typeface="Times New Roman" pitchFamily="8" charset="0"/>
@@ -3739,7 +3929,7 @@
 </p:notes>
 </file>
 
-<file path=ppt/notesSlides/notesSlide37.xml><?xml version="1.0" encoding="utf-8"?>
+<file path=ppt/notesSlides/notesSlide39.xml><?xml version="1.0" encoding="utf-8"?>
 <p:notes xmlns:a="http://schemas.openxmlformats.org/drawingml/2006/main" xmlns:r="http://schemas.openxmlformats.org/officeDocument/2006/relationships" xmlns:p="http://schemas.openxmlformats.org/presentationml/2006/main">
   <p:cSld>
     <p:spTree>
@@ -3778,7 +3968,7 @@
                 <a:latin typeface="Times New Roman" pitchFamily="8" charset="0"/>
               </a:rPr>
               <a:pPr/>
-              <a:t>44</a:t>
+              <a:t>46</a:t>
             </a:fld>
             <a:endParaRPr lang="en-US" smtClean="0">
               <a:latin typeface="Times New Roman" pitchFamily="8" charset="0"/>
@@ -3803,194 +3993,6 @@
       <p:sp>
         <p:nvSpPr>
           <p:cNvPr id="70660" name="Rectangle 3"/>
-          <p:cNvSpPr>
-            <a:spLocks noGrp="1" noChangeArrowheads="1"/>
-          </p:cNvSpPr>
-          <p:nvPr>
-            <p:ph type="body" idx="1"/>
-          </p:nvPr>
-        </p:nvSpPr>
-        <p:spPr>
-          <a:noFill/>
-          <a:ln/>
-        </p:spPr>
-        <p:txBody>
-          <a:bodyPr/>
-          <a:lstStyle/>
-          <a:p>
-            <a:pPr eaLnBrk="1" hangingPunct="1"/>
-            <a:endParaRPr lang="en-US" smtClean="0">
-              <a:latin typeface="Times New Roman" pitchFamily="8" charset="0"/>
-            </a:endParaRPr>
-          </a:p>
-        </p:txBody>
-      </p:sp>
-    </p:spTree>
-  </p:cSld>
-  <p:clrMapOvr>
-    <a:masterClrMapping/>
-  </p:clrMapOvr>
-</p:notes>
-</file>
-
-<file path=ppt/notesSlides/notesSlide38.xml><?xml version="1.0" encoding="utf-8"?>
-<p:notes xmlns:a="http://schemas.openxmlformats.org/drawingml/2006/main" xmlns:r="http://schemas.openxmlformats.org/officeDocument/2006/relationships" xmlns:p="http://schemas.openxmlformats.org/presentationml/2006/main">
-  <p:cSld>
-    <p:spTree>
-      <p:nvGrpSpPr>
-        <p:cNvPr id="1" name=""/>
-        <p:cNvGrpSpPr/>
-        <p:nvPr/>
-      </p:nvGrpSpPr>
-      <p:grpSpPr>
-        <a:xfrm>
-          <a:off x="0" y="0"/>
-          <a:ext cx="0" cy="0"/>
-          <a:chOff x="0" y="0"/>
-          <a:chExt cx="0" cy="0"/>
-        </a:xfrm>
-      </p:grpSpPr>
-      <p:sp>
-        <p:nvSpPr>
-          <p:cNvPr id="71682" name="Rectangle 7"/>
-          <p:cNvSpPr>
-            <a:spLocks noGrp="1" noChangeArrowheads="1"/>
-          </p:cNvSpPr>
-          <p:nvPr>
-            <p:ph type="sldNum" sz="quarter" idx="5"/>
-          </p:nvPr>
-        </p:nvSpPr>
-        <p:spPr>
-          <a:noFill/>
-        </p:spPr>
-        <p:txBody>
-          <a:bodyPr/>
-          <a:lstStyle/>
-          <a:p>
-            <a:fld id="{55AF4B28-2381-41C5-9738-0D5F7EF648B8}" type="slidenum">
-              <a:rPr lang="en-US" smtClean="0">
-                <a:latin typeface="Times New Roman" pitchFamily="8" charset="0"/>
-              </a:rPr>
-              <a:pPr/>
-              <a:t>45</a:t>
-            </a:fld>
-            <a:endParaRPr lang="en-US" smtClean="0">
-              <a:latin typeface="Times New Roman" pitchFamily="8" charset="0"/>
-            </a:endParaRPr>
-          </a:p>
-        </p:txBody>
-      </p:sp>
-      <p:sp>
-        <p:nvSpPr>
-          <p:cNvPr id="71683" name="Rectangle 2"/>
-          <p:cNvSpPr>
-            <a:spLocks noGrp="1" noRot="1" noChangeAspect="1" noChangeArrowheads="1" noTextEdit="1"/>
-          </p:cNvSpPr>
-          <p:nvPr>
-            <p:ph type="sldImg"/>
-          </p:nvPr>
-        </p:nvSpPr>
-        <p:spPr>
-          <a:ln/>
-        </p:spPr>
-      </p:sp>
-      <p:sp>
-        <p:nvSpPr>
-          <p:cNvPr id="71684" name="Rectangle 3"/>
-          <p:cNvSpPr>
-            <a:spLocks noGrp="1" noChangeArrowheads="1"/>
-          </p:cNvSpPr>
-          <p:nvPr>
-            <p:ph type="body" idx="1"/>
-          </p:nvPr>
-        </p:nvSpPr>
-        <p:spPr>
-          <a:noFill/>
-          <a:ln/>
-        </p:spPr>
-        <p:txBody>
-          <a:bodyPr/>
-          <a:lstStyle/>
-          <a:p>
-            <a:pPr eaLnBrk="1" hangingPunct="1"/>
-            <a:endParaRPr lang="en-US" smtClean="0">
-              <a:latin typeface="Times New Roman" pitchFamily="8" charset="0"/>
-            </a:endParaRPr>
-          </a:p>
-        </p:txBody>
-      </p:sp>
-    </p:spTree>
-  </p:cSld>
-  <p:clrMapOvr>
-    <a:masterClrMapping/>
-  </p:clrMapOvr>
-</p:notes>
-</file>
-
-<file path=ppt/notesSlides/notesSlide39.xml><?xml version="1.0" encoding="utf-8"?>
-<p:notes xmlns:a="http://schemas.openxmlformats.org/drawingml/2006/main" xmlns:r="http://schemas.openxmlformats.org/officeDocument/2006/relationships" xmlns:p="http://schemas.openxmlformats.org/presentationml/2006/main">
-  <p:cSld>
-    <p:spTree>
-      <p:nvGrpSpPr>
-        <p:cNvPr id="1" name=""/>
-        <p:cNvGrpSpPr/>
-        <p:nvPr/>
-      </p:nvGrpSpPr>
-      <p:grpSpPr>
-        <a:xfrm>
-          <a:off x="0" y="0"/>
-          <a:ext cx="0" cy="0"/>
-          <a:chOff x="0" y="0"/>
-          <a:chExt cx="0" cy="0"/>
-        </a:xfrm>
-      </p:grpSpPr>
-      <p:sp>
-        <p:nvSpPr>
-          <p:cNvPr id="72706" name="Rectangle 7"/>
-          <p:cNvSpPr>
-            <a:spLocks noGrp="1" noChangeArrowheads="1"/>
-          </p:cNvSpPr>
-          <p:nvPr>
-            <p:ph type="sldNum" sz="quarter" idx="5"/>
-          </p:nvPr>
-        </p:nvSpPr>
-        <p:spPr>
-          <a:noFill/>
-        </p:spPr>
-        <p:txBody>
-          <a:bodyPr/>
-          <a:lstStyle/>
-          <a:p>
-            <a:fld id="{06B75C75-F24E-432E-8F73-8959217AB0C5}" type="slidenum">
-              <a:rPr lang="en-US" smtClean="0">
-                <a:latin typeface="Times New Roman" pitchFamily="8" charset="0"/>
-              </a:rPr>
-              <a:pPr/>
-              <a:t>46</a:t>
-            </a:fld>
-            <a:endParaRPr lang="en-US" smtClean="0">
-              <a:latin typeface="Times New Roman" pitchFamily="8" charset="0"/>
-            </a:endParaRPr>
-          </a:p>
-        </p:txBody>
-      </p:sp>
-      <p:sp>
-        <p:nvSpPr>
-          <p:cNvPr id="72707" name="Rectangle 2"/>
-          <p:cNvSpPr>
-            <a:spLocks noGrp="1" noRot="1" noChangeAspect="1" noChangeArrowheads="1" noTextEdit="1"/>
-          </p:cNvSpPr>
-          <p:nvPr>
-            <p:ph type="sldImg"/>
-          </p:nvPr>
-        </p:nvSpPr>
-        <p:spPr>
-          <a:ln/>
-        </p:spPr>
-      </p:sp>
-      <p:sp>
-        <p:nvSpPr>
-          <p:cNvPr id="72708" name="Rectangle 3"/>
           <p:cNvSpPr>
             <a:spLocks noGrp="1" noChangeArrowheads="1"/>
           </p:cNvSpPr>
@@ -4134,6 +4136,194 @@
       </p:grpSpPr>
       <p:sp>
         <p:nvSpPr>
+          <p:cNvPr id="71682" name="Rectangle 7"/>
+          <p:cNvSpPr>
+            <a:spLocks noGrp="1" noChangeArrowheads="1"/>
+          </p:cNvSpPr>
+          <p:nvPr>
+            <p:ph type="sldNum" sz="quarter" idx="5"/>
+          </p:nvPr>
+        </p:nvSpPr>
+        <p:spPr>
+          <a:noFill/>
+        </p:spPr>
+        <p:txBody>
+          <a:bodyPr/>
+          <a:lstStyle/>
+          <a:p>
+            <a:fld id="{55AF4B28-2381-41C5-9738-0D5F7EF648B8}" type="slidenum">
+              <a:rPr lang="en-US" smtClean="0">
+                <a:latin typeface="Times New Roman" pitchFamily="8" charset="0"/>
+              </a:rPr>
+              <a:pPr/>
+              <a:t>47</a:t>
+            </a:fld>
+            <a:endParaRPr lang="en-US" smtClean="0">
+              <a:latin typeface="Times New Roman" pitchFamily="8" charset="0"/>
+            </a:endParaRPr>
+          </a:p>
+        </p:txBody>
+      </p:sp>
+      <p:sp>
+        <p:nvSpPr>
+          <p:cNvPr id="71683" name="Rectangle 2"/>
+          <p:cNvSpPr>
+            <a:spLocks noGrp="1" noRot="1" noChangeAspect="1" noChangeArrowheads="1" noTextEdit="1"/>
+          </p:cNvSpPr>
+          <p:nvPr>
+            <p:ph type="sldImg"/>
+          </p:nvPr>
+        </p:nvSpPr>
+        <p:spPr>
+          <a:ln/>
+        </p:spPr>
+      </p:sp>
+      <p:sp>
+        <p:nvSpPr>
+          <p:cNvPr id="71684" name="Rectangle 3"/>
+          <p:cNvSpPr>
+            <a:spLocks noGrp="1" noChangeArrowheads="1"/>
+          </p:cNvSpPr>
+          <p:nvPr>
+            <p:ph type="body" idx="1"/>
+          </p:nvPr>
+        </p:nvSpPr>
+        <p:spPr>
+          <a:noFill/>
+          <a:ln/>
+        </p:spPr>
+        <p:txBody>
+          <a:bodyPr/>
+          <a:lstStyle/>
+          <a:p>
+            <a:pPr eaLnBrk="1" hangingPunct="1"/>
+            <a:endParaRPr lang="en-US" smtClean="0">
+              <a:latin typeface="Times New Roman" pitchFamily="8" charset="0"/>
+            </a:endParaRPr>
+          </a:p>
+        </p:txBody>
+      </p:sp>
+    </p:spTree>
+  </p:cSld>
+  <p:clrMapOvr>
+    <a:masterClrMapping/>
+  </p:clrMapOvr>
+</p:notes>
+</file>
+
+<file path=ppt/notesSlides/notesSlide41.xml><?xml version="1.0" encoding="utf-8"?>
+<p:notes xmlns:a="http://schemas.openxmlformats.org/drawingml/2006/main" xmlns:r="http://schemas.openxmlformats.org/officeDocument/2006/relationships" xmlns:p="http://schemas.openxmlformats.org/presentationml/2006/main">
+  <p:cSld>
+    <p:spTree>
+      <p:nvGrpSpPr>
+        <p:cNvPr id="1" name=""/>
+        <p:cNvGrpSpPr/>
+        <p:nvPr/>
+      </p:nvGrpSpPr>
+      <p:grpSpPr>
+        <a:xfrm>
+          <a:off x="0" y="0"/>
+          <a:ext cx="0" cy="0"/>
+          <a:chOff x="0" y="0"/>
+          <a:chExt cx="0" cy="0"/>
+        </a:xfrm>
+      </p:grpSpPr>
+      <p:sp>
+        <p:nvSpPr>
+          <p:cNvPr id="72706" name="Rectangle 7"/>
+          <p:cNvSpPr>
+            <a:spLocks noGrp="1" noChangeArrowheads="1"/>
+          </p:cNvSpPr>
+          <p:nvPr>
+            <p:ph type="sldNum" sz="quarter" idx="5"/>
+          </p:nvPr>
+        </p:nvSpPr>
+        <p:spPr>
+          <a:noFill/>
+        </p:spPr>
+        <p:txBody>
+          <a:bodyPr/>
+          <a:lstStyle/>
+          <a:p>
+            <a:fld id="{06B75C75-F24E-432E-8F73-8959217AB0C5}" type="slidenum">
+              <a:rPr lang="en-US" smtClean="0">
+                <a:latin typeface="Times New Roman" pitchFamily="8" charset="0"/>
+              </a:rPr>
+              <a:pPr/>
+              <a:t>48</a:t>
+            </a:fld>
+            <a:endParaRPr lang="en-US" smtClean="0">
+              <a:latin typeface="Times New Roman" pitchFamily="8" charset="0"/>
+            </a:endParaRPr>
+          </a:p>
+        </p:txBody>
+      </p:sp>
+      <p:sp>
+        <p:nvSpPr>
+          <p:cNvPr id="72707" name="Rectangle 2"/>
+          <p:cNvSpPr>
+            <a:spLocks noGrp="1" noRot="1" noChangeAspect="1" noChangeArrowheads="1" noTextEdit="1"/>
+          </p:cNvSpPr>
+          <p:nvPr>
+            <p:ph type="sldImg"/>
+          </p:nvPr>
+        </p:nvSpPr>
+        <p:spPr>
+          <a:ln/>
+        </p:spPr>
+      </p:sp>
+      <p:sp>
+        <p:nvSpPr>
+          <p:cNvPr id="72708" name="Rectangle 3"/>
+          <p:cNvSpPr>
+            <a:spLocks noGrp="1" noChangeArrowheads="1"/>
+          </p:cNvSpPr>
+          <p:nvPr>
+            <p:ph type="body" idx="1"/>
+          </p:nvPr>
+        </p:nvSpPr>
+        <p:spPr>
+          <a:noFill/>
+          <a:ln/>
+        </p:spPr>
+        <p:txBody>
+          <a:bodyPr/>
+          <a:lstStyle/>
+          <a:p>
+            <a:pPr eaLnBrk="1" hangingPunct="1"/>
+            <a:endParaRPr lang="en-US" smtClean="0">
+              <a:latin typeface="Times New Roman" pitchFamily="8" charset="0"/>
+            </a:endParaRPr>
+          </a:p>
+        </p:txBody>
+      </p:sp>
+    </p:spTree>
+  </p:cSld>
+  <p:clrMapOvr>
+    <a:masterClrMapping/>
+  </p:clrMapOvr>
+</p:notes>
+</file>
+
+<file path=ppt/notesSlides/notesSlide42.xml><?xml version="1.0" encoding="utf-8"?>
+<p:notes xmlns:a="http://schemas.openxmlformats.org/drawingml/2006/main" xmlns:r="http://schemas.openxmlformats.org/officeDocument/2006/relationships" xmlns:p="http://schemas.openxmlformats.org/presentationml/2006/main">
+  <p:cSld>
+    <p:spTree>
+      <p:nvGrpSpPr>
+        <p:cNvPr id="1" name=""/>
+        <p:cNvGrpSpPr/>
+        <p:nvPr/>
+      </p:nvGrpSpPr>
+      <p:grpSpPr>
+        <a:xfrm>
+          <a:off x="0" y="0"/>
+          <a:ext cx="0" cy="0"/>
+          <a:chOff x="0" y="0"/>
+          <a:chExt cx="0" cy="0"/>
+        </a:xfrm>
+      </p:grpSpPr>
+      <p:sp>
+        <p:nvSpPr>
           <p:cNvPr id="73730" name="Rectangle 7"/>
           <p:cNvSpPr>
             <a:spLocks noGrp="1" noChangeArrowheads="1"/>
@@ -4154,7 +4344,7 @@
                 <a:latin typeface="Times New Roman" pitchFamily="8" charset="0"/>
               </a:rPr>
               <a:pPr/>
-              <a:t>47</a:t>
+              <a:t>49</a:t>
             </a:fld>
             <a:endParaRPr lang="en-US" smtClean="0">
               <a:latin typeface="Times New Roman" pitchFamily="8" charset="0"/>
@@ -4209,7 +4399,7 @@
 </p:notes>
 </file>
 
-<file path=ppt/notesSlides/notesSlide41.xml><?xml version="1.0" encoding="utf-8"?>
+<file path=ppt/notesSlides/notesSlide43.xml><?xml version="1.0" encoding="utf-8"?>
 <p:notes xmlns:a="http://schemas.openxmlformats.org/drawingml/2006/main" xmlns:r="http://schemas.openxmlformats.org/officeDocument/2006/relationships" xmlns:p="http://schemas.openxmlformats.org/presentationml/2006/main">
   <p:cSld>
     <p:spTree>
@@ -4248,7 +4438,7 @@
                 <a:latin typeface="Times New Roman" pitchFamily="8" charset="0"/>
               </a:rPr>
               <a:pPr/>
-              <a:t>48</a:t>
+              <a:t>50</a:t>
             </a:fld>
             <a:endParaRPr lang="en-US" smtClean="0">
               <a:latin typeface="Times New Roman" pitchFamily="8" charset="0"/>
@@ -4303,7 +4493,7 @@
 </p:notes>
 </file>
 
-<file path=ppt/notesSlides/notesSlide42.xml><?xml version="1.0" encoding="utf-8"?>
+<file path=ppt/notesSlides/notesSlide44.xml><?xml version="1.0" encoding="utf-8"?>
 <p:notes xmlns:a="http://schemas.openxmlformats.org/drawingml/2006/main" xmlns:r="http://schemas.openxmlformats.org/officeDocument/2006/relationships" xmlns:p="http://schemas.openxmlformats.org/presentationml/2006/main">
   <p:cSld>
     <p:spTree>
@@ -4342,7 +4532,7 @@
                 <a:latin typeface="Times New Roman" pitchFamily="8" charset="0"/>
               </a:rPr>
               <a:pPr/>
-              <a:t>49</a:t>
+              <a:t>51</a:t>
             </a:fld>
             <a:endParaRPr lang="en-US" smtClean="0">
               <a:latin typeface="Times New Roman" pitchFamily="8" charset="0"/>
@@ -8734,7 +8924,7 @@
           <a:graphicData uri="http://schemas.openxmlformats.org/presentationml/2006/ole">
             <mc:AlternateContent xmlns:mc="http://schemas.openxmlformats.org/markup-compatibility/2006">
               <mc:Choice xmlns:v="urn:schemas-microsoft-com:vml" Requires="v">
-                <p:oleObj spid="_x0000_s34833" name="Equation" r:id="rId4" imgW="431800" imgH="165100" progId="Equation.DSMT4">
+                <p:oleObj spid="_x0000_s34836" name="Equation" r:id="rId4" imgW="431800" imgH="165100" progId="Equation.DSMT4">
                   <p:embed/>
                 </p:oleObj>
               </mc:Choice>
@@ -18311,7 +18501,7 @@
                             </p:stCondLst>
                             <p:childTnLst>
                               <p:par>
-                                <p:cTn id="5" presetID="1" presetClass="entr" presetSubtype="0" fill="hold" nodeType="clickEffect">
+                                <p:cTn id="5" presetID="9" presetClass="entr" presetSubtype="0" fill="hold" grpId="0" nodeType="clickEffect">
                                   <p:stCondLst>
                                     <p:cond delay="0"/>
                                   </p:stCondLst>
@@ -18319,6 +18509,110 @@
                                     <p:set>
                                       <p:cBhvr>
                                         <p:cTn id="6" dur="1" fill="hold">
+                                          <p:stCondLst>
+                                            <p:cond delay="0"/>
+                                          </p:stCondLst>
+                                        </p:cTn>
+                                        <p:tgtEl>
+                                          <p:spTgt spid="29699">
+                                            <p:txEl>
+                                              <p:pRg st="0" end="0"/>
+                                            </p:txEl>
+                                          </p:spTgt>
+                                        </p:tgtEl>
+                                        <p:attrNameLst>
+                                          <p:attrName>style.visibility</p:attrName>
+                                        </p:attrNameLst>
+                                      </p:cBhvr>
+                                      <p:to>
+                                        <p:strVal val="visible"/>
+                                      </p:to>
+                                    </p:set>
+                                    <p:animEffect transition="in" filter="dissolve">
+                                      <p:cBhvr>
+                                        <p:cTn id="7" dur="500"/>
+                                        <p:tgtEl>
+                                          <p:spTgt spid="29699">
+                                            <p:txEl>
+                                              <p:pRg st="0" end="0"/>
+                                            </p:txEl>
+                                          </p:spTgt>
+                                        </p:tgtEl>
+                                      </p:cBhvr>
+                                    </p:animEffect>
+                                  </p:childTnLst>
+                                </p:cTn>
+                              </p:par>
+                              <p:par>
+                                <p:cTn id="8" presetID="9" presetClass="entr" presetSubtype="0" fill="hold" grpId="0" nodeType="withEffect">
+                                  <p:stCondLst>
+                                    <p:cond delay="0"/>
+                                  </p:stCondLst>
+                                  <p:childTnLst>
+                                    <p:set>
+                                      <p:cBhvr>
+                                        <p:cTn id="9" dur="1" fill="hold">
+                                          <p:stCondLst>
+                                            <p:cond delay="0"/>
+                                          </p:stCondLst>
+                                        </p:cTn>
+                                        <p:tgtEl>
+                                          <p:spTgt spid="29699">
+                                            <p:txEl>
+                                              <p:pRg st="1" end="1"/>
+                                            </p:txEl>
+                                          </p:spTgt>
+                                        </p:tgtEl>
+                                        <p:attrNameLst>
+                                          <p:attrName>style.visibility</p:attrName>
+                                        </p:attrNameLst>
+                                      </p:cBhvr>
+                                      <p:to>
+                                        <p:strVal val="visible"/>
+                                      </p:to>
+                                    </p:set>
+                                    <p:animEffect transition="in" filter="dissolve">
+                                      <p:cBhvr>
+                                        <p:cTn id="10" dur="500"/>
+                                        <p:tgtEl>
+                                          <p:spTgt spid="29699">
+                                            <p:txEl>
+                                              <p:pRg st="1" end="1"/>
+                                            </p:txEl>
+                                          </p:spTgt>
+                                        </p:tgtEl>
+                                      </p:cBhvr>
+                                    </p:animEffect>
+                                  </p:childTnLst>
+                                </p:cTn>
+                              </p:par>
+                            </p:childTnLst>
+                          </p:cTn>
+                        </p:par>
+                      </p:childTnLst>
+                    </p:cTn>
+                  </p:par>
+                  <p:par>
+                    <p:cTn id="11" fill="hold">
+                      <p:stCondLst>
+                        <p:cond delay="indefinite"/>
+                      </p:stCondLst>
+                      <p:childTnLst>
+                        <p:par>
+                          <p:cTn id="12" fill="hold">
+                            <p:stCondLst>
+                              <p:cond delay="0"/>
+                            </p:stCondLst>
+                            <p:childTnLst>
+                              <p:par>
+                                <p:cTn id="13" presetID="9" presetClass="entr" presetSubtype="0" fill="hold" grpId="0" nodeType="clickEffect">
+                                  <p:stCondLst>
+                                    <p:cond delay="0"/>
+                                  </p:stCondLst>
+                                  <p:childTnLst>
+                                    <p:set>
+                                      <p:cBhvr>
+                                        <p:cTn id="14" dur="1" fill="hold">
                                           <p:stCondLst>
                                             <p:cond delay="0"/>
                                           </p:stCondLst>
@@ -18338,18 +18632,30 @@
                                         <p:strVal val="visible"/>
                                       </p:to>
                                     </p:set>
+                                    <p:animEffect transition="in" filter="dissolve">
+                                      <p:cBhvr>
+                                        <p:cTn id="15" dur="500"/>
+                                        <p:tgtEl>
+                                          <p:spTgt spid="29699">
+                                            <p:txEl>
+                                              <p:pRg st="2" end="2"/>
+                                            </p:txEl>
+                                          </p:spTgt>
+                                        </p:tgtEl>
+                                      </p:cBhvr>
+                                    </p:animEffect>
                                   </p:childTnLst>
                                 </p:cTn>
                               </p:par>
                               <p:par>
-                                <p:cTn id="7" presetID="1" presetClass="entr" presetSubtype="0" fill="hold" nodeType="withEffect">
+                                <p:cTn id="16" presetID="9" presetClass="entr" presetSubtype="0" fill="hold" grpId="0" nodeType="withEffect">
                                   <p:stCondLst>
                                     <p:cond delay="0"/>
                                   </p:stCondLst>
                                   <p:childTnLst>
                                     <p:set>
                                       <p:cBhvr>
-                                        <p:cTn id="8" dur="1" fill="hold">
+                                        <p:cTn id="17" dur="1" fill="hold">
                                           <p:stCondLst>
                                             <p:cond delay="0"/>
                                           </p:stCondLst>
@@ -18369,18 +18675,30 @@
                                         <p:strVal val="visible"/>
                                       </p:to>
                                     </p:set>
+                                    <p:animEffect transition="in" filter="dissolve">
+                                      <p:cBhvr>
+                                        <p:cTn id="18" dur="500"/>
+                                        <p:tgtEl>
+                                          <p:spTgt spid="29699">
+                                            <p:txEl>
+                                              <p:pRg st="3" end="3"/>
+                                            </p:txEl>
+                                          </p:spTgt>
+                                        </p:tgtEl>
+                                      </p:cBhvr>
+                                    </p:animEffect>
                                   </p:childTnLst>
                                 </p:cTn>
                               </p:par>
                               <p:par>
-                                <p:cTn id="9" presetID="1" presetClass="entr" presetSubtype="0" fill="hold" nodeType="withEffect">
+                                <p:cTn id="19" presetID="9" presetClass="entr" presetSubtype="0" fill="hold" grpId="0" nodeType="withEffect">
                                   <p:stCondLst>
                                     <p:cond delay="0"/>
                                   </p:stCondLst>
                                   <p:childTnLst>
                                     <p:set>
                                       <p:cBhvr>
-                                        <p:cTn id="10" dur="1" fill="hold">
+                                        <p:cTn id="20" dur="1" fill="hold">
                                           <p:stCondLst>
                                             <p:cond delay="0"/>
                                           </p:stCondLst>
@@ -18400,6 +18718,18 @@
                                         <p:strVal val="visible"/>
                                       </p:to>
                                     </p:set>
+                                    <p:animEffect transition="in" filter="dissolve">
+                                      <p:cBhvr>
+                                        <p:cTn id="21" dur="500"/>
+                                        <p:tgtEl>
+                                          <p:spTgt spid="29699">
+                                            <p:txEl>
+                                              <p:pRg st="4" end="4"/>
+                                            </p:txEl>
+                                          </p:spTgt>
+                                        </p:tgtEl>
+                                      </p:cBhvr>
+                                    </p:animEffect>
                                   </p:childTnLst>
                                 </p:cTn>
                               </p:par>
@@ -18430,12 +18760,15 @@
         </p:cTn>
       </p:par>
     </p:tnLst>
+    <p:bldLst>
+      <p:bldP spid="29699" grpId="0" build="p"/>
+    </p:bldLst>
   </p:timing>
 </p:sld>
 </file>
 
 <file path=ppt/slides/slide29.xml><?xml version="1.0" encoding="utf-8"?>
-<p:sld xmlns:a="http://schemas.openxmlformats.org/drawingml/2006/main" xmlns:r="http://schemas.openxmlformats.org/officeDocument/2006/relationships" xmlns:p="http://schemas.openxmlformats.org/presentationml/2006/main">
+<p:sld xmlns:a="http://schemas.openxmlformats.org/drawingml/2006/main" xmlns:r="http://schemas.openxmlformats.org/officeDocument/2006/relationships" xmlns:p="http://schemas.openxmlformats.org/presentationml/2006/main" show="0">
   <p:cSld>
     <p:spTree>
       <p:nvGrpSpPr>
@@ -18792,6 +19125,14 @@
   <p:clrMapOvr>
     <a:masterClrMapping/>
   </p:clrMapOvr>
+  <mc:AlternateContent xmlns:mc="http://schemas.openxmlformats.org/markup-compatibility/2006">
+    <mc:Choice xmlns:p14="http://schemas.microsoft.com/office/powerpoint/2010/main" Requires="p14">
+      <p:transition spd="slow" p14:dur="2000"/>
+    </mc:Choice>
+    <mc:Fallback>
+      <p:transition xmlns:p14="http://schemas.microsoft.com/office/powerpoint/2010/main" spd="slow"/>
+    </mc:Fallback>
+  </mc:AlternateContent>
   <p:timing>
     <p:tnLst>
       <p:par>
@@ -20385,6 +20726,905 @@
       </p:grpSpPr>
       <p:sp>
         <p:nvSpPr>
+          <p:cNvPr id="6" name="Text Box 3"/>
+          <p:cNvSpPr txBox="1">
+            <a:spLocks noChangeArrowheads="1"/>
+          </p:cNvSpPr>
+          <p:nvPr/>
+        </p:nvSpPr>
+        <p:spPr bwMode="auto">
+          <a:xfrm>
+            <a:off x="152400" y="1166842"/>
+            <a:ext cx="8915400" cy="4524315"/>
+          </a:xfrm>
+          <a:prstGeom prst="rect">
+            <a:avLst/>
+          </a:prstGeom>
+          <a:noFill/>
+          <a:ln w="38100">
+            <a:noFill/>
+            <a:miter lim="800000"/>
+            <a:headEnd/>
+            <a:tailEnd type="none" w="lg" len="lg"/>
+          </a:ln>
+        </p:spPr>
+        <p:txBody>
+          <a:bodyPr>
+            <a:spAutoFit/>
+          </a:bodyPr>
+          <a:lstStyle/>
+          <a:p>
+            <a:r>
+              <a:rPr lang="en-US" sz="3200" dirty="0"/>
+              <a:t>Example: </a:t>
+            </a:r>
+            <a:r>
+              <a:rPr lang="en-US" sz="3200" dirty="0">
+                <a:solidFill>
+                  <a:srgbClr val="0000CC"/>
+                </a:solidFill>
+              </a:rPr>
+              <a:t>a</a:t>
+            </a:r>
+            <a:r>
+              <a:rPr lang="en-US" sz="3200" dirty="0"/>
+              <a:t> = 899, </a:t>
+            </a:r>
+            <a:r>
+              <a:rPr lang="en-US" sz="3200" dirty="0">
+                <a:solidFill>
+                  <a:srgbClr val="0000CC"/>
+                </a:solidFill>
+              </a:rPr>
+              <a:t>b</a:t>
+            </a:r>
+            <a:r>
+              <a:rPr lang="en-US" sz="3200" dirty="0"/>
+              <a:t>=493</a:t>
+            </a:r>
+          </a:p>
+          <a:p>
+            <a:r>
+              <a:rPr lang="en-US" sz="3200" dirty="0"/>
+              <a:t>899 = 1·493 + 406    </a:t>
+            </a:r>
+            <a:r>
+              <a:rPr lang="en-US" sz="3200" dirty="0" smtClean="0"/>
+              <a:t>  so </a:t>
+            </a:r>
+            <a:r>
+              <a:rPr lang="en-US" sz="3200" dirty="0"/>
+              <a:t>406 = 1·899 + -1·493</a:t>
+            </a:r>
+          </a:p>
+          <a:p>
+            <a:r>
+              <a:rPr lang="en-US" sz="3200" dirty="0"/>
+              <a:t>493 = 1·406 + 87        so </a:t>
+            </a:r>
+            <a:r>
+              <a:rPr lang="en-US" sz="3200" dirty="0" smtClean="0"/>
+              <a:t>  87 </a:t>
+            </a:r>
+            <a:r>
+              <a:rPr lang="en-US" sz="3200" dirty="0"/>
+              <a:t>= 493 –</a:t>
+            </a:r>
+            <a:r>
+              <a:rPr lang="en-US" sz="2400" dirty="0"/>
+              <a:t> </a:t>
+            </a:r>
+            <a:r>
+              <a:rPr lang="en-US" sz="3200" dirty="0"/>
+              <a:t>1·406</a:t>
+            </a:r>
+            <a:endParaRPr lang="en-US" sz="2400" dirty="0"/>
+          </a:p>
+          <a:p>
+            <a:r>
+              <a:rPr lang="en-US" sz="3200" dirty="0"/>
+              <a:t>                                        </a:t>
+            </a:r>
+            <a:r>
+              <a:rPr lang="en-US" sz="3200" dirty="0" smtClean="0"/>
+              <a:t>     </a:t>
+            </a:r>
+            <a:r>
+              <a:rPr lang="en-US" sz="3200" dirty="0"/>
+              <a:t>= -1·899 + 2∙493</a:t>
+            </a:r>
+          </a:p>
+          <a:p>
+            <a:r>
+              <a:rPr lang="en-US" sz="3200" dirty="0"/>
+              <a:t>406 = 4·87 + 58         </a:t>
+            </a:r>
+            <a:r>
+              <a:rPr lang="en-US" sz="3200" dirty="0" smtClean="0"/>
+              <a:t>so   </a:t>
+            </a:r>
+            <a:r>
+              <a:rPr lang="en-US" sz="3200" dirty="0"/>
+              <a:t>58 = 406 - 4·87</a:t>
+            </a:r>
+          </a:p>
+          <a:p>
+            <a:r>
+              <a:rPr lang="en-US" sz="3200" dirty="0"/>
+              <a:t>                                        </a:t>
+            </a:r>
+            <a:r>
+              <a:rPr lang="en-US" sz="3200" dirty="0" smtClean="0"/>
+              <a:t>     </a:t>
+            </a:r>
+            <a:r>
+              <a:rPr lang="en-US" sz="3200" dirty="0"/>
+              <a:t>= 5·899 + -9·493</a:t>
+            </a:r>
+          </a:p>
+          <a:p>
+            <a:r>
+              <a:rPr lang="en-US" sz="3200" dirty="0"/>
+              <a:t>87   = 1·58 + 29          </a:t>
+            </a:r>
+            <a:r>
+              <a:rPr lang="en-US" sz="3200" dirty="0" smtClean="0"/>
+              <a:t>so  </a:t>
+            </a:r>
+            <a:r>
+              <a:rPr lang="en-US" sz="3200" dirty="0"/>
+              <a:t>29 = 87 – 1·58</a:t>
+            </a:r>
+          </a:p>
+          <a:p>
+            <a:r>
+              <a:rPr lang="en-US" sz="3200" dirty="0"/>
+              <a:t>                                       </a:t>
+            </a:r>
+            <a:r>
+              <a:rPr lang="en-US" sz="3200" dirty="0" smtClean="0"/>
+              <a:t>     </a:t>
+            </a:r>
+            <a:r>
+              <a:rPr lang="en-US" sz="3200" dirty="0"/>
+              <a:t>= -6·899 + 11∙493</a:t>
+            </a:r>
+          </a:p>
+          <a:p>
+            <a:r>
+              <a:rPr lang="en-US" sz="3200" dirty="0"/>
+              <a:t>58   = 2·29 + 0           </a:t>
+            </a:r>
+            <a:r>
+              <a:rPr lang="en-US" sz="3200" dirty="0" smtClean="0"/>
+              <a:t>    done</a:t>
+            </a:r>
+            <a:r>
+              <a:rPr lang="en-US" sz="3200" dirty="0"/>
+              <a:t>, </a:t>
+            </a:r>
+            <a:r>
+              <a:rPr lang="en-US" sz="3200" dirty="0" err="1"/>
+              <a:t>gcd</a:t>
+            </a:r>
+            <a:r>
+              <a:rPr lang="en-US" sz="3200" dirty="0"/>
+              <a:t> = 29</a:t>
+            </a:r>
+          </a:p>
+        </p:txBody>
+      </p:sp>
+      <p:sp>
+        <p:nvSpPr>
+          <p:cNvPr id="30722" name="Rectangle 2"/>
+          <p:cNvSpPr>
+            <a:spLocks noGrp="1" noChangeArrowheads="1"/>
+          </p:cNvSpPr>
+          <p:nvPr>
+            <p:ph type="title"/>
+          </p:nvPr>
+        </p:nvSpPr>
+        <p:spPr/>
+        <p:txBody>
+          <a:bodyPr/>
+          <a:lstStyle/>
+          <a:p>
+            <a:pPr eaLnBrk="1" hangingPunct="1"/>
+            <a:r>
+              <a:rPr lang="en-US" dirty="0" smtClean="0"/>
+              <a:t>Finding </a:t>
+            </a:r>
+            <a:r>
+              <a:rPr lang="en-US" dirty="0" smtClean="0">
+                <a:solidFill>
+                  <a:srgbClr val="0000CC"/>
+                </a:solidFill>
+              </a:rPr>
+              <a:t>s</a:t>
+            </a:r>
+            <a:r>
+              <a:rPr lang="en-US" dirty="0" smtClean="0"/>
+              <a:t> and </a:t>
+            </a:r>
+            <a:r>
+              <a:rPr lang="en-US" dirty="0" smtClean="0">
+                <a:solidFill>
+                  <a:srgbClr val="0000CC"/>
+                </a:solidFill>
+              </a:rPr>
+              <a:t>t</a:t>
+            </a:r>
+          </a:p>
+        </p:txBody>
+      </p:sp>
+      <p:sp>
+        <p:nvSpPr>
+          <p:cNvPr id="30724" name="Slide Number Placeholder 3"/>
+          <p:cNvSpPr>
+            <a:spLocks noGrp="1"/>
+          </p:cNvSpPr>
+          <p:nvPr>
+            <p:ph type="sldNum" sz="quarter" idx="10"/>
+          </p:nvPr>
+        </p:nvSpPr>
+        <p:spPr>
+          <a:noFill/>
+        </p:spPr>
+        <p:txBody>
+          <a:bodyPr/>
+          <a:lstStyle/>
+          <a:p>
+            <a:r>
+              <a:rPr lang="en-US" dirty="0" err="1" smtClean="0">
+                <a:latin typeface="Comic Sans MS" pitchFamily="8" charset="0"/>
+              </a:rPr>
+              <a:t>lec</a:t>
+            </a:r>
+            <a:r>
+              <a:rPr lang="en-US" dirty="0" smtClean="0">
+                <a:latin typeface="Comic Sans MS" pitchFamily="8" charset="0"/>
+              </a:rPr>
+              <a:t> 5W.</a:t>
+            </a:r>
+            <a:fld id="{C0A36D86-A96B-4FB7-B793-96DB8299F076}" type="slidenum">
+              <a:rPr lang="en-US" sz="1200" smtClean="0">
+                <a:latin typeface="Comic Sans MS" pitchFamily="8" charset="0"/>
+              </a:rPr>
+              <a:pPr/>
+              <a:t>30</a:t>
+            </a:fld>
+            <a:endParaRPr lang="en-US" sz="1200" dirty="0" smtClean="0">
+              <a:latin typeface="Comic Sans MS" pitchFamily="8" charset="0"/>
+            </a:endParaRPr>
+          </a:p>
+        </p:txBody>
+      </p:sp>
+    </p:spTree>
+    <p:extLst>
+      <p:ext uri="{BB962C8B-B14F-4D97-AF65-F5344CB8AC3E}">
+        <p14:creationId xmlns:p14="http://schemas.microsoft.com/office/powerpoint/2010/main" val="901337272"/>
+      </p:ext>
+    </p:extLst>
+  </p:cSld>
+  <p:clrMapOvr>
+    <a:masterClrMapping/>
+  </p:clrMapOvr>
+  <mc:AlternateContent xmlns:mc="http://schemas.openxmlformats.org/markup-compatibility/2006">
+    <mc:Choice xmlns:p14="http://schemas.microsoft.com/office/powerpoint/2010/main" Requires="p14">
+      <p:transition spd="med" p14:dur="700">
+        <p:fade thruBlk="1"/>
+      </p:transition>
+    </mc:Choice>
+    <mc:Fallback>
+      <p:transition xmlns:p14="http://schemas.microsoft.com/office/powerpoint/2010/main" spd="med">
+        <p:fade thruBlk="1"/>
+      </p:transition>
+    </mc:Fallback>
+  </mc:AlternateContent>
+  <p:timing>
+    <p:tnLst>
+      <p:par>
+        <p:cTn xmlns:p14="http://schemas.microsoft.com/office/powerpoint/2010/main" id="1" dur="indefinite" restart="never" nodeType="tmRoot">
+          <p:childTnLst>
+            <p:seq concurrent="1" nextAc="seek">
+              <p:cTn id="2" dur="indefinite" nodeType="mainSeq">
+                <p:childTnLst>
+                  <p:par>
+                    <p:cTn id="3" fill="hold">
+                      <p:stCondLst>
+                        <p:cond delay="indefinite"/>
+                      </p:stCondLst>
+                      <p:childTnLst>
+                        <p:par>
+                          <p:cTn id="4" fill="hold">
+                            <p:stCondLst>
+                              <p:cond delay="0"/>
+                            </p:stCondLst>
+                            <p:childTnLst>
+                              <p:par>
+                                <p:cTn id="5" presetID="22" presetClass="entr" presetSubtype="8" fill="hold" grpId="0" nodeType="clickEffect">
+                                  <p:stCondLst>
+                                    <p:cond delay="0"/>
+                                  </p:stCondLst>
+                                  <p:childTnLst>
+                                    <p:set>
+                                      <p:cBhvr>
+                                        <p:cTn id="6" dur="1" fill="hold">
+                                          <p:stCondLst>
+                                            <p:cond delay="0"/>
+                                          </p:stCondLst>
+                                        </p:cTn>
+                                        <p:tgtEl>
+                                          <p:spTgt spid="6">
+                                            <p:txEl>
+                                              <p:pRg st="0" end="0"/>
+                                            </p:txEl>
+                                          </p:spTgt>
+                                        </p:tgtEl>
+                                        <p:attrNameLst>
+                                          <p:attrName>style.visibility</p:attrName>
+                                        </p:attrNameLst>
+                                      </p:cBhvr>
+                                      <p:to>
+                                        <p:strVal val="visible"/>
+                                      </p:to>
+                                    </p:set>
+                                    <p:animEffect transition="in" filter="wipe(left)">
+                                      <p:cBhvr>
+                                        <p:cTn id="7" dur="500"/>
+                                        <p:tgtEl>
+                                          <p:spTgt spid="6">
+                                            <p:txEl>
+                                              <p:pRg st="0" end="0"/>
+                                            </p:txEl>
+                                          </p:spTgt>
+                                        </p:tgtEl>
+                                      </p:cBhvr>
+                                    </p:animEffect>
+                                  </p:childTnLst>
+                                </p:cTn>
+                              </p:par>
+                            </p:childTnLst>
+                          </p:cTn>
+                        </p:par>
+                      </p:childTnLst>
+                    </p:cTn>
+                  </p:par>
+                  <p:par>
+                    <p:cTn id="8" fill="hold">
+                      <p:stCondLst>
+                        <p:cond delay="indefinite"/>
+                      </p:stCondLst>
+                      <p:childTnLst>
+                        <p:par>
+                          <p:cTn id="9" fill="hold">
+                            <p:stCondLst>
+                              <p:cond delay="0"/>
+                            </p:stCondLst>
+                            <p:childTnLst>
+                              <p:par>
+                                <p:cTn id="10" presetID="22" presetClass="entr" presetSubtype="8" fill="hold" grpId="0" nodeType="clickEffect">
+                                  <p:stCondLst>
+                                    <p:cond delay="0"/>
+                                  </p:stCondLst>
+                                  <p:childTnLst>
+                                    <p:set>
+                                      <p:cBhvr>
+                                        <p:cTn id="11" dur="1" fill="hold">
+                                          <p:stCondLst>
+                                            <p:cond delay="0"/>
+                                          </p:stCondLst>
+                                        </p:cTn>
+                                        <p:tgtEl>
+                                          <p:spTgt spid="6">
+                                            <p:txEl>
+                                              <p:pRg st="1" end="1"/>
+                                            </p:txEl>
+                                          </p:spTgt>
+                                        </p:tgtEl>
+                                        <p:attrNameLst>
+                                          <p:attrName>style.visibility</p:attrName>
+                                        </p:attrNameLst>
+                                      </p:cBhvr>
+                                      <p:to>
+                                        <p:strVal val="visible"/>
+                                      </p:to>
+                                    </p:set>
+                                    <p:animEffect transition="in" filter="wipe(left)">
+                                      <p:cBhvr>
+                                        <p:cTn id="12" dur="500"/>
+                                        <p:tgtEl>
+                                          <p:spTgt spid="6">
+                                            <p:txEl>
+                                              <p:pRg st="1" end="1"/>
+                                            </p:txEl>
+                                          </p:spTgt>
+                                        </p:tgtEl>
+                                      </p:cBhvr>
+                                    </p:animEffect>
+                                  </p:childTnLst>
+                                </p:cTn>
+                              </p:par>
+                            </p:childTnLst>
+                          </p:cTn>
+                        </p:par>
+                      </p:childTnLst>
+                    </p:cTn>
+                  </p:par>
+                  <p:par>
+                    <p:cTn id="13" fill="hold">
+                      <p:stCondLst>
+                        <p:cond delay="indefinite"/>
+                      </p:stCondLst>
+                      <p:childTnLst>
+                        <p:par>
+                          <p:cTn id="14" fill="hold">
+                            <p:stCondLst>
+                              <p:cond delay="0"/>
+                            </p:stCondLst>
+                            <p:childTnLst>
+                              <p:par>
+                                <p:cTn id="15" presetID="22" presetClass="entr" presetSubtype="8" fill="hold" grpId="0" nodeType="clickEffect">
+                                  <p:stCondLst>
+                                    <p:cond delay="0"/>
+                                  </p:stCondLst>
+                                  <p:childTnLst>
+                                    <p:set>
+                                      <p:cBhvr>
+                                        <p:cTn id="16" dur="1" fill="hold">
+                                          <p:stCondLst>
+                                            <p:cond delay="0"/>
+                                          </p:stCondLst>
+                                        </p:cTn>
+                                        <p:tgtEl>
+                                          <p:spTgt spid="6">
+                                            <p:txEl>
+                                              <p:pRg st="2" end="2"/>
+                                            </p:txEl>
+                                          </p:spTgt>
+                                        </p:tgtEl>
+                                        <p:attrNameLst>
+                                          <p:attrName>style.visibility</p:attrName>
+                                        </p:attrNameLst>
+                                      </p:cBhvr>
+                                      <p:to>
+                                        <p:strVal val="visible"/>
+                                      </p:to>
+                                    </p:set>
+                                    <p:animEffect transition="in" filter="wipe(left)">
+                                      <p:cBhvr>
+                                        <p:cTn id="17" dur="500"/>
+                                        <p:tgtEl>
+                                          <p:spTgt spid="6">
+                                            <p:txEl>
+                                              <p:pRg st="2" end="2"/>
+                                            </p:txEl>
+                                          </p:spTgt>
+                                        </p:tgtEl>
+                                      </p:cBhvr>
+                                    </p:animEffect>
+                                  </p:childTnLst>
+                                </p:cTn>
+                              </p:par>
+                            </p:childTnLst>
+                          </p:cTn>
+                        </p:par>
+                      </p:childTnLst>
+                    </p:cTn>
+                  </p:par>
+                  <p:par>
+                    <p:cTn id="18" fill="hold">
+                      <p:stCondLst>
+                        <p:cond delay="indefinite"/>
+                      </p:stCondLst>
+                      <p:childTnLst>
+                        <p:par>
+                          <p:cTn id="19" fill="hold">
+                            <p:stCondLst>
+                              <p:cond delay="0"/>
+                            </p:stCondLst>
+                            <p:childTnLst>
+                              <p:par>
+                                <p:cTn id="20" presetID="22" presetClass="entr" presetSubtype="8" fill="hold" grpId="0" nodeType="clickEffect">
+                                  <p:stCondLst>
+                                    <p:cond delay="0"/>
+                                  </p:stCondLst>
+                                  <p:childTnLst>
+                                    <p:set>
+                                      <p:cBhvr>
+                                        <p:cTn id="21" dur="1" fill="hold">
+                                          <p:stCondLst>
+                                            <p:cond delay="0"/>
+                                          </p:stCondLst>
+                                        </p:cTn>
+                                        <p:tgtEl>
+                                          <p:spTgt spid="6">
+                                            <p:txEl>
+                                              <p:pRg st="3" end="3"/>
+                                            </p:txEl>
+                                          </p:spTgt>
+                                        </p:tgtEl>
+                                        <p:attrNameLst>
+                                          <p:attrName>style.visibility</p:attrName>
+                                        </p:attrNameLst>
+                                      </p:cBhvr>
+                                      <p:to>
+                                        <p:strVal val="visible"/>
+                                      </p:to>
+                                    </p:set>
+                                    <p:animEffect transition="in" filter="wipe(left)">
+                                      <p:cBhvr>
+                                        <p:cTn id="22" dur="500"/>
+                                        <p:tgtEl>
+                                          <p:spTgt spid="6">
+                                            <p:txEl>
+                                              <p:pRg st="3" end="3"/>
+                                            </p:txEl>
+                                          </p:spTgt>
+                                        </p:tgtEl>
+                                      </p:cBhvr>
+                                    </p:animEffect>
+                                  </p:childTnLst>
+                                </p:cTn>
+                              </p:par>
+                            </p:childTnLst>
+                          </p:cTn>
+                        </p:par>
+                      </p:childTnLst>
+                    </p:cTn>
+                  </p:par>
+                  <p:par>
+                    <p:cTn id="23" fill="hold">
+                      <p:stCondLst>
+                        <p:cond delay="indefinite"/>
+                      </p:stCondLst>
+                      <p:childTnLst>
+                        <p:par>
+                          <p:cTn id="24" fill="hold">
+                            <p:stCondLst>
+                              <p:cond delay="0"/>
+                            </p:stCondLst>
+                            <p:childTnLst>
+                              <p:par>
+                                <p:cTn id="25" presetID="22" presetClass="entr" presetSubtype="8" fill="hold" grpId="0" nodeType="clickEffect">
+                                  <p:stCondLst>
+                                    <p:cond delay="0"/>
+                                  </p:stCondLst>
+                                  <p:childTnLst>
+                                    <p:set>
+                                      <p:cBhvr>
+                                        <p:cTn id="26" dur="1" fill="hold">
+                                          <p:stCondLst>
+                                            <p:cond delay="0"/>
+                                          </p:stCondLst>
+                                        </p:cTn>
+                                        <p:tgtEl>
+                                          <p:spTgt spid="6">
+                                            <p:txEl>
+                                              <p:pRg st="4" end="4"/>
+                                            </p:txEl>
+                                          </p:spTgt>
+                                        </p:tgtEl>
+                                        <p:attrNameLst>
+                                          <p:attrName>style.visibility</p:attrName>
+                                        </p:attrNameLst>
+                                      </p:cBhvr>
+                                      <p:to>
+                                        <p:strVal val="visible"/>
+                                      </p:to>
+                                    </p:set>
+                                    <p:animEffect transition="in" filter="wipe(left)">
+                                      <p:cBhvr>
+                                        <p:cTn id="27" dur="500"/>
+                                        <p:tgtEl>
+                                          <p:spTgt spid="6">
+                                            <p:txEl>
+                                              <p:pRg st="4" end="4"/>
+                                            </p:txEl>
+                                          </p:spTgt>
+                                        </p:tgtEl>
+                                      </p:cBhvr>
+                                    </p:animEffect>
+                                  </p:childTnLst>
+                                </p:cTn>
+                              </p:par>
+                            </p:childTnLst>
+                          </p:cTn>
+                        </p:par>
+                      </p:childTnLst>
+                    </p:cTn>
+                  </p:par>
+                  <p:par>
+                    <p:cTn id="28" fill="hold">
+                      <p:stCondLst>
+                        <p:cond delay="indefinite"/>
+                      </p:stCondLst>
+                      <p:childTnLst>
+                        <p:par>
+                          <p:cTn id="29" fill="hold">
+                            <p:stCondLst>
+                              <p:cond delay="0"/>
+                            </p:stCondLst>
+                            <p:childTnLst>
+                              <p:par>
+                                <p:cTn id="30" presetID="22" presetClass="entr" presetSubtype="8" fill="hold" grpId="0" nodeType="clickEffect">
+                                  <p:stCondLst>
+                                    <p:cond delay="0"/>
+                                  </p:stCondLst>
+                                  <p:childTnLst>
+                                    <p:set>
+                                      <p:cBhvr>
+                                        <p:cTn id="31" dur="1" fill="hold">
+                                          <p:stCondLst>
+                                            <p:cond delay="0"/>
+                                          </p:stCondLst>
+                                        </p:cTn>
+                                        <p:tgtEl>
+                                          <p:spTgt spid="6">
+                                            <p:txEl>
+                                              <p:pRg st="5" end="5"/>
+                                            </p:txEl>
+                                          </p:spTgt>
+                                        </p:tgtEl>
+                                        <p:attrNameLst>
+                                          <p:attrName>style.visibility</p:attrName>
+                                        </p:attrNameLst>
+                                      </p:cBhvr>
+                                      <p:to>
+                                        <p:strVal val="visible"/>
+                                      </p:to>
+                                    </p:set>
+                                    <p:animEffect transition="in" filter="wipe(left)">
+                                      <p:cBhvr>
+                                        <p:cTn id="32" dur="500"/>
+                                        <p:tgtEl>
+                                          <p:spTgt spid="6">
+                                            <p:txEl>
+                                              <p:pRg st="5" end="5"/>
+                                            </p:txEl>
+                                          </p:spTgt>
+                                        </p:tgtEl>
+                                      </p:cBhvr>
+                                    </p:animEffect>
+                                  </p:childTnLst>
+                                </p:cTn>
+                              </p:par>
+                            </p:childTnLst>
+                          </p:cTn>
+                        </p:par>
+                      </p:childTnLst>
+                    </p:cTn>
+                  </p:par>
+                  <p:par>
+                    <p:cTn id="33" fill="hold">
+                      <p:stCondLst>
+                        <p:cond delay="indefinite"/>
+                      </p:stCondLst>
+                      <p:childTnLst>
+                        <p:par>
+                          <p:cTn id="34" fill="hold">
+                            <p:stCondLst>
+                              <p:cond delay="0"/>
+                            </p:stCondLst>
+                            <p:childTnLst>
+                              <p:par>
+                                <p:cTn id="35" presetID="22" presetClass="entr" presetSubtype="8" fill="hold" grpId="0" nodeType="clickEffect">
+                                  <p:stCondLst>
+                                    <p:cond delay="0"/>
+                                  </p:stCondLst>
+                                  <p:childTnLst>
+                                    <p:set>
+                                      <p:cBhvr>
+                                        <p:cTn id="36" dur="1" fill="hold">
+                                          <p:stCondLst>
+                                            <p:cond delay="0"/>
+                                          </p:stCondLst>
+                                        </p:cTn>
+                                        <p:tgtEl>
+                                          <p:spTgt spid="6">
+                                            <p:txEl>
+                                              <p:pRg st="6" end="6"/>
+                                            </p:txEl>
+                                          </p:spTgt>
+                                        </p:tgtEl>
+                                        <p:attrNameLst>
+                                          <p:attrName>style.visibility</p:attrName>
+                                        </p:attrNameLst>
+                                      </p:cBhvr>
+                                      <p:to>
+                                        <p:strVal val="visible"/>
+                                      </p:to>
+                                    </p:set>
+                                    <p:animEffect transition="in" filter="wipe(left)">
+                                      <p:cBhvr>
+                                        <p:cTn id="37" dur="500"/>
+                                        <p:tgtEl>
+                                          <p:spTgt spid="6">
+                                            <p:txEl>
+                                              <p:pRg st="6" end="6"/>
+                                            </p:txEl>
+                                          </p:spTgt>
+                                        </p:tgtEl>
+                                      </p:cBhvr>
+                                    </p:animEffect>
+                                  </p:childTnLst>
+                                </p:cTn>
+                              </p:par>
+                            </p:childTnLst>
+                          </p:cTn>
+                        </p:par>
+                      </p:childTnLst>
+                    </p:cTn>
+                  </p:par>
+                  <p:par>
+                    <p:cTn id="38" fill="hold">
+                      <p:stCondLst>
+                        <p:cond delay="indefinite"/>
+                      </p:stCondLst>
+                      <p:childTnLst>
+                        <p:par>
+                          <p:cTn id="39" fill="hold">
+                            <p:stCondLst>
+                              <p:cond delay="0"/>
+                            </p:stCondLst>
+                            <p:childTnLst>
+                              <p:par>
+                                <p:cTn id="40" presetID="22" presetClass="entr" presetSubtype="8" fill="hold" grpId="0" nodeType="clickEffect">
+                                  <p:stCondLst>
+                                    <p:cond delay="0"/>
+                                  </p:stCondLst>
+                                  <p:childTnLst>
+                                    <p:set>
+                                      <p:cBhvr>
+                                        <p:cTn id="41" dur="1" fill="hold">
+                                          <p:stCondLst>
+                                            <p:cond delay="0"/>
+                                          </p:stCondLst>
+                                        </p:cTn>
+                                        <p:tgtEl>
+                                          <p:spTgt spid="6">
+                                            <p:txEl>
+                                              <p:pRg st="7" end="7"/>
+                                            </p:txEl>
+                                          </p:spTgt>
+                                        </p:tgtEl>
+                                        <p:attrNameLst>
+                                          <p:attrName>style.visibility</p:attrName>
+                                        </p:attrNameLst>
+                                      </p:cBhvr>
+                                      <p:to>
+                                        <p:strVal val="visible"/>
+                                      </p:to>
+                                    </p:set>
+                                    <p:animEffect transition="in" filter="wipe(left)">
+                                      <p:cBhvr>
+                                        <p:cTn id="42" dur="500"/>
+                                        <p:tgtEl>
+                                          <p:spTgt spid="6">
+                                            <p:txEl>
+                                              <p:pRg st="7" end="7"/>
+                                            </p:txEl>
+                                          </p:spTgt>
+                                        </p:tgtEl>
+                                      </p:cBhvr>
+                                    </p:animEffect>
+                                  </p:childTnLst>
+                                </p:cTn>
+                              </p:par>
+                            </p:childTnLst>
+                          </p:cTn>
+                        </p:par>
+                      </p:childTnLst>
+                    </p:cTn>
+                  </p:par>
+                  <p:par>
+                    <p:cTn id="43" fill="hold">
+                      <p:stCondLst>
+                        <p:cond delay="indefinite"/>
+                      </p:stCondLst>
+                      <p:childTnLst>
+                        <p:par>
+                          <p:cTn id="44" fill="hold">
+                            <p:stCondLst>
+                              <p:cond delay="0"/>
+                            </p:stCondLst>
+                            <p:childTnLst>
+                              <p:par>
+                                <p:cTn id="45" presetID="22" presetClass="entr" presetSubtype="8" fill="hold" grpId="0" nodeType="clickEffect">
+                                  <p:stCondLst>
+                                    <p:cond delay="0"/>
+                                  </p:stCondLst>
+                                  <p:childTnLst>
+                                    <p:set>
+                                      <p:cBhvr>
+                                        <p:cTn id="46" dur="1" fill="hold">
+                                          <p:stCondLst>
+                                            <p:cond delay="0"/>
+                                          </p:stCondLst>
+                                        </p:cTn>
+                                        <p:tgtEl>
+                                          <p:spTgt spid="6">
+                                            <p:txEl>
+                                              <p:pRg st="8" end="8"/>
+                                            </p:txEl>
+                                          </p:spTgt>
+                                        </p:tgtEl>
+                                        <p:attrNameLst>
+                                          <p:attrName>style.visibility</p:attrName>
+                                        </p:attrNameLst>
+                                      </p:cBhvr>
+                                      <p:to>
+                                        <p:strVal val="visible"/>
+                                      </p:to>
+                                    </p:set>
+                                    <p:animEffect transition="in" filter="wipe(left)">
+                                      <p:cBhvr>
+                                        <p:cTn id="47" dur="500"/>
+                                        <p:tgtEl>
+                                          <p:spTgt spid="6">
+                                            <p:txEl>
+                                              <p:pRg st="8" end="8"/>
+                                            </p:txEl>
+                                          </p:spTgt>
+                                        </p:tgtEl>
+                                      </p:cBhvr>
+                                    </p:animEffect>
+                                  </p:childTnLst>
+                                </p:cTn>
+                              </p:par>
+                            </p:childTnLst>
+                          </p:cTn>
+                        </p:par>
+                      </p:childTnLst>
+                    </p:cTn>
+                  </p:par>
+                </p:childTnLst>
+              </p:cTn>
+              <p:prevCondLst>
+                <p:cond evt="onPrev" delay="0">
+                  <p:tgtEl>
+                    <p:sldTgt/>
+                  </p:tgtEl>
+                </p:cond>
+              </p:prevCondLst>
+              <p:nextCondLst>
+                <p:cond evt="onNext" delay="0">
+                  <p:tgtEl>
+                    <p:sldTgt/>
+                  </p:tgtEl>
+                </p:cond>
+              </p:nextCondLst>
+            </p:seq>
+          </p:childTnLst>
+        </p:cTn>
+      </p:par>
+    </p:tnLst>
+    <p:bldLst>
+      <p:bldP spid="6" grpId="0" build="p"/>
+    </p:bldLst>
+  </p:timing>
+</p:sld>
+</file>
+
+<file path=ppt/slides/slide31.xml><?xml version="1.0" encoding="utf-8"?>
+<p:sld xmlns:a="http://schemas.openxmlformats.org/drawingml/2006/main" xmlns:r="http://schemas.openxmlformats.org/officeDocument/2006/relationships" xmlns:p="http://schemas.openxmlformats.org/presentationml/2006/main" show="0">
+  <p:cSld>
+    <p:spTree>
+      <p:nvGrpSpPr>
+        <p:cNvPr id="1" name=""/>
+        <p:cNvGrpSpPr/>
+        <p:nvPr/>
+      </p:nvGrpSpPr>
+      <p:grpSpPr>
+        <a:xfrm>
+          <a:off x="0" y="0"/>
+          <a:ext cx="0" cy="0"/>
+          <a:chOff x="0" y="0"/>
+          <a:chExt cx="0" cy="0"/>
+        </a:xfrm>
+      </p:grpSpPr>
+      <p:sp>
+        <p:nvSpPr>
           <p:cNvPr id="782342" name="Text Box 6"/>
           <p:cNvSpPr txBox="1">
             <a:spLocks noChangeArrowheads="1"/>
@@ -20653,8 +21893,13 @@
             </a:r>
             <a:r>
               <a:rPr lang="en-US" sz="3200" dirty="0"/>
-              <a:t> = 29</a:t>
-            </a:r>
+              <a:t> = </a:t>
+            </a:r>
+            <a:r>
+              <a:rPr lang="en-US" sz="3200" dirty="0" smtClean="0"/>
+              <a:t>29</a:t>
+            </a:r>
+            <a:endParaRPr lang="en-US" sz="3200" dirty="0"/>
           </a:p>
         </p:txBody>
       </p:sp>
@@ -20735,7 +21980,7 @@
                 <a:latin typeface="Comic Sans MS" pitchFamily="8" charset="0"/>
               </a:rPr>
               <a:pPr/>
-              <a:t>30</a:t>
+              <a:t>31</a:t>
             </a:fld>
             <a:endParaRPr lang="en-US" sz="1200" dirty="0" smtClean="0">
               <a:latin typeface="Comic Sans MS" pitchFamily="8" charset="0"/>
@@ -21108,7 +22353,693 @@
 </p:sld>
 </file>
 
-<file path=ppt/slides/slide31.xml><?xml version="1.0" encoding="utf-8"?>
+<file path=ppt/slides/slide32.xml><?xml version="1.0" encoding="utf-8"?>
+<p:sld xmlns:a="http://schemas.openxmlformats.org/drawingml/2006/main" xmlns:r="http://schemas.openxmlformats.org/officeDocument/2006/relationships" xmlns:p="http://schemas.openxmlformats.org/presentationml/2006/main">
+  <p:cSld>
+    <p:spTree>
+      <p:nvGrpSpPr>
+        <p:cNvPr id="1" name=""/>
+        <p:cNvGrpSpPr/>
+        <p:nvPr/>
+      </p:nvGrpSpPr>
+      <p:grpSpPr>
+        <a:xfrm>
+          <a:off x="0" y="0"/>
+          <a:ext cx="0" cy="0"/>
+          <a:chOff x="0" y="0"/>
+          <a:chExt cx="0" cy="0"/>
+        </a:xfrm>
+      </p:grpSpPr>
+      <p:sp>
+        <p:nvSpPr>
+          <p:cNvPr id="30722" name="Rectangle 2"/>
+          <p:cNvSpPr>
+            <a:spLocks noGrp="1" noChangeArrowheads="1"/>
+          </p:cNvSpPr>
+          <p:nvPr>
+            <p:ph type="title"/>
+          </p:nvPr>
+        </p:nvSpPr>
+        <p:spPr/>
+        <p:txBody>
+          <a:bodyPr/>
+          <a:lstStyle/>
+          <a:p>
+            <a:pPr eaLnBrk="1" hangingPunct="1"/>
+            <a:r>
+              <a:rPr lang="en-US" dirty="0" smtClean="0"/>
+              <a:t>Finding </a:t>
+            </a:r>
+            <a:r>
+              <a:rPr lang="en-US" dirty="0" smtClean="0">
+                <a:solidFill>
+                  <a:srgbClr val="0000CC"/>
+                </a:solidFill>
+              </a:rPr>
+              <a:t>s</a:t>
+            </a:r>
+            <a:r>
+              <a:rPr lang="en-US" dirty="0" smtClean="0"/>
+              <a:t> and </a:t>
+            </a:r>
+            <a:r>
+              <a:rPr lang="en-US" dirty="0" smtClean="0">
+                <a:solidFill>
+                  <a:srgbClr val="0000CC"/>
+                </a:solidFill>
+              </a:rPr>
+              <a:t>t</a:t>
+            </a:r>
+          </a:p>
+        </p:txBody>
+      </p:sp>
+      <p:sp>
+        <p:nvSpPr>
+          <p:cNvPr id="30724" name="Slide Number Placeholder 3"/>
+          <p:cNvSpPr>
+            <a:spLocks noGrp="1"/>
+          </p:cNvSpPr>
+          <p:nvPr>
+            <p:ph type="sldNum" sz="quarter" idx="10"/>
+          </p:nvPr>
+        </p:nvSpPr>
+        <p:spPr>
+          <a:noFill/>
+        </p:spPr>
+        <p:txBody>
+          <a:bodyPr/>
+          <a:lstStyle/>
+          <a:p>
+            <a:r>
+              <a:rPr lang="en-US" dirty="0" err="1" smtClean="0">
+                <a:latin typeface="Comic Sans MS" pitchFamily="8" charset="0"/>
+              </a:rPr>
+              <a:t>lec</a:t>
+            </a:r>
+            <a:r>
+              <a:rPr lang="en-US" dirty="0" smtClean="0">
+                <a:latin typeface="Comic Sans MS" pitchFamily="8" charset="0"/>
+              </a:rPr>
+              <a:t> 5W.</a:t>
+            </a:r>
+            <a:fld id="{C0A36D86-A96B-4FB7-B793-96DB8299F076}" type="slidenum">
+              <a:rPr lang="en-US" sz="1200" smtClean="0">
+                <a:latin typeface="Comic Sans MS" pitchFamily="8" charset="0"/>
+              </a:rPr>
+              <a:pPr/>
+              <a:t>32</a:t>
+            </a:fld>
+            <a:endParaRPr lang="en-US" sz="1200" dirty="0" smtClean="0">
+              <a:latin typeface="Comic Sans MS" pitchFamily="8" charset="0"/>
+            </a:endParaRPr>
+          </a:p>
+        </p:txBody>
+      </p:sp>
+      <p:sp>
+        <p:nvSpPr>
+          <p:cNvPr id="7" name="Text Box 4"/>
+          <p:cNvSpPr txBox="1">
+            <a:spLocks noChangeArrowheads="1"/>
+          </p:cNvSpPr>
+          <p:nvPr/>
+        </p:nvSpPr>
+        <p:spPr bwMode="auto">
+          <a:xfrm>
+            <a:off x="92625" y="5410200"/>
+            <a:ext cx="4860375" cy="923330"/>
+          </a:xfrm>
+          <a:prstGeom prst="rect">
+            <a:avLst/>
+          </a:prstGeom>
+          <a:noFill/>
+          <a:ln w="38100">
+            <a:noFill/>
+            <a:miter lim="800000"/>
+            <a:headEnd/>
+            <a:tailEnd type="none" w="lg" len="lg"/>
+          </a:ln>
+        </p:spPr>
+        <p:txBody>
+          <a:bodyPr wrap="none">
+            <a:spAutoFit/>
+          </a:bodyPr>
+          <a:lstStyle/>
+          <a:p>
+            <a:r>
+              <a:rPr lang="en-US" sz="5400" b="1" dirty="0">
+                <a:solidFill>
+                  <a:srgbClr val="008000"/>
+                </a:solidFill>
+              </a:rPr>
+              <a:t>the </a:t>
+            </a:r>
+            <a:r>
+              <a:rPr lang="en-US" sz="5400" b="1" dirty="0" err="1">
+                <a:solidFill>
+                  <a:srgbClr val="008000"/>
+                </a:solidFill>
+              </a:rPr>
+              <a:t>Pulverizer</a:t>
+            </a:r>
+            <a:endParaRPr lang="en-US" sz="5400" b="1" dirty="0">
+              <a:solidFill>
+                <a:srgbClr val="008000"/>
+              </a:solidFill>
+            </a:endParaRPr>
+          </a:p>
+        </p:txBody>
+      </p:sp>
+      <p:sp>
+        <p:nvSpPr>
+          <p:cNvPr id="8" name="TextBox 7"/>
+          <p:cNvSpPr txBox="1"/>
+          <p:nvPr/>
+        </p:nvSpPr>
+        <p:spPr>
+          <a:xfrm>
+            <a:off x="5029200" y="5638800"/>
+            <a:ext cx="3385863" cy="769441"/>
+          </a:xfrm>
+          <a:prstGeom prst="rect">
+            <a:avLst/>
+          </a:prstGeom>
+          <a:noFill/>
+        </p:spPr>
+        <p:txBody>
+          <a:bodyPr wrap="none" rtlCol="0">
+            <a:spAutoFit/>
+          </a:bodyPr>
+          <a:lstStyle/>
+          <a:p>
+            <a:r>
+              <a:rPr lang="en-US" sz="4400" dirty="0" smtClean="0">
+                <a:solidFill>
+                  <a:schemeClr val="accent1">
+                    <a:lumMod val="50000"/>
+                  </a:schemeClr>
+                </a:solidFill>
+              </a:rPr>
+              <a:t>s</a:t>
+            </a:r>
+            <a:r>
+              <a:rPr lang="en-US" sz="4400" dirty="0" smtClean="0"/>
+              <a:t> = </a:t>
+            </a:r>
+            <a:r>
+              <a:rPr lang="en-US" sz="4400" dirty="0" smtClean="0">
+                <a:solidFill>
+                  <a:srgbClr val="FF00FF"/>
+                </a:solidFill>
+              </a:rPr>
+              <a:t>-6</a:t>
+            </a:r>
+            <a:r>
+              <a:rPr lang="en-US" sz="4400" dirty="0" smtClean="0"/>
+              <a:t>, </a:t>
+            </a:r>
+            <a:r>
+              <a:rPr lang="en-US" sz="4400" dirty="0" smtClean="0">
+                <a:solidFill>
+                  <a:schemeClr val="accent1">
+                    <a:lumMod val="50000"/>
+                  </a:schemeClr>
+                </a:solidFill>
+              </a:rPr>
+              <a:t>t</a:t>
+            </a:r>
+            <a:r>
+              <a:rPr lang="en-US" sz="4400" dirty="0" smtClean="0"/>
+              <a:t> = </a:t>
+            </a:r>
+            <a:r>
+              <a:rPr lang="en-US" sz="4400" dirty="0" smtClean="0">
+                <a:solidFill>
+                  <a:srgbClr val="FF00FF"/>
+                </a:solidFill>
+              </a:rPr>
+              <a:t>11</a:t>
+            </a:r>
+          </a:p>
+        </p:txBody>
+      </p:sp>
+      <p:sp>
+        <p:nvSpPr>
+          <p:cNvPr id="10" name="Text Box 3"/>
+          <p:cNvSpPr txBox="1">
+            <a:spLocks noChangeArrowheads="1"/>
+          </p:cNvSpPr>
+          <p:nvPr/>
+        </p:nvSpPr>
+        <p:spPr bwMode="auto">
+          <a:xfrm>
+            <a:off x="152400" y="1166842"/>
+            <a:ext cx="8915400" cy="4524315"/>
+          </a:xfrm>
+          <a:prstGeom prst="rect">
+            <a:avLst/>
+          </a:prstGeom>
+          <a:noFill/>
+          <a:ln w="38100">
+            <a:noFill/>
+            <a:miter lim="800000"/>
+            <a:headEnd/>
+            <a:tailEnd type="none" w="lg" len="lg"/>
+          </a:ln>
+        </p:spPr>
+        <p:txBody>
+          <a:bodyPr>
+            <a:spAutoFit/>
+          </a:bodyPr>
+          <a:lstStyle/>
+          <a:p>
+            <a:r>
+              <a:rPr lang="en-US" sz="3200" dirty="0"/>
+              <a:t>Example: </a:t>
+            </a:r>
+            <a:r>
+              <a:rPr lang="en-US" sz="3200" dirty="0">
+                <a:solidFill>
+                  <a:srgbClr val="0000CC"/>
+                </a:solidFill>
+              </a:rPr>
+              <a:t>a</a:t>
+            </a:r>
+            <a:r>
+              <a:rPr lang="en-US" sz="3200" dirty="0"/>
+              <a:t> = 899, </a:t>
+            </a:r>
+            <a:r>
+              <a:rPr lang="en-US" sz="3200" dirty="0">
+                <a:solidFill>
+                  <a:srgbClr val="0000CC"/>
+                </a:solidFill>
+              </a:rPr>
+              <a:t>b</a:t>
+            </a:r>
+            <a:r>
+              <a:rPr lang="en-US" sz="3200" dirty="0"/>
+              <a:t>=493</a:t>
+            </a:r>
+          </a:p>
+          <a:p>
+            <a:r>
+              <a:rPr lang="en-US" sz="3200" dirty="0"/>
+              <a:t>899 = 1·493 + 406    </a:t>
+            </a:r>
+            <a:r>
+              <a:rPr lang="en-US" sz="3200" dirty="0" smtClean="0"/>
+              <a:t>  so </a:t>
+            </a:r>
+            <a:r>
+              <a:rPr lang="en-US" sz="3200" dirty="0"/>
+              <a:t>406 = 1·899 + -1·493</a:t>
+            </a:r>
+          </a:p>
+          <a:p>
+            <a:r>
+              <a:rPr lang="en-US" sz="3200" dirty="0"/>
+              <a:t>493 = 1·406 + 87        so </a:t>
+            </a:r>
+            <a:r>
+              <a:rPr lang="en-US" sz="3200" dirty="0" smtClean="0"/>
+              <a:t>  87 </a:t>
+            </a:r>
+            <a:r>
+              <a:rPr lang="en-US" sz="3200" dirty="0"/>
+              <a:t>= 493 –</a:t>
+            </a:r>
+            <a:r>
+              <a:rPr lang="en-US" sz="2400" dirty="0"/>
+              <a:t> </a:t>
+            </a:r>
+            <a:r>
+              <a:rPr lang="en-US" sz="3200" dirty="0"/>
+              <a:t>1·406</a:t>
+            </a:r>
+            <a:endParaRPr lang="en-US" sz="2400" dirty="0"/>
+          </a:p>
+          <a:p>
+            <a:r>
+              <a:rPr lang="en-US" sz="3200" dirty="0"/>
+              <a:t>                                        </a:t>
+            </a:r>
+            <a:r>
+              <a:rPr lang="en-US" sz="3200" dirty="0" smtClean="0"/>
+              <a:t>     </a:t>
+            </a:r>
+            <a:r>
+              <a:rPr lang="en-US" sz="3200" dirty="0"/>
+              <a:t>= -1·899 + 2∙493</a:t>
+            </a:r>
+          </a:p>
+          <a:p>
+            <a:r>
+              <a:rPr lang="en-US" sz="3200" dirty="0"/>
+              <a:t>406 = 4·87 + 58         </a:t>
+            </a:r>
+            <a:r>
+              <a:rPr lang="en-US" sz="3200" dirty="0" smtClean="0"/>
+              <a:t>so   </a:t>
+            </a:r>
+            <a:r>
+              <a:rPr lang="en-US" sz="3200" dirty="0"/>
+              <a:t>58 = 406 - 4·87</a:t>
+            </a:r>
+          </a:p>
+          <a:p>
+            <a:r>
+              <a:rPr lang="en-US" sz="3200" dirty="0"/>
+              <a:t>                                        </a:t>
+            </a:r>
+            <a:r>
+              <a:rPr lang="en-US" sz="3200" dirty="0" smtClean="0"/>
+              <a:t>     </a:t>
+            </a:r>
+            <a:r>
+              <a:rPr lang="en-US" sz="3200" dirty="0"/>
+              <a:t>= 5·899 + -9·493</a:t>
+            </a:r>
+          </a:p>
+          <a:p>
+            <a:r>
+              <a:rPr lang="en-US" sz="3200" dirty="0"/>
+              <a:t>87   = 1·58 + 29          </a:t>
+            </a:r>
+            <a:r>
+              <a:rPr lang="en-US" sz="3200" dirty="0" smtClean="0"/>
+              <a:t>so  </a:t>
+            </a:r>
+            <a:r>
+              <a:rPr lang="en-US" sz="3200" dirty="0"/>
+              <a:t>29 = 87 – 1·58</a:t>
+            </a:r>
+          </a:p>
+          <a:p>
+            <a:r>
+              <a:rPr lang="en-US" sz="3200" dirty="0"/>
+              <a:t>                                       </a:t>
+            </a:r>
+            <a:r>
+              <a:rPr lang="en-US" sz="3200" dirty="0" smtClean="0"/>
+              <a:t>     </a:t>
+            </a:r>
+            <a:r>
+              <a:rPr lang="en-US" sz="3200" dirty="0"/>
+              <a:t>= </a:t>
+            </a:r>
+            <a:r>
+              <a:rPr lang="en-US" sz="3200" dirty="0">
+                <a:solidFill>
+                  <a:srgbClr val="FF00FF"/>
+                </a:solidFill>
+              </a:rPr>
+              <a:t>-6</a:t>
+            </a:r>
+            <a:r>
+              <a:rPr lang="en-US" sz="3200" dirty="0"/>
+              <a:t>·899 +</a:t>
+            </a:r>
+            <a:r>
+              <a:rPr lang="en-US" sz="3200" dirty="0">
+                <a:solidFill>
+                  <a:srgbClr val="FF00FF"/>
+                </a:solidFill>
+              </a:rPr>
+              <a:t> 11</a:t>
+            </a:r>
+            <a:r>
+              <a:rPr lang="en-US" sz="3200" dirty="0"/>
+              <a:t>∙493</a:t>
+            </a:r>
+          </a:p>
+          <a:p>
+            <a:r>
+              <a:rPr lang="en-US" sz="3200" dirty="0"/>
+              <a:t>58   = 2·29 + 0           </a:t>
+            </a:r>
+            <a:r>
+              <a:rPr lang="en-US" sz="3200" dirty="0" smtClean="0"/>
+              <a:t>    done</a:t>
+            </a:r>
+            <a:r>
+              <a:rPr lang="en-US" sz="3200" dirty="0"/>
+              <a:t>, </a:t>
+            </a:r>
+            <a:r>
+              <a:rPr lang="en-US" sz="3200" dirty="0" err="1"/>
+              <a:t>gcd</a:t>
+            </a:r>
+            <a:r>
+              <a:rPr lang="en-US" sz="3200" dirty="0"/>
+              <a:t> = 29</a:t>
+            </a:r>
+          </a:p>
+        </p:txBody>
+      </p:sp>
+    </p:spTree>
+    <p:extLst>
+      <p:ext uri="{BB962C8B-B14F-4D97-AF65-F5344CB8AC3E}">
+        <p14:creationId xmlns:p14="http://schemas.microsoft.com/office/powerpoint/2010/main" val="2717345087"/>
+      </p:ext>
+    </p:extLst>
+  </p:cSld>
+  <p:clrMapOvr>
+    <a:masterClrMapping/>
+  </p:clrMapOvr>
+  <p:transition xmlns:p14="http://schemas.microsoft.com/office/powerpoint/2010/main">
+    <p:fade/>
+  </p:transition>
+  <p:timing>
+    <p:tnLst>
+      <p:par>
+        <p:cTn xmlns:p14="http://schemas.microsoft.com/office/powerpoint/2010/main" id="1" dur="indefinite" restart="never" nodeType="tmRoot">
+          <p:childTnLst>
+            <p:seq concurrent="1" nextAc="seek">
+              <p:cTn id="2" dur="indefinite" nodeType="mainSeq">
+                <p:childTnLst>
+                  <p:par>
+                    <p:cTn id="3" fill="hold">
+                      <p:stCondLst>
+                        <p:cond delay="indefinite"/>
+                        <p:cond evt="onBegin" delay="0">
+                          <p:tn val="2"/>
+                        </p:cond>
+                      </p:stCondLst>
+                      <p:childTnLst>
+                        <p:par>
+                          <p:cTn id="4" fill="hold">
+                            <p:stCondLst>
+                              <p:cond delay="0"/>
+                            </p:stCondLst>
+                            <p:childTnLst>
+                              <p:par>
+                                <p:cTn id="5" presetID="9" presetClass="entr" presetSubtype="0" fill="hold" grpId="0" nodeType="afterEffect">
+                                  <p:stCondLst>
+                                    <p:cond delay="0"/>
+                                  </p:stCondLst>
+                                  <p:childTnLst>
+                                    <p:set>
+                                      <p:cBhvr>
+                                        <p:cTn id="6" dur="1" fill="hold">
+                                          <p:stCondLst>
+                                            <p:cond delay="0"/>
+                                          </p:stCondLst>
+                                        </p:cTn>
+                                        <p:tgtEl>
+                                          <p:spTgt spid="8"/>
+                                        </p:tgtEl>
+                                        <p:attrNameLst>
+                                          <p:attrName>style.visibility</p:attrName>
+                                        </p:attrNameLst>
+                                      </p:cBhvr>
+                                      <p:to>
+                                        <p:strVal val="visible"/>
+                                      </p:to>
+                                    </p:set>
+                                    <p:animEffect transition="in" filter="dissolve">
+                                      <p:cBhvr>
+                                        <p:cTn id="7" dur="1000"/>
+                                        <p:tgtEl>
+                                          <p:spTgt spid="8"/>
+                                        </p:tgtEl>
+                                      </p:cBhvr>
+                                    </p:animEffect>
+                                  </p:childTnLst>
+                                </p:cTn>
+                              </p:par>
+                            </p:childTnLst>
+                          </p:cTn>
+                        </p:par>
+                      </p:childTnLst>
+                    </p:cTn>
+                  </p:par>
+                  <p:par>
+                    <p:cTn id="8" fill="hold">
+                      <p:stCondLst>
+                        <p:cond delay="indefinite"/>
+                      </p:stCondLst>
+                      <p:childTnLst>
+                        <p:par>
+                          <p:cTn id="9" fill="hold">
+                            <p:stCondLst>
+                              <p:cond delay="0"/>
+                            </p:stCondLst>
+                            <p:childTnLst>
+                              <p:par>
+                                <p:cTn id="10" presetID="15" presetClass="entr" presetSubtype="0" fill="hold" grpId="0" nodeType="clickEffect">
+                                  <p:stCondLst>
+                                    <p:cond delay="0"/>
+                                  </p:stCondLst>
+                                  <p:childTnLst>
+                                    <p:set>
+                                      <p:cBhvr>
+                                        <p:cTn id="11" dur="1" fill="hold">
+                                          <p:stCondLst>
+                                            <p:cond delay="0"/>
+                                          </p:stCondLst>
+                                        </p:cTn>
+                                        <p:tgtEl>
+                                          <p:spTgt spid="7"/>
+                                        </p:tgtEl>
+                                        <p:attrNameLst>
+                                          <p:attrName>style.visibility</p:attrName>
+                                        </p:attrNameLst>
+                                      </p:cBhvr>
+                                      <p:to>
+                                        <p:strVal val="visible"/>
+                                      </p:to>
+                                    </p:set>
+                                    <p:anim calcmode="lin" valueType="num">
+                                      <p:cBhvr>
+                                        <p:cTn id="12" dur="1000" fill="hold"/>
+                                        <p:tgtEl>
+                                          <p:spTgt spid="7"/>
+                                        </p:tgtEl>
+                                        <p:attrNameLst>
+                                          <p:attrName>ppt_w</p:attrName>
+                                        </p:attrNameLst>
+                                      </p:cBhvr>
+                                      <p:tavLst>
+                                        <p:tav tm="0">
+                                          <p:val>
+                                            <p:fltVal val="0"/>
+                                          </p:val>
+                                        </p:tav>
+                                        <p:tav tm="100000">
+                                          <p:val>
+                                            <p:strVal val="#ppt_w"/>
+                                          </p:val>
+                                        </p:tav>
+                                      </p:tavLst>
+                                    </p:anim>
+                                    <p:anim calcmode="lin" valueType="num">
+                                      <p:cBhvr>
+                                        <p:cTn id="13" dur="1000" fill="hold"/>
+                                        <p:tgtEl>
+                                          <p:spTgt spid="7"/>
+                                        </p:tgtEl>
+                                        <p:attrNameLst>
+                                          <p:attrName>ppt_h</p:attrName>
+                                        </p:attrNameLst>
+                                      </p:cBhvr>
+                                      <p:tavLst>
+                                        <p:tav tm="0">
+                                          <p:val>
+                                            <p:fltVal val="0"/>
+                                          </p:val>
+                                        </p:tav>
+                                        <p:tav tm="100000">
+                                          <p:val>
+                                            <p:strVal val="#ppt_h"/>
+                                          </p:val>
+                                        </p:tav>
+                                      </p:tavLst>
+                                    </p:anim>
+                                    <p:anim calcmode="lin" valueType="num">
+                                      <p:cBhvr>
+                                        <p:cTn id="14" dur="1000" fill="hold"/>
+                                        <p:tgtEl>
+                                          <p:spTgt spid="7"/>
+                                        </p:tgtEl>
+                                        <p:attrNameLst>
+                                          <p:attrName>ppt_x</p:attrName>
+                                        </p:attrNameLst>
+                                      </p:cBhvr>
+                                      <p:tavLst>
+                                        <p:tav tm="0" fmla="#ppt_x+(cos(-2*pi*(1-$))*-#ppt_x-sin(-2*pi*(1-$))*(1-#ppt_y))*(1-$)">
+                                          <p:val>
+                                            <p:fltVal val="0"/>
+                                          </p:val>
+                                        </p:tav>
+                                        <p:tav tm="100000">
+                                          <p:val>
+                                            <p:fltVal val="1"/>
+                                          </p:val>
+                                        </p:tav>
+                                      </p:tavLst>
+                                    </p:anim>
+                                    <p:anim calcmode="lin" valueType="num">
+                                      <p:cBhvr>
+                                        <p:cTn id="15" dur="1000" fill="hold"/>
+                                        <p:tgtEl>
+                                          <p:spTgt spid="7"/>
+                                        </p:tgtEl>
+                                        <p:attrNameLst>
+                                          <p:attrName>ppt_y</p:attrName>
+                                        </p:attrNameLst>
+                                      </p:cBhvr>
+                                      <p:tavLst>
+                                        <p:tav tm="0" fmla="#ppt_y+(sin(-2*pi*(1-$))*-#ppt_x+cos(-2*pi*(1-$))*(1-#ppt_y))*(1-$)">
+                                          <p:val>
+                                            <p:fltVal val="0"/>
+                                          </p:val>
+                                        </p:tav>
+                                        <p:tav tm="100000">
+                                          <p:val>
+                                            <p:fltVal val="1"/>
+                                          </p:val>
+                                        </p:tav>
+                                      </p:tavLst>
+                                    </p:anim>
+                                  </p:childTnLst>
+                                </p:cTn>
+                              </p:par>
+                            </p:childTnLst>
+                          </p:cTn>
+                        </p:par>
+                      </p:childTnLst>
+                    </p:cTn>
+                  </p:par>
+                </p:childTnLst>
+              </p:cTn>
+              <p:prevCondLst>
+                <p:cond evt="onPrev" delay="0">
+                  <p:tgtEl>
+                    <p:sldTgt/>
+                  </p:tgtEl>
+                </p:cond>
+              </p:prevCondLst>
+              <p:nextCondLst>
+                <p:cond evt="onNext" delay="0">
+                  <p:tgtEl>
+                    <p:sldTgt/>
+                  </p:tgtEl>
+                </p:cond>
+              </p:nextCondLst>
+            </p:seq>
+          </p:childTnLst>
+        </p:cTn>
+      </p:par>
+    </p:tnLst>
+    <p:bldLst>
+      <p:bldP spid="7" grpId="0"/>
+      <p:bldP spid="8" grpId="0"/>
+    </p:bldLst>
+  </p:timing>
+</p:sld>
+</file>
+
+<file path=ppt/slides/slide33.xml><?xml version="1.0" encoding="utf-8"?>
 <p:sld xmlns:a="http://schemas.openxmlformats.org/drawingml/2006/main" xmlns:r="http://schemas.openxmlformats.org/officeDocument/2006/relationships" xmlns:p="http://schemas.openxmlformats.org/presentationml/2006/main" show="0">
   <p:cSld>
     <p:spTree>
@@ -21311,7 +23242,7 @@
                 <a:latin typeface="Comic Sans MS" pitchFamily="8" charset="0"/>
               </a:rPr>
               <a:pPr/>
-              <a:t>31</a:t>
+              <a:t>33</a:t>
             </a:fld>
             <a:endParaRPr lang="en-US" sz="1200" dirty="0" smtClean="0">
               <a:latin typeface="Comic Sans MS" pitchFamily="8" charset="0"/>
@@ -21696,7 +23627,7 @@
 </p:sld>
 </file>
 
-<file path=ppt/slides/slide32.xml><?xml version="1.0" encoding="utf-8"?>
+<file path=ppt/slides/slide34.xml><?xml version="1.0" encoding="utf-8"?>
 <p:sld xmlns:a="http://schemas.openxmlformats.org/drawingml/2006/main" xmlns:r="http://schemas.openxmlformats.org/officeDocument/2006/relationships" xmlns:p="http://schemas.openxmlformats.org/presentationml/2006/main" show="0">
   <p:cSld>
     <p:spTree>
@@ -22045,7 +23976,7 @@
                 <a:latin typeface="Comic Sans MS" pitchFamily="8" charset="0"/>
               </a:rPr>
               <a:pPr/>
-              <a:t>32</a:t>
+              <a:t>34</a:t>
             </a:fld>
             <a:endParaRPr lang="en-US" sz="1200" dirty="0" smtClean="0">
               <a:latin typeface="Comic Sans MS" pitchFamily="8" charset="0"/>
@@ -22303,7 +24234,7 @@
 </p:sld>
 </file>
 
-<file path=ppt/slides/slide33.xml><?xml version="1.0" encoding="utf-8"?>
+<file path=ppt/slides/slide35.xml><?xml version="1.0" encoding="utf-8"?>
 <p:sld xmlns:a="http://schemas.openxmlformats.org/drawingml/2006/main" xmlns:r="http://schemas.openxmlformats.org/officeDocument/2006/relationships" xmlns:p="http://schemas.openxmlformats.org/presentationml/2006/main" show="0">
   <p:cSld>
     <p:spTree>
@@ -22666,7 +24597,7 @@
           <a:graphicData uri="http://schemas.openxmlformats.org/presentationml/2006/ole">
             <mc:AlternateContent xmlns:mc="http://schemas.openxmlformats.org/markup-compatibility/2006">
               <mc:Choice xmlns:v="urn:schemas-microsoft-com:vml" Requires="v">
-                <p:oleObj spid="_x0000_s3117" name="Equation" r:id="rId4" imgW="164880" imgH="419040" progId="Equation.DSMT4">
+                <p:oleObj spid="_x0000_s3124" name="Equation" r:id="rId4" imgW="164880" imgH="419040" progId="Equation.DSMT4">
                   <p:embed/>
                 </p:oleObj>
               </mc:Choice>
@@ -22787,7 +24718,7 @@
             <a:graphicData uri="http://schemas.openxmlformats.org/presentationml/2006/ole">
               <mc:AlternateContent xmlns:mc="http://schemas.openxmlformats.org/markup-compatibility/2006">
                 <mc:Choice xmlns:v="urn:schemas-microsoft-com:vml" Requires="v">
-                  <p:oleObj spid="_x0000_s3118" name="Equation" r:id="rId6" imgW="152400" imgH="482600" progId="Equation.DSMT4">
+                  <p:oleObj spid="_x0000_s3125" name="Equation" r:id="rId6" imgW="152400" imgH="482600" progId="Equation.DSMT4">
                     <p:embed/>
                   </p:oleObj>
                 </mc:Choice>
@@ -22951,7 +24882,7 @@
                 <a:latin typeface="Comic Sans MS" pitchFamily="8" charset="0"/>
               </a:rPr>
               <a:pPr/>
-              <a:t>33</a:t>
+              <a:t>35</a:t>
             </a:fld>
             <a:endParaRPr lang="en-US" sz="1200" dirty="0" smtClean="0">
               <a:latin typeface="Comic Sans MS" pitchFamily="8" charset="0"/>
@@ -22975,7 +24906,7 @@
           <a:graphicData uri="http://schemas.openxmlformats.org/presentationml/2006/ole">
             <mc:AlternateContent xmlns:mc="http://schemas.openxmlformats.org/markup-compatibility/2006">
               <mc:Choice xmlns:v="urn:schemas-microsoft-com:vml" Requires="v">
-                <p:oleObj spid="_x0000_s3119" name="Equation" r:id="rId8" imgW="164880" imgH="419040" progId="Equation.DSMT4">
+                <p:oleObj spid="_x0000_s3126" name="Equation" r:id="rId8" imgW="164880" imgH="419040" progId="Equation.DSMT4">
                   <p:embed/>
                 </p:oleObj>
               </mc:Choice>
@@ -23407,7 +25338,7 @@
 </p:sld>
 </file>
 
-<file path=ppt/slides/slide34.xml><?xml version="1.0" encoding="utf-8"?>
+<file path=ppt/slides/slide36.xml><?xml version="1.0" encoding="utf-8"?>
 <p:sld xmlns:a="http://schemas.openxmlformats.org/drawingml/2006/main" xmlns:r="http://schemas.openxmlformats.org/officeDocument/2006/relationships" xmlns:p="http://schemas.openxmlformats.org/presentationml/2006/main">
   <p:cSld>
     <p:spTree>
@@ -23660,7 +25591,7 @@
                 <a:latin typeface="Comic Sans MS" pitchFamily="8" charset="0"/>
               </a:rPr>
               <a:pPr/>
-              <a:t>34</a:t>
+              <a:t>36</a:t>
             </a:fld>
             <a:endParaRPr lang="en-US" sz="1200" dirty="0" smtClean="0">
               <a:latin typeface="Comic Sans MS" pitchFamily="8" charset="0"/>
@@ -23673,14 +25604,14 @@
   <p:clrMapOvr>
     <a:masterClrMapping/>
   </p:clrMapOvr>
-  <mc:AlternateContent xmlns:mc="http://schemas.openxmlformats.org/markup-compatibility/2006" xmlns:p14="http://schemas.microsoft.com/office/powerpoint/2010/main">
-    <mc:Choice Requires="p14">
-      <p:transition spd="slow" p14:dur="1200">
+  <mc:AlternateContent xmlns:mc="http://schemas.openxmlformats.org/markup-compatibility/2006">
+    <mc:Choice xmlns:p14="http://schemas.microsoft.com/office/powerpoint/2010/main" Requires="p14">
+      <p:transition spd="med" p14:dur="700">
         <p:fade thruBlk="1"/>
       </p:transition>
     </mc:Choice>
-    <mc:Fallback xmlns="">
-      <p:transition xmlns:p14="http://schemas.microsoft.com/office/powerpoint/2010/main" spd="slow">
+    <mc:Fallback>
+      <p:transition xmlns:p14="http://schemas.microsoft.com/office/powerpoint/2010/main" spd="med">
         <p:fade thruBlk="1"/>
       </p:transition>
     </mc:Fallback>
@@ -23767,7 +25698,7 @@
 </p:sld>
 </file>
 
-<file path=ppt/slides/slide35.xml><?xml version="1.0" encoding="utf-8"?>
+<file path=ppt/slides/slide37.xml><?xml version="1.0" encoding="utf-8"?>
 <p:sld xmlns:a="http://schemas.openxmlformats.org/drawingml/2006/main" xmlns:r="http://schemas.openxmlformats.org/officeDocument/2006/relationships" xmlns:p="http://schemas.openxmlformats.org/presentationml/2006/main">
   <p:cSld>
     <p:spTree>
@@ -24066,7 +25997,7 @@
                 <a:latin typeface="Comic Sans MS" pitchFamily="8" charset="0"/>
               </a:rPr>
               <a:pPr/>
-              <a:t>35</a:t>
+              <a:t>37</a:t>
             </a:fld>
             <a:endParaRPr lang="en-US" sz="1200" dirty="0" smtClean="0">
               <a:latin typeface="Comic Sans MS" pitchFamily="8" charset="0"/>
@@ -24173,7 +26104,7 @@
 </p:sld>
 </file>
 
-<file path=ppt/slides/slide36.xml><?xml version="1.0" encoding="utf-8"?>
+<file path=ppt/slides/slide38.xml><?xml version="1.0" encoding="utf-8"?>
 <p:sld xmlns:a="http://schemas.openxmlformats.org/drawingml/2006/main" xmlns:r="http://schemas.openxmlformats.org/officeDocument/2006/relationships" xmlns:p="http://schemas.openxmlformats.org/presentationml/2006/main" show="0">
   <p:cSld>
     <p:spTree>
@@ -24266,7 +26197,7 @@
                 <a:latin typeface="Comic Sans MS" pitchFamily="8" charset="0"/>
               </a:rPr>
               <a:pPr/>
-              <a:t>36</a:t>
+              <a:t>38</a:t>
             </a:fld>
             <a:endParaRPr lang="en-US" sz="1200" dirty="0" smtClean="0">
               <a:latin typeface="Comic Sans MS" pitchFamily="8" charset="0"/>
@@ -24290,7 +26221,7 @@
 </p:sld>
 </file>
 
-<file path=ppt/slides/slide37.xml><?xml version="1.0" encoding="utf-8"?>
+<file path=ppt/slides/slide39.xml><?xml version="1.0" encoding="utf-8"?>
 <p:sld xmlns:a="http://schemas.openxmlformats.org/drawingml/2006/main" xmlns:r="http://schemas.openxmlformats.org/officeDocument/2006/relationships" xmlns:p="http://schemas.openxmlformats.org/presentationml/2006/main">
   <p:cSld>
     <p:spTree>
@@ -24461,7 +26392,7 @@
                 <a:latin typeface="Comic Sans MS" pitchFamily="8" charset="0"/>
               </a:rPr>
               <a:pPr/>
-              <a:t>37</a:t>
+              <a:t>39</a:t>
             </a:fld>
             <a:endParaRPr lang="en-US" sz="1200" dirty="0" smtClean="0">
               <a:latin typeface="Comic Sans MS" pitchFamily="8" charset="0"/>
@@ -24622,7 +26553,429 @@
 </p:sld>
 </file>
 
-<file path=ppt/slides/slide38.xml><?xml version="1.0" encoding="utf-8"?>
+<file path=ppt/slides/slide4.xml><?xml version="1.0" encoding="utf-8"?>
+<p:sld xmlns:a="http://schemas.openxmlformats.org/drawingml/2006/main" xmlns:r="http://schemas.openxmlformats.org/officeDocument/2006/relationships" xmlns:p="http://schemas.openxmlformats.org/presentationml/2006/main">
+  <p:cSld>
+    <p:spTree>
+      <p:nvGrpSpPr>
+        <p:cNvPr id="1" name=""/>
+        <p:cNvGrpSpPr/>
+        <p:nvPr/>
+      </p:nvGrpSpPr>
+      <p:grpSpPr>
+        <a:xfrm>
+          <a:off x="0" y="0"/>
+          <a:ext cx="0" cy="0"/>
+          <a:chOff x="0" y="0"/>
+          <a:chExt cx="0" cy="0"/>
+        </a:xfrm>
+      </p:grpSpPr>
+      <p:sp>
+        <p:nvSpPr>
+          <p:cNvPr id="16386" name="Rectangle 2"/>
+          <p:cNvSpPr>
+            <a:spLocks noGrp="1" noChangeArrowheads="1"/>
+          </p:cNvSpPr>
+          <p:nvPr>
+            <p:ph type="title"/>
+          </p:nvPr>
+        </p:nvSpPr>
+        <p:spPr/>
+        <p:txBody>
+          <a:bodyPr/>
+          <a:lstStyle/>
+          <a:p>
+            <a:pPr eaLnBrk="1" hangingPunct="1"/>
+            <a:r>
+              <a:rPr lang="en-US" sz="4400" dirty="0" smtClean="0"/>
+              <a:t>Divisibility</a:t>
+            </a:r>
+          </a:p>
+        </p:txBody>
+      </p:sp>
+      <p:sp>
+        <p:nvSpPr>
+          <p:cNvPr id="722947" name="Rectangle 3"/>
+          <p:cNvSpPr>
+            <a:spLocks noGrp="1" noChangeArrowheads="1"/>
+          </p:cNvSpPr>
+          <p:nvPr>
+            <p:ph type="body" idx="1"/>
+          </p:nvPr>
+        </p:nvSpPr>
+        <p:spPr>
+          <a:xfrm>
+            <a:off x="838200" y="1295400"/>
+            <a:ext cx="7543800" cy="4267200"/>
+          </a:xfrm>
+        </p:spPr>
+        <p:txBody>
+          <a:bodyPr/>
+          <a:lstStyle/>
+          <a:p>
+            <a:pPr marL="609600" indent="-609600" eaLnBrk="1" hangingPunct="1">
+              <a:buFontTx/>
+              <a:buNone/>
+            </a:pPr>
+            <a:r>
+              <a:rPr lang="en-US" sz="5400" dirty="0" smtClean="0">
+                <a:solidFill>
+                  <a:srgbClr val="3333CC"/>
+                </a:solidFill>
+              </a:rPr>
+              <a:t>c </a:t>
+            </a:r>
+            <a:r>
+              <a:rPr lang="en-US" sz="5400" dirty="0" smtClean="0">
+                <a:solidFill>
+                  <a:srgbClr val="00B050"/>
+                </a:solidFill>
+              </a:rPr>
+              <a:t>divides</a:t>
+            </a:r>
+            <a:r>
+              <a:rPr lang="en-US" sz="5400" dirty="0" smtClean="0">
+                <a:solidFill>
+                  <a:srgbClr val="3333CC"/>
+                </a:solidFill>
+              </a:rPr>
+              <a:t> a  </a:t>
+            </a:r>
+            <a:r>
+              <a:rPr lang="en-US" sz="5400" dirty="0" smtClean="0">
+                <a:solidFill>
+                  <a:schemeClr val="tx2"/>
+                </a:solidFill>
+              </a:rPr>
+              <a:t>(</a:t>
+            </a:r>
+            <a:r>
+              <a:rPr lang="en-US" sz="5400" dirty="0" err="1" smtClean="0">
+                <a:solidFill>
+                  <a:srgbClr val="3333CC"/>
+                </a:solidFill>
+              </a:rPr>
+              <a:t>c|a</a:t>
+            </a:r>
+            <a:r>
+              <a:rPr lang="en-US" sz="5400" dirty="0" smtClean="0">
+                <a:solidFill>
+                  <a:schemeClr val="tx2"/>
+                </a:solidFill>
+              </a:rPr>
+              <a:t>) </a:t>
+            </a:r>
+            <a:r>
+              <a:rPr lang="en-US" sz="5400" dirty="0" err="1" smtClean="0">
+                <a:solidFill>
+                  <a:schemeClr val="tx2"/>
+                </a:solidFill>
+              </a:rPr>
+              <a:t>iff</a:t>
+            </a:r>
+            <a:r>
+              <a:rPr lang="en-US" sz="5400" dirty="0" smtClean="0">
+                <a:solidFill>
+                  <a:schemeClr val="tx2"/>
+                </a:solidFill>
+              </a:rPr>
+              <a:t> </a:t>
+            </a:r>
+            <a:r>
+              <a:rPr lang="en-US" sz="5400" dirty="0" smtClean="0">
+                <a:solidFill>
+                  <a:srgbClr val="3333CC"/>
+                </a:solidFill>
+              </a:rPr>
+              <a:t>        </a:t>
+            </a:r>
+          </a:p>
+          <a:p>
+            <a:pPr marL="609600" indent="-609600" algn="ctr" eaLnBrk="1" hangingPunct="1"/>
+            <a:r>
+              <a:rPr lang="en-US" sz="6000" dirty="0" smtClean="0">
+                <a:solidFill>
+                  <a:srgbClr val="0000CC"/>
+                </a:solidFill>
+              </a:rPr>
+              <a:t>a = </a:t>
+            </a:r>
+            <a:r>
+              <a:rPr lang="en-US" sz="6000" dirty="0" err="1" smtClean="0">
+                <a:solidFill>
+                  <a:srgbClr val="0000CC"/>
+                </a:solidFill>
+              </a:rPr>
+              <a:t>k</a:t>
+            </a:r>
+            <a:r>
+              <a:rPr lang="en-US" sz="6000" dirty="0" err="1" smtClean="0">
+                <a:solidFill>
+                  <a:srgbClr val="0000CC"/>
+                </a:solidFill>
+                <a:cs typeface="Times New Roman" pitchFamily="8" charset="0"/>
+                <a:sym typeface="Euclid Symbol" pitchFamily="18" charset="2"/>
+              </a:rPr>
+              <a:t>⋅</a:t>
+            </a:r>
+            <a:r>
+              <a:rPr lang="en-US" sz="6000" dirty="0" err="1" smtClean="0">
+                <a:solidFill>
+                  <a:srgbClr val="0000CC"/>
+                </a:solidFill>
+              </a:rPr>
+              <a:t>c</a:t>
+            </a:r>
+            <a:r>
+              <a:rPr lang="en-US" sz="6000" dirty="0" smtClean="0"/>
+              <a:t>  for some </a:t>
+            </a:r>
+            <a:r>
+              <a:rPr lang="en-US" sz="6000" dirty="0" smtClean="0">
+                <a:solidFill>
+                  <a:srgbClr val="0000CC"/>
+                </a:solidFill>
+              </a:rPr>
+              <a:t>k</a:t>
+            </a:r>
+            <a:endParaRPr lang="en-US" sz="6000" dirty="0" smtClean="0">
+              <a:solidFill>
+                <a:srgbClr val="0000CC"/>
+              </a:solidFill>
+              <a:latin typeface="Arial Unicode MS" pitchFamily="34" charset="-128"/>
+            </a:endParaRPr>
+          </a:p>
+          <a:p>
+            <a:pPr marL="609600" indent="-609600" eaLnBrk="1" hangingPunct="1"/>
+            <a:r>
+              <a:rPr lang="en-US" sz="5400" dirty="0" smtClean="0">
+                <a:cs typeface="Times New Roman" pitchFamily="8" charset="0"/>
+              </a:rPr>
+              <a:t>5|15 because 15 = 3</a:t>
+            </a:r>
+            <a:r>
+              <a:rPr lang="en-US" sz="5400" dirty="0" smtClean="0">
+                <a:cs typeface="Times New Roman" pitchFamily="8" charset="0"/>
+                <a:sym typeface="Euclid Symbol" pitchFamily="18" charset="2"/>
+              </a:rPr>
+              <a:t>⋅</a:t>
+            </a:r>
+            <a:r>
+              <a:rPr lang="en-US" sz="5400" dirty="0" smtClean="0">
+                <a:cs typeface="Times New Roman" pitchFamily="8" charset="0"/>
+              </a:rPr>
+              <a:t>5</a:t>
+            </a:r>
+          </a:p>
+          <a:p>
+            <a:pPr marL="609600" indent="-609600" eaLnBrk="1" hangingPunct="1"/>
+            <a:r>
+              <a:rPr lang="en-US" sz="5400" dirty="0" smtClean="0">
+                <a:cs typeface="Times New Roman" pitchFamily="8" charset="0"/>
+              </a:rPr>
+              <a:t>n|0   because  0 = 0</a:t>
+            </a:r>
+            <a:r>
+              <a:rPr lang="en-US" sz="5400" dirty="0" smtClean="0">
+                <a:solidFill>
+                  <a:srgbClr val="000000"/>
+                </a:solidFill>
+                <a:cs typeface="Times New Roman" pitchFamily="8" charset="0"/>
+                <a:sym typeface="Euclid Symbol" pitchFamily="18" charset="2"/>
+              </a:rPr>
+              <a:t>⋅</a:t>
+            </a:r>
+            <a:r>
+              <a:rPr lang="en-US" sz="5400" dirty="0" smtClean="0">
+                <a:cs typeface="Times New Roman" pitchFamily="8" charset="0"/>
+              </a:rPr>
+              <a:t>n</a:t>
+            </a:r>
+          </a:p>
+        </p:txBody>
+      </p:sp>
+      <p:sp>
+        <p:nvSpPr>
+          <p:cNvPr id="16388" name="Slide Number Placeholder 3"/>
+          <p:cNvSpPr>
+            <a:spLocks noGrp="1"/>
+          </p:cNvSpPr>
+          <p:nvPr>
+            <p:ph type="sldNum" sz="quarter" idx="10"/>
+          </p:nvPr>
+        </p:nvSpPr>
+        <p:spPr>
+          <a:noFill/>
+        </p:spPr>
+        <p:txBody>
+          <a:bodyPr/>
+          <a:lstStyle/>
+          <a:p>
+            <a:r>
+              <a:rPr lang="en-US" dirty="0" err="1" smtClean="0">
+                <a:latin typeface="Comic Sans MS" pitchFamily="8" charset="0"/>
+              </a:rPr>
+              <a:t>lec</a:t>
+            </a:r>
+            <a:r>
+              <a:rPr lang="en-US" dirty="0" smtClean="0">
+                <a:latin typeface="Comic Sans MS" pitchFamily="8" charset="0"/>
+              </a:rPr>
+              <a:t> 5W.</a:t>
+            </a:r>
+            <a:fld id="{F7DD1098-2BC7-4561-8625-7458D71B36A2}" type="slidenum">
+              <a:rPr lang="en-US" sz="1200" smtClean="0">
+                <a:latin typeface="Comic Sans MS" pitchFamily="8" charset="0"/>
+              </a:rPr>
+              <a:pPr/>
+              <a:t>4</a:t>
+            </a:fld>
+            <a:endParaRPr lang="en-US" sz="1200" dirty="0" smtClean="0">
+              <a:latin typeface="Comic Sans MS" pitchFamily="8" charset="0"/>
+            </a:endParaRPr>
+          </a:p>
+        </p:txBody>
+      </p:sp>
+    </p:spTree>
+  </p:cSld>
+  <p:clrMapOvr>
+    <a:masterClrMapping/>
+  </p:clrMapOvr>
+  <p:transition xmlns:p14="http://schemas.microsoft.com/office/powerpoint/2010/main">
+    <p:fade/>
+  </p:transition>
+  <p:timing>
+    <p:tnLst>
+      <p:par>
+        <p:cTn xmlns:p14="http://schemas.microsoft.com/office/powerpoint/2010/main" id="1" dur="indefinite" restart="never" nodeType="tmRoot">
+          <p:childTnLst>
+            <p:seq concurrent="1" nextAc="seek">
+              <p:cTn id="2" dur="indefinite" nodeType="mainSeq">
+                <p:childTnLst>
+                  <p:par>
+                    <p:cTn id="3" fill="hold">
+                      <p:stCondLst>
+                        <p:cond delay="indefinite"/>
+                      </p:stCondLst>
+                      <p:childTnLst>
+                        <p:par>
+                          <p:cTn id="4" fill="hold">
+                            <p:stCondLst>
+                              <p:cond delay="0"/>
+                            </p:stCondLst>
+                            <p:childTnLst>
+                              <p:par>
+                                <p:cTn id="5" presetID="1" presetClass="entr" presetSubtype="0" fill="hold" nodeType="clickEffect">
+                                  <p:stCondLst>
+                                    <p:cond delay="0"/>
+                                  </p:stCondLst>
+                                  <p:childTnLst>
+                                    <p:set>
+                                      <p:cBhvr>
+                                        <p:cTn id="6" dur="1" fill="hold">
+                                          <p:stCondLst>
+                                            <p:cond delay="0"/>
+                                          </p:stCondLst>
+                                        </p:cTn>
+                                        <p:tgtEl>
+                                          <p:spTgt spid="722947">
+                                            <p:txEl>
+                                              <p:pRg st="2" end="2"/>
+                                            </p:txEl>
+                                          </p:spTgt>
+                                        </p:tgtEl>
+                                        <p:attrNameLst>
+                                          <p:attrName>style.visibility</p:attrName>
+                                        </p:attrNameLst>
+                                      </p:cBhvr>
+                                      <p:to>
+                                        <p:strVal val="visible"/>
+                                      </p:to>
+                                    </p:set>
+                                  </p:childTnLst>
+                                </p:cTn>
+                              </p:par>
+                            </p:childTnLst>
+                          </p:cTn>
+                        </p:par>
+                      </p:childTnLst>
+                    </p:cTn>
+                  </p:par>
+                  <p:par>
+                    <p:cTn id="7" fill="hold">
+                      <p:stCondLst>
+                        <p:cond delay="indefinite"/>
+                      </p:stCondLst>
+                      <p:childTnLst>
+                        <p:par>
+                          <p:cTn id="8" fill="hold">
+                            <p:stCondLst>
+                              <p:cond delay="0"/>
+                            </p:stCondLst>
+                            <p:childTnLst>
+                              <p:par>
+                                <p:cTn id="9" presetID="1" presetClass="entr" presetSubtype="0" fill="hold" nodeType="clickEffect">
+                                  <p:stCondLst>
+                                    <p:cond delay="0"/>
+                                  </p:stCondLst>
+                                  <p:childTnLst>
+                                    <p:set>
+                                      <p:cBhvr>
+                                        <p:cTn id="10" dur="1" fill="hold">
+                                          <p:stCondLst>
+                                            <p:cond delay="0"/>
+                                          </p:stCondLst>
+                                        </p:cTn>
+                                        <p:tgtEl>
+                                          <p:spTgt spid="722947">
+                                            <p:txEl>
+                                              <p:pRg st="3" end="3"/>
+                                            </p:txEl>
+                                          </p:spTgt>
+                                        </p:tgtEl>
+                                        <p:attrNameLst>
+                                          <p:attrName>style.visibility</p:attrName>
+                                        </p:attrNameLst>
+                                      </p:cBhvr>
+                                      <p:to>
+                                        <p:strVal val="visible"/>
+                                      </p:to>
+                                    </p:set>
+                                  </p:childTnLst>
+                                </p:cTn>
+                              </p:par>
+                            </p:childTnLst>
+                          </p:cTn>
+                        </p:par>
+                      </p:childTnLst>
+                    </p:cTn>
+                  </p:par>
+                </p:childTnLst>
+              </p:cTn>
+              <p:prevCondLst>
+                <p:cond evt="onPrev" delay="0">
+                  <p:tgtEl>
+                    <p:sldTgt/>
+                  </p:tgtEl>
+                </p:cond>
+              </p:prevCondLst>
+              <p:nextCondLst>
+                <p:cond evt="onNext" delay="0">
+                  <p:tgtEl>
+                    <p:sldTgt/>
+                  </p:tgtEl>
+                </p:cond>
+              </p:nextCondLst>
+            </p:seq>
+          </p:childTnLst>
+        </p:cTn>
+      </p:par>
+    </p:tnLst>
+  </p:timing>
+</p:sld>
+</file>
+
+<file path=ppt/slides/slide40.xml><?xml version="1.0" encoding="utf-8"?>
 <p:sld xmlns:a="http://schemas.openxmlformats.org/drawingml/2006/main" xmlns:r="http://schemas.openxmlformats.org/officeDocument/2006/relationships" xmlns:p="http://schemas.openxmlformats.org/presentationml/2006/main">
   <p:cSld>
     <p:spTree>
@@ -24966,7 +27319,7 @@
                 <a:latin typeface="Comic Sans MS" pitchFamily="8" charset="0"/>
               </a:rPr>
               <a:pPr/>
-              <a:t>38</a:t>
+              <a:t>40</a:t>
             </a:fld>
             <a:endParaRPr lang="en-US" sz="1200" dirty="0" smtClean="0">
               <a:latin typeface="Comic Sans MS" pitchFamily="8" charset="0"/>
@@ -25029,7 +27382,7 @@
 </p:sld>
 </file>
 
-<file path=ppt/slides/slide39.xml><?xml version="1.0" encoding="utf-8"?>
+<file path=ppt/slides/slide41.xml><?xml version="1.0" encoding="utf-8"?>
 <p:sld xmlns:a="http://schemas.openxmlformats.org/drawingml/2006/main" xmlns:r="http://schemas.openxmlformats.org/officeDocument/2006/relationships" xmlns:p="http://schemas.openxmlformats.org/presentationml/2006/main">
   <p:cSld>
     <p:spTree>
@@ -25072,7 +27425,7 @@
             <a:fld id="{D3851385-812A-493F-95C9-342353735912}" type="slidenum">
               <a:rPr lang="en-US" sz="1200" smtClean="0"/>
               <a:pPr/>
-              <a:t>39</a:t>
+              <a:t>41</a:t>
             </a:fld>
             <a:endParaRPr lang="en-US" sz="1200" dirty="0"/>
           </a:p>
@@ -25477,429 +27830,7 @@
 </p:sld>
 </file>
 
-<file path=ppt/slides/slide4.xml><?xml version="1.0" encoding="utf-8"?>
-<p:sld xmlns:a="http://schemas.openxmlformats.org/drawingml/2006/main" xmlns:r="http://schemas.openxmlformats.org/officeDocument/2006/relationships" xmlns:p="http://schemas.openxmlformats.org/presentationml/2006/main">
-  <p:cSld>
-    <p:spTree>
-      <p:nvGrpSpPr>
-        <p:cNvPr id="1" name=""/>
-        <p:cNvGrpSpPr/>
-        <p:nvPr/>
-      </p:nvGrpSpPr>
-      <p:grpSpPr>
-        <a:xfrm>
-          <a:off x="0" y="0"/>
-          <a:ext cx="0" cy="0"/>
-          <a:chOff x="0" y="0"/>
-          <a:chExt cx="0" cy="0"/>
-        </a:xfrm>
-      </p:grpSpPr>
-      <p:sp>
-        <p:nvSpPr>
-          <p:cNvPr id="16386" name="Rectangle 2"/>
-          <p:cNvSpPr>
-            <a:spLocks noGrp="1" noChangeArrowheads="1"/>
-          </p:cNvSpPr>
-          <p:nvPr>
-            <p:ph type="title"/>
-          </p:nvPr>
-        </p:nvSpPr>
-        <p:spPr/>
-        <p:txBody>
-          <a:bodyPr/>
-          <a:lstStyle/>
-          <a:p>
-            <a:pPr eaLnBrk="1" hangingPunct="1"/>
-            <a:r>
-              <a:rPr lang="en-US" sz="4400" dirty="0" smtClean="0"/>
-              <a:t>Divisibility</a:t>
-            </a:r>
-          </a:p>
-        </p:txBody>
-      </p:sp>
-      <p:sp>
-        <p:nvSpPr>
-          <p:cNvPr id="722947" name="Rectangle 3"/>
-          <p:cNvSpPr>
-            <a:spLocks noGrp="1" noChangeArrowheads="1"/>
-          </p:cNvSpPr>
-          <p:nvPr>
-            <p:ph type="body" idx="1"/>
-          </p:nvPr>
-        </p:nvSpPr>
-        <p:spPr>
-          <a:xfrm>
-            <a:off x="838200" y="1295400"/>
-            <a:ext cx="7543800" cy="4267200"/>
-          </a:xfrm>
-        </p:spPr>
-        <p:txBody>
-          <a:bodyPr/>
-          <a:lstStyle/>
-          <a:p>
-            <a:pPr marL="609600" indent="-609600" eaLnBrk="1" hangingPunct="1">
-              <a:buFontTx/>
-              <a:buNone/>
-            </a:pPr>
-            <a:r>
-              <a:rPr lang="en-US" sz="5400" dirty="0" smtClean="0">
-                <a:solidFill>
-                  <a:srgbClr val="3333CC"/>
-                </a:solidFill>
-              </a:rPr>
-              <a:t>c </a:t>
-            </a:r>
-            <a:r>
-              <a:rPr lang="en-US" sz="5400" dirty="0" smtClean="0">
-                <a:solidFill>
-                  <a:srgbClr val="00B050"/>
-                </a:solidFill>
-              </a:rPr>
-              <a:t>divides</a:t>
-            </a:r>
-            <a:r>
-              <a:rPr lang="en-US" sz="5400" dirty="0" smtClean="0">
-                <a:solidFill>
-                  <a:srgbClr val="3333CC"/>
-                </a:solidFill>
-              </a:rPr>
-              <a:t> a  </a:t>
-            </a:r>
-            <a:r>
-              <a:rPr lang="en-US" sz="5400" dirty="0" smtClean="0">
-                <a:solidFill>
-                  <a:schemeClr val="tx2"/>
-                </a:solidFill>
-              </a:rPr>
-              <a:t>(</a:t>
-            </a:r>
-            <a:r>
-              <a:rPr lang="en-US" sz="5400" dirty="0" err="1" smtClean="0">
-                <a:solidFill>
-                  <a:srgbClr val="3333CC"/>
-                </a:solidFill>
-              </a:rPr>
-              <a:t>c|a</a:t>
-            </a:r>
-            <a:r>
-              <a:rPr lang="en-US" sz="5400" dirty="0" smtClean="0">
-                <a:solidFill>
-                  <a:schemeClr val="tx2"/>
-                </a:solidFill>
-              </a:rPr>
-              <a:t>) </a:t>
-            </a:r>
-            <a:r>
-              <a:rPr lang="en-US" sz="5400" dirty="0" err="1" smtClean="0">
-                <a:solidFill>
-                  <a:schemeClr val="tx2"/>
-                </a:solidFill>
-              </a:rPr>
-              <a:t>iff</a:t>
-            </a:r>
-            <a:r>
-              <a:rPr lang="en-US" sz="5400" dirty="0" smtClean="0">
-                <a:solidFill>
-                  <a:schemeClr val="tx2"/>
-                </a:solidFill>
-              </a:rPr>
-              <a:t> </a:t>
-            </a:r>
-            <a:r>
-              <a:rPr lang="en-US" sz="5400" dirty="0" smtClean="0">
-                <a:solidFill>
-                  <a:srgbClr val="3333CC"/>
-                </a:solidFill>
-              </a:rPr>
-              <a:t>        </a:t>
-            </a:r>
-          </a:p>
-          <a:p>
-            <a:pPr marL="609600" indent="-609600" algn="ctr" eaLnBrk="1" hangingPunct="1"/>
-            <a:r>
-              <a:rPr lang="en-US" sz="6000" dirty="0" smtClean="0">
-                <a:solidFill>
-                  <a:srgbClr val="0000CC"/>
-                </a:solidFill>
-              </a:rPr>
-              <a:t>a = </a:t>
-            </a:r>
-            <a:r>
-              <a:rPr lang="en-US" sz="6000" dirty="0" err="1" smtClean="0">
-                <a:solidFill>
-                  <a:srgbClr val="0000CC"/>
-                </a:solidFill>
-              </a:rPr>
-              <a:t>k</a:t>
-            </a:r>
-            <a:r>
-              <a:rPr lang="en-US" sz="6000" dirty="0" err="1" smtClean="0">
-                <a:solidFill>
-                  <a:srgbClr val="0000CC"/>
-                </a:solidFill>
-                <a:cs typeface="Times New Roman" pitchFamily="8" charset="0"/>
-                <a:sym typeface="Euclid Symbol" pitchFamily="18" charset="2"/>
-              </a:rPr>
-              <a:t>⋅</a:t>
-            </a:r>
-            <a:r>
-              <a:rPr lang="en-US" sz="6000" dirty="0" err="1" smtClean="0">
-                <a:solidFill>
-                  <a:srgbClr val="0000CC"/>
-                </a:solidFill>
-              </a:rPr>
-              <a:t>c</a:t>
-            </a:r>
-            <a:r>
-              <a:rPr lang="en-US" sz="6000" dirty="0" smtClean="0"/>
-              <a:t>  for some </a:t>
-            </a:r>
-            <a:r>
-              <a:rPr lang="en-US" sz="6000" dirty="0" smtClean="0">
-                <a:solidFill>
-                  <a:srgbClr val="0000CC"/>
-                </a:solidFill>
-              </a:rPr>
-              <a:t>k</a:t>
-            </a:r>
-            <a:endParaRPr lang="en-US" sz="6000" dirty="0" smtClean="0">
-              <a:solidFill>
-                <a:srgbClr val="0000CC"/>
-              </a:solidFill>
-              <a:latin typeface="Arial Unicode MS" pitchFamily="34" charset="-128"/>
-            </a:endParaRPr>
-          </a:p>
-          <a:p>
-            <a:pPr marL="609600" indent="-609600" eaLnBrk="1" hangingPunct="1"/>
-            <a:r>
-              <a:rPr lang="en-US" sz="5400" dirty="0" smtClean="0">
-                <a:cs typeface="Times New Roman" pitchFamily="8" charset="0"/>
-              </a:rPr>
-              <a:t>5|15 because 15 = 3</a:t>
-            </a:r>
-            <a:r>
-              <a:rPr lang="en-US" sz="5400" dirty="0" smtClean="0">
-                <a:cs typeface="Times New Roman" pitchFamily="8" charset="0"/>
-                <a:sym typeface="Euclid Symbol" pitchFamily="18" charset="2"/>
-              </a:rPr>
-              <a:t>⋅</a:t>
-            </a:r>
-            <a:r>
-              <a:rPr lang="en-US" sz="5400" dirty="0" smtClean="0">
-                <a:cs typeface="Times New Roman" pitchFamily="8" charset="0"/>
-              </a:rPr>
-              <a:t>5</a:t>
-            </a:r>
-          </a:p>
-          <a:p>
-            <a:pPr marL="609600" indent="-609600" eaLnBrk="1" hangingPunct="1"/>
-            <a:r>
-              <a:rPr lang="en-US" sz="5400" dirty="0" smtClean="0">
-                <a:cs typeface="Times New Roman" pitchFamily="8" charset="0"/>
-              </a:rPr>
-              <a:t>n|0   because  0 = 0</a:t>
-            </a:r>
-            <a:r>
-              <a:rPr lang="en-US" sz="5400" dirty="0" smtClean="0">
-                <a:solidFill>
-                  <a:srgbClr val="000000"/>
-                </a:solidFill>
-                <a:cs typeface="Times New Roman" pitchFamily="8" charset="0"/>
-                <a:sym typeface="Euclid Symbol" pitchFamily="18" charset="2"/>
-              </a:rPr>
-              <a:t>⋅</a:t>
-            </a:r>
-            <a:r>
-              <a:rPr lang="en-US" sz="5400" dirty="0" smtClean="0">
-                <a:cs typeface="Times New Roman" pitchFamily="8" charset="0"/>
-              </a:rPr>
-              <a:t>n</a:t>
-            </a:r>
-          </a:p>
-        </p:txBody>
-      </p:sp>
-      <p:sp>
-        <p:nvSpPr>
-          <p:cNvPr id="16388" name="Slide Number Placeholder 3"/>
-          <p:cNvSpPr>
-            <a:spLocks noGrp="1"/>
-          </p:cNvSpPr>
-          <p:nvPr>
-            <p:ph type="sldNum" sz="quarter" idx="10"/>
-          </p:nvPr>
-        </p:nvSpPr>
-        <p:spPr>
-          <a:noFill/>
-        </p:spPr>
-        <p:txBody>
-          <a:bodyPr/>
-          <a:lstStyle/>
-          <a:p>
-            <a:r>
-              <a:rPr lang="en-US" dirty="0" err="1" smtClean="0">
-                <a:latin typeface="Comic Sans MS" pitchFamily="8" charset="0"/>
-              </a:rPr>
-              <a:t>lec</a:t>
-            </a:r>
-            <a:r>
-              <a:rPr lang="en-US" dirty="0" smtClean="0">
-                <a:latin typeface="Comic Sans MS" pitchFamily="8" charset="0"/>
-              </a:rPr>
-              <a:t> 5W.</a:t>
-            </a:r>
-            <a:fld id="{F7DD1098-2BC7-4561-8625-7458D71B36A2}" type="slidenum">
-              <a:rPr lang="en-US" sz="1200" smtClean="0">
-                <a:latin typeface="Comic Sans MS" pitchFamily="8" charset="0"/>
-              </a:rPr>
-              <a:pPr/>
-              <a:t>4</a:t>
-            </a:fld>
-            <a:endParaRPr lang="en-US" sz="1200" dirty="0" smtClean="0">
-              <a:latin typeface="Comic Sans MS" pitchFamily="8" charset="0"/>
-            </a:endParaRPr>
-          </a:p>
-        </p:txBody>
-      </p:sp>
-    </p:spTree>
-  </p:cSld>
-  <p:clrMapOvr>
-    <a:masterClrMapping/>
-  </p:clrMapOvr>
-  <p:transition xmlns:p14="http://schemas.microsoft.com/office/powerpoint/2010/main">
-    <p:fade/>
-  </p:transition>
-  <p:timing>
-    <p:tnLst>
-      <p:par>
-        <p:cTn xmlns:p14="http://schemas.microsoft.com/office/powerpoint/2010/main" id="1" dur="indefinite" restart="never" nodeType="tmRoot">
-          <p:childTnLst>
-            <p:seq concurrent="1" nextAc="seek">
-              <p:cTn id="2" dur="indefinite" nodeType="mainSeq">
-                <p:childTnLst>
-                  <p:par>
-                    <p:cTn id="3" fill="hold">
-                      <p:stCondLst>
-                        <p:cond delay="indefinite"/>
-                      </p:stCondLst>
-                      <p:childTnLst>
-                        <p:par>
-                          <p:cTn id="4" fill="hold">
-                            <p:stCondLst>
-                              <p:cond delay="0"/>
-                            </p:stCondLst>
-                            <p:childTnLst>
-                              <p:par>
-                                <p:cTn id="5" presetID="1" presetClass="entr" presetSubtype="0" fill="hold" nodeType="clickEffect">
-                                  <p:stCondLst>
-                                    <p:cond delay="0"/>
-                                  </p:stCondLst>
-                                  <p:childTnLst>
-                                    <p:set>
-                                      <p:cBhvr>
-                                        <p:cTn id="6" dur="1" fill="hold">
-                                          <p:stCondLst>
-                                            <p:cond delay="0"/>
-                                          </p:stCondLst>
-                                        </p:cTn>
-                                        <p:tgtEl>
-                                          <p:spTgt spid="722947">
-                                            <p:txEl>
-                                              <p:pRg st="2" end="2"/>
-                                            </p:txEl>
-                                          </p:spTgt>
-                                        </p:tgtEl>
-                                        <p:attrNameLst>
-                                          <p:attrName>style.visibility</p:attrName>
-                                        </p:attrNameLst>
-                                      </p:cBhvr>
-                                      <p:to>
-                                        <p:strVal val="visible"/>
-                                      </p:to>
-                                    </p:set>
-                                  </p:childTnLst>
-                                </p:cTn>
-                              </p:par>
-                            </p:childTnLst>
-                          </p:cTn>
-                        </p:par>
-                      </p:childTnLst>
-                    </p:cTn>
-                  </p:par>
-                  <p:par>
-                    <p:cTn id="7" fill="hold">
-                      <p:stCondLst>
-                        <p:cond delay="indefinite"/>
-                      </p:stCondLst>
-                      <p:childTnLst>
-                        <p:par>
-                          <p:cTn id="8" fill="hold">
-                            <p:stCondLst>
-                              <p:cond delay="0"/>
-                            </p:stCondLst>
-                            <p:childTnLst>
-                              <p:par>
-                                <p:cTn id="9" presetID="1" presetClass="entr" presetSubtype="0" fill="hold" nodeType="clickEffect">
-                                  <p:stCondLst>
-                                    <p:cond delay="0"/>
-                                  </p:stCondLst>
-                                  <p:childTnLst>
-                                    <p:set>
-                                      <p:cBhvr>
-                                        <p:cTn id="10" dur="1" fill="hold">
-                                          <p:stCondLst>
-                                            <p:cond delay="0"/>
-                                          </p:stCondLst>
-                                        </p:cTn>
-                                        <p:tgtEl>
-                                          <p:spTgt spid="722947">
-                                            <p:txEl>
-                                              <p:pRg st="3" end="3"/>
-                                            </p:txEl>
-                                          </p:spTgt>
-                                        </p:tgtEl>
-                                        <p:attrNameLst>
-                                          <p:attrName>style.visibility</p:attrName>
-                                        </p:attrNameLst>
-                                      </p:cBhvr>
-                                      <p:to>
-                                        <p:strVal val="visible"/>
-                                      </p:to>
-                                    </p:set>
-                                  </p:childTnLst>
-                                </p:cTn>
-                              </p:par>
-                            </p:childTnLst>
-                          </p:cTn>
-                        </p:par>
-                      </p:childTnLst>
-                    </p:cTn>
-                  </p:par>
-                </p:childTnLst>
-              </p:cTn>
-              <p:prevCondLst>
-                <p:cond evt="onPrev" delay="0">
-                  <p:tgtEl>
-                    <p:sldTgt/>
-                  </p:tgtEl>
-                </p:cond>
-              </p:prevCondLst>
-              <p:nextCondLst>
-                <p:cond evt="onNext" delay="0">
-                  <p:tgtEl>
-                    <p:sldTgt/>
-                  </p:tgtEl>
-                </p:cond>
-              </p:nextCondLst>
-            </p:seq>
-          </p:childTnLst>
-        </p:cTn>
-      </p:par>
-    </p:tnLst>
-  </p:timing>
-</p:sld>
-</file>
-
-<file path=ppt/slides/slide40.xml><?xml version="1.0" encoding="utf-8"?>
+<file path=ppt/slides/slide42.xml><?xml version="1.0" encoding="utf-8"?>
 <p:sld xmlns:a="http://schemas.openxmlformats.org/drawingml/2006/main" xmlns:r="http://schemas.openxmlformats.org/officeDocument/2006/relationships" xmlns:p="http://schemas.openxmlformats.org/presentationml/2006/main">
   <p:cSld>
     <p:spTree>
@@ -26509,7 +28440,7 @@
                 <a:latin typeface="Comic Sans MS" pitchFamily="8" charset="0"/>
               </a:rPr>
               <a:pPr/>
-              <a:t>40</a:t>
+              <a:t>42</a:t>
             </a:fld>
             <a:endParaRPr lang="en-US" sz="1200" dirty="0" smtClean="0">
               <a:latin typeface="Comic Sans MS" pitchFamily="8" charset="0"/>
@@ -26767,7 +28698,7 @@
 </p:sld>
 </file>
 
-<file path=ppt/slides/slide41.xml><?xml version="1.0" encoding="utf-8"?>
+<file path=ppt/slides/slide43.xml><?xml version="1.0" encoding="utf-8"?>
 <p:sld xmlns:a="http://schemas.openxmlformats.org/drawingml/2006/main" xmlns:r="http://schemas.openxmlformats.org/officeDocument/2006/relationships" xmlns:p="http://schemas.openxmlformats.org/presentationml/2006/main">
   <p:cSld>
     <p:spTree>
@@ -27091,7 +29022,7 @@
             <a:fld id="{1E83CE83-D8E2-4A50-959E-C2B83E2300DA}" type="slidenum">
               <a:rPr lang="en-US" sz="1200" smtClean="0"/>
               <a:pPr algn="r"/>
-              <a:t>41</a:t>
+              <a:t>43</a:t>
             </a:fld>
             <a:endParaRPr lang="en-US" sz="1200" dirty="0"/>
           </a:p>
@@ -27407,7 +29338,7 @@
 </p:sld>
 </file>
 
-<file path=ppt/slides/slide42.xml><?xml version="1.0" encoding="utf-8"?>
+<file path=ppt/slides/slide44.xml><?xml version="1.0" encoding="utf-8"?>
 <p:sld xmlns:a="http://schemas.openxmlformats.org/drawingml/2006/main" xmlns:r="http://schemas.openxmlformats.org/officeDocument/2006/relationships" xmlns:p="http://schemas.openxmlformats.org/presentationml/2006/main" show="0">
   <p:cSld>
     <p:spTree>
@@ -27605,7 +29536,7 @@
           <a:graphicData uri="http://schemas.openxmlformats.org/presentationml/2006/ole">
             <mc:AlternateContent xmlns:mc="http://schemas.openxmlformats.org/markup-compatibility/2006">
               <mc:Choice xmlns:v="urn:schemas-microsoft-com:vml" Requires="v">
-                <p:oleObj spid="_x0000_s105489" name="Equation" r:id="rId4" imgW="927000" imgH="291960" progId="Equation.DSMT4">
+                <p:oleObj spid="_x0000_s105492" name="Equation" r:id="rId4" imgW="927000" imgH="291960" progId="Equation.DSMT4">
                   <p:embed/>
                 </p:oleObj>
               </mc:Choice>
@@ -27693,7 +29624,7 @@
                 <a:latin typeface="Comic Sans MS" pitchFamily="8" charset="0"/>
               </a:rPr>
               <a:pPr/>
-              <a:t>42</a:t>
+              <a:t>44</a:t>
             </a:fld>
             <a:endParaRPr lang="en-US" sz="1200" dirty="0" smtClean="0">
               <a:latin typeface="Comic Sans MS" pitchFamily="8" charset="0"/>
@@ -27748,7 +29679,7 @@
 </p:sld>
 </file>
 
-<file path=ppt/slides/slide43.xml><?xml version="1.0" encoding="utf-8"?>
+<file path=ppt/slides/slide45.xml><?xml version="1.0" encoding="utf-8"?>
 <p:sld xmlns:a="http://schemas.openxmlformats.org/drawingml/2006/main" xmlns:r="http://schemas.openxmlformats.org/officeDocument/2006/relationships" xmlns:p="http://schemas.openxmlformats.org/presentationml/2006/main" show="0">
   <p:cSld>
     <p:spTree>
@@ -27907,7 +29838,7 @@
                 <a:latin typeface="Comic Sans MS" pitchFamily="8" charset="0"/>
               </a:rPr>
               <a:pPr/>
-              <a:t>43</a:t>
+              <a:t>45</a:t>
             </a:fld>
             <a:endParaRPr lang="en-US" sz="1200" dirty="0" smtClean="0">
               <a:latin typeface="Comic Sans MS" pitchFamily="8" charset="0"/>
@@ -28003,7 +29934,7 @@
 </p:sld>
 </file>
 
-<file path=ppt/slides/slide44.xml><?xml version="1.0" encoding="utf-8"?>
+<file path=ppt/slides/slide46.xml><?xml version="1.0" encoding="utf-8"?>
 <p:sld xmlns:a="http://schemas.openxmlformats.org/drawingml/2006/main" xmlns:r="http://schemas.openxmlformats.org/officeDocument/2006/relationships" xmlns:p="http://schemas.openxmlformats.org/presentationml/2006/main" show="0">
   <p:cSld>
     <p:spTree>
@@ -28207,7 +30138,7 @@
                 <a:latin typeface="Comic Sans MS" pitchFamily="8" charset="0"/>
               </a:rPr>
               <a:pPr/>
-              <a:t>44</a:t>
+              <a:t>46</a:t>
             </a:fld>
             <a:endParaRPr lang="en-US" sz="1200" dirty="0" smtClean="0">
               <a:latin typeface="Comic Sans MS" pitchFamily="8" charset="0"/>
@@ -28450,7 +30381,7 @@
 </p:sld>
 </file>
 
-<file path=ppt/slides/slide45.xml><?xml version="1.0" encoding="utf-8"?>
+<file path=ppt/slides/slide47.xml><?xml version="1.0" encoding="utf-8"?>
 <p:sld xmlns:a="http://schemas.openxmlformats.org/drawingml/2006/main" xmlns:r="http://schemas.openxmlformats.org/officeDocument/2006/relationships" xmlns:p="http://schemas.openxmlformats.org/presentationml/2006/main" show="0">
   <p:cSld>
     <p:spTree>
@@ -28789,7 +30720,7 @@
                 <a:latin typeface="Comic Sans MS" pitchFamily="8" charset="0"/>
               </a:rPr>
               <a:pPr/>
-              <a:t>45</a:t>
+              <a:t>47</a:t>
             </a:fld>
             <a:endParaRPr lang="en-US" sz="1200" dirty="0" smtClean="0">
               <a:latin typeface="Comic Sans MS" pitchFamily="8" charset="0"/>
@@ -28965,7 +30896,7 @@
 </p:sld>
 </file>
 
-<file path=ppt/slides/slide46.xml><?xml version="1.0" encoding="utf-8"?>
+<file path=ppt/slides/slide48.xml><?xml version="1.0" encoding="utf-8"?>
 <p:sld xmlns:a="http://schemas.openxmlformats.org/drawingml/2006/main" xmlns:r="http://schemas.openxmlformats.org/officeDocument/2006/relationships" xmlns:p="http://schemas.openxmlformats.org/presentationml/2006/main" show="0">
   <p:cSld>
     <p:spTree>
@@ -29314,7 +31245,7 @@
                 <a:latin typeface="Comic Sans MS" pitchFamily="8" charset="0"/>
               </a:rPr>
               <a:pPr/>
-              <a:t>46</a:t>
+              <a:t>48</a:t>
             </a:fld>
             <a:endParaRPr lang="en-US" sz="1200" dirty="0" smtClean="0">
               <a:latin typeface="Comic Sans MS" pitchFamily="8" charset="0"/>
@@ -29588,7 +31519,7 @@
 </p:sld>
 </file>
 
-<file path=ppt/slides/slide47.xml><?xml version="1.0" encoding="utf-8"?>
+<file path=ppt/slides/slide49.xml><?xml version="1.0" encoding="utf-8"?>
 <p:sld xmlns:a="http://schemas.openxmlformats.org/drawingml/2006/main" xmlns:r="http://schemas.openxmlformats.org/officeDocument/2006/relationships" xmlns:p="http://schemas.openxmlformats.org/presentationml/2006/main" show="0">
   <p:cSld>
     <p:spTree>
@@ -29814,7 +31745,7 @@
                 <a:latin typeface="Comic Sans MS" pitchFamily="8" charset="0"/>
               </a:rPr>
               <a:pPr/>
-              <a:t>47</a:t>
+              <a:t>49</a:t>
             </a:fld>
             <a:endParaRPr lang="en-US" sz="1200" dirty="0" smtClean="0">
               <a:latin typeface="Comic Sans MS" pitchFamily="8" charset="0"/>
@@ -29984,363 +31915,6 @@
             </p:seq>
           </p:childTnLst>
         </p:cTn>
-      </p:par>
-    </p:tnLst>
-  </p:timing>
-</p:sld>
-</file>
-
-<file path=ppt/slides/slide48.xml><?xml version="1.0" encoding="utf-8"?>
-<p:sld xmlns:a="http://schemas.openxmlformats.org/drawingml/2006/main" xmlns:r="http://schemas.openxmlformats.org/officeDocument/2006/relationships" xmlns:p="http://schemas.openxmlformats.org/presentationml/2006/main">
-  <p:cSld>
-    <p:spTree>
-      <p:nvGrpSpPr>
-        <p:cNvPr id="1" name=""/>
-        <p:cNvGrpSpPr/>
-        <p:nvPr/>
-      </p:nvGrpSpPr>
-      <p:grpSpPr>
-        <a:xfrm>
-          <a:off x="0" y="0"/>
-          <a:ext cx="0" cy="0"/>
-          <a:chOff x="0" y="0"/>
-          <a:chExt cx="0" cy="0"/>
-        </a:xfrm>
-      </p:grpSpPr>
-      <p:sp>
-        <p:nvSpPr>
-          <p:cNvPr id="44034" name="Rectangle 2"/>
-          <p:cNvSpPr>
-            <a:spLocks noGrp="1" noChangeArrowheads="1"/>
-          </p:cNvSpPr>
-          <p:nvPr>
-            <p:ph type="title"/>
-          </p:nvPr>
-        </p:nvSpPr>
-        <p:spPr/>
-        <p:txBody>
-          <a:bodyPr/>
-          <a:lstStyle/>
-          <a:p>
-            <a:pPr eaLnBrk="1" hangingPunct="1"/>
-            <a:r>
-              <a:rPr lang="en-US" sz="4800" smtClean="0"/>
-              <a:t>Team Problems</a:t>
-            </a:r>
-          </a:p>
-        </p:txBody>
-      </p:sp>
-      <p:sp>
-        <p:nvSpPr>
-          <p:cNvPr id="44035" name="Rectangle 3"/>
-          <p:cNvSpPr>
-            <a:spLocks noGrp="1" noChangeArrowheads="1"/>
-          </p:cNvSpPr>
-          <p:nvPr>
-            <p:ph type="body" idx="1"/>
-          </p:nvPr>
-        </p:nvSpPr>
-        <p:spPr>
-          <a:xfrm>
-            <a:off x="228600" y="1752600"/>
-            <a:ext cx="8610600" cy="4343400"/>
-          </a:xfrm>
-        </p:spPr>
-        <p:txBody>
-          <a:bodyPr/>
-          <a:lstStyle/>
-          <a:p>
-            <a:pPr algn="ctr" eaLnBrk="1" hangingPunct="1">
-              <a:buFontTx/>
-              <a:buNone/>
-            </a:pPr>
-            <a:r>
-              <a:rPr lang="en-US" sz="10600" dirty="0" smtClean="0"/>
-              <a:t>Problems</a:t>
-            </a:r>
-          </a:p>
-          <a:p>
-            <a:pPr algn="ctr" eaLnBrk="1" hangingPunct="1">
-              <a:buFontTx/>
-              <a:buNone/>
-            </a:pPr>
-            <a:r>
-              <a:rPr lang="en-US" sz="10600" dirty="0" smtClean="0"/>
-              <a:t>0</a:t>
-            </a:r>
-            <a:r>
-              <a:rPr lang="en-US" sz="10600" b="1" dirty="0" smtClean="0">
-                <a:latin typeface="Euclid Symbol" charset="2"/>
-                <a:cs typeface="Euclid Symbol" charset="2"/>
-                <a:sym typeface="Euclid Symbol" pitchFamily="18" charset="2"/>
-              </a:rPr>
-              <a:t>−</a:t>
-            </a:r>
-            <a:r>
-              <a:rPr lang="en-US" sz="10600" dirty="0" smtClean="0"/>
-              <a:t>3</a:t>
-            </a:r>
-          </a:p>
-        </p:txBody>
-      </p:sp>
-      <p:sp>
-        <p:nvSpPr>
-          <p:cNvPr id="44036" name="Slide Number Placeholder 3"/>
-          <p:cNvSpPr>
-            <a:spLocks noGrp="1"/>
-          </p:cNvSpPr>
-          <p:nvPr>
-            <p:ph type="sldNum" sz="quarter" idx="10"/>
-          </p:nvPr>
-        </p:nvSpPr>
-        <p:spPr>
-          <a:noFill/>
-        </p:spPr>
-        <p:txBody>
-          <a:bodyPr/>
-          <a:lstStyle/>
-          <a:p>
-            <a:r>
-              <a:rPr lang="en-US" dirty="0" err="1" smtClean="0">
-                <a:latin typeface="Comic Sans MS" pitchFamily="8" charset="0"/>
-              </a:rPr>
-              <a:t>lec</a:t>
-            </a:r>
-            <a:r>
-              <a:rPr lang="en-US" dirty="0" smtClean="0">
-                <a:latin typeface="Comic Sans MS" pitchFamily="8" charset="0"/>
-              </a:rPr>
-              <a:t> 5W.</a:t>
-            </a:r>
-            <a:fld id="{07FBCCFB-3D10-4E22-81B9-FE6F7869D823}" type="slidenum">
-              <a:rPr lang="en-US" sz="1200" smtClean="0">
-                <a:latin typeface="Comic Sans MS" pitchFamily="8" charset="0"/>
-              </a:rPr>
-              <a:pPr/>
-              <a:t>48</a:t>
-            </a:fld>
-            <a:endParaRPr lang="en-US" sz="1200" dirty="0" smtClean="0">
-              <a:latin typeface="Comic Sans MS" pitchFamily="8" charset="0"/>
-            </a:endParaRPr>
-          </a:p>
-        </p:txBody>
-      </p:sp>
-    </p:spTree>
-  </p:cSld>
-  <p:clrMapOvr>
-    <a:masterClrMapping/>
-  </p:clrMapOvr>
-  <p:transition xmlns:p14="http://schemas.microsoft.com/office/powerpoint/2010/main"/>
-  <p:timing>
-    <p:tnLst>
-      <p:par>
-        <p:cTn xmlns:p14="http://schemas.microsoft.com/office/powerpoint/2010/main" id="1" dur="indefinite" restart="never" nodeType="tmRoot"/>
-      </p:par>
-    </p:tnLst>
-  </p:timing>
-</p:sld>
-</file>
-
-<file path=ppt/slides/slide49.xml><?xml version="1.0" encoding="utf-8"?>
-<p:sld xmlns:a="http://schemas.openxmlformats.org/drawingml/2006/main" xmlns:r="http://schemas.openxmlformats.org/officeDocument/2006/relationships" xmlns:p="http://schemas.openxmlformats.org/presentationml/2006/main">
-  <p:cSld>
-    <p:spTree>
-      <p:nvGrpSpPr>
-        <p:cNvPr id="1" name=""/>
-        <p:cNvGrpSpPr/>
-        <p:nvPr/>
-      </p:nvGrpSpPr>
-      <p:grpSpPr>
-        <a:xfrm>
-          <a:off x="0" y="0"/>
-          <a:ext cx="0" cy="0"/>
-          <a:chOff x="0" y="0"/>
-          <a:chExt cx="0" cy="0"/>
-        </a:xfrm>
-      </p:grpSpPr>
-      <p:sp>
-        <p:nvSpPr>
-          <p:cNvPr id="44034" name="Rectangle 2"/>
-          <p:cNvSpPr>
-            <a:spLocks noGrp="1" noChangeArrowheads="1"/>
-          </p:cNvSpPr>
-          <p:nvPr>
-            <p:ph type="title"/>
-          </p:nvPr>
-        </p:nvSpPr>
-        <p:spPr/>
-        <p:txBody>
-          <a:bodyPr/>
-          <a:lstStyle/>
-          <a:p>
-            <a:pPr eaLnBrk="1" hangingPunct="1"/>
-            <a:r>
-              <a:rPr lang="en-US" sz="4800" dirty="0" smtClean="0"/>
-              <a:t>Problem 0.</a:t>
-            </a:r>
-          </a:p>
-        </p:txBody>
-      </p:sp>
-      <p:sp>
-        <p:nvSpPr>
-          <p:cNvPr id="44035" name="Rectangle 3"/>
-          <p:cNvSpPr>
-            <a:spLocks noGrp="1" noChangeArrowheads="1"/>
-          </p:cNvSpPr>
-          <p:nvPr>
-            <p:ph type="body" idx="1"/>
-          </p:nvPr>
-        </p:nvSpPr>
-        <p:spPr>
-          <a:xfrm>
-            <a:off x="266700" y="1295400"/>
-            <a:ext cx="8610600" cy="4343400"/>
-          </a:xfrm>
-        </p:spPr>
-        <p:txBody>
-          <a:bodyPr/>
-          <a:lstStyle/>
-          <a:p>
-            <a:pPr eaLnBrk="1" hangingPunct="1">
-              <a:buFontTx/>
-              <a:buNone/>
-            </a:pPr>
-            <a:r>
-              <a:rPr lang="en-US" sz="6000" dirty="0" smtClean="0"/>
-              <a:t>Use the </a:t>
-            </a:r>
-            <a:r>
-              <a:rPr lang="en-US" sz="6000" dirty="0" err="1" smtClean="0"/>
-              <a:t>Pulverizer</a:t>
-            </a:r>
-            <a:r>
-              <a:rPr lang="en-US" sz="6000" dirty="0" smtClean="0"/>
-              <a:t> to </a:t>
-            </a:r>
-            <a:r>
-              <a:rPr lang="en-US" sz="6000" dirty="0" smtClean="0"/>
-              <a:t>express </a:t>
-            </a:r>
-            <a:r>
-              <a:rPr lang="en-US" sz="6000" dirty="0" smtClean="0"/>
-              <a:t>GCD(</a:t>
-            </a:r>
-            <a:r>
-              <a:rPr lang="en-US" sz="6000" dirty="0" smtClean="0">
-                <a:solidFill>
-                  <a:srgbClr val="0000CC"/>
-                </a:solidFill>
-              </a:rPr>
-              <a:t>50</a:t>
-            </a:r>
-            <a:r>
-              <a:rPr lang="en-US" sz="6000" dirty="0" smtClean="0"/>
-              <a:t>, </a:t>
-            </a:r>
-            <a:r>
-              <a:rPr lang="en-US" sz="6000" dirty="0" smtClean="0">
-                <a:solidFill>
-                  <a:srgbClr val="0000CC"/>
-                </a:solidFill>
-              </a:rPr>
-              <a:t>21</a:t>
-            </a:r>
-            <a:r>
-              <a:rPr lang="en-US" sz="6000" smtClean="0"/>
-              <a:t>) </a:t>
-            </a:r>
-            <a:r>
-              <a:rPr lang="en-US" sz="6000" smtClean="0"/>
-              <a:t>as a </a:t>
-            </a:r>
-            <a:r>
-              <a:rPr lang="en-US" sz="6000" dirty="0" smtClean="0"/>
-              <a:t>linear combination of </a:t>
-            </a:r>
-            <a:r>
-              <a:rPr lang="en-US" sz="6000" dirty="0" smtClean="0">
-                <a:solidFill>
-                  <a:srgbClr val="0000CC"/>
-                </a:solidFill>
-              </a:rPr>
-              <a:t>50</a:t>
-            </a:r>
-            <a:r>
-              <a:rPr lang="en-US" sz="6000" dirty="0" smtClean="0"/>
-              <a:t> </a:t>
-            </a:r>
-            <a:r>
-              <a:rPr lang="en-US" sz="6000" dirty="0" smtClean="0"/>
-              <a:t>and </a:t>
-            </a:r>
-            <a:r>
-              <a:rPr lang="en-US" sz="6000" dirty="0" smtClean="0">
-                <a:solidFill>
-                  <a:srgbClr val="0000CC"/>
-                </a:solidFill>
-              </a:rPr>
-              <a:t>21</a:t>
-            </a:r>
-          </a:p>
-        </p:txBody>
-      </p:sp>
-      <p:sp>
-        <p:nvSpPr>
-          <p:cNvPr id="44036" name="Slide Number Placeholder 3"/>
-          <p:cNvSpPr>
-            <a:spLocks noGrp="1"/>
-          </p:cNvSpPr>
-          <p:nvPr>
-            <p:ph type="sldNum" sz="quarter" idx="10"/>
-          </p:nvPr>
-        </p:nvSpPr>
-        <p:spPr>
-          <a:noFill/>
-        </p:spPr>
-        <p:txBody>
-          <a:bodyPr/>
-          <a:lstStyle/>
-          <a:p>
-            <a:r>
-              <a:rPr lang="en-US" dirty="0" err="1" smtClean="0">
-                <a:latin typeface="Comic Sans MS" pitchFamily="8" charset="0"/>
-              </a:rPr>
-              <a:t>lec</a:t>
-            </a:r>
-            <a:r>
-              <a:rPr lang="en-US" dirty="0" smtClean="0">
-                <a:latin typeface="Comic Sans MS" pitchFamily="8" charset="0"/>
-              </a:rPr>
-              <a:t> 5W.</a:t>
-            </a:r>
-            <a:fld id="{07FBCCFB-3D10-4E22-81B9-FE6F7869D823}" type="slidenum">
-              <a:rPr lang="en-US" sz="1200" smtClean="0">
-                <a:latin typeface="Comic Sans MS" pitchFamily="8" charset="0"/>
-              </a:rPr>
-              <a:pPr/>
-              <a:t>49</a:t>
-            </a:fld>
-            <a:endParaRPr lang="en-US" sz="1200" dirty="0" smtClean="0">
-              <a:latin typeface="Comic Sans MS" pitchFamily="8" charset="0"/>
-            </a:endParaRPr>
-          </a:p>
-        </p:txBody>
-      </p:sp>
-    </p:spTree>
-    <p:extLst>
-      <p:ext uri="{BB962C8B-B14F-4D97-AF65-F5344CB8AC3E}">
-        <p14:creationId xmlns:p14="http://schemas.microsoft.com/office/powerpoint/2010/main" val="1530283392"/>
-      </p:ext>
-    </p:extLst>
-  </p:cSld>
-  <p:clrMapOvr>
-    <a:masterClrMapping/>
-  </p:clrMapOvr>
-  <p:transition xmlns:p14="http://schemas.microsoft.com/office/powerpoint/2010/main"/>
-  <p:timing>
-    <p:tnLst>
-      <p:par>
-        <p:cTn xmlns:p14="http://schemas.microsoft.com/office/powerpoint/2010/main" id="1" dur="indefinite" restart="never" nodeType="tmRoot"/>
       </p:par>
     </p:tnLst>
   </p:timing>
@@ -30944,6 +32518,347 @@
     <p:bldLst>
       <p:bldP spid="724995" grpId="0" uiExpand="1" build="p"/>
     </p:bldLst>
+  </p:timing>
+</p:sld>
+</file>
+
+<file path=ppt/slides/slide50.xml><?xml version="1.0" encoding="utf-8"?>
+<p:sld xmlns:a="http://schemas.openxmlformats.org/drawingml/2006/main" xmlns:r="http://schemas.openxmlformats.org/officeDocument/2006/relationships" xmlns:p="http://schemas.openxmlformats.org/presentationml/2006/main">
+  <p:cSld>
+    <p:spTree>
+      <p:nvGrpSpPr>
+        <p:cNvPr id="1" name=""/>
+        <p:cNvGrpSpPr/>
+        <p:nvPr/>
+      </p:nvGrpSpPr>
+      <p:grpSpPr>
+        <a:xfrm>
+          <a:off x="0" y="0"/>
+          <a:ext cx="0" cy="0"/>
+          <a:chOff x="0" y="0"/>
+          <a:chExt cx="0" cy="0"/>
+        </a:xfrm>
+      </p:grpSpPr>
+      <p:sp>
+        <p:nvSpPr>
+          <p:cNvPr id="44034" name="Rectangle 2"/>
+          <p:cNvSpPr>
+            <a:spLocks noGrp="1" noChangeArrowheads="1"/>
+          </p:cNvSpPr>
+          <p:nvPr>
+            <p:ph type="title"/>
+          </p:nvPr>
+        </p:nvSpPr>
+        <p:spPr/>
+        <p:txBody>
+          <a:bodyPr/>
+          <a:lstStyle/>
+          <a:p>
+            <a:pPr eaLnBrk="1" hangingPunct="1"/>
+            <a:r>
+              <a:rPr lang="en-US" sz="4800" smtClean="0"/>
+              <a:t>Team Problems</a:t>
+            </a:r>
+          </a:p>
+        </p:txBody>
+      </p:sp>
+      <p:sp>
+        <p:nvSpPr>
+          <p:cNvPr id="44035" name="Rectangle 3"/>
+          <p:cNvSpPr>
+            <a:spLocks noGrp="1" noChangeArrowheads="1"/>
+          </p:cNvSpPr>
+          <p:nvPr>
+            <p:ph type="body" idx="1"/>
+          </p:nvPr>
+        </p:nvSpPr>
+        <p:spPr>
+          <a:xfrm>
+            <a:off x="228600" y="1752600"/>
+            <a:ext cx="8610600" cy="4343400"/>
+          </a:xfrm>
+        </p:spPr>
+        <p:txBody>
+          <a:bodyPr/>
+          <a:lstStyle/>
+          <a:p>
+            <a:pPr algn="ctr" eaLnBrk="1" hangingPunct="1">
+              <a:buFontTx/>
+              <a:buNone/>
+            </a:pPr>
+            <a:r>
+              <a:rPr lang="en-US" sz="10600" dirty="0" smtClean="0"/>
+              <a:t>Problems</a:t>
+            </a:r>
+          </a:p>
+          <a:p>
+            <a:pPr algn="ctr" eaLnBrk="1" hangingPunct="1">
+              <a:buFontTx/>
+              <a:buNone/>
+            </a:pPr>
+            <a:r>
+              <a:rPr lang="en-US" sz="10600" dirty="0" smtClean="0"/>
+              <a:t>0</a:t>
+            </a:r>
+            <a:r>
+              <a:rPr lang="en-US" sz="10600" b="1" dirty="0" smtClean="0">
+                <a:latin typeface="Euclid Symbol" charset="2"/>
+                <a:cs typeface="Euclid Symbol" charset="2"/>
+                <a:sym typeface="Euclid Symbol" pitchFamily="18" charset="2"/>
+              </a:rPr>
+              <a:t>−</a:t>
+            </a:r>
+            <a:r>
+              <a:rPr lang="en-US" sz="10600" dirty="0" smtClean="0"/>
+              <a:t>3</a:t>
+            </a:r>
+          </a:p>
+        </p:txBody>
+      </p:sp>
+      <p:sp>
+        <p:nvSpPr>
+          <p:cNvPr id="44036" name="Slide Number Placeholder 3"/>
+          <p:cNvSpPr>
+            <a:spLocks noGrp="1"/>
+          </p:cNvSpPr>
+          <p:nvPr>
+            <p:ph type="sldNum" sz="quarter" idx="10"/>
+          </p:nvPr>
+        </p:nvSpPr>
+        <p:spPr>
+          <a:noFill/>
+        </p:spPr>
+        <p:txBody>
+          <a:bodyPr/>
+          <a:lstStyle/>
+          <a:p>
+            <a:r>
+              <a:rPr lang="en-US" dirty="0" err="1" smtClean="0">
+                <a:latin typeface="Comic Sans MS" pitchFamily="8" charset="0"/>
+              </a:rPr>
+              <a:t>lec</a:t>
+            </a:r>
+            <a:r>
+              <a:rPr lang="en-US" dirty="0" smtClean="0">
+                <a:latin typeface="Comic Sans MS" pitchFamily="8" charset="0"/>
+              </a:rPr>
+              <a:t> 5W.</a:t>
+            </a:r>
+            <a:fld id="{07FBCCFB-3D10-4E22-81B9-FE6F7869D823}" type="slidenum">
+              <a:rPr lang="en-US" sz="1200" smtClean="0">
+                <a:latin typeface="Comic Sans MS" pitchFamily="8" charset="0"/>
+              </a:rPr>
+              <a:pPr/>
+              <a:t>50</a:t>
+            </a:fld>
+            <a:endParaRPr lang="en-US" sz="1200" dirty="0" smtClean="0">
+              <a:latin typeface="Comic Sans MS" pitchFamily="8" charset="0"/>
+            </a:endParaRPr>
+          </a:p>
+        </p:txBody>
+      </p:sp>
+    </p:spTree>
+  </p:cSld>
+  <p:clrMapOvr>
+    <a:masterClrMapping/>
+  </p:clrMapOvr>
+  <p:transition xmlns:p14="http://schemas.microsoft.com/office/powerpoint/2010/main"/>
+  <p:timing>
+    <p:tnLst>
+      <p:par>
+        <p:cTn xmlns:p14="http://schemas.microsoft.com/office/powerpoint/2010/main" id="1" dur="indefinite" restart="never" nodeType="tmRoot"/>
+      </p:par>
+    </p:tnLst>
+  </p:timing>
+</p:sld>
+</file>
+
+<file path=ppt/slides/slide51.xml><?xml version="1.0" encoding="utf-8"?>
+<p:sld xmlns:a="http://schemas.openxmlformats.org/drawingml/2006/main" xmlns:r="http://schemas.openxmlformats.org/officeDocument/2006/relationships" xmlns:p="http://schemas.openxmlformats.org/presentationml/2006/main">
+  <p:cSld>
+    <p:spTree>
+      <p:nvGrpSpPr>
+        <p:cNvPr id="1" name=""/>
+        <p:cNvGrpSpPr/>
+        <p:nvPr/>
+      </p:nvGrpSpPr>
+      <p:grpSpPr>
+        <a:xfrm>
+          <a:off x="0" y="0"/>
+          <a:ext cx="0" cy="0"/>
+          <a:chOff x="0" y="0"/>
+          <a:chExt cx="0" cy="0"/>
+        </a:xfrm>
+      </p:grpSpPr>
+      <p:sp>
+        <p:nvSpPr>
+          <p:cNvPr id="44034" name="Rectangle 2"/>
+          <p:cNvSpPr>
+            <a:spLocks noGrp="1" noChangeArrowheads="1"/>
+          </p:cNvSpPr>
+          <p:nvPr>
+            <p:ph type="title"/>
+          </p:nvPr>
+        </p:nvSpPr>
+        <p:spPr/>
+        <p:txBody>
+          <a:bodyPr/>
+          <a:lstStyle/>
+          <a:p>
+            <a:pPr eaLnBrk="1" hangingPunct="1"/>
+            <a:r>
+              <a:rPr lang="en-US" sz="4800" dirty="0" smtClean="0"/>
+              <a:t>Problem 0.</a:t>
+            </a:r>
+          </a:p>
+        </p:txBody>
+      </p:sp>
+      <p:sp>
+        <p:nvSpPr>
+          <p:cNvPr id="44035" name="Rectangle 3"/>
+          <p:cNvSpPr>
+            <a:spLocks noGrp="1" noChangeArrowheads="1"/>
+          </p:cNvSpPr>
+          <p:nvPr>
+            <p:ph type="body" idx="1"/>
+          </p:nvPr>
+        </p:nvSpPr>
+        <p:spPr>
+          <a:xfrm>
+            <a:off x="266700" y="1295400"/>
+            <a:ext cx="8610600" cy="4343400"/>
+          </a:xfrm>
+        </p:spPr>
+        <p:txBody>
+          <a:bodyPr/>
+          <a:lstStyle/>
+          <a:p>
+            <a:pPr eaLnBrk="1" hangingPunct="1">
+              <a:buFontTx/>
+              <a:buNone/>
+            </a:pPr>
+            <a:r>
+              <a:rPr lang="en-US" sz="6000" dirty="0" smtClean="0"/>
+              <a:t>Use the </a:t>
+            </a:r>
+            <a:r>
+              <a:rPr lang="en-US" sz="6000" dirty="0" err="1" smtClean="0"/>
+              <a:t>Pulverizer</a:t>
+            </a:r>
+            <a:r>
+              <a:rPr lang="en-US" sz="6000" dirty="0" smtClean="0"/>
+              <a:t> to express GCD(</a:t>
+            </a:r>
+            <a:r>
+              <a:rPr lang="en-US" sz="6000" dirty="0" smtClean="0">
+                <a:solidFill>
+                  <a:srgbClr val="0000CC"/>
+                </a:solidFill>
+              </a:rPr>
+              <a:t>50</a:t>
+            </a:r>
+            <a:r>
+              <a:rPr lang="en-US" sz="6000" dirty="0" smtClean="0"/>
+              <a:t>, </a:t>
+            </a:r>
+            <a:r>
+              <a:rPr lang="en-US" sz="6000" dirty="0" smtClean="0">
+                <a:solidFill>
+                  <a:srgbClr val="0000CC"/>
+                </a:solidFill>
+              </a:rPr>
+              <a:t>21</a:t>
+            </a:r>
+            <a:r>
+              <a:rPr lang="en-US" sz="6000" smtClean="0"/>
+              <a:t>) as a </a:t>
+            </a:r>
+            <a:r>
+              <a:rPr lang="en-US" sz="6000" dirty="0" smtClean="0"/>
+              <a:t>linear combination of </a:t>
+            </a:r>
+            <a:r>
+              <a:rPr lang="en-US" sz="6000" dirty="0" smtClean="0">
+                <a:solidFill>
+                  <a:srgbClr val="0000CC"/>
+                </a:solidFill>
+              </a:rPr>
+              <a:t>50</a:t>
+            </a:r>
+            <a:r>
+              <a:rPr lang="en-US" sz="6000" dirty="0" smtClean="0"/>
+              <a:t> and </a:t>
+            </a:r>
+            <a:r>
+              <a:rPr lang="en-US" sz="6000" dirty="0" smtClean="0">
+                <a:solidFill>
+                  <a:srgbClr val="0000CC"/>
+                </a:solidFill>
+              </a:rPr>
+              <a:t>21</a:t>
+            </a:r>
+          </a:p>
+        </p:txBody>
+      </p:sp>
+      <p:sp>
+        <p:nvSpPr>
+          <p:cNvPr id="44036" name="Slide Number Placeholder 3"/>
+          <p:cNvSpPr>
+            <a:spLocks noGrp="1"/>
+          </p:cNvSpPr>
+          <p:nvPr>
+            <p:ph type="sldNum" sz="quarter" idx="10"/>
+          </p:nvPr>
+        </p:nvSpPr>
+        <p:spPr>
+          <a:noFill/>
+        </p:spPr>
+        <p:txBody>
+          <a:bodyPr/>
+          <a:lstStyle/>
+          <a:p>
+            <a:r>
+              <a:rPr lang="en-US" dirty="0" err="1" smtClean="0">
+                <a:latin typeface="Comic Sans MS" pitchFamily="8" charset="0"/>
+              </a:rPr>
+              <a:t>lec</a:t>
+            </a:r>
+            <a:r>
+              <a:rPr lang="en-US" dirty="0" smtClean="0">
+                <a:latin typeface="Comic Sans MS" pitchFamily="8" charset="0"/>
+              </a:rPr>
+              <a:t> 5W.</a:t>
+            </a:r>
+            <a:fld id="{07FBCCFB-3D10-4E22-81B9-FE6F7869D823}" type="slidenum">
+              <a:rPr lang="en-US" sz="1200" smtClean="0">
+                <a:latin typeface="Comic Sans MS" pitchFamily="8" charset="0"/>
+              </a:rPr>
+              <a:pPr/>
+              <a:t>51</a:t>
+            </a:fld>
+            <a:endParaRPr lang="en-US" sz="1200" dirty="0" smtClean="0">
+              <a:latin typeface="Comic Sans MS" pitchFamily="8" charset="0"/>
+            </a:endParaRPr>
+          </a:p>
+        </p:txBody>
+      </p:sp>
+    </p:spTree>
+    <p:extLst>
+      <p:ext uri="{BB962C8B-B14F-4D97-AF65-F5344CB8AC3E}">
+        <p14:creationId xmlns:p14="http://schemas.microsoft.com/office/powerpoint/2010/main" val="1530283392"/>
+      </p:ext>
+    </p:extLst>
+  </p:cSld>
+  <p:clrMapOvr>
+    <a:masterClrMapping/>
+  </p:clrMapOvr>
+  <p:transition xmlns:p14="http://schemas.microsoft.com/office/powerpoint/2010/main"/>
+  <p:timing>
+    <p:tnLst>
+      <p:par>
+        <p:cTn xmlns:p14="http://schemas.microsoft.com/office/powerpoint/2010/main" id="1" dur="indefinite" restart="never" nodeType="tmRoot"/>
+      </p:par>
+    </p:tnLst>
   </p:timing>
 </p:sld>
 </file>
